--- a/Cybersecurity Management UPC - Sistemas Ubicuos iOS.pptx
+++ b/Cybersecurity Management UPC - Sistemas Ubicuos iOS.pptx
@@ -7,7 +7,8 @@
   <p:sldIdLst>
     <p:sldId id="256" r:id="rId2"/>
     <p:sldId id="257" r:id="rId3"/>
-    <p:sldId id="258" r:id="rId4"/>
+    <p:sldId id="261" r:id="rId4"/>
+    <p:sldId id="260" r:id="rId5"/>
   </p:sldIdLst>
   <p:sldSz cx="9144000" cy="6858000" type="screen4x3"/>
   <p:notesSz cx="6858000" cy="9144000"/>
@@ -290,7 +291,8 @@
           <a:p>
             <a:fld id="{335082A6-BC9C-46CB-A312-29A9E19DC25D}" type="datetimeFigureOut">
               <a:rPr lang="ca-ES" smtClean="0"/>
-              <a:t>16/06/2019</a:t>
+              <a:pPr/>
+              <a:t>18/06/2019</a:t>
             </a:fld>
             <a:endParaRPr lang="ca-ES"/>
           </a:p>
@@ -332,6 +334,7 @@
           <a:p>
             <a:fld id="{F0DDBFE9-5A50-4899-BFD1-0BE91B0BD11B}" type="slidenum">
               <a:rPr lang="ca-ES" smtClean="0"/>
+              <a:pPr/>
               <a:t>‹Nº›</a:t>
             </a:fld>
             <a:endParaRPr lang="ca-ES"/>
@@ -455,7 +458,8 @@
           <a:p>
             <a:fld id="{335082A6-BC9C-46CB-A312-29A9E19DC25D}" type="datetimeFigureOut">
               <a:rPr lang="ca-ES" smtClean="0"/>
-              <a:t>16/06/2019</a:t>
+              <a:pPr/>
+              <a:t>18/06/2019</a:t>
             </a:fld>
             <a:endParaRPr lang="ca-ES"/>
           </a:p>
@@ -497,6 +501,7 @@
           <a:p>
             <a:fld id="{F0DDBFE9-5A50-4899-BFD1-0BE91B0BD11B}" type="slidenum">
               <a:rPr lang="ca-ES" smtClean="0"/>
+              <a:pPr/>
               <a:t>‹Nº›</a:t>
             </a:fld>
             <a:endParaRPr lang="ca-ES"/>
@@ -630,7 +635,8 @@
           <a:p>
             <a:fld id="{335082A6-BC9C-46CB-A312-29A9E19DC25D}" type="datetimeFigureOut">
               <a:rPr lang="ca-ES" smtClean="0"/>
-              <a:t>16/06/2019</a:t>
+              <a:pPr/>
+              <a:t>18/06/2019</a:t>
             </a:fld>
             <a:endParaRPr lang="ca-ES"/>
           </a:p>
@@ -672,6 +678,7 @@
           <a:p>
             <a:fld id="{F0DDBFE9-5A50-4899-BFD1-0BE91B0BD11B}" type="slidenum">
               <a:rPr lang="ca-ES" smtClean="0"/>
+              <a:pPr/>
               <a:t>‹Nº›</a:t>
             </a:fld>
             <a:endParaRPr lang="ca-ES"/>
@@ -795,7 +802,8 @@
           <a:p>
             <a:fld id="{335082A6-BC9C-46CB-A312-29A9E19DC25D}" type="datetimeFigureOut">
               <a:rPr lang="ca-ES" smtClean="0"/>
-              <a:t>16/06/2019</a:t>
+              <a:pPr/>
+              <a:t>18/06/2019</a:t>
             </a:fld>
             <a:endParaRPr lang="ca-ES"/>
           </a:p>
@@ -837,6 +845,7 @@
           <a:p>
             <a:fld id="{F0DDBFE9-5A50-4899-BFD1-0BE91B0BD11B}" type="slidenum">
               <a:rPr lang="ca-ES" smtClean="0"/>
+              <a:pPr/>
               <a:t>‹Nº›</a:t>
             </a:fld>
             <a:endParaRPr lang="ca-ES"/>
@@ -1036,7 +1045,8 @@
           <a:p>
             <a:fld id="{335082A6-BC9C-46CB-A312-29A9E19DC25D}" type="datetimeFigureOut">
               <a:rPr lang="ca-ES" smtClean="0"/>
-              <a:t>16/06/2019</a:t>
+              <a:pPr/>
+              <a:t>18/06/2019</a:t>
             </a:fld>
             <a:endParaRPr lang="ca-ES"/>
           </a:p>
@@ -1078,6 +1088,7 @@
           <a:p>
             <a:fld id="{F0DDBFE9-5A50-4899-BFD1-0BE91B0BD11B}" type="slidenum">
               <a:rPr lang="ca-ES" smtClean="0"/>
+              <a:pPr/>
               <a:t>‹Nº›</a:t>
             </a:fld>
             <a:endParaRPr lang="ca-ES"/>
@@ -1319,7 +1330,8 @@
           <a:p>
             <a:fld id="{335082A6-BC9C-46CB-A312-29A9E19DC25D}" type="datetimeFigureOut">
               <a:rPr lang="ca-ES" smtClean="0"/>
-              <a:t>16/06/2019</a:t>
+              <a:pPr/>
+              <a:t>18/06/2019</a:t>
             </a:fld>
             <a:endParaRPr lang="ca-ES"/>
           </a:p>
@@ -1361,6 +1373,7 @@
           <a:p>
             <a:fld id="{F0DDBFE9-5A50-4899-BFD1-0BE91B0BD11B}" type="slidenum">
               <a:rPr lang="ca-ES" smtClean="0"/>
+              <a:pPr/>
               <a:t>‹Nº›</a:t>
             </a:fld>
             <a:endParaRPr lang="ca-ES"/>
@@ -1736,7 +1749,8 @@
           <a:p>
             <a:fld id="{335082A6-BC9C-46CB-A312-29A9E19DC25D}" type="datetimeFigureOut">
               <a:rPr lang="ca-ES" smtClean="0"/>
-              <a:t>16/06/2019</a:t>
+              <a:pPr/>
+              <a:t>18/06/2019</a:t>
             </a:fld>
             <a:endParaRPr lang="ca-ES"/>
           </a:p>
@@ -1778,6 +1792,7 @@
           <a:p>
             <a:fld id="{F0DDBFE9-5A50-4899-BFD1-0BE91B0BD11B}" type="slidenum">
               <a:rPr lang="ca-ES" smtClean="0"/>
+              <a:pPr/>
               <a:t>‹Nº›</a:t>
             </a:fld>
             <a:endParaRPr lang="ca-ES"/>
@@ -1849,7 +1864,8 @@
           <a:p>
             <a:fld id="{335082A6-BC9C-46CB-A312-29A9E19DC25D}" type="datetimeFigureOut">
               <a:rPr lang="ca-ES" smtClean="0"/>
-              <a:t>16/06/2019</a:t>
+              <a:pPr/>
+              <a:t>18/06/2019</a:t>
             </a:fld>
             <a:endParaRPr lang="ca-ES"/>
           </a:p>
@@ -1891,6 +1907,7 @@
           <a:p>
             <a:fld id="{F0DDBFE9-5A50-4899-BFD1-0BE91B0BD11B}" type="slidenum">
               <a:rPr lang="ca-ES" smtClean="0"/>
+              <a:pPr/>
               <a:t>‹Nº›</a:t>
             </a:fld>
             <a:endParaRPr lang="ca-ES"/>
@@ -1939,7 +1956,8 @@
           <a:p>
             <a:fld id="{335082A6-BC9C-46CB-A312-29A9E19DC25D}" type="datetimeFigureOut">
               <a:rPr lang="ca-ES" smtClean="0"/>
-              <a:t>16/06/2019</a:t>
+              <a:pPr/>
+              <a:t>18/06/2019</a:t>
             </a:fld>
             <a:endParaRPr lang="ca-ES"/>
           </a:p>
@@ -1981,6 +1999,7 @@
           <a:p>
             <a:fld id="{F0DDBFE9-5A50-4899-BFD1-0BE91B0BD11B}" type="slidenum">
               <a:rPr lang="ca-ES" smtClean="0"/>
+              <a:pPr/>
               <a:t>‹Nº›</a:t>
             </a:fld>
             <a:endParaRPr lang="ca-ES"/>
@@ -2211,7 +2230,8 @@
           <a:p>
             <a:fld id="{335082A6-BC9C-46CB-A312-29A9E19DC25D}" type="datetimeFigureOut">
               <a:rPr lang="ca-ES" smtClean="0"/>
-              <a:t>16/06/2019</a:t>
+              <a:pPr/>
+              <a:t>18/06/2019</a:t>
             </a:fld>
             <a:endParaRPr lang="ca-ES"/>
           </a:p>
@@ -2253,6 +2273,7 @@
           <a:p>
             <a:fld id="{F0DDBFE9-5A50-4899-BFD1-0BE91B0BD11B}" type="slidenum">
               <a:rPr lang="ca-ES" smtClean="0"/>
+              <a:pPr/>
               <a:t>‹Nº›</a:t>
             </a:fld>
             <a:endParaRPr lang="ca-ES"/>
@@ -2459,7 +2480,8 @@
           <a:p>
             <a:fld id="{335082A6-BC9C-46CB-A312-29A9E19DC25D}" type="datetimeFigureOut">
               <a:rPr lang="ca-ES" smtClean="0"/>
-              <a:t>16/06/2019</a:t>
+              <a:pPr/>
+              <a:t>18/06/2019</a:t>
             </a:fld>
             <a:endParaRPr lang="ca-ES"/>
           </a:p>
@@ -2501,6 +2523,7 @@
           <a:p>
             <a:fld id="{F0DDBFE9-5A50-4899-BFD1-0BE91B0BD11B}" type="slidenum">
               <a:rPr lang="ca-ES" smtClean="0"/>
+              <a:pPr/>
               <a:t>‹Nº›</a:t>
             </a:fld>
             <a:endParaRPr lang="ca-ES"/>
@@ -2667,7 +2690,8 @@
           <a:p>
             <a:fld id="{335082A6-BC9C-46CB-A312-29A9E19DC25D}" type="datetimeFigureOut">
               <a:rPr lang="ca-ES" smtClean="0"/>
-              <a:t>16/06/2019</a:t>
+              <a:pPr/>
+              <a:t>18/06/2019</a:t>
             </a:fld>
             <a:endParaRPr lang="ca-ES"/>
           </a:p>
@@ -2745,6 +2769,7 @@
           <a:p>
             <a:fld id="{F0DDBFE9-5A50-4899-BFD1-0BE91B0BD11B}" type="slidenum">
               <a:rPr lang="ca-ES" smtClean="0"/>
+              <a:pPr/>
               <a:t>‹Nº›</a:t>
             </a:fld>
             <a:endParaRPr lang="ca-ES"/>
@@ -3443,234 +3468,457 @@
         </p:nvSpPr>
         <p:spPr/>
         <p:txBody>
-          <a:bodyPr/>
-          <a:lstStyle/>
-          <a:p>
-            <a:r>
-              <a:rPr lang="ca-ES" dirty="0" err="1" smtClean="0">
-                <a:latin typeface="Cambria" pitchFamily="18" charset="0"/>
-              </a:rPr>
-              <a:t>Requerimientos</a:t>
-            </a:r>
-            <a:r>
-              <a:rPr lang="ca-ES" dirty="0" smtClean="0">
-                <a:latin typeface="Cambria" pitchFamily="18" charset="0"/>
-              </a:rPr>
-              <a:t> Entorno</a:t>
-            </a:r>
-            <a:endParaRPr lang="ca-ES" dirty="0">
-              <a:latin typeface="Cambria" pitchFamily="18" charset="0"/>
-            </a:endParaRPr>
-          </a:p>
-        </p:txBody>
-      </p:sp>
-      <p:sp>
-        <p:nvSpPr>
-          <p:cNvPr id="3" name="2 Marcador de contenido"/>
-          <p:cNvSpPr>
-            <a:spLocks noGrp="1"/>
-          </p:cNvSpPr>
-          <p:nvPr>
-            <p:ph idx="1"/>
-          </p:nvPr>
-        </p:nvSpPr>
-        <p:spPr/>
-        <p:txBody>
           <a:bodyPr>
             <a:normAutofit/>
           </a:bodyPr>
           <a:lstStyle/>
           <a:p>
             <a:r>
-              <a:rPr lang="ca-ES" dirty="0" err="1" smtClean="0">
-                <a:latin typeface="Cambria" pitchFamily="18" charset="0"/>
-              </a:rPr>
-              <a:t>Dynamic</a:t>
-            </a:r>
-            <a:r>
-              <a:rPr lang="ca-ES" dirty="0" smtClean="0">
-                <a:latin typeface="Cambria" pitchFamily="18" charset="0"/>
+              <a:rPr lang="ca-ES" sz="3200" b="1" dirty="0" err="1" smtClean="0">
+                <a:latin typeface="Cambria" pitchFamily="18" charset="0"/>
+                <a:ea typeface="+mn-ea"/>
+                <a:cs typeface="+mn-cs"/>
+              </a:rPr>
+              <a:t>Descripción</a:t>
+            </a:r>
+            <a:r>
+              <a:rPr lang="ca-ES" sz="3200" b="1" dirty="0" smtClean="0">
+                <a:latin typeface="Cambria" pitchFamily="18" charset="0"/>
+                <a:ea typeface="+mn-ea"/>
+                <a:cs typeface="+mn-cs"/>
+              </a:rPr>
+              <a:t> de la </a:t>
+            </a:r>
+            <a:r>
+              <a:rPr lang="ca-ES" sz="3200" b="1" dirty="0" err="1" smtClean="0">
+                <a:latin typeface="Cambria" pitchFamily="18" charset="0"/>
+                <a:ea typeface="+mn-ea"/>
+                <a:cs typeface="+mn-cs"/>
+              </a:rPr>
+              <a:t>práctica</a:t>
+            </a:r>
+            <a:endParaRPr lang="ca-ES" sz="3200" b="1" dirty="0">
+              <a:latin typeface="Cambria" pitchFamily="18" charset="0"/>
+              <a:ea typeface="+mn-ea"/>
+              <a:cs typeface="+mn-cs"/>
+            </a:endParaRPr>
+          </a:p>
+        </p:txBody>
+      </p:sp>
+      <p:sp>
+        <p:nvSpPr>
+          <p:cNvPr id="3" name="2 Marcador de contenido"/>
+          <p:cNvSpPr>
+            <a:spLocks noGrp="1"/>
+          </p:cNvSpPr>
+          <p:nvPr>
+            <p:ph idx="1"/>
+          </p:nvPr>
+        </p:nvSpPr>
+        <p:spPr/>
+        <p:txBody>
+          <a:bodyPr>
+            <a:normAutofit/>
+          </a:bodyPr>
+          <a:lstStyle/>
+          <a:p>
+            <a:pPr marL="514350" indent="-514350">
+              <a:buFont typeface="+mj-lt"/>
+              <a:buAutoNum type="arabicPeriod"/>
+            </a:pPr>
+            <a:r>
+              <a:rPr lang="ca-ES" sz="2800" dirty="0" smtClean="0">
+                <a:latin typeface="Cambria" pitchFamily="18" charset="0"/>
+                <a:ea typeface="+mj-ea"/>
+                <a:cs typeface="+mj-cs"/>
+              </a:rPr>
+              <a:t>Iniciar la </a:t>
+            </a:r>
+            <a:r>
+              <a:rPr lang="ca-ES" sz="2800" dirty="0" err="1" smtClean="0">
+                <a:latin typeface="Cambria" pitchFamily="18" charset="0"/>
+                <a:ea typeface="+mj-ea"/>
+                <a:cs typeface="+mj-cs"/>
+              </a:rPr>
+              <a:t>aplicación</a:t>
+            </a:r>
+            <a:endParaRPr lang="ca-ES" sz="2800" dirty="0" smtClean="0">
+              <a:latin typeface="Cambria" pitchFamily="18" charset="0"/>
+              <a:ea typeface="+mj-ea"/>
+              <a:cs typeface="+mj-cs"/>
+            </a:endParaRPr>
+          </a:p>
+          <a:p>
+            <a:pPr marL="514350" indent="-514350">
+              <a:buFont typeface="+mj-lt"/>
+              <a:buAutoNum type="arabicPeriod"/>
+            </a:pPr>
+            <a:r>
+              <a:rPr lang="ca-ES" sz="2800" dirty="0" err="1" smtClean="0">
+                <a:latin typeface="Cambria" pitchFamily="18" charset="0"/>
+                <a:ea typeface="+mj-ea"/>
+                <a:cs typeface="+mj-cs"/>
+              </a:rPr>
+              <a:t>Realizar</a:t>
+            </a:r>
+            <a:r>
+              <a:rPr lang="ca-ES" sz="2800" dirty="0" smtClean="0">
+                <a:latin typeface="Cambria" pitchFamily="18" charset="0"/>
+                <a:ea typeface="+mj-ea"/>
+                <a:cs typeface="+mj-cs"/>
+              </a:rPr>
+              <a:t> un bypass de una </a:t>
+            </a:r>
+            <a:r>
+              <a:rPr lang="ca-ES" sz="2800" dirty="0" err="1" smtClean="0">
+                <a:latin typeface="Cambria" pitchFamily="18" charset="0"/>
+                <a:ea typeface="+mj-ea"/>
+                <a:cs typeface="+mj-cs"/>
+              </a:rPr>
+              <a:t>detección</a:t>
+            </a:r>
+            <a:r>
+              <a:rPr lang="ca-ES" sz="2800" dirty="0" smtClean="0">
+                <a:latin typeface="Cambria" pitchFamily="18" charset="0"/>
+                <a:ea typeface="+mj-ea"/>
+                <a:cs typeface="+mj-cs"/>
+              </a:rPr>
+              <a:t> de </a:t>
+            </a:r>
+            <a:r>
+              <a:rPr lang="ca-ES" sz="2800" dirty="0" err="1" smtClean="0">
+                <a:latin typeface="Cambria" pitchFamily="18" charset="0"/>
+                <a:ea typeface="+mj-ea"/>
+                <a:cs typeface="+mj-cs"/>
+              </a:rPr>
+              <a:t>Jailbreak</a:t>
+            </a:r>
+            <a:endParaRPr lang="ca-ES" sz="2800" dirty="0">
+              <a:latin typeface="Cambria" pitchFamily="18" charset="0"/>
+              <a:ea typeface="+mj-ea"/>
+              <a:cs typeface="+mj-cs"/>
+            </a:endParaRPr>
+          </a:p>
+          <a:p>
+            <a:pPr marL="514350" indent="-514350">
+              <a:buFont typeface="+mj-lt"/>
+              <a:buAutoNum type="arabicPeriod"/>
+            </a:pPr>
+            <a:r>
+              <a:rPr lang="ca-ES" sz="2800" dirty="0" err="1" smtClean="0">
+                <a:latin typeface="Cambria" pitchFamily="18" charset="0"/>
+                <a:ea typeface="+mj-ea"/>
+                <a:cs typeface="+mj-cs"/>
+              </a:rPr>
+              <a:t>Obtención</a:t>
+            </a:r>
+            <a:r>
+              <a:rPr lang="ca-ES" sz="2800" dirty="0" smtClean="0">
+                <a:latin typeface="Cambria" pitchFamily="18" charset="0"/>
+                <a:ea typeface="+mj-ea"/>
+                <a:cs typeface="+mj-cs"/>
+              </a:rPr>
+              <a:t> de </a:t>
+            </a:r>
+            <a:r>
+              <a:rPr lang="ca-ES" sz="2800" dirty="0" err="1" smtClean="0">
+                <a:latin typeface="Cambria" pitchFamily="18" charset="0"/>
+                <a:ea typeface="+mj-ea"/>
+                <a:cs typeface="+mj-cs"/>
+              </a:rPr>
+              <a:t>información</a:t>
+            </a:r>
+            <a:r>
+              <a:rPr lang="ca-ES" sz="2800" dirty="0" smtClean="0">
+                <a:latin typeface="Cambria" pitchFamily="18" charset="0"/>
+                <a:ea typeface="+mj-ea"/>
+                <a:cs typeface="+mj-cs"/>
+              </a:rPr>
+              <a:t> sensible</a:t>
+            </a:r>
+            <a:endParaRPr lang="ca-ES" sz="2400" dirty="0" smtClean="0">
+              <a:latin typeface="Cambria" pitchFamily="18" charset="0"/>
+              <a:ea typeface="+mj-ea"/>
+              <a:cs typeface="+mj-cs"/>
+            </a:endParaRPr>
+          </a:p>
+          <a:p>
+            <a:pPr marL="514350" indent="-514350">
+              <a:buFont typeface="+mj-lt"/>
+              <a:buAutoNum type="arabicPeriod"/>
+            </a:pPr>
+            <a:r>
+              <a:rPr lang="ca-ES" sz="2800" dirty="0" err="1" smtClean="0">
+                <a:latin typeface="Cambria" pitchFamily="18" charset="0"/>
+                <a:ea typeface="+mj-ea"/>
+                <a:cs typeface="+mj-cs"/>
+              </a:rPr>
+              <a:t>Realizar</a:t>
+            </a:r>
+            <a:r>
+              <a:rPr lang="ca-ES" sz="2800" dirty="0" smtClean="0">
+                <a:latin typeface="Cambria" pitchFamily="18" charset="0"/>
+                <a:ea typeface="+mj-ea"/>
+                <a:cs typeface="+mj-cs"/>
+              </a:rPr>
+              <a:t> un bypass de </a:t>
+            </a:r>
+            <a:r>
+              <a:rPr lang="ca-ES" sz="2800" dirty="0" err="1" smtClean="0">
+                <a:latin typeface="Cambria" pitchFamily="18" charset="0"/>
+                <a:ea typeface="+mj-ea"/>
+                <a:cs typeface="+mj-cs"/>
+              </a:rPr>
+              <a:t>login</a:t>
+            </a:r>
+            <a:endParaRPr lang="ca-ES" sz="2800" dirty="0" smtClean="0">
+              <a:latin typeface="Cambria" pitchFamily="18" charset="0"/>
+              <a:ea typeface="+mj-ea"/>
+              <a:cs typeface="+mj-cs"/>
+            </a:endParaRPr>
+          </a:p>
+          <a:p>
+            <a:pPr marL="514350" indent="-514350">
+              <a:buFont typeface="+mj-lt"/>
+              <a:buAutoNum type="arabicPeriod"/>
+            </a:pPr>
+            <a:r>
+              <a:rPr lang="ca-ES" sz="2800" dirty="0" smtClean="0">
+                <a:latin typeface="Cambria" pitchFamily="18" charset="0"/>
+                <a:ea typeface="+mj-ea"/>
+                <a:cs typeface="+mj-cs"/>
+              </a:rPr>
+              <a:t>Interceptar </a:t>
+            </a:r>
+            <a:r>
+              <a:rPr lang="ca-ES" sz="2800" dirty="0" err="1" smtClean="0">
+                <a:latin typeface="Cambria" pitchFamily="18" charset="0"/>
+                <a:ea typeface="+mj-ea"/>
+                <a:cs typeface="+mj-cs"/>
+              </a:rPr>
+              <a:t>varias</a:t>
+            </a:r>
+            <a:r>
+              <a:rPr lang="ca-ES" sz="2800" dirty="0" smtClean="0">
+                <a:latin typeface="Cambria" pitchFamily="18" charset="0"/>
+                <a:ea typeface="+mj-ea"/>
+                <a:cs typeface="+mj-cs"/>
               </a:rPr>
               <a:t> </a:t>
             </a:r>
             <a:r>
-              <a:rPr lang="ca-ES" dirty="0" err="1" smtClean="0">
-                <a:latin typeface="Cambria" pitchFamily="18" charset="0"/>
-              </a:rPr>
-              <a:t>AnalysisExercise</a:t>
-            </a:r>
-            <a:endParaRPr lang="ca-ES" dirty="0" smtClean="0">
+              <a:rPr lang="ca-ES" sz="2800" dirty="0" err="1" smtClean="0">
+                <a:latin typeface="Cambria" pitchFamily="18" charset="0"/>
+                <a:ea typeface="+mj-ea"/>
+                <a:cs typeface="+mj-cs"/>
+              </a:rPr>
+              <a:t>llamadas</a:t>
+            </a:r>
+            <a:r>
+              <a:rPr lang="ca-ES" sz="2800" dirty="0" smtClean="0">
+                <a:latin typeface="Cambria" pitchFamily="18" charset="0"/>
+                <a:ea typeface="+mj-ea"/>
+                <a:cs typeface="+mj-cs"/>
+              </a:rPr>
+              <a:t> de forma </a:t>
+            </a:r>
+            <a:r>
+              <a:rPr lang="ca-ES" sz="2800" dirty="0" err="1" smtClean="0">
+                <a:latin typeface="Cambria" pitchFamily="18" charset="0"/>
+                <a:ea typeface="+mj-ea"/>
+                <a:cs typeface="+mj-cs"/>
+              </a:rPr>
+              <a:t>dinámica</a:t>
+            </a:r>
+            <a:endParaRPr lang="ca-ES" sz="2800" dirty="0" smtClean="0">
               <a:latin typeface="Cambria" pitchFamily="18" charset="0"/>
+              <a:ea typeface="+mj-ea"/>
+              <a:cs typeface="+mj-cs"/>
             </a:endParaRPr>
           </a:p>
           <a:p>
-            <a:pPr marL="360363" lvl="1" indent="0">
-              <a:buNone/>
+            <a:pPr lvl="1">
+              <a:buFont typeface="Arial" pitchFamily="34" charset="0"/>
+              <a:buChar char="•"/>
             </a:pPr>
             <a:r>
-              <a:rPr lang="ca-ES" sz="2000" dirty="0" err="1" smtClean="0">
-                <a:latin typeface="Cambria" pitchFamily="18" charset="0"/>
-              </a:rPr>
-              <a:t>Aplicación</a:t>
-            </a:r>
-            <a:r>
-              <a:rPr lang="ca-ES" sz="2000" dirty="0">
-                <a:latin typeface="Cambria" pitchFamily="18" charset="0"/>
+              <a:rPr lang="ca-ES" sz="2400" dirty="0" err="1" smtClean="0">
+                <a:latin typeface="Cambria" pitchFamily="18" charset="0"/>
+                <a:ea typeface="+mj-ea"/>
+                <a:cs typeface="+mj-cs"/>
+              </a:rPr>
+              <a:t>Obtener</a:t>
+            </a:r>
+            <a:r>
+              <a:rPr lang="ca-ES" sz="2400" dirty="0" smtClean="0">
+                <a:latin typeface="Cambria" pitchFamily="18" charset="0"/>
+                <a:ea typeface="+mj-ea"/>
+                <a:cs typeface="+mj-cs"/>
               </a:rPr>
               <a:t> </a:t>
             </a:r>
             <a:r>
-              <a:rPr lang="ca-ES" sz="2000" dirty="0" smtClean="0">
-                <a:latin typeface="Cambria" pitchFamily="18" charset="0"/>
-              </a:rPr>
-              <a:t>con </a:t>
-            </a:r>
-            <a:r>
-              <a:rPr lang="ca-ES" sz="2000" dirty="0" err="1" smtClean="0">
-                <a:latin typeface="Cambria" pitchFamily="18" charset="0"/>
-              </a:rPr>
-              <a:t>vulnerabilidades</a:t>
-            </a:r>
-            <a:r>
-              <a:rPr lang="ca-ES" sz="2000" dirty="0" smtClean="0">
-                <a:latin typeface="Cambria" pitchFamily="18" charset="0"/>
-              </a:rPr>
-              <a:t> para el uso de la </a:t>
-            </a:r>
-            <a:r>
-              <a:rPr lang="ca-ES" sz="2000" dirty="0" err="1" smtClean="0">
-                <a:latin typeface="Cambria" pitchFamily="18" charset="0"/>
-              </a:rPr>
-              <a:t>práctica</a:t>
-            </a:r>
-            <a:r>
-              <a:rPr lang="ca-ES" sz="2000" dirty="0" smtClean="0">
-                <a:latin typeface="Cambria" pitchFamily="18" charset="0"/>
-              </a:rPr>
-              <a:t>.</a:t>
-            </a:r>
-          </a:p>
-          <a:p>
-            <a:r>
-              <a:rPr lang="ca-ES" dirty="0" err="1" smtClean="0">
-                <a:latin typeface="Cambria" pitchFamily="18" charset="0"/>
-              </a:rPr>
-              <a:t>Frida</a:t>
-            </a:r>
-            <a:endParaRPr lang="ca-ES" dirty="0">
+              <a:rPr lang="ca-ES" sz="2400" dirty="0" err="1" smtClean="0">
+                <a:latin typeface="Cambria" pitchFamily="18" charset="0"/>
+                <a:ea typeface="+mj-ea"/>
+                <a:cs typeface="+mj-cs"/>
+              </a:rPr>
+              <a:t>información</a:t>
+            </a:r>
+            <a:r>
+              <a:rPr lang="ca-ES" sz="2400" dirty="0" smtClean="0">
+                <a:latin typeface="Cambria" pitchFamily="18" charset="0"/>
+                <a:ea typeface="+mj-ea"/>
+                <a:cs typeface="+mj-cs"/>
+              </a:rPr>
+              <a:t> del </a:t>
+            </a:r>
+            <a:r>
+              <a:rPr lang="ca-ES" sz="2400" dirty="0" err="1" smtClean="0">
+                <a:latin typeface="Cambria" pitchFamily="18" charset="0"/>
+                <a:ea typeface="+mj-ea"/>
+                <a:cs typeface="+mj-cs"/>
+              </a:rPr>
+              <a:t>Keychain</a:t>
+            </a:r>
+            <a:endParaRPr lang="ca-ES" sz="2400" dirty="0" smtClean="0">
               <a:latin typeface="Cambria" pitchFamily="18" charset="0"/>
+              <a:ea typeface="+mj-ea"/>
+              <a:cs typeface="+mj-cs"/>
             </a:endParaRPr>
           </a:p>
           <a:p>
-            <a:pPr>
-              <a:buNone/>
+            <a:pPr lvl="1">
+              <a:buFont typeface="Arial" pitchFamily="34" charset="0"/>
+              <a:buChar char="•"/>
             </a:pPr>
             <a:r>
-              <a:rPr lang="ca-ES" sz="2000" dirty="0" smtClean="0">
-                <a:latin typeface="Cambria" pitchFamily="18" charset="0"/>
-              </a:rPr>
-              <a:t>	</a:t>
-            </a:r>
-            <a:r>
-              <a:rPr lang="ca-ES" sz="2000" dirty="0" err="1" smtClean="0">
-                <a:latin typeface="Cambria" pitchFamily="18" charset="0"/>
-              </a:rPr>
-              <a:t>Herramienta</a:t>
-            </a:r>
-            <a:r>
-              <a:rPr lang="ca-ES" sz="2000" dirty="0" smtClean="0">
-                <a:latin typeface="Cambria" pitchFamily="18" charset="0"/>
-              </a:rPr>
-              <a:t> para el </a:t>
-            </a:r>
-            <a:r>
-              <a:rPr lang="ca-ES" sz="2000" dirty="0" err="1" smtClean="0">
-                <a:latin typeface="Cambria" pitchFamily="18" charset="0"/>
-              </a:rPr>
-              <a:t>análisis</a:t>
-            </a:r>
-            <a:r>
-              <a:rPr lang="ca-ES" sz="2000" dirty="0" smtClean="0">
-                <a:latin typeface="Cambria" pitchFamily="18" charset="0"/>
+              <a:rPr lang="ca-ES" sz="2400" dirty="0" err="1" smtClean="0">
+                <a:latin typeface="Cambria" pitchFamily="18" charset="0"/>
+                <a:ea typeface="+mj-ea"/>
+                <a:cs typeface="+mj-cs"/>
+              </a:rPr>
+              <a:t>Obtener</a:t>
+            </a:r>
+            <a:r>
+              <a:rPr lang="ca-ES" sz="2400" dirty="0" smtClean="0">
+                <a:latin typeface="Cambria" pitchFamily="18" charset="0"/>
+                <a:ea typeface="+mj-ea"/>
+                <a:cs typeface="+mj-cs"/>
               </a:rPr>
               <a:t> </a:t>
             </a:r>
             <a:r>
-              <a:rPr lang="ca-ES" sz="2000" dirty="0" err="1" smtClean="0">
-                <a:latin typeface="Cambria" pitchFamily="18" charset="0"/>
-              </a:rPr>
-              <a:t>dinámico</a:t>
-            </a:r>
-            <a:r>
-              <a:rPr lang="ca-ES" sz="2000" dirty="0" smtClean="0">
-                <a:latin typeface="Cambria" pitchFamily="18" charset="0"/>
+              <a:rPr lang="ca-ES" sz="2400" dirty="0" err="1" smtClean="0">
+                <a:latin typeface="Cambria" pitchFamily="18" charset="0"/>
+                <a:ea typeface="+mj-ea"/>
+                <a:cs typeface="+mj-cs"/>
+              </a:rPr>
+              <a:t>información</a:t>
+            </a:r>
+            <a:r>
+              <a:rPr lang="ca-ES" sz="2400" dirty="0" smtClean="0">
+                <a:latin typeface="Cambria" pitchFamily="18" charset="0"/>
+                <a:ea typeface="+mj-ea"/>
+                <a:cs typeface="+mj-cs"/>
               </a:rPr>
               <a:t> de </a:t>
             </a:r>
             <a:r>
-              <a:rPr lang="ca-ES" sz="2000" dirty="0" err="1" smtClean="0">
-                <a:latin typeface="Cambria" pitchFamily="18" charset="0"/>
-              </a:rPr>
-              <a:t>aplicaciones</a:t>
-            </a:r>
-            <a:r>
-              <a:rPr lang="ca-ES" sz="2000" dirty="0" smtClean="0">
-                <a:latin typeface="Cambria" pitchFamily="18" charset="0"/>
-              </a:rPr>
-              <a:t> en </a:t>
-            </a:r>
-            <a:r>
-              <a:rPr lang="ca-ES" sz="2000" smtClean="0">
-                <a:latin typeface="Cambria" pitchFamily="18" charset="0"/>
-              </a:rPr>
-              <a:t>iOS</a:t>
-            </a:r>
-            <a:endParaRPr lang="ca-ES" sz="2000" dirty="0">
+              <a:rPr lang="ca-ES" sz="2400" dirty="0" err="1" smtClean="0">
+                <a:latin typeface="Cambria" pitchFamily="18" charset="0"/>
+                <a:ea typeface="+mj-ea"/>
+                <a:cs typeface="+mj-cs"/>
+              </a:rPr>
+              <a:t>ficheros</a:t>
+            </a:r>
+            <a:r>
+              <a:rPr lang="ca-ES" sz="2400" dirty="0" smtClean="0">
+                <a:latin typeface="Cambria" pitchFamily="18" charset="0"/>
+                <a:ea typeface="+mj-ea"/>
+                <a:cs typeface="+mj-cs"/>
+              </a:rPr>
+              <a:t> </a:t>
+            </a:r>
+            <a:r>
+              <a:rPr lang="ca-ES" sz="2400" dirty="0" err="1" smtClean="0">
+                <a:latin typeface="Cambria" pitchFamily="18" charset="0"/>
+                <a:ea typeface="+mj-ea"/>
+                <a:cs typeface="+mj-cs"/>
+              </a:rPr>
+              <a:t>creados</a:t>
+            </a:r>
+            <a:endParaRPr lang="ca-ES" sz="2400" dirty="0" smtClean="0">
               <a:latin typeface="Cambria" pitchFamily="18" charset="0"/>
+              <a:ea typeface="+mj-ea"/>
+              <a:cs typeface="+mj-cs"/>
             </a:endParaRPr>
           </a:p>
           <a:p>
-            <a:r>
-              <a:rPr lang="ca-ES" dirty="0" err="1" smtClean="0">
-                <a:latin typeface="Cambria" pitchFamily="18" charset="0"/>
-              </a:rPr>
-              <a:t>FridaGadget.dylib</a:t>
-            </a:r>
-            <a:endParaRPr lang="ca-ES" dirty="0" smtClean="0">
+            <a:pPr lvl="1">
+              <a:buFont typeface="Arial" pitchFamily="34" charset="0"/>
+              <a:buChar char="•"/>
+            </a:pPr>
+            <a:r>
+              <a:rPr lang="ca-ES" sz="2400" dirty="0" err="1" smtClean="0">
+                <a:latin typeface="Cambria" pitchFamily="18" charset="0"/>
+                <a:ea typeface="+mj-ea"/>
+                <a:cs typeface="+mj-cs"/>
+              </a:rPr>
+              <a:t>Obtener</a:t>
+            </a:r>
+            <a:r>
+              <a:rPr lang="ca-ES" sz="2400" dirty="0" smtClean="0">
+                <a:latin typeface="Cambria" pitchFamily="18" charset="0"/>
+                <a:ea typeface="+mj-ea"/>
+                <a:cs typeface="+mj-cs"/>
+              </a:rPr>
+              <a:t> </a:t>
+            </a:r>
+            <a:r>
+              <a:rPr lang="ca-ES" sz="2400" dirty="0" err="1" smtClean="0">
+                <a:latin typeface="Cambria" pitchFamily="18" charset="0"/>
+                <a:ea typeface="+mj-ea"/>
+                <a:cs typeface="+mj-cs"/>
+              </a:rPr>
+              <a:t>información</a:t>
+            </a:r>
+            <a:r>
+              <a:rPr lang="ca-ES" sz="2400" dirty="0" smtClean="0">
+                <a:latin typeface="Cambria" pitchFamily="18" charset="0"/>
+                <a:ea typeface="+mj-ea"/>
+                <a:cs typeface="+mj-cs"/>
+              </a:rPr>
+              <a:t> de una </a:t>
+            </a:r>
+            <a:r>
+              <a:rPr lang="ca-ES" sz="2400" dirty="0" err="1" smtClean="0">
+                <a:latin typeface="Cambria" pitchFamily="18" charset="0"/>
+                <a:ea typeface="+mj-ea"/>
+                <a:cs typeface="+mj-cs"/>
+              </a:rPr>
+              <a:t>conexión</a:t>
+            </a:r>
+            <a:r>
+              <a:rPr lang="ca-ES" sz="2400" dirty="0" smtClean="0">
+                <a:latin typeface="Cambria" pitchFamily="18" charset="0"/>
+                <a:ea typeface="+mj-ea"/>
+                <a:cs typeface="+mj-cs"/>
+              </a:rPr>
+              <a:t> </a:t>
+            </a:r>
+            <a:r>
+              <a:rPr lang="ca-ES" sz="2400" dirty="0" err="1" smtClean="0">
+                <a:latin typeface="Cambria" pitchFamily="18" charset="0"/>
+                <a:ea typeface="+mj-ea"/>
+                <a:cs typeface="+mj-cs"/>
+              </a:rPr>
+              <a:t>realizada</a:t>
+            </a:r>
+            <a:endParaRPr lang="ca-ES" sz="2400" dirty="0">
               <a:latin typeface="Cambria" pitchFamily="18" charset="0"/>
-            </a:endParaRPr>
-          </a:p>
-          <a:p>
-            <a:r>
-              <a:rPr lang="ca-ES" dirty="0" err="1" smtClean="0">
-                <a:latin typeface="Cambria" pitchFamily="18" charset="0"/>
-              </a:rPr>
-              <a:t>Classs-dump</a:t>
-            </a:r>
-            <a:endParaRPr lang="ca-ES" dirty="0" smtClean="0">
-              <a:latin typeface="Cambria" pitchFamily="18" charset="0"/>
-            </a:endParaRPr>
-          </a:p>
-          <a:p>
-            <a:r>
-              <a:rPr lang="ca-ES" dirty="0" err="1" smtClean="0">
-                <a:latin typeface="Cambria" pitchFamily="18" charset="0"/>
-              </a:rPr>
-              <a:t>Brew</a:t>
-            </a:r>
-            <a:endParaRPr lang="ca-ES" dirty="0" smtClean="0">
-              <a:latin typeface="Cambria" pitchFamily="18" charset="0"/>
-            </a:endParaRPr>
-          </a:p>
-          <a:p>
-            <a:r>
-              <a:rPr lang="ca-ES" dirty="0" err="1" smtClean="0">
-                <a:latin typeface="Cambria" pitchFamily="18" charset="0"/>
-              </a:rPr>
-              <a:t>Python</a:t>
-            </a:r>
-            <a:endParaRPr lang="ca-ES" dirty="0">
-              <a:latin typeface="Cambria" pitchFamily="18" charset="0"/>
+              <a:ea typeface="+mj-ea"/>
+              <a:cs typeface="+mj-cs"/>
             </a:endParaRPr>
           </a:p>
         </p:txBody>
@@ -3712,14 +3960,32 @@
         </p:nvSpPr>
         <p:spPr/>
         <p:txBody>
-          <a:bodyPr/>
-          <a:lstStyle/>
-          <a:p>
-            <a:r>
-              <a:rPr lang="ca-ES" dirty="0" smtClean="0"/>
-              <a:t>Entorno</a:t>
-            </a:r>
-            <a:endParaRPr lang="ca-ES" dirty="0"/>
+          <a:bodyPr>
+            <a:normAutofit/>
+          </a:bodyPr>
+          <a:lstStyle/>
+          <a:p>
+            <a:r>
+              <a:rPr lang="ca-ES" sz="3200" b="1" dirty="0" err="1" smtClean="0">
+                <a:latin typeface="Cambria" pitchFamily="18" charset="0"/>
+                <a:ea typeface="+mn-ea"/>
+                <a:cs typeface="+mn-cs"/>
+              </a:rPr>
+              <a:t>Preparación</a:t>
+            </a:r>
+            <a:r>
+              <a:rPr lang="ca-ES" sz="3200" b="1" dirty="0" smtClean="0">
+                <a:latin typeface="Cambria" pitchFamily="18" charset="0"/>
+                <a:ea typeface="+mn-ea"/>
+                <a:cs typeface="+mn-cs"/>
+              </a:rPr>
+              <a:t> del entorno</a:t>
+            </a:r>
+            <a:endParaRPr lang="ca-ES" sz="3200" b="1" dirty="0">
+              <a:latin typeface="Cambria" pitchFamily="18" charset="0"/>
+              <a:ea typeface="+mn-ea"/>
+              <a:cs typeface="+mn-cs"/>
+            </a:endParaRPr>
           </a:p>
         </p:txBody>
       </p:sp>
@@ -3735,38 +4001,553 @@
         </p:nvSpPr>
         <p:spPr/>
         <p:txBody>
-          <a:bodyPr/>
-          <a:lstStyle/>
-          <a:p>
-            <a:r>
-              <a:rPr lang="ca-ES" dirty="0" err="1" smtClean="0"/>
-              <a:t>XCode</a:t>
-            </a:r>
-            <a:endParaRPr lang="ca-ES" dirty="0" smtClean="0"/>
-          </a:p>
-          <a:p>
-            <a:r>
-              <a:rPr lang="ca-ES" dirty="0" err="1" smtClean="0"/>
+          <a:bodyPr>
+            <a:normAutofit fontScale="85000" lnSpcReduction="20000"/>
+          </a:bodyPr>
+          <a:lstStyle/>
+          <a:p>
+            <a:pPr indent="17463">
+              <a:buNone/>
+            </a:pPr>
+            <a:r>
+              <a:rPr lang="ca-ES" sz="2800" dirty="0" smtClean="0">
+                <a:latin typeface="Cambria" pitchFamily="18" charset="0"/>
+              </a:rPr>
+              <a:t>Para la </a:t>
+            </a:r>
+            <a:r>
+              <a:rPr lang="ca-ES" sz="2800" dirty="0" err="1" smtClean="0">
+                <a:latin typeface="Cambria" pitchFamily="18" charset="0"/>
+              </a:rPr>
+              <a:t>realización</a:t>
+            </a:r>
+            <a:r>
+              <a:rPr lang="ca-ES" sz="2800" dirty="0" smtClean="0">
+                <a:latin typeface="Cambria" pitchFamily="18" charset="0"/>
+              </a:rPr>
+              <a:t> de la </a:t>
+            </a:r>
+            <a:r>
+              <a:rPr lang="ca-ES" sz="2800" dirty="0" err="1" smtClean="0">
+                <a:latin typeface="Cambria" pitchFamily="18" charset="0"/>
+              </a:rPr>
+              <a:t>práctica</a:t>
+            </a:r>
+            <a:r>
+              <a:rPr lang="ca-ES" sz="2800" dirty="0" smtClean="0">
+                <a:latin typeface="Cambria" pitchFamily="18" charset="0"/>
+              </a:rPr>
+              <a:t> es </a:t>
+            </a:r>
+            <a:r>
+              <a:rPr lang="ca-ES" sz="2800" dirty="0" err="1" smtClean="0">
+                <a:latin typeface="Cambria" pitchFamily="18" charset="0"/>
+              </a:rPr>
+              <a:t>necesario</a:t>
+            </a:r>
+            <a:r>
+              <a:rPr lang="ca-ES" sz="2800" dirty="0" smtClean="0">
+                <a:latin typeface="Cambria" pitchFamily="18" charset="0"/>
+              </a:rPr>
+              <a:t> </a:t>
+            </a:r>
+            <a:r>
+              <a:rPr lang="ca-ES" sz="2800" dirty="0" err="1" smtClean="0">
+                <a:latin typeface="Cambria" pitchFamily="18" charset="0"/>
+              </a:rPr>
+              <a:t>disponer</a:t>
+            </a:r>
+            <a:r>
+              <a:rPr lang="ca-ES" sz="2800" dirty="0" smtClean="0">
+                <a:latin typeface="Cambria" pitchFamily="18" charset="0"/>
+              </a:rPr>
+              <a:t> de las </a:t>
+            </a:r>
+            <a:r>
+              <a:rPr lang="ca-ES" sz="2800" dirty="0" err="1" smtClean="0">
+                <a:latin typeface="Cambria" pitchFamily="18" charset="0"/>
+              </a:rPr>
+              <a:t>siguientes</a:t>
+            </a:r>
+            <a:r>
+              <a:rPr lang="ca-ES" sz="2800" dirty="0" smtClean="0">
+                <a:latin typeface="Cambria" pitchFamily="18" charset="0"/>
+              </a:rPr>
+              <a:t> </a:t>
+            </a:r>
+            <a:r>
+              <a:rPr lang="ca-ES" sz="2800" dirty="0" err="1" smtClean="0">
+                <a:latin typeface="Cambria" pitchFamily="18" charset="0"/>
+              </a:rPr>
+              <a:t>aplicaciones</a:t>
+            </a:r>
+            <a:r>
+              <a:rPr lang="ca-ES" sz="2800" dirty="0" smtClean="0">
+                <a:latin typeface="Cambria" pitchFamily="18" charset="0"/>
+              </a:rPr>
+              <a:t>:</a:t>
+            </a:r>
+          </a:p>
+          <a:p>
+            <a:pPr indent="17463">
+              <a:buNone/>
+            </a:pPr>
+            <a:endParaRPr lang="ca-ES" sz="2800" dirty="0" smtClean="0">
+              <a:latin typeface="Cambria" pitchFamily="18" charset="0"/>
+            </a:endParaRPr>
+          </a:p>
+          <a:p>
+            <a:r>
+              <a:rPr lang="ca-ES" sz="2800" dirty="0" err="1" smtClean="0">
+                <a:latin typeface="Cambria" pitchFamily="18" charset="0"/>
+              </a:rPr>
+              <a:t>xCode</a:t>
+            </a:r>
+            <a:r>
+              <a:rPr lang="ca-ES" sz="2800" dirty="0" smtClean="0">
+                <a:latin typeface="Cambria" pitchFamily="18" charset="0"/>
+              </a:rPr>
+              <a:t> y </a:t>
+            </a:r>
+            <a:r>
+              <a:rPr lang="ca-ES" sz="2800" dirty="0" err="1" smtClean="0">
+                <a:latin typeface="Cambria" pitchFamily="18" charset="0"/>
+              </a:rPr>
               <a:t>iOS</a:t>
             </a:r>
             <a:r>
-              <a:rPr lang="ca-ES" dirty="0" smtClean="0"/>
+              <a:rPr lang="ca-ES" sz="2800" dirty="0" smtClean="0">
+                <a:latin typeface="Cambria" pitchFamily="18" charset="0"/>
+              </a:rPr>
               <a:t> Simulator</a:t>
             </a:r>
           </a:p>
           <a:p>
             <a:r>
-              <a:rPr lang="ca-ES" dirty="0" err="1" smtClean="0"/>
+              <a:rPr lang="ca-ES" sz="2800" dirty="0" err="1" smtClean="0">
+                <a:latin typeface="Cambria" pitchFamily="18" charset="0"/>
+              </a:rPr>
+              <a:t>Dynamic</a:t>
+            </a:r>
+            <a:r>
+              <a:rPr lang="ca-ES" sz="2800" dirty="0" smtClean="0">
+                <a:latin typeface="Cambria" pitchFamily="18" charset="0"/>
+              </a:rPr>
+              <a:t> </a:t>
+            </a:r>
+            <a:r>
+              <a:rPr lang="ca-ES" sz="2800" dirty="0" err="1" smtClean="0">
+                <a:latin typeface="Cambria" pitchFamily="18" charset="0"/>
+              </a:rPr>
+              <a:t>AnalysisExercise</a:t>
+            </a:r>
+            <a:endParaRPr lang="ca-ES" sz="2800" dirty="0" smtClean="0">
+              <a:latin typeface="Cambria" pitchFamily="18" charset="0"/>
+            </a:endParaRPr>
+          </a:p>
+          <a:p>
+            <a:pPr marL="360363" lvl="1" indent="0">
+              <a:buNone/>
+            </a:pPr>
+            <a:r>
+              <a:rPr lang="ca-ES" sz="2000" dirty="0" err="1" smtClean="0">
+                <a:latin typeface="Cambria" pitchFamily="18" charset="0"/>
+              </a:rPr>
+              <a:t>Aplicación</a:t>
+            </a:r>
+            <a:r>
+              <a:rPr lang="ca-ES" sz="2000" dirty="0" smtClean="0">
+                <a:latin typeface="Cambria" pitchFamily="18" charset="0"/>
+              </a:rPr>
+              <a:t> con </a:t>
+            </a:r>
+            <a:r>
+              <a:rPr lang="ca-ES" sz="2000" dirty="0" err="1" smtClean="0">
+                <a:latin typeface="Cambria" pitchFamily="18" charset="0"/>
+              </a:rPr>
+              <a:t>vulnerabilidades</a:t>
+            </a:r>
+            <a:r>
+              <a:rPr lang="ca-ES" sz="2000" dirty="0" smtClean="0">
+                <a:latin typeface="Cambria" pitchFamily="18" charset="0"/>
+              </a:rPr>
+              <a:t> para el uso de la </a:t>
+            </a:r>
+            <a:r>
+              <a:rPr lang="ca-ES" sz="2000" dirty="0" err="1" smtClean="0">
+                <a:latin typeface="Cambria" pitchFamily="18" charset="0"/>
+              </a:rPr>
+              <a:t>práctica</a:t>
+            </a:r>
+            <a:r>
+              <a:rPr lang="ca-ES" sz="2000" dirty="0" smtClean="0">
+                <a:latin typeface="Cambria" pitchFamily="18" charset="0"/>
+              </a:rPr>
+              <a:t>.</a:t>
+            </a:r>
+          </a:p>
+          <a:p>
+            <a:r>
+              <a:rPr lang="ca-ES" sz="2800" dirty="0" err="1" smtClean="0">
+                <a:latin typeface="Cambria" pitchFamily="18" charset="0"/>
+              </a:rPr>
+              <a:t>Frida</a:t>
+            </a:r>
+            <a:endParaRPr lang="ca-ES" sz="2800" dirty="0" smtClean="0">
+              <a:latin typeface="Cambria" pitchFamily="18" charset="0"/>
+            </a:endParaRPr>
+          </a:p>
+          <a:p>
+            <a:pPr>
+              <a:buNone/>
+            </a:pPr>
+            <a:r>
+              <a:rPr lang="ca-ES" sz="2000" dirty="0" smtClean="0">
+                <a:latin typeface="Cambria" pitchFamily="18" charset="0"/>
+              </a:rPr>
+              <a:t>	</a:t>
+            </a:r>
+            <a:r>
+              <a:rPr lang="ca-ES" sz="2000" dirty="0" err="1" smtClean="0">
+                <a:latin typeface="Cambria" pitchFamily="18" charset="0"/>
+              </a:rPr>
+              <a:t>Herramienta</a:t>
+            </a:r>
+            <a:r>
+              <a:rPr lang="ca-ES" sz="2000" dirty="0" smtClean="0">
+                <a:latin typeface="Cambria" pitchFamily="18" charset="0"/>
+              </a:rPr>
+              <a:t> para el </a:t>
+            </a:r>
+            <a:r>
+              <a:rPr lang="ca-ES" sz="2000" dirty="0" err="1" smtClean="0">
+                <a:latin typeface="Cambria" pitchFamily="18" charset="0"/>
+              </a:rPr>
+              <a:t>análisis</a:t>
+            </a:r>
+            <a:r>
+              <a:rPr lang="ca-ES" sz="2000" dirty="0" smtClean="0">
+                <a:latin typeface="Cambria" pitchFamily="18" charset="0"/>
+              </a:rPr>
+              <a:t> </a:t>
+            </a:r>
+            <a:r>
+              <a:rPr lang="ca-ES" sz="2000" dirty="0" err="1" smtClean="0">
+                <a:latin typeface="Cambria" pitchFamily="18" charset="0"/>
+              </a:rPr>
+              <a:t>dinámico</a:t>
+            </a:r>
+            <a:r>
+              <a:rPr lang="ca-ES" sz="2000" dirty="0" smtClean="0">
+                <a:latin typeface="Cambria" pitchFamily="18" charset="0"/>
+              </a:rPr>
+              <a:t> de </a:t>
+            </a:r>
+            <a:r>
+              <a:rPr lang="ca-ES" sz="2000" dirty="0" err="1" smtClean="0">
+                <a:latin typeface="Cambria" pitchFamily="18" charset="0"/>
+              </a:rPr>
+              <a:t>aplicaciones</a:t>
+            </a:r>
+            <a:r>
+              <a:rPr lang="ca-ES" sz="2000" dirty="0" smtClean="0">
+                <a:latin typeface="Cambria" pitchFamily="18" charset="0"/>
+              </a:rPr>
+              <a:t> en </a:t>
+            </a:r>
+            <a:r>
+              <a:rPr lang="ca-ES" sz="2000" dirty="0" err="1" smtClean="0">
+                <a:latin typeface="Cambria" pitchFamily="18" charset="0"/>
+              </a:rPr>
+              <a:t>iOS</a:t>
+            </a:r>
+            <a:endParaRPr lang="ca-ES" sz="2000" dirty="0" smtClean="0">
+              <a:latin typeface="Cambria" pitchFamily="18" charset="0"/>
+            </a:endParaRPr>
+          </a:p>
+          <a:p>
+            <a:r>
+              <a:rPr lang="ca-ES" sz="2800" dirty="0" err="1" smtClean="0">
+                <a:latin typeface="Cambria" pitchFamily="18" charset="0"/>
+              </a:rPr>
+              <a:t>FridaGadget.dylib</a:t>
+            </a:r>
+            <a:endParaRPr lang="ca-ES" sz="2800" dirty="0" smtClean="0">
+              <a:latin typeface="Cambria" pitchFamily="18" charset="0"/>
+            </a:endParaRPr>
+          </a:p>
+          <a:p>
+            <a:pPr>
+              <a:buNone/>
+            </a:pPr>
+            <a:r>
+              <a:rPr lang="ca-ES" sz="2800" dirty="0" smtClean="0">
+                <a:latin typeface="Cambria" pitchFamily="18" charset="0"/>
+              </a:rPr>
+              <a:t>	</a:t>
+            </a:r>
+            <a:r>
+              <a:rPr lang="ca-ES" sz="2000" dirty="0" err="1" smtClean="0">
+                <a:latin typeface="Cambria" pitchFamily="18" charset="0"/>
+              </a:rPr>
+              <a:t>Descargar</a:t>
+            </a:r>
+            <a:r>
+              <a:rPr lang="ca-ES" sz="2000" dirty="0" smtClean="0">
+                <a:latin typeface="Cambria" pitchFamily="18" charset="0"/>
+              </a:rPr>
+              <a:t> la última </a:t>
+            </a:r>
+            <a:r>
+              <a:rPr lang="ca-ES" sz="2000" dirty="0" err="1" smtClean="0">
+                <a:latin typeface="Cambria" pitchFamily="18" charset="0"/>
+              </a:rPr>
+              <a:t>versión</a:t>
+            </a:r>
+            <a:r>
+              <a:rPr lang="ca-ES" sz="2000" dirty="0" smtClean="0">
+                <a:latin typeface="Cambria" pitchFamily="18" charset="0"/>
+              </a:rPr>
+              <a:t> de esta </a:t>
+            </a:r>
+            <a:r>
+              <a:rPr lang="ca-ES" sz="2000" dirty="0" err="1" smtClean="0">
+                <a:latin typeface="Cambria" pitchFamily="18" charset="0"/>
+              </a:rPr>
+              <a:t>libreria</a:t>
+            </a:r>
+            <a:endParaRPr lang="ca-ES" sz="2000" dirty="0" smtClean="0">
+              <a:latin typeface="Cambria" pitchFamily="18" charset="0"/>
+            </a:endParaRPr>
+          </a:p>
+          <a:p>
+            <a:r>
+              <a:rPr lang="ca-ES" sz="2800" dirty="0" err="1" smtClean="0">
+                <a:latin typeface="Cambria" pitchFamily="18" charset="0"/>
+              </a:rPr>
+              <a:t>Classs-dump</a:t>
+            </a:r>
+            <a:endParaRPr lang="ca-ES" sz="2800" dirty="0" smtClean="0">
+              <a:latin typeface="Cambria" pitchFamily="18" charset="0"/>
+            </a:endParaRPr>
+          </a:p>
+          <a:p>
+            <a:r>
+              <a:rPr lang="ca-ES" sz="2800" dirty="0" err="1" smtClean="0">
+                <a:latin typeface="Cambria" pitchFamily="18" charset="0"/>
+              </a:rPr>
               <a:t>Brew</a:t>
             </a:r>
-            <a:endParaRPr lang="ca-ES" dirty="0" smtClean="0"/>
-          </a:p>
-          <a:p>
-            <a:r>
-              <a:rPr lang="ca-ES" dirty="0" err="1" smtClean="0"/>
+            <a:endParaRPr lang="ca-ES" sz="2800" dirty="0" smtClean="0">
+              <a:latin typeface="Cambria" pitchFamily="18" charset="0"/>
+            </a:endParaRPr>
+          </a:p>
+          <a:p>
+            <a:r>
+              <a:rPr lang="ca-ES" sz="2800" dirty="0" err="1" smtClean="0">
+                <a:latin typeface="Cambria" pitchFamily="18" charset="0"/>
+              </a:rPr>
               <a:t>Python</a:t>
             </a:r>
-            <a:endParaRPr lang="ca-ES" dirty="0"/>
+            <a:endParaRPr lang="ca-ES" sz="2800" dirty="0">
+              <a:latin typeface="Cambria" pitchFamily="18" charset="0"/>
+            </a:endParaRPr>
+          </a:p>
+        </p:txBody>
+      </p:sp>
+    </p:spTree>
+  </p:cSld>
+  <p:clrMapOvr>
+    <a:masterClrMapping/>
+  </p:clrMapOvr>
+</p:sld>
+</file>
+
+<file path=ppt/slides/slide4.xml><?xml version="1.0" encoding="utf-8"?>
+<p:sld xmlns:a="http://schemas.openxmlformats.org/drawingml/2006/main" xmlns:r="http://schemas.openxmlformats.org/officeDocument/2006/relationships" xmlns:p="http://schemas.openxmlformats.org/presentationml/2006/main">
+  <p:cSld>
+    <p:spTree>
+      <p:nvGrpSpPr>
+        <p:cNvPr id="1" name=""/>
+        <p:cNvGrpSpPr/>
+        <p:nvPr/>
+      </p:nvGrpSpPr>
+      <p:grpSpPr>
+        <a:xfrm>
+          <a:off x="0" y="0"/>
+          <a:ext cx="0" cy="0"/>
+          <a:chOff x="0" y="0"/>
+          <a:chExt cx="0" cy="0"/>
+        </a:xfrm>
+      </p:grpSpPr>
+      <p:sp>
+        <p:nvSpPr>
+          <p:cNvPr id="2" name="1 Título"/>
+          <p:cNvSpPr>
+            <a:spLocks noGrp="1"/>
+          </p:cNvSpPr>
+          <p:nvPr>
+            <p:ph type="title"/>
+          </p:nvPr>
+        </p:nvSpPr>
+        <p:spPr/>
+        <p:txBody>
+          <a:bodyPr>
+            <a:normAutofit/>
+          </a:bodyPr>
+          <a:lstStyle/>
+          <a:p>
+            <a:r>
+              <a:rPr lang="ca-ES" sz="3200" b="1" dirty="0" smtClean="0">
+                <a:latin typeface="Cambria" pitchFamily="18" charset="0"/>
+                <a:ea typeface="+mn-ea"/>
+                <a:cs typeface="+mn-cs"/>
+              </a:rPr>
+              <a:t>1 – Iniciar la </a:t>
+            </a:r>
+            <a:r>
+              <a:rPr lang="ca-ES" sz="3200" b="1" dirty="0" err="1" smtClean="0">
+                <a:latin typeface="Cambria" pitchFamily="18" charset="0"/>
+                <a:ea typeface="+mn-ea"/>
+                <a:cs typeface="+mn-cs"/>
+              </a:rPr>
+              <a:t>aplicación</a:t>
+            </a:r>
+            <a:endParaRPr lang="ca-ES" sz="3200" b="1" dirty="0">
+              <a:latin typeface="Cambria" pitchFamily="18" charset="0"/>
+              <a:ea typeface="+mn-ea"/>
+              <a:cs typeface="+mn-cs"/>
+            </a:endParaRPr>
+          </a:p>
+        </p:txBody>
+      </p:sp>
+      <p:sp>
+        <p:nvSpPr>
+          <p:cNvPr id="3" name="2 Marcador de contenido"/>
+          <p:cNvSpPr>
+            <a:spLocks noGrp="1"/>
+          </p:cNvSpPr>
+          <p:nvPr>
+            <p:ph idx="1"/>
+          </p:nvPr>
+        </p:nvSpPr>
+        <p:spPr/>
+        <p:txBody>
+          <a:bodyPr>
+            <a:normAutofit/>
+          </a:bodyPr>
+          <a:lstStyle/>
+          <a:p>
+            <a:pPr indent="17463">
+              <a:buNone/>
+            </a:pPr>
+            <a:r>
+              <a:rPr lang="ca-ES" sz="2800" dirty="0" err="1" smtClean="0">
+                <a:latin typeface="Cambria" pitchFamily="18" charset="0"/>
+                <a:ea typeface="+mj-ea"/>
+                <a:cs typeface="+mj-cs"/>
+              </a:rPr>
+              <a:t>Dentro</a:t>
+            </a:r>
+            <a:r>
+              <a:rPr lang="ca-ES" sz="2800" dirty="0" smtClean="0">
+                <a:latin typeface="Cambria" pitchFamily="18" charset="0"/>
+                <a:ea typeface="+mj-ea"/>
+                <a:cs typeface="+mj-cs"/>
+              </a:rPr>
+              <a:t> del simulador de </a:t>
+            </a:r>
+            <a:r>
+              <a:rPr lang="ca-ES" sz="2800" dirty="0" err="1" smtClean="0">
+                <a:latin typeface="Cambria" pitchFamily="18" charset="0"/>
+                <a:ea typeface="+mj-ea"/>
+                <a:cs typeface="+mj-cs"/>
+              </a:rPr>
+              <a:t>iOS</a:t>
+            </a:r>
+            <a:r>
+              <a:rPr lang="ca-ES" sz="2800" dirty="0" smtClean="0">
+                <a:latin typeface="Cambria" pitchFamily="18" charset="0"/>
+                <a:ea typeface="+mj-ea"/>
+                <a:cs typeface="+mj-cs"/>
+              </a:rPr>
+              <a:t> </a:t>
+            </a:r>
+            <a:r>
+              <a:rPr lang="ca-ES" sz="2800" dirty="0" err="1" smtClean="0">
+                <a:latin typeface="Cambria" pitchFamily="18" charset="0"/>
+                <a:ea typeface="+mj-ea"/>
+                <a:cs typeface="+mj-cs"/>
+              </a:rPr>
+              <a:t>arrancamos</a:t>
+            </a:r>
+            <a:r>
+              <a:rPr lang="ca-ES" sz="2800" dirty="0" smtClean="0">
+                <a:latin typeface="Cambria" pitchFamily="18" charset="0"/>
+                <a:ea typeface="+mj-ea"/>
+                <a:cs typeface="+mj-cs"/>
+              </a:rPr>
+              <a:t> la </a:t>
+            </a:r>
+            <a:r>
+              <a:rPr lang="ca-ES" sz="2800" dirty="0" err="1" smtClean="0">
+                <a:latin typeface="Cambria" pitchFamily="18" charset="0"/>
+                <a:ea typeface="+mj-ea"/>
+                <a:cs typeface="+mj-cs"/>
+              </a:rPr>
+              <a:t>aplicación</a:t>
+            </a:r>
+            <a:r>
+              <a:rPr lang="ca-ES" sz="2800" dirty="0" smtClean="0">
+                <a:latin typeface="Cambria" pitchFamily="18" charset="0"/>
+                <a:ea typeface="+mj-ea"/>
+                <a:cs typeface="+mj-cs"/>
+              </a:rPr>
+              <a:t> </a:t>
+            </a:r>
+            <a:r>
+              <a:rPr lang="ca-ES" sz="2800" dirty="0" err="1" smtClean="0">
+                <a:latin typeface="Cambria" pitchFamily="18" charset="0"/>
+                <a:ea typeface="+mj-ea"/>
+                <a:cs typeface="+mj-cs"/>
+              </a:rPr>
+              <a:t>mediante</a:t>
+            </a:r>
+            <a:r>
+              <a:rPr lang="ca-ES" sz="2800" dirty="0" smtClean="0">
+                <a:latin typeface="Cambria" pitchFamily="18" charset="0"/>
+                <a:ea typeface="+mj-ea"/>
+                <a:cs typeface="+mj-cs"/>
+              </a:rPr>
+              <a:t> el comando:</a:t>
+            </a:r>
+            <a:endParaRPr lang="ca-ES" sz="2800" dirty="0" smtClean="0">
+              <a:latin typeface="Cambria" pitchFamily="18" charset="0"/>
+              <a:ea typeface="+mj-ea"/>
+              <a:cs typeface="+mj-cs"/>
+            </a:endParaRPr>
+          </a:p>
+          <a:p>
+            <a:pPr marL="360363" lvl="1" indent="0" algn="ctr">
+              <a:buNone/>
+            </a:pPr>
+            <a:r>
+              <a:rPr lang="ca-ES" sz="2000" dirty="0" err="1" smtClean="0"/>
+              <a:t>frida</a:t>
+            </a:r>
+            <a:r>
+              <a:rPr lang="ca-ES" sz="2000" dirty="0" smtClean="0"/>
+              <a:t> –H 127.0.0.1 </a:t>
+            </a:r>
+            <a:r>
+              <a:rPr lang="ca-ES" sz="2000" dirty="0" err="1" smtClean="0"/>
+              <a:t>Gadget</a:t>
+            </a:r>
+            <a:r>
+              <a:rPr lang="ca-ES" sz="2000" dirty="0" smtClean="0"/>
+              <a:t> </a:t>
+            </a:r>
+            <a:endParaRPr lang="ca-ES" sz="2000" dirty="0" smtClean="0"/>
           </a:p>
         </p:txBody>
       </p:sp>

--- a/Cybersecurity Management UPC - Sistemas Ubicuos iOS.pptx
+++ b/Cybersecurity Management UPC - Sistemas Ubicuos iOS.pptx
@@ -9,6 +9,19 @@
     <p:sldId id="257" r:id="rId3"/>
     <p:sldId id="261" r:id="rId4"/>
     <p:sldId id="260" r:id="rId5"/>
+    <p:sldId id="262" r:id="rId6"/>
+    <p:sldId id="271" r:id="rId7"/>
+    <p:sldId id="264" r:id="rId8"/>
+    <p:sldId id="265" r:id="rId9"/>
+    <p:sldId id="266" r:id="rId10"/>
+    <p:sldId id="267" r:id="rId11"/>
+    <p:sldId id="268" r:id="rId12"/>
+    <p:sldId id="269" r:id="rId13"/>
+    <p:sldId id="270" r:id="rId14"/>
+    <p:sldId id="272" r:id="rId15"/>
+    <p:sldId id="273" r:id="rId16"/>
+    <p:sldId id="274" r:id="rId17"/>
+    <p:sldId id="263" r:id="rId18"/>
   </p:sldIdLst>
   <p:sldSz cx="9144000" cy="6858000" type="screen4x3"/>
   <p:notesSz cx="6858000" cy="9144000"/>
@@ -107,6 +120,22 @@
       </a:defRPr>
     </a:lvl9pPr>
   </p:defaultTextStyle>
+  <p:extLst>
+    <p:ext uri="{EFAFB233-063F-42B5-8137-9DF3F51BA10A}">
+      <p15:sldGuideLst xmlns:p15="http://schemas.microsoft.com/office/powerpoint/2012/main">
+        <p15:guide id="1" orient="horz" pos="2160">
+          <p15:clr>
+            <a:srgbClr val="A4A3A4"/>
+          </p15:clr>
+        </p15:guide>
+        <p15:guide id="2" pos="2880">
+          <p15:clr>
+            <a:srgbClr val="A4A3A4"/>
+          </p15:clr>
+        </p15:guide>
+      </p15:sldGuideLst>
+    </p:ext>
+  </p:extLst>
 </p:presentation>
 </file>
 
@@ -148,7 +177,7 @@
           <a:lstStyle/>
           <a:p>
             <a:r>
-              <a:rPr lang="es-ES" smtClean="0"/>
+              <a:rPr lang="es-ES"/>
               <a:t>Haga clic para modificar el estilo de título del patrón</a:t>
             </a:r>
             <a:endParaRPr lang="ca-ES"/>
@@ -267,7 +296,7 @@
           </a:lstStyle>
           <a:p>
             <a:r>
-              <a:rPr lang="es-ES" smtClean="0"/>
+              <a:rPr lang="es-ES"/>
               <a:t>Haga clic para modificar el estilo de subtítulo del patrón</a:t>
             </a:r>
             <a:endParaRPr lang="ca-ES"/>
@@ -292,7 +321,7 @@
             <a:fld id="{335082A6-BC9C-46CB-A312-29A9E19DC25D}" type="datetimeFigureOut">
               <a:rPr lang="ca-ES" smtClean="0"/>
               <a:pPr/>
-              <a:t>18/06/2019</a:t>
+              <a:t>18/6/2019</a:t>
             </a:fld>
             <a:endParaRPr lang="ca-ES"/>
           </a:p>
@@ -335,7 +364,7 @@
             <a:fld id="{F0DDBFE9-5A50-4899-BFD1-0BE91B0BD11B}" type="slidenum">
               <a:rPr lang="ca-ES" smtClean="0"/>
               <a:pPr/>
-              <a:t>‹Nº›</a:t>
+              <a:t>‹#›</a:t>
             </a:fld>
             <a:endParaRPr lang="ca-ES"/>
           </a:p>
@@ -382,7 +411,7 @@
           <a:lstStyle/>
           <a:p>
             <a:r>
-              <a:rPr lang="es-ES" smtClean="0"/>
+              <a:rPr lang="es-ES"/>
               <a:t>Haga clic para modificar el estilo de título del patrón</a:t>
             </a:r>
             <a:endParaRPr lang="ca-ES"/>
@@ -406,35 +435,35 @@
           <a:p>
             <a:pPr lvl="0"/>
             <a:r>
-              <a:rPr lang="es-ES" smtClean="0"/>
+              <a:rPr lang="es-ES"/>
               <a:t>Haga clic para modificar el estilo de texto del patrón</a:t>
             </a:r>
           </a:p>
           <a:p>
             <a:pPr lvl="1"/>
             <a:r>
-              <a:rPr lang="es-ES" smtClean="0"/>
+              <a:rPr lang="es-ES"/>
               <a:t>Segundo nivel</a:t>
             </a:r>
           </a:p>
           <a:p>
             <a:pPr lvl="2"/>
             <a:r>
-              <a:rPr lang="es-ES" smtClean="0"/>
+              <a:rPr lang="es-ES"/>
               <a:t>Tercer nivel</a:t>
             </a:r>
           </a:p>
           <a:p>
             <a:pPr lvl="3"/>
             <a:r>
-              <a:rPr lang="es-ES" smtClean="0"/>
+              <a:rPr lang="es-ES"/>
               <a:t>Cuarto nivel</a:t>
             </a:r>
           </a:p>
           <a:p>
             <a:pPr lvl="4"/>
             <a:r>
-              <a:rPr lang="es-ES" smtClean="0"/>
+              <a:rPr lang="es-ES"/>
               <a:t>Quinto nivel</a:t>
             </a:r>
             <a:endParaRPr lang="ca-ES"/>
@@ -459,7 +488,7 @@
             <a:fld id="{335082A6-BC9C-46CB-A312-29A9E19DC25D}" type="datetimeFigureOut">
               <a:rPr lang="ca-ES" smtClean="0"/>
               <a:pPr/>
-              <a:t>18/06/2019</a:t>
+              <a:t>18/6/2019</a:t>
             </a:fld>
             <a:endParaRPr lang="ca-ES"/>
           </a:p>
@@ -502,7 +531,7 @@
             <a:fld id="{F0DDBFE9-5A50-4899-BFD1-0BE91B0BD11B}" type="slidenum">
               <a:rPr lang="ca-ES" smtClean="0"/>
               <a:pPr/>
-              <a:t>‹Nº›</a:t>
+              <a:t>‹#›</a:t>
             </a:fld>
             <a:endParaRPr lang="ca-ES"/>
           </a:p>
@@ -554,7 +583,7 @@
           <a:lstStyle/>
           <a:p>
             <a:r>
-              <a:rPr lang="es-ES" smtClean="0"/>
+              <a:rPr lang="es-ES"/>
               <a:t>Haga clic para modificar el estilo de título del patrón</a:t>
             </a:r>
             <a:endParaRPr lang="ca-ES"/>
@@ -583,35 +612,35 @@
           <a:p>
             <a:pPr lvl="0"/>
             <a:r>
-              <a:rPr lang="es-ES" smtClean="0"/>
+              <a:rPr lang="es-ES"/>
               <a:t>Haga clic para modificar el estilo de texto del patrón</a:t>
             </a:r>
           </a:p>
           <a:p>
             <a:pPr lvl="1"/>
             <a:r>
-              <a:rPr lang="es-ES" smtClean="0"/>
+              <a:rPr lang="es-ES"/>
               <a:t>Segundo nivel</a:t>
             </a:r>
           </a:p>
           <a:p>
             <a:pPr lvl="2"/>
             <a:r>
-              <a:rPr lang="es-ES" smtClean="0"/>
+              <a:rPr lang="es-ES"/>
               <a:t>Tercer nivel</a:t>
             </a:r>
           </a:p>
           <a:p>
             <a:pPr lvl="3"/>
             <a:r>
-              <a:rPr lang="es-ES" smtClean="0"/>
+              <a:rPr lang="es-ES"/>
               <a:t>Cuarto nivel</a:t>
             </a:r>
           </a:p>
           <a:p>
             <a:pPr lvl="4"/>
             <a:r>
-              <a:rPr lang="es-ES" smtClean="0"/>
+              <a:rPr lang="es-ES"/>
               <a:t>Quinto nivel</a:t>
             </a:r>
             <a:endParaRPr lang="ca-ES"/>
@@ -636,7 +665,7 @@
             <a:fld id="{335082A6-BC9C-46CB-A312-29A9E19DC25D}" type="datetimeFigureOut">
               <a:rPr lang="ca-ES" smtClean="0"/>
               <a:pPr/>
-              <a:t>18/06/2019</a:t>
+              <a:t>18/6/2019</a:t>
             </a:fld>
             <a:endParaRPr lang="ca-ES"/>
           </a:p>
@@ -679,7 +708,7 @@
             <a:fld id="{F0DDBFE9-5A50-4899-BFD1-0BE91B0BD11B}" type="slidenum">
               <a:rPr lang="ca-ES" smtClean="0"/>
               <a:pPr/>
-              <a:t>‹Nº›</a:t>
+              <a:t>‹#›</a:t>
             </a:fld>
             <a:endParaRPr lang="ca-ES"/>
           </a:p>
@@ -726,7 +755,7 @@
           <a:lstStyle/>
           <a:p>
             <a:r>
-              <a:rPr lang="es-ES" smtClean="0"/>
+              <a:rPr lang="es-ES"/>
               <a:t>Haga clic para modificar el estilo de título del patrón</a:t>
             </a:r>
             <a:endParaRPr lang="ca-ES"/>
@@ -750,35 +779,35 @@
           <a:p>
             <a:pPr lvl="0"/>
             <a:r>
-              <a:rPr lang="es-ES" smtClean="0"/>
+              <a:rPr lang="es-ES"/>
               <a:t>Haga clic para modificar el estilo de texto del patrón</a:t>
             </a:r>
           </a:p>
           <a:p>
             <a:pPr lvl="1"/>
             <a:r>
-              <a:rPr lang="es-ES" smtClean="0"/>
+              <a:rPr lang="es-ES"/>
               <a:t>Segundo nivel</a:t>
             </a:r>
           </a:p>
           <a:p>
             <a:pPr lvl="2"/>
             <a:r>
-              <a:rPr lang="es-ES" smtClean="0"/>
+              <a:rPr lang="es-ES"/>
               <a:t>Tercer nivel</a:t>
             </a:r>
           </a:p>
           <a:p>
             <a:pPr lvl="3"/>
             <a:r>
-              <a:rPr lang="es-ES" smtClean="0"/>
+              <a:rPr lang="es-ES"/>
               <a:t>Cuarto nivel</a:t>
             </a:r>
           </a:p>
           <a:p>
             <a:pPr lvl="4"/>
             <a:r>
-              <a:rPr lang="es-ES" smtClean="0"/>
+              <a:rPr lang="es-ES"/>
               <a:t>Quinto nivel</a:t>
             </a:r>
             <a:endParaRPr lang="ca-ES"/>
@@ -803,7 +832,7 @@
             <a:fld id="{335082A6-BC9C-46CB-A312-29A9E19DC25D}" type="datetimeFigureOut">
               <a:rPr lang="ca-ES" smtClean="0"/>
               <a:pPr/>
-              <a:t>18/06/2019</a:t>
+              <a:t>18/6/2019</a:t>
             </a:fld>
             <a:endParaRPr lang="ca-ES"/>
           </a:p>
@@ -846,7 +875,7 @@
             <a:fld id="{F0DDBFE9-5A50-4899-BFD1-0BE91B0BD11B}" type="slidenum">
               <a:rPr lang="ca-ES" smtClean="0"/>
               <a:pPr/>
-              <a:t>‹Nº›</a:t>
+              <a:t>‹#›</a:t>
             </a:fld>
             <a:endParaRPr lang="ca-ES"/>
           </a:p>
@@ -902,7 +931,7 @@
           </a:lstStyle>
           <a:p>
             <a:r>
-              <a:rPr lang="es-ES" smtClean="0"/>
+              <a:rPr lang="es-ES"/>
               <a:t>Haga clic para modificar el estilo de título del patrón</a:t>
             </a:r>
             <a:endParaRPr lang="ca-ES"/>
@@ -1022,7 +1051,7 @@
           <a:p>
             <a:pPr lvl="0"/>
             <a:r>
-              <a:rPr lang="es-ES" smtClean="0"/>
+              <a:rPr lang="es-ES"/>
               <a:t>Haga clic para modificar el estilo de texto del patrón</a:t>
             </a:r>
           </a:p>
@@ -1046,7 +1075,7 @@
             <a:fld id="{335082A6-BC9C-46CB-A312-29A9E19DC25D}" type="datetimeFigureOut">
               <a:rPr lang="ca-ES" smtClean="0"/>
               <a:pPr/>
-              <a:t>18/06/2019</a:t>
+              <a:t>18/6/2019</a:t>
             </a:fld>
             <a:endParaRPr lang="ca-ES"/>
           </a:p>
@@ -1089,7 +1118,7 @@
             <a:fld id="{F0DDBFE9-5A50-4899-BFD1-0BE91B0BD11B}" type="slidenum">
               <a:rPr lang="ca-ES" smtClean="0"/>
               <a:pPr/>
-              <a:t>‹Nº›</a:t>
+              <a:t>‹#›</a:t>
             </a:fld>
             <a:endParaRPr lang="ca-ES"/>
           </a:p>
@@ -1136,7 +1165,7 @@
           <a:lstStyle/>
           <a:p>
             <a:r>
-              <a:rPr lang="es-ES" smtClean="0"/>
+              <a:rPr lang="es-ES"/>
               <a:t>Haga clic para modificar el estilo de título del patrón</a:t>
             </a:r>
             <a:endParaRPr lang="ca-ES"/>
@@ -1193,35 +1222,35 @@
           <a:p>
             <a:pPr lvl="0"/>
             <a:r>
-              <a:rPr lang="es-ES" smtClean="0"/>
+              <a:rPr lang="es-ES"/>
               <a:t>Haga clic para modificar el estilo de texto del patrón</a:t>
             </a:r>
           </a:p>
           <a:p>
             <a:pPr lvl="1"/>
             <a:r>
-              <a:rPr lang="es-ES" smtClean="0"/>
+              <a:rPr lang="es-ES"/>
               <a:t>Segundo nivel</a:t>
             </a:r>
           </a:p>
           <a:p>
             <a:pPr lvl="2"/>
             <a:r>
-              <a:rPr lang="es-ES" smtClean="0"/>
+              <a:rPr lang="es-ES"/>
               <a:t>Tercer nivel</a:t>
             </a:r>
           </a:p>
           <a:p>
             <a:pPr lvl="3"/>
             <a:r>
-              <a:rPr lang="es-ES" smtClean="0"/>
+              <a:rPr lang="es-ES"/>
               <a:t>Cuarto nivel</a:t>
             </a:r>
           </a:p>
           <a:p>
             <a:pPr lvl="4"/>
             <a:r>
-              <a:rPr lang="es-ES" smtClean="0"/>
+              <a:rPr lang="es-ES"/>
               <a:t>Quinto nivel</a:t>
             </a:r>
             <a:endParaRPr lang="ca-ES"/>
@@ -1278,35 +1307,35 @@
           <a:p>
             <a:pPr lvl="0"/>
             <a:r>
-              <a:rPr lang="es-ES" smtClean="0"/>
+              <a:rPr lang="es-ES"/>
               <a:t>Haga clic para modificar el estilo de texto del patrón</a:t>
             </a:r>
           </a:p>
           <a:p>
             <a:pPr lvl="1"/>
             <a:r>
-              <a:rPr lang="es-ES" smtClean="0"/>
+              <a:rPr lang="es-ES"/>
               <a:t>Segundo nivel</a:t>
             </a:r>
           </a:p>
           <a:p>
             <a:pPr lvl="2"/>
             <a:r>
-              <a:rPr lang="es-ES" smtClean="0"/>
+              <a:rPr lang="es-ES"/>
               <a:t>Tercer nivel</a:t>
             </a:r>
           </a:p>
           <a:p>
             <a:pPr lvl="3"/>
             <a:r>
-              <a:rPr lang="es-ES" smtClean="0"/>
+              <a:rPr lang="es-ES"/>
               <a:t>Cuarto nivel</a:t>
             </a:r>
           </a:p>
           <a:p>
             <a:pPr lvl="4"/>
             <a:r>
-              <a:rPr lang="es-ES" smtClean="0"/>
+              <a:rPr lang="es-ES"/>
               <a:t>Quinto nivel</a:t>
             </a:r>
             <a:endParaRPr lang="ca-ES"/>
@@ -1331,7 +1360,7 @@
             <a:fld id="{335082A6-BC9C-46CB-A312-29A9E19DC25D}" type="datetimeFigureOut">
               <a:rPr lang="ca-ES" smtClean="0"/>
               <a:pPr/>
-              <a:t>18/06/2019</a:t>
+              <a:t>18/6/2019</a:t>
             </a:fld>
             <a:endParaRPr lang="ca-ES"/>
           </a:p>
@@ -1374,7 +1403,7 @@
             <a:fld id="{F0DDBFE9-5A50-4899-BFD1-0BE91B0BD11B}" type="slidenum">
               <a:rPr lang="ca-ES" smtClean="0"/>
               <a:pPr/>
-              <a:t>‹Nº›</a:t>
+              <a:t>‹#›</a:t>
             </a:fld>
             <a:endParaRPr lang="ca-ES"/>
           </a:p>
@@ -1425,7 +1454,7 @@
           </a:lstStyle>
           <a:p>
             <a:r>
-              <a:rPr lang="es-ES" smtClean="0"/>
+              <a:rPr lang="es-ES"/>
               <a:t>Haga clic para modificar el estilo de título del patrón</a:t>
             </a:r>
             <a:endParaRPr lang="ca-ES"/>
@@ -1491,7 +1520,7 @@
           <a:p>
             <a:pPr lvl="0"/>
             <a:r>
-              <a:rPr lang="es-ES" smtClean="0"/>
+              <a:rPr lang="es-ES"/>
               <a:t>Haga clic para modificar el estilo de texto del patrón</a:t>
             </a:r>
           </a:p>
@@ -1547,35 +1576,35 @@
           <a:p>
             <a:pPr lvl="0"/>
             <a:r>
-              <a:rPr lang="es-ES" smtClean="0"/>
+              <a:rPr lang="es-ES"/>
               <a:t>Haga clic para modificar el estilo de texto del patrón</a:t>
             </a:r>
           </a:p>
           <a:p>
             <a:pPr lvl="1"/>
             <a:r>
-              <a:rPr lang="es-ES" smtClean="0"/>
+              <a:rPr lang="es-ES"/>
               <a:t>Segundo nivel</a:t>
             </a:r>
           </a:p>
           <a:p>
             <a:pPr lvl="2"/>
             <a:r>
-              <a:rPr lang="es-ES" smtClean="0"/>
+              <a:rPr lang="es-ES"/>
               <a:t>Tercer nivel</a:t>
             </a:r>
           </a:p>
           <a:p>
             <a:pPr lvl="3"/>
             <a:r>
-              <a:rPr lang="es-ES" smtClean="0"/>
+              <a:rPr lang="es-ES"/>
               <a:t>Cuarto nivel</a:t>
             </a:r>
           </a:p>
           <a:p>
             <a:pPr lvl="4"/>
             <a:r>
-              <a:rPr lang="es-ES" smtClean="0"/>
+              <a:rPr lang="es-ES"/>
               <a:t>Quinto nivel</a:t>
             </a:r>
             <a:endParaRPr lang="ca-ES"/>
@@ -1641,7 +1670,7 @@
           <a:p>
             <a:pPr lvl="0"/>
             <a:r>
-              <a:rPr lang="es-ES" smtClean="0"/>
+              <a:rPr lang="es-ES"/>
               <a:t>Haga clic para modificar el estilo de texto del patrón</a:t>
             </a:r>
           </a:p>
@@ -1697,35 +1726,35 @@
           <a:p>
             <a:pPr lvl="0"/>
             <a:r>
-              <a:rPr lang="es-ES" smtClean="0"/>
+              <a:rPr lang="es-ES"/>
               <a:t>Haga clic para modificar el estilo de texto del patrón</a:t>
             </a:r>
           </a:p>
           <a:p>
             <a:pPr lvl="1"/>
             <a:r>
-              <a:rPr lang="es-ES" smtClean="0"/>
+              <a:rPr lang="es-ES"/>
               <a:t>Segundo nivel</a:t>
             </a:r>
           </a:p>
           <a:p>
             <a:pPr lvl="2"/>
             <a:r>
-              <a:rPr lang="es-ES" smtClean="0"/>
+              <a:rPr lang="es-ES"/>
               <a:t>Tercer nivel</a:t>
             </a:r>
           </a:p>
           <a:p>
             <a:pPr lvl="3"/>
             <a:r>
-              <a:rPr lang="es-ES" smtClean="0"/>
+              <a:rPr lang="es-ES"/>
               <a:t>Cuarto nivel</a:t>
             </a:r>
           </a:p>
           <a:p>
             <a:pPr lvl="4"/>
             <a:r>
-              <a:rPr lang="es-ES" smtClean="0"/>
+              <a:rPr lang="es-ES"/>
               <a:t>Quinto nivel</a:t>
             </a:r>
             <a:endParaRPr lang="ca-ES"/>
@@ -1750,7 +1779,7 @@
             <a:fld id="{335082A6-BC9C-46CB-A312-29A9E19DC25D}" type="datetimeFigureOut">
               <a:rPr lang="ca-ES" smtClean="0"/>
               <a:pPr/>
-              <a:t>18/06/2019</a:t>
+              <a:t>18/6/2019</a:t>
             </a:fld>
             <a:endParaRPr lang="ca-ES"/>
           </a:p>
@@ -1793,7 +1822,7 @@
             <a:fld id="{F0DDBFE9-5A50-4899-BFD1-0BE91B0BD11B}" type="slidenum">
               <a:rPr lang="ca-ES" smtClean="0"/>
               <a:pPr/>
-              <a:t>‹Nº›</a:t>
+              <a:t>‹#›</a:t>
             </a:fld>
             <a:endParaRPr lang="ca-ES"/>
           </a:p>
@@ -1840,7 +1869,7 @@
           <a:lstStyle/>
           <a:p>
             <a:r>
-              <a:rPr lang="es-ES" smtClean="0"/>
+              <a:rPr lang="es-ES"/>
               <a:t>Haga clic para modificar el estilo de título del patrón</a:t>
             </a:r>
             <a:endParaRPr lang="ca-ES"/>
@@ -1865,7 +1894,7 @@
             <a:fld id="{335082A6-BC9C-46CB-A312-29A9E19DC25D}" type="datetimeFigureOut">
               <a:rPr lang="ca-ES" smtClean="0"/>
               <a:pPr/>
-              <a:t>18/06/2019</a:t>
+              <a:t>18/6/2019</a:t>
             </a:fld>
             <a:endParaRPr lang="ca-ES"/>
           </a:p>
@@ -1908,7 +1937,7 @@
             <a:fld id="{F0DDBFE9-5A50-4899-BFD1-0BE91B0BD11B}" type="slidenum">
               <a:rPr lang="ca-ES" smtClean="0"/>
               <a:pPr/>
-              <a:t>‹Nº›</a:t>
+              <a:t>‹#›</a:t>
             </a:fld>
             <a:endParaRPr lang="ca-ES"/>
           </a:p>
@@ -1957,7 +1986,7 @@
             <a:fld id="{335082A6-BC9C-46CB-A312-29A9E19DC25D}" type="datetimeFigureOut">
               <a:rPr lang="ca-ES" smtClean="0"/>
               <a:pPr/>
-              <a:t>18/06/2019</a:t>
+              <a:t>18/6/2019</a:t>
             </a:fld>
             <a:endParaRPr lang="ca-ES"/>
           </a:p>
@@ -2000,7 +2029,7 @@
             <a:fld id="{F0DDBFE9-5A50-4899-BFD1-0BE91B0BD11B}" type="slidenum">
               <a:rPr lang="ca-ES" smtClean="0"/>
               <a:pPr/>
-              <a:t>‹Nº›</a:t>
+              <a:t>‹#›</a:t>
             </a:fld>
             <a:endParaRPr lang="ca-ES"/>
           </a:p>
@@ -2056,7 +2085,7 @@
           </a:lstStyle>
           <a:p>
             <a:r>
-              <a:rPr lang="es-ES" smtClean="0"/>
+              <a:rPr lang="es-ES"/>
               <a:t>Haga clic para modificar el estilo de título del patrón</a:t>
             </a:r>
             <a:endParaRPr lang="ca-ES"/>
@@ -2113,35 +2142,35 @@
           <a:p>
             <a:pPr lvl="0"/>
             <a:r>
-              <a:rPr lang="es-ES" smtClean="0"/>
+              <a:rPr lang="es-ES"/>
               <a:t>Haga clic para modificar el estilo de texto del patrón</a:t>
             </a:r>
           </a:p>
           <a:p>
             <a:pPr lvl="1"/>
             <a:r>
-              <a:rPr lang="es-ES" smtClean="0"/>
+              <a:rPr lang="es-ES"/>
               <a:t>Segundo nivel</a:t>
             </a:r>
           </a:p>
           <a:p>
             <a:pPr lvl="2"/>
             <a:r>
-              <a:rPr lang="es-ES" smtClean="0"/>
+              <a:rPr lang="es-ES"/>
               <a:t>Tercer nivel</a:t>
             </a:r>
           </a:p>
           <a:p>
             <a:pPr lvl="3"/>
             <a:r>
-              <a:rPr lang="es-ES" smtClean="0"/>
+              <a:rPr lang="es-ES"/>
               <a:t>Cuarto nivel</a:t>
             </a:r>
           </a:p>
           <a:p>
             <a:pPr lvl="4"/>
             <a:r>
-              <a:rPr lang="es-ES" smtClean="0"/>
+              <a:rPr lang="es-ES"/>
               <a:t>Quinto nivel</a:t>
             </a:r>
             <a:endParaRPr lang="ca-ES"/>
@@ -2207,7 +2236,7 @@
           <a:p>
             <a:pPr lvl="0"/>
             <a:r>
-              <a:rPr lang="es-ES" smtClean="0"/>
+              <a:rPr lang="es-ES"/>
               <a:t>Haga clic para modificar el estilo de texto del patrón</a:t>
             </a:r>
           </a:p>
@@ -2231,7 +2260,7 @@
             <a:fld id="{335082A6-BC9C-46CB-A312-29A9E19DC25D}" type="datetimeFigureOut">
               <a:rPr lang="ca-ES" smtClean="0"/>
               <a:pPr/>
-              <a:t>18/06/2019</a:t>
+              <a:t>18/6/2019</a:t>
             </a:fld>
             <a:endParaRPr lang="ca-ES"/>
           </a:p>
@@ -2274,7 +2303,7 @@
             <a:fld id="{F0DDBFE9-5A50-4899-BFD1-0BE91B0BD11B}" type="slidenum">
               <a:rPr lang="ca-ES" smtClean="0"/>
               <a:pPr/>
-              <a:t>‹Nº›</a:t>
+              <a:t>‹#›</a:t>
             </a:fld>
             <a:endParaRPr lang="ca-ES"/>
           </a:p>
@@ -2330,7 +2359,7 @@
           </a:lstStyle>
           <a:p>
             <a:r>
-              <a:rPr lang="es-ES" smtClean="0"/>
+              <a:rPr lang="es-ES"/>
               <a:t>Haga clic para modificar el estilo de título del patrón</a:t>
             </a:r>
             <a:endParaRPr lang="ca-ES"/>
@@ -2457,7 +2486,7 @@
           <a:p>
             <a:pPr lvl="0"/>
             <a:r>
-              <a:rPr lang="es-ES" smtClean="0"/>
+              <a:rPr lang="es-ES"/>
               <a:t>Haga clic para modificar el estilo de texto del patrón</a:t>
             </a:r>
           </a:p>
@@ -2481,7 +2510,7 @@
             <a:fld id="{335082A6-BC9C-46CB-A312-29A9E19DC25D}" type="datetimeFigureOut">
               <a:rPr lang="ca-ES" smtClean="0"/>
               <a:pPr/>
-              <a:t>18/06/2019</a:t>
+              <a:t>18/6/2019</a:t>
             </a:fld>
             <a:endParaRPr lang="ca-ES"/>
           </a:p>
@@ -2524,7 +2553,7 @@
             <a:fld id="{F0DDBFE9-5A50-4899-BFD1-0BE91B0BD11B}" type="slidenum">
               <a:rPr lang="ca-ES" smtClean="0"/>
               <a:pPr/>
-              <a:t>‹Nº›</a:t>
+              <a:t>‹#›</a:t>
             </a:fld>
             <a:endParaRPr lang="ca-ES"/>
           </a:p>
@@ -2586,7 +2615,7 @@
           <a:lstStyle/>
           <a:p>
             <a:r>
-              <a:rPr lang="es-ES" smtClean="0"/>
+              <a:rPr lang="es-ES"/>
               <a:t>Haga clic para modificar el estilo de título del patrón</a:t>
             </a:r>
             <a:endParaRPr lang="ca-ES"/>
@@ -2620,35 +2649,35 @@
           <a:p>
             <a:pPr lvl="0"/>
             <a:r>
-              <a:rPr lang="es-ES" smtClean="0"/>
+              <a:rPr lang="es-ES"/>
               <a:t>Haga clic para modificar el estilo de texto del patrón</a:t>
             </a:r>
           </a:p>
           <a:p>
             <a:pPr lvl="1"/>
             <a:r>
-              <a:rPr lang="es-ES" smtClean="0"/>
+              <a:rPr lang="es-ES"/>
               <a:t>Segundo nivel</a:t>
             </a:r>
           </a:p>
           <a:p>
             <a:pPr lvl="2"/>
             <a:r>
-              <a:rPr lang="es-ES" smtClean="0"/>
+              <a:rPr lang="es-ES"/>
               <a:t>Tercer nivel</a:t>
             </a:r>
           </a:p>
           <a:p>
             <a:pPr lvl="3"/>
             <a:r>
-              <a:rPr lang="es-ES" smtClean="0"/>
+              <a:rPr lang="es-ES"/>
               <a:t>Cuarto nivel</a:t>
             </a:r>
           </a:p>
           <a:p>
             <a:pPr lvl="4"/>
             <a:r>
-              <a:rPr lang="es-ES" smtClean="0"/>
+              <a:rPr lang="es-ES"/>
               <a:t>Quinto nivel</a:t>
             </a:r>
             <a:endParaRPr lang="ca-ES"/>
@@ -2691,7 +2720,7 @@
             <a:fld id="{335082A6-BC9C-46CB-A312-29A9E19DC25D}" type="datetimeFigureOut">
               <a:rPr lang="ca-ES" smtClean="0"/>
               <a:pPr/>
-              <a:t>18/06/2019</a:t>
+              <a:t>18/6/2019</a:t>
             </a:fld>
             <a:endParaRPr lang="ca-ES"/>
           </a:p>
@@ -2770,7 +2799,7 @@
             <a:fld id="{F0DDBFE9-5A50-4899-BFD1-0BE91B0BD11B}" type="slidenum">
               <a:rPr lang="ca-ES" smtClean="0"/>
               <a:pPr/>
-              <a:t>‹Nº›</a:t>
+              <a:t>‹#›</a:t>
             </a:fld>
             <a:endParaRPr lang="ca-ES"/>
           </a:p>
@@ -3085,7 +3114,7 @@
           <a:lstStyle/>
           <a:p>
             <a:r>
-              <a:rPr lang="ca-ES" sz="2800" dirty="0" err="1" smtClean="0">
+              <a:rPr lang="ca-ES" sz="2800" dirty="0" err="1">
                 <a:solidFill>
                   <a:schemeClr val="tx2">
                     <a:lumMod val="60000"/>
@@ -3097,7 +3126,7 @@
               <a:t>Cybersecurity</a:t>
             </a:r>
             <a:r>
-              <a:rPr lang="ca-ES" sz="2800" dirty="0" smtClean="0">
+              <a:rPr lang="ca-ES" sz="2800" dirty="0">
                 <a:solidFill>
                   <a:schemeClr val="tx2">
                     <a:lumMod val="60000"/>
@@ -3109,7 +3138,7 @@
               <a:t> Management UPC</a:t>
             </a:r>
             <a:br>
-              <a:rPr lang="ca-ES" sz="2800" dirty="0" smtClean="0">
+              <a:rPr lang="ca-ES" sz="2800" dirty="0">
                 <a:solidFill>
                   <a:schemeClr val="tx2">
                     <a:lumMod val="60000"/>
@@ -3120,7 +3149,7 @@
               </a:rPr>
             </a:br>
             <a:r>
-              <a:rPr lang="ca-ES" sz="2000" dirty="0" smtClean="0">
+              <a:rPr lang="ca-ES" sz="2000" dirty="0">
                 <a:solidFill>
                   <a:schemeClr val="tx2">
                     <a:lumMod val="60000"/>
@@ -3164,7 +3193,7 @@
           <a:lstStyle/>
           <a:p>
             <a:r>
-              <a:rPr lang="ca-ES" b="1" dirty="0" smtClean="0">
+              <a:rPr lang="ca-ES" b="1" dirty="0">
                 <a:solidFill>
                   <a:schemeClr val="tx2">
                     <a:lumMod val="60000"/>
@@ -3176,7 +3205,7 @@
               <a:t>MODULO: Sistemas </a:t>
             </a:r>
             <a:r>
-              <a:rPr lang="ca-ES" b="1" dirty="0" err="1" smtClean="0">
+              <a:rPr lang="ca-ES" b="1" dirty="0" err="1">
                 <a:solidFill>
                   <a:schemeClr val="tx2">
                     <a:lumMod val="60000"/>
@@ -3187,7 +3216,7 @@
               </a:rPr>
               <a:t>Ubícuos</a:t>
             </a:r>
-            <a:endParaRPr lang="ca-ES" b="1" dirty="0" smtClean="0">
+            <a:endParaRPr lang="ca-ES" b="1" dirty="0">
               <a:solidFill>
                 <a:schemeClr val="tx2">
                   <a:lumMod val="60000"/>
@@ -3199,7 +3228,7 @@
           </a:p>
           <a:p>
             <a:r>
-              <a:rPr lang="ca-ES" b="1" dirty="0" err="1" smtClean="0">
+              <a:rPr lang="ca-ES" b="1" dirty="0" err="1">
                 <a:solidFill>
                   <a:schemeClr val="tx2">
                     <a:lumMod val="60000"/>
@@ -3211,7 +3240,7 @@
               <a:t>Práctica</a:t>
             </a:r>
             <a:r>
-              <a:rPr lang="ca-ES" b="1" dirty="0" smtClean="0">
+              <a:rPr lang="ca-ES" b="1" dirty="0">
                 <a:solidFill>
                   <a:schemeClr val="tx2">
                     <a:lumMod val="60000"/>
@@ -3223,7 +3252,7 @@
               <a:t>: Seguridad en </a:t>
             </a:r>
             <a:r>
-              <a:rPr lang="ca-ES" b="1" dirty="0" err="1" smtClean="0">
+              <a:rPr lang="ca-ES" b="1" dirty="0" err="1">
                 <a:solidFill>
                   <a:schemeClr val="tx2">
                     <a:lumMod val="60000"/>
@@ -3287,7 +3316,7 @@
               <a:defRPr/>
             </a:pPr>
             <a:r>
-              <a:rPr kumimoji="0" lang="ca-ES" sz="2000" b="0" i="0" u="none" strike="noStrike" kern="1200" cap="none" spc="0" normalizeH="0" baseline="0" noProof="0" dirty="0" smtClean="0">
+              <a:rPr kumimoji="0" lang="ca-ES" sz="2000" b="0" i="0" u="none" strike="noStrike" kern="1200" cap="none" spc="0" normalizeH="0" baseline="0" noProof="0" dirty="0">
                 <a:ln>
                   <a:noFill/>
                 </a:ln>
@@ -3326,7 +3355,7 @@
               <a:defRPr/>
             </a:pPr>
             <a:r>
-              <a:rPr lang="ca-ES" sz="2000" dirty="0" smtClean="0">
+              <a:rPr lang="ca-ES" sz="2000" dirty="0">
                 <a:solidFill>
                   <a:schemeClr val="tx2">
                     <a:lumMod val="60000"/>
@@ -3358,7 +3387,7 @@
               <a:tabLst/>
               <a:defRPr/>
             </a:pPr>
-            <a:endParaRPr lang="ca-ES" sz="2000" dirty="0" smtClean="0">
+            <a:endParaRPr lang="ca-ES" sz="2000" dirty="0">
               <a:solidFill>
                 <a:schemeClr val="tx2">
                   <a:lumMod val="60000"/>
@@ -3389,7 +3418,7 @@
               <a:defRPr/>
             </a:pPr>
             <a:r>
-              <a:rPr kumimoji="0" lang="ca-ES" sz="1600" b="0" i="0" u="none" strike="noStrike" kern="1200" cap="none" spc="0" normalizeH="0" baseline="0" noProof="0" dirty="0" err="1" smtClean="0">
+              <a:rPr kumimoji="0" lang="ca-ES" sz="1600" b="0" i="0" u="none" strike="noStrike" kern="1200" cap="none" spc="0" normalizeH="0" baseline="0" noProof="0" dirty="0" err="1">
                 <a:ln>
                   <a:noFill/>
                 </a:ln>
@@ -3409,7 +3438,7 @@
               <a:t>Junio</a:t>
             </a:r>
             <a:r>
-              <a:rPr kumimoji="0" lang="ca-ES" sz="1600" b="0" i="0" u="none" strike="noStrike" kern="1200" cap="none" spc="0" normalizeH="0" baseline="0" noProof="0" dirty="0" smtClean="0">
+              <a:rPr kumimoji="0" lang="ca-ES" sz="1600" b="0" i="0" u="none" strike="noStrike" kern="1200" cap="none" spc="0" normalizeH="0" baseline="0" noProof="0" dirty="0">
                 <a:ln>
                   <a:noFill/>
                 </a:ln>
@@ -3432,6 +3461,3223 @@
         </p:txBody>
       </p:sp>
     </p:spTree>
+  </p:cSld>
+  <p:clrMapOvr>
+    <a:masterClrMapping/>
+  </p:clrMapOvr>
+</p:sld>
+</file>
+
+<file path=ppt/slides/slide10.xml><?xml version="1.0" encoding="utf-8"?>
+<p:sld xmlns:a="http://schemas.openxmlformats.org/drawingml/2006/main" xmlns:r="http://schemas.openxmlformats.org/officeDocument/2006/relationships" xmlns:p="http://schemas.openxmlformats.org/presentationml/2006/main">
+  <p:cSld>
+    <p:spTree>
+      <p:nvGrpSpPr>
+        <p:cNvPr id="1" name=""/>
+        <p:cNvGrpSpPr/>
+        <p:nvPr/>
+      </p:nvGrpSpPr>
+      <p:grpSpPr>
+        <a:xfrm>
+          <a:off x="0" y="0"/>
+          <a:ext cx="0" cy="0"/>
+          <a:chOff x="0" y="0"/>
+          <a:chExt cx="0" cy="0"/>
+        </a:xfrm>
+      </p:grpSpPr>
+      <p:sp>
+        <p:nvSpPr>
+          <p:cNvPr id="4" name="1 Título">
+            <a:extLst>
+              <a:ext uri="{FF2B5EF4-FFF2-40B4-BE49-F238E27FC236}">
+                <a16:creationId xmlns:a16="http://schemas.microsoft.com/office/drawing/2014/main" id="{4222F324-3EDE-43F4-B3F7-D3D34AB53CC7}"/>
+              </a:ext>
+            </a:extLst>
+          </p:cNvPr>
+          <p:cNvSpPr txBox="1">
+            <a:spLocks/>
+          </p:cNvSpPr>
+          <p:nvPr/>
+        </p:nvSpPr>
+        <p:spPr>
+          <a:xfrm>
+            <a:off x="457200" y="620688"/>
+            <a:ext cx="8229600" cy="504056"/>
+          </a:xfrm>
+          <a:prstGeom prst="rect">
+            <a:avLst/>
+          </a:prstGeom>
+        </p:spPr>
+        <p:txBody>
+          <a:bodyPr vert="horz" lIns="91440" tIns="45720" rIns="91440" bIns="45720" rtlCol="0" anchor="ctr">
+            <a:normAutofit fontScale="92500" lnSpcReduction="20000"/>
+          </a:bodyPr>
+          <a:lstStyle>
+            <a:lvl1pPr algn="ctr" defTabSz="914400" rtl="0" eaLnBrk="1" latinLnBrk="0" hangingPunct="1">
+              <a:spcBef>
+                <a:spcPct val="0"/>
+              </a:spcBef>
+              <a:buNone/>
+              <a:defRPr sz="4400" kern="1200">
+                <a:solidFill>
+                  <a:schemeClr val="tx1"/>
+                </a:solidFill>
+                <a:latin typeface="+mj-lt"/>
+                <a:ea typeface="+mj-ea"/>
+                <a:cs typeface="+mj-cs"/>
+              </a:defRPr>
+            </a:lvl1pPr>
+          </a:lstStyle>
+          <a:p>
+            <a:pPr algn="l"/>
+            <a:r>
+              <a:rPr lang="ca-ES" sz="3600" b="1" dirty="0">
+                <a:latin typeface="Cambria" pitchFamily="18" charset="0"/>
+              </a:rPr>
+              <a:t>3 – </a:t>
+            </a:r>
+            <a:r>
+              <a:rPr lang="ca-ES" sz="3200" b="1" dirty="0">
+                <a:latin typeface="Cambria" pitchFamily="18" charset="0"/>
+              </a:rPr>
+              <a:t>Obtención Información Sensible </a:t>
+            </a:r>
+            <a:r>
+              <a:rPr lang="ca-ES" sz="3600" b="1" dirty="0">
+                <a:latin typeface="Cambria" pitchFamily="18" charset="0"/>
+              </a:rPr>
+              <a:t>(IV)</a:t>
+            </a:r>
+          </a:p>
+        </p:txBody>
+      </p:sp>
+      <p:sp>
+        <p:nvSpPr>
+          <p:cNvPr id="5" name="2 Marcador de contenido">
+            <a:extLst>
+              <a:ext uri="{FF2B5EF4-FFF2-40B4-BE49-F238E27FC236}">
+                <a16:creationId xmlns:a16="http://schemas.microsoft.com/office/drawing/2014/main" id="{EBA710F4-3692-4B14-A182-1085508C8603}"/>
+              </a:ext>
+            </a:extLst>
+          </p:cNvPr>
+          <p:cNvSpPr txBox="1">
+            <a:spLocks/>
+          </p:cNvSpPr>
+          <p:nvPr/>
+        </p:nvSpPr>
+        <p:spPr>
+          <a:xfrm>
+            <a:off x="457200" y="1268760"/>
+            <a:ext cx="8229600" cy="5112568"/>
+          </a:xfrm>
+          <a:prstGeom prst="rect">
+            <a:avLst/>
+          </a:prstGeom>
+        </p:spPr>
+        <p:txBody>
+          <a:bodyPr vert="horz" lIns="91440" tIns="45720" rIns="91440" bIns="45720" rtlCol="0">
+            <a:normAutofit/>
+          </a:bodyPr>
+          <a:lstStyle>
+            <a:lvl1pPr marL="342900" indent="-342900" algn="l" defTabSz="914400" rtl="0" eaLnBrk="1" latinLnBrk="0" hangingPunct="1">
+              <a:spcBef>
+                <a:spcPct val="20000"/>
+              </a:spcBef>
+              <a:buFont typeface="Arial" pitchFamily="34" charset="0"/>
+              <a:buChar char="•"/>
+              <a:defRPr sz="3200" kern="1200">
+                <a:solidFill>
+                  <a:schemeClr val="tx1"/>
+                </a:solidFill>
+                <a:latin typeface="+mn-lt"/>
+                <a:ea typeface="+mn-ea"/>
+                <a:cs typeface="+mn-cs"/>
+              </a:defRPr>
+            </a:lvl1pPr>
+            <a:lvl2pPr marL="742950" indent="-285750" algn="l" defTabSz="914400" rtl="0" eaLnBrk="1" latinLnBrk="0" hangingPunct="1">
+              <a:spcBef>
+                <a:spcPct val="20000"/>
+              </a:spcBef>
+              <a:buFont typeface="Arial" pitchFamily="34" charset="0"/>
+              <a:buChar char="–"/>
+              <a:defRPr sz="2800" kern="1200">
+                <a:solidFill>
+                  <a:schemeClr val="tx1"/>
+                </a:solidFill>
+                <a:latin typeface="+mn-lt"/>
+                <a:ea typeface="+mn-ea"/>
+                <a:cs typeface="+mn-cs"/>
+              </a:defRPr>
+            </a:lvl2pPr>
+            <a:lvl3pPr marL="1143000" indent="-228600" algn="l" defTabSz="914400" rtl="0" eaLnBrk="1" latinLnBrk="0" hangingPunct="1">
+              <a:spcBef>
+                <a:spcPct val="20000"/>
+              </a:spcBef>
+              <a:buFont typeface="Arial" pitchFamily="34" charset="0"/>
+              <a:buChar char="•"/>
+              <a:defRPr sz="2400" kern="1200">
+                <a:solidFill>
+                  <a:schemeClr val="tx1"/>
+                </a:solidFill>
+                <a:latin typeface="+mn-lt"/>
+                <a:ea typeface="+mn-ea"/>
+                <a:cs typeface="+mn-cs"/>
+              </a:defRPr>
+            </a:lvl3pPr>
+            <a:lvl4pPr marL="1600200" indent="-228600" algn="l" defTabSz="914400" rtl="0" eaLnBrk="1" latinLnBrk="0" hangingPunct="1">
+              <a:spcBef>
+                <a:spcPct val="20000"/>
+              </a:spcBef>
+              <a:buFont typeface="Arial" pitchFamily="34" charset="0"/>
+              <a:buChar char="–"/>
+              <a:defRPr sz="2000" kern="1200">
+                <a:solidFill>
+                  <a:schemeClr val="tx1"/>
+                </a:solidFill>
+                <a:latin typeface="+mn-lt"/>
+                <a:ea typeface="+mn-ea"/>
+                <a:cs typeface="+mn-cs"/>
+              </a:defRPr>
+            </a:lvl4pPr>
+            <a:lvl5pPr marL="2057400" indent="-228600" algn="l" defTabSz="914400" rtl="0" eaLnBrk="1" latinLnBrk="0" hangingPunct="1">
+              <a:spcBef>
+                <a:spcPct val="20000"/>
+              </a:spcBef>
+              <a:buFont typeface="Arial" pitchFamily="34" charset="0"/>
+              <a:buChar char="»"/>
+              <a:defRPr sz="2000" kern="1200">
+                <a:solidFill>
+                  <a:schemeClr val="tx1"/>
+                </a:solidFill>
+                <a:latin typeface="+mn-lt"/>
+                <a:ea typeface="+mn-ea"/>
+                <a:cs typeface="+mn-cs"/>
+              </a:defRPr>
+            </a:lvl5pPr>
+            <a:lvl6pPr marL="2514600" indent="-228600" algn="l" defTabSz="914400" rtl="0" eaLnBrk="1" latinLnBrk="0" hangingPunct="1">
+              <a:spcBef>
+                <a:spcPct val="20000"/>
+              </a:spcBef>
+              <a:buFont typeface="Arial" pitchFamily="34" charset="0"/>
+              <a:buChar char="•"/>
+              <a:defRPr sz="2000" kern="1200">
+                <a:solidFill>
+                  <a:schemeClr val="tx1"/>
+                </a:solidFill>
+                <a:latin typeface="+mn-lt"/>
+                <a:ea typeface="+mn-ea"/>
+                <a:cs typeface="+mn-cs"/>
+              </a:defRPr>
+            </a:lvl6pPr>
+            <a:lvl7pPr marL="2971800" indent="-228600" algn="l" defTabSz="914400" rtl="0" eaLnBrk="1" latinLnBrk="0" hangingPunct="1">
+              <a:spcBef>
+                <a:spcPct val="20000"/>
+              </a:spcBef>
+              <a:buFont typeface="Arial" pitchFamily="34" charset="0"/>
+              <a:buChar char="•"/>
+              <a:defRPr sz="2000" kern="1200">
+                <a:solidFill>
+                  <a:schemeClr val="tx1"/>
+                </a:solidFill>
+                <a:latin typeface="+mn-lt"/>
+                <a:ea typeface="+mn-ea"/>
+                <a:cs typeface="+mn-cs"/>
+              </a:defRPr>
+            </a:lvl7pPr>
+            <a:lvl8pPr marL="3429000" indent="-228600" algn="l" defTabSz="914400" rtl="0" eaLnBrk="1" latinLnBrk="0" hangingPunct="1">
+              <a:spcBef>
+                <a:spcPct val="20000"/>
+              </a:spcBef>
+              <a:buFont typeface="Arial" pitchFamily="34" charset="0"/>
+              <a:buChar char="•"/>
+              <a:defRPr sz="2000" kern="1200">
+                <a:solidFill>
+                  <a:schemeClr val="tx1"/>
+                </a:solidFill>
+                <a:latin typeface="+mn-lt"/>
+                <a:ea typeface="+mn-ea"/>
+                <a:cs typeface="+mn-cs"/>
+              </a:defRPr>
+            </a:lvl8pPr>
+            <a:lvl9pPr marL="3886200" indent="-228600" algn="l" defTabSz="914400" rtl="0" eaLnBrk="1" latinLnBrk="0" hangingPunct="1">
+              <a:spcBef>
+                <a:spcPct val="20000"/>
+              </a:spcBef>
+              <a:buFont typeface="Arial" pitchFamily="34" charset="0"/>
+              <a:buChar char="•"/>
+              <a:defRPr sz="2000" kern="1200">
+                <a:solidFill>
+                  <a:schemeClr val="tx1"/>
+                </a:solidFill>
+                <a:latin typeface="+mn-lt"/>
+                <a:ea typeface="+mn-ea"/>
+                <a:cs typeface="+mn-cs"/>
+              </a:defRPr>
+            </a:lvl9pPr>
+          </a:lstStyle>
+          <a:p>
+            <a:pPr indent="17463">
+              <a:buNone/>
+            </a:pPr>
+            <a:r>
+              <a:rPr lang="ca-ES" sz="2400" dirty="0">
+                <a:latin typeface="Cambria" pitchFamily="18" charset="0"/>
+                <a:ea typeface="+mj-ea"/>
+                <a:cs typeface="+mj-cs"/>
+              </a:rPr>
+              <a:t>Entonces, buscamos, en la carpeta DD53E63D-777C-4619-9DBC-630747C6AF87 , los directorios Bundle y Data:</a:t>
+            </a:r>
+          </a:p>
+          <a:p>
+            <a:pPr indent="17463">
+              <a:buFont typeface="Arial" pitchFamily="34" charset="0"/>
+              <a:buNone/>
+            </a:pPr>
+            <a:endParaRPr lang="ca-ES" sz="2400" dirty="0">
+              <a:latin typeface="Cambria" pitchFamily="18" charset="0"/>
+              <a:ea typeface="+mj-ea"/>
+              <a:cs typeface="+mj-cs"/>
+            </a:endParaRPr>
+          </a:p>
+          <a:p>
+            <a:pPr indent="17463">
+              <a:buFont typeface="Arial" pitchFamily="34" charset="0"/>
+              <a:buNone/>
+            </a:pPr>
+            <a:r>
+              <a:rPr lang="ca-ES" sz="2400" dirty="0">
+                <a:latin typeface="Cambria" pitchFamily="18" charset="0"/>
+                <a:ea typeface="+mj-ea"/>
+                <a:cs typeface="+mj-cs"/>
+              </a:rPr>
+              <a:t>Y la aplicación, dentro de:</a:t>
+            </a:r>
+          </a:p>
+          <a:p>
+            <a:pPr indent="17463">
+              <a:buFont typeface="Arial" pitchFamily="34" charset="0"/>
+              <a:buNone/>
+            </a:pPr>
+            <a:endParaRPr lang="ca-ES" sz="2400" dirty="0">
+              <a:latin typeface="Cambria" pitchFamily="18" charset="0"/>
+              <a:ea typeface="+mj-ea"/>
+              <a:cs typeface="+mj-cs"/>
+            </a:endParaRPr>
+          </a:p>
+          <a:p>
+            <a:pPr marL="685800">
+              <a:buFontTx/>
+              <a:buChar char="-"/>
+            </a:pPr>
+            <a:endParaRPr lang="ca-ES" sz="2400" dirty="0">
+              <a:latin typeface="Cambria" pitchFamily="18" charset="0"/>
+              <a:ea typeface="+mj-ea"/>
+              <a:cs typeface="+mj-cs"/>
+            </a:endParaRPr>
+          </a:p>
+          <a:p>
+            <a:pPr indent="0">
+              <a:buNone/>
+            </a:pPr>
+            <a:endParaRPr lang="ca-ES" sz="2400" dirty="0">
+              <a:latin typeface="Cambria" pitchFamily="18" charset="0"/>
+              <a:ea typeface="+mj-ea"/>
+              <a:cs typeface="+mj-cs"/>
+            </a:endParaRPr>
+          </a:p>
+          <a:p>
+            <a:pPr indent="0">
+              <a:buNone/>
+            </a:pPr>
+            <a:endParaRPr lang="ca-ES" sz="2400" dirty="0">
+              <a:latin typeface="Cambria" pitchFamily="18" charset="0"/>
+              <a:ea typeface="+mj-ea"/>
+              <a:cs typeface="+mj-cs"/>
+            </a:endParaRPr>
+          </a:p>
+        </p:txBody>
+      </p:sp>
+      <p:pic>
+        <p:nvPicPr>
+          <p:cNvPr id="6" name="Imagen 5">
+            <a:extLst>
+              <a:ext uri="{FF2B5EF4-FFF2-40B4-BE49-F238E27FC236}">
+                <a16:creationId xmlns:a16="http://schemas.microsoft.com/office/drawing/2014/main" id="{8ED2DB05-BDD1-4A94-B1AA-762716A5CBAA}"/>
+              </a:ext>
+            </a:extLst>
+          </p:cNvPr>
+          <p:cNvPicPr/>
+          <p:nvPr/>
+        </p:nvPicPr>
+        <p:blipFill>
+          <a:blip r:embed="rId2" cstate="print"/>
+          <a:stretch>
+            <a:fillRect/>
+          </a:stretch>
+        </p:blipFill>
+        <p:spPr>
+          <a:xfrm>
+            <a:off x="2266950" y="2175430"/>
+            <a:ext cx="4610100" cy="285750"/>
+          </a:xfrm>
+          <a:prstGeom prst="rect">
+            <a:avLst/>
+          </a:prstGeom>
+        </p:spPr>
+      </p:pic>
+      <p:pic>
+        <p:nvPicPr>
+          <p:cNvPr id="8" name="Imagen 7">
+            <a:extLst>
+              <a:ext uri="{FF2B5EF4-FFF2-40B4-BE49-F238E27FC236}">
+                <a16:creationId xmlns:a16="http://schemas.microsoft.com/office/drawing/2014/main" id="{7B4F885C-53A2-4DED-950E-6239256B2AFC}"/>
+              </a:ext>
+            </a:extLst>
+          </p:cNvPr>
+          <p:cNvPicPr/>
+          <p:nvPr/>
+        </p:nvPicPr>
+        <p:blipFill>
+          <a:blip r:embed="rId3" cstate="print"/>
+          <a:stretch>
+            <a:fillRect/>
+          </a:stretch>
+        </p:blipFill>
+        <p:spPr>
+          <a:xfrm>
+            <a:off x="595789" y="3066574"/>
+            <a:ext cx="7952422" cy="153353"/>
+          </a:xfrm>
+          <a:prstGeom prst="rect">
+            <a:avLst/>
+          </a:prstGeom>
+        </p:spPr>
+      </p:pic>
+      <p:pic>
+        <p:nvPicPr>
+          <p:cNvPr id="10" name="Imagen 8">
+            <a:extLst>
+              <a:ext uri="{FF2B5EF4-FFF2-40B4-BE49-F238E27FC236}">
+                <a16:creationId xmlns:a16="http://schemas.microsoft.com/office/drawing/2014/main" id="{0C0B48A3-030D-40A2-8F89-10E56D09FDEB}"/>
+              </a:ext>
+            </a:extLst>
+          </p:cNvPr>
+          <p:cNvPicPr/>
+          <p:nvPr/>
+        </p:nvPicPr>
+        <p:blipFill>
+          <a:blip r:embed="rId4" cstate="print"/>
+          <a:stretch>
+            <a:fillRect/>
+          </a:stretch>
+        </p:blipFill>
+        <p:spPr>
+          <a:xfrm>
+            <a:off x="1871980" y="3552574"/>
+            <a:ext cx="5400040" cy="2463800"/>
+          </a:xfrm>
+          <a:prstGeom prst="rect">
+            <a:avLst/>
+          </a:prstGeom>
+        </p:spPr>
+      </p:pic>
+    </p:spTree>
+    <p:extLst>
+      <p:ext uri="{BB962C8B-B14F-4D97-AF65-F5344CB8AC3E}">
+        <p14:creationId xmlns:p14="http://schemas.microsoft.com/office/powerpoint/2010/main" val="2267476515"/>
+      </p:ext>
+    </p:extLst>
+  </p:cSld>
+  <p:clrMapOvr>
+    <a:masterClrMapping/>
+  </p:clrMapOvr>
+</p:sld>
+</file>
+
+<file path=ppt/slides/slide11.xml><?xml version="1.0" encoding="utf-8"?>
+<p:sld xmlns:a="http://schemas.openxmlformats.org/drawingml/2006/main" xmlns:r="http://schemas.openxmlformats.org/officeDocument/2006/relationships" xmlns:p="http://schemas.openxmlformats.org/presentationml/2006/main">
+  <p:cSld>
+    <p:spTree>
+      <p:nvGrpSpPr>
+        <p:cNvPr id="1" name=""/>
+        <p:cNvGrpSpPr/>
+        <p:nvPr/>
+      </p:nvGrpSpPr>
+      <p:grpSpPr>
+        <a:xfrm>
+          <a:off x="0" y="0"/>
+          <a:ext cx="0" cy="0"/>
+          <a:chOff x="0" y="0"/>
+          <a:chExt cx="0" cy="0"/>
+        </a:xfrm>
+      </p:grpSpPr>
+      <p:sp>
+        <p:nvSpPr>
+          <p:cNvPr id="4" name="1 Título">
+            <a:extLst>
+              <a:ext uri="{FF2B5EF4-FFF2-40B4-BE49-F238E27FC236}">
+                <a16:creationId xmlns:a16="http://schemas.microsoft.com/office/drawing/2014/main" id="{4222F324-3EDE-43F4-B3F7-D3D34AB53CC7}"/>
+              </a:ext>
+            </a:extLst>
+          </p:cNvPr>
+          <p:cNvSpPr txBox="1">
+            <a:spLocks/>
+          </p:cNvSpPr>
+          <p:nvPr/>
+        </p:nvSpPr>
+        <p:spPr>
+          <a:xfrm>
+            <a:off x="457200" y="620688"/>
+            <a:ext cx="8229600" cy="504056"/>
+          </a:xfrm>
+          <a:prstGeom prst="rect">
+            <a:avLst/>
+          </a:prstGeom>
+        </p:spPr>
+        <p:txBody>
+          <a:bodyPr vert="horz" lIns="91440" tIns="45720" rIns="91440" bIns="45720" rtlCol="0" anchor="ctr">
+            <a:normAutofit fontScale="92500" lnSpcReduction="20000"/>
+          </a:bodyPr>
+          <a:lstStyle>
+            <a:lvl1pPr algn="ctr" defTabSz="914400" rtl="0" eaLnBrk="1" latinLnBrk="0" hangingPunct="1">
+              <a:spcBef>
+                <a:spcPct val="0"/>
+              </a:spcBef>
+              <a:buNone/>
+              <a:defRPr sz="4400" kern="1200">
+                <a:solidFill>
+                  <a:schemeClr val="tx1"/>
+                </a:solidFill>
+                <a:latin typeface="+mj-lt"/>
+                <a:ea typeface="+mj-ea"/>
+                <a:cs typeface="+mj-cs"/>
+              </a:defRPr>
+            </a:lvl1pPr>
+          </a:lstStyle>
+          <a:p>
+            <a:pPr algn="l"/>
+            <a:r>
+              <a:rPr lang="ca-ES" sz="3600" b="1" dirty="0">
+                <a:latin typeface="Cambria" pitchFamily="18" charset="0"/>
+              </a:rPr>
+              <a:t>3 – </a:t>
+            </a:r>
+            <a:r>
+              <a:rPr lang="ca-ES" sz="3200" b="1" dirty="0">
+                <a:latin typeface="Cambria" pitchFamily="18" charset="0"/>
+              </a:rPr>
+              <a:t>Obtención Información Sensible </a:t>
+            </a:r>
+            <a:r>
+              <a:rPr lang="ca-ES" sz="3600" b="1" dirty="0">
+                <a:latin typeface="Cambria" pitchFamily="18" charset="0"/>
+              </a:rPr>
+              <a:t>(V)</a:t>
+            </a:r>
+          </a:p>
+        </p:txBody>
+      </p:sp>
+      <p:sp>
+        <p:nvSpPr>
+          <p:cNvPr id="5" name="2 Marcador de contenido">
+            <a:extLst>
+              <a:ext uri="{FF2B5EF4-FFF2-40B4-BE49-F238E27FC236}">
+                <a16:creationId xmlns:a16="http://schemas.microsoft.com/office/drawing/2014/main" id="{EBA710F4-3692-4B14-A182-1085508C8603}"/>
+              </a:ext>
+            </a:extLst>
+          </p:cNvPr>
+          <p:cNvSpPr txBox="1">
+            <a:spLocks/>
+          </p:cNvSpPr>
+          <p:nvPr/>
+        </p:nvSpPr>
+        <p:spPr>
+          <a:xfrm>
+            <a:off x="457200" y="1268760"/>
+            <a:ext cx="8229600" cy="5112568"/>
+          </a:xfrm>
+          <a:prstGeom prst="rect">
+            <a:avLst/>
+          </a:prstGeom>
+        </p:spPr>
+        <p:txBody>
+          <a:bodyPr vert="horz" lIns="91440" tIns="45720" rIns="91440" bIns="45720" rtlCol="0">
+            <a:normAutofit/>
+          </a:bodyPr>
+          <a:lstStyle>
+            <a:lvl1pPr marL="342900" indent="-342900" algn="l" defTabSz="914400" rtl="0" eaLnBrk="1" latinLnBrk="0" hangingPunct="1">
+              <a:spcBef>
+                <a:spcPct val="20000"/>
+              </a:spcBef>
+              <a:buFont typeface="Arial" pitchFamily="34" charset="0"/>
+              <a:buChar char="•"/>
+              <a:defRPr sz="3200" kern="1200">
+                <a:solidFill>
+                  <a:schemeClr val="tx1"/>
+                </a:solidFill>
+                <a:latin typeface="+mn-lt"/>
+                <a:ea typeface="+mn-ea"/>
+                <a:cs typeface="+mn-cs"/>
+              </a:defRPr>
+            </a:lvl1pPr>
+            <a:lvl2pPr marL="742950" indent="-285750" algn="l" defTabSz="914400" rtl="0" eaLnBrk="1" latinLnBrk="0" hangingPunct="1">
+              <a:spcBef>
+                <a:spcPct val="20000"/>
+              </a:spcBef>
+              <a:buFont typeface="Arial" pitchFamily="34" charset="0"/>
+              <a:buChar char="–"/>
+              <a:defRPr sz="2800" kern="1200">
+                <a:solidFill>
+                  <a:schemeClr val="tx1"/>
+                </a:solidFill>
+                <a:latin typeface="+mn-lt"/>
+                <a:ea typeface="+mn-ea"/>
+                <a:cs typeface="+mn-cs"/>
+              </a:defRPr>
+            </a:lvl2pPr>
+            <a:lvl3pPr marL="1143000" indent="-228600" algn="l" defTabSz="914400" rtl="0" eaLnBrk="1" latinLnBrk="0" hangingPunct="1">
+              <a:spcBef>
+                <a:spcPct val="20000"/>
+              </a:spcBef>
+              <a:buFont typeface="Arial" pitchFamily="34" charset="0"/>
+              <a:buChar char="•"/>
+              <a:defRPr sz="2400" kern="1200">
+                <a:solidFill>
+                  <a:schemeClr val="tx1"/>
+                </a:solidFill>
+                <a:latin typeface="+mn-lt"/>
+                <a:ea typeface="+mn-ea"/>
+                <a:cs typeface="+mn-cs"/>
+              </a:defRPr>
+            </a:lvl3pPr>
+            <a:lvl4pPr marL="1600200" indent="-228600" algn="l" defTabSz="914400" rtl="0" eaLnBrk="1" latinLnBrk="0" hangingPunct="1">
+              <a:spcBef>
+                <a:spcPct val="20000"/>
+              </a:spcBef>
+              <a:buFont typeface="Arial" pitchFamily="34" charset="0"/>
+              <a:buChar char="–"/>
+              <a:defRPr sz="2000" kern="1200">
+                <a:solidFill>
+                  <a:schemeClr val="tx1"/>
+                </a:solidFill>
+                <a:latin typeface="+mn-lt"/>
+                <a:ea typeface="+mn-ea"/>
+                <a:cs typeface="+mn-cs"/>
+              </a:defRPr>
+            </a:lvl4pPr>
+            <a:lvl5pPr marL="2057400" indent="-228600" algn="l" defTabSz="914400" rtl="0" eaLnBrk="1" latinLnBrk="0" hangingPunct="1">
+              <a:spcBef>
+                <a:spcPct val="20000"/>
+              </a:spcBef>
+              <a:buFont typeface="Arial" pitchFamily="34" charset="0"/>
+              <a:buChar char="»"/>
+              <a:defRPr sz="2000" kern="1200">
+                <a:solidFill>
+                  <a:schemeClr val="tx1"/>
+                </a:solidFill>
+                <a:latin typeface="+mn-lt"/>
+                <a:ea typeface="+mn-ea"/>
+                <a:cs typeface="+mn-cs"/>
+              </a:defRPr>
+            </a:lvl5pPr>
+            <a:lvl6pPr marL="2514600" indent="-228600" algn="l" defTabSz="914400" rtl="0" eaLnBrk="1" latinLnBrk="0" hangingPunct="1">
+              <a:spcBef>
+                <a:spcPct val="20000"/>
+              </a:spcBef>
+              <a:buFont typeface="Arial" pitchFamily="34" charset="0"/>
+              <a:buChar char="•"/>
+              <a:defRPr sz="2000" kern="1200">
+                <a:solidFill>
+                  <a:schemeClr val="tx1"/>
+                </a:solidFill>
+                <a:latin typeface="+mn-lt"/>
+                <a:ea typeface="+mn-ea"/>
+                <a:cs typeface="+mn-cs"/>
+              </a:defRPr>
+            </a:lvl6pPr>
+            <a:lvl7pPr marL="2971800" indent="-228600" algn="l" defTabSz="914400" rtl="0" eaLnBrk="1" latinLnBrk="0" hangingPunct="1">
+              <a:spcBef>
+                <a:spcPct val="20000"/>
+              </a:spcBef>
+              <a:buFont typeface="Arial" pitchFamily="34" charset="0"/>
+              <a:buChar char="•"/>
+              <a:defRPr sz="2000" kern="1200">
+                <a:solidFill>
+                  <a:schemeClr val="tx1"/>
+                </a:solidFill>
+                <a:latin typeface="+mn-lt"/>
+                <a:ea typeface="+mn-ea"/>
+                <a:cs typeface="+mn-cs"/>
+              </a:defRPr>
+            </a:lvl7pPr>
+            <a:lvl8pPr marL="3429000" indent="-228600" algn="l" defTabSz="914400" rtl="0" eaLnBrk="1" latinLnBrk="0" hangingPunct="1">
+              <a:spcBef>
+                <a:spcPct val="20000"/>
+              </a:spcBef>
+              <a:buFont typeface="Arial" pitchFamily="34" charset="0"/>
+              <a:buChar char="•"/>
+              <a:defRPr sz="2000" kern="1200">
+                <a:solidFill>
+                  <a:schemeClr val="tx1"/>
+                </a:solidFill>
+                <a:latin typeface="+mn-lt"/>
+                <a:ea typeface="+mn-ea"/>
+                <a:cs typeface="+mn-cs"/>
+              </a:defRPr>
+            </a:lvl8pPr>
+            <a:lvl9pPr marL="3886200" indent="-228600" algn="l" defTabSz="914400" rtl="0" eaLnBrk="1" latinLnBrk="0" hangingPunct="1">
+              <a:spcBef>
+                <a:spcPct val="20000"/>
+              </a:spcBef>
+              <a:buFont typeface="Arial" pitchFamily="34" charset="0"/>
+              <a:buChar char="•"/>
+              <a:defRPr sz="2000" kern="1200">
+                <a:solidFill>
+                  <a:schemeClr val="tx1"/>
+                </a:solidFill>
+                <a:latin typeface="+mn-lt"/>
+                <a:ea typeface="+mn-ea"/>
+                <a:cs typeface="+mn-cs"/>
+              </a:defRPr>
+            </a:lvl9pPr>
+          </a:lstStyle>
+          <a:p>
+            <a:pPr indent="17463">
+              <a:buNone/>
+            </a:pPr>
+            <a:r>
+              <a:rPr lang="ca-ES" sz="2400" dirty="0">
+                <a:latin typeface="Cambria" pitchFamily="18" charset="0"/>
+                <a:ea typeface="+mj-ea"/>
+                <a:cs typeface="+mj-cs"/>
+              </a:rPr>
+              <a:t>Realizamos una búsqueda del nombre de la aplicación dentro de esas carpetas:</a:t>
+            </a:r>
+          </a:p>
+          <a:p>
+            <a:pPr indent="17463">
+              <a:buNone/>
+            </a:pPr>
+            <a:endParaRPr lang="ca-ES" sz="2400" dirty="0">
+              <a:latin typeface="Cambria" pitchFamily="18" charset="0"/>
+              <a:ea typeface="+mj-ea"/>
+              <a:cs typeface="+mj-cs"/>
+            </a:endParaRPr>
+          </a:p>
+          <a:p>
+            <a:pPr indent="17463">
+              <a:buFont typeface="Arial" pitchFamily="34" charset="0"/>
+              <a:buNone/>
+            </a:pPr>
+            <a:endParaRPr lang="ca-ES" sz="2400" dirty="0">
+              <a:latin typeface="Cambria" pitchFamily="18" charset="0"/>
+              <a:ea typeface="+mj-ea"/>
+              <a:cs typeface="+mj-cs"/>
+            </a:endParaRPr>
+          </a:p>
+          <a:p>
+            <a:pPr indent="17463">
+              <a:buFont typeface="Arial" pitchFamily="34" charset="0"/>
+              <a:buNone/>
+            </a:pPr>
+            <a:r>
+              <a:rPr lang="ca-ES" sz="2400" dirty="0">
+                <a:latin typeface="Cambria" pitchFamily="18" charset="0"/>
+                <a:ea typeface="+mj-ea"/>
+                <a:cs typeface="+mj-cs"/>
+              </a:rPr>
+              <a:t>Como método de busqueda de las claves, hacemos una búsqueda de la palabra </a:t>
+            </a:r>
+            <a:r>
+              <a:rPr lang="ca-ES" sz="2400" i="1" dirty="0">
+                <a:latin typeface="Cambria" pitchFamily="18" charset="0"/>
+                <a:ea typeface="+mj-ea"/>
+                <a:cs typeface="+mj-cs"/>
+              </a:rPr>
+              <a:t>profiles</a:t>
+            </a:r>
+            <a:r>
+              <a:rPr lang="ca-ES" sz="2400" dirty="0">
+                <a:latin typeface="Cambria" pitchFamily="18" charset="0"/>
+                <a:ea typeface="+mj-ea"/>
+                <a:cs typeface="+mj-cs"/>
+              </a:rPr>
+              <a:t> dentro de esas carpetas al ser una palabra que vemos dentro de la consola de xCode:</a:t>
+            </a:r>
+          </a:p>
+          <a:p>
+            <a:pPr indent="17463">
+              <a:buFont typeface="Arial" pitchFamily="34" charset="0"/>
+              <a:buNone/>
+            </a:pPr>
+            <a:endParaRPr lang="ca-ES" sz="2400" dirty="0">
+              <a:latin typeface="Cambria" pitchFamily="18" charset="0"/>
+              <a:ea typeface="+mj-ea"/>
+              <a:cs typeface="+mj-cs"/>
+            </a:endParaRPr>
+          </a:p>
+          <a:p>
+            <a:pPr marL="685800">
+              <a:buFontTx/>
+              <a:buChar char="-"/>
+            </a:pPr>
+            <a:endParaRPr lang="ca-ES" sz="2400" dirty="0">
+              <a:latin typeface="Cambria" pitchFamily="18" charset="0"/>
+              <a:ea typeface="+mj-ea"/>
+              <a:cs typeface="+mj-cs"/>
+            </a:endParaRPr>
+          </a:p>
+          <a:p>
+            <a:pPr indent="0">
+              <a:buNone/>
+            </a:pPr>
+            <a:endParaRPr lang="ca-ES" sz="2400" dirty="0">
+              <a:latin typeface="Cambria" pitchFamily="18" charset="0"/>
+              <a:ea typeface="+mj-ea"/>
+              <a:cs typeface="+mj-cs"/>
+            </a:endParaRPr>
+          </a:p>
+          <a:p>
+            <a:pPr indent="0">
+              <a:buNone/>
+            </a:pPr>
+            <a:endParaRPr lang="ca-ES" sz="2400" dirty="0">
+              <a:latin typeface="Cambria" pitchFamily="18" charset="0"/>
+              <a:ea typeface="+mj-ea"/>
+              <a:cs typeface="+mj-cs"/>
+            </a:endParaRPr>
+          </a:p>
+        </p:txBody>
+      </p:sp>
+      <p:pic>
+        <p:nvPicPr>
+          <p:cNvPr id="7" name="Imagen 9">
+            <a:extLst>
+              <a:ext uri="{FF2B5EF4-FFF2-40B4-BE49-F238E27FC236}">
+                <a16:creationId xmlns:a16="http://schemas.microsoft.com/office/drawing/2014/main" id="{06F0919A-8EEE-4103-B48C-9189BB21FF9B}"/>
+              </a:ext>
+            </a:extLst>
+          </p:cNvPr>
+          <p:cNvPicPr/>
+          <p:nvPr/>
+        </p:nvPicPr>
+        <p:blipFill>
+          <a:blip r:embed="rId2" cstate="print"/>
+          <a:stretch>
+            <a:fillRect/>
+          </a:stretch>
+        </p:blipFill>
+        <p:spPr>
+          <a:xfrm>
+            <a:off x="1685687" y="2060848"/>
+            <a:ext cx="5772626" cy="922973"/>
+          </a:xfrm>
+          <a:prstGeom prst="rect">
+            <a:avLst/>
+          </a:prstGeom>
+        </p:spPr>
+      </p:pic>
+      <p:pic>
+        <p:nvPicPr>
+          <p:cNvPr id="9" name="Imagen 13">
+            <a:extLst>
+              <a:ext uri="{FF2B5EF4-FFF2-40B4-BE49-F238E27FC236}">
+                <a16:creationId xmlns:a16="http://schemas.microsoft.com/office/drawing/2014/main" id="{F13EE380-5911-4DDC-8499-084BFF719AC6}"/>
+              </a:ext>
+            </a:extLst>
+          </p:cNvPr>
+          <p:cNvPicPr/>
+          <p:nvPr/>
+        </p:nvPicPr>
+        <p:blipFill>
+          <a:blip r:embed="rId3" cstate="print"/>
+          <a:stretch>
+            <a:fillRect/>
+          </a:stretch>
+        </p:blipFill>
+        <p:spPr>
+          <a:xfrm>
+            <a:off x="1683456" y="4221088"/>
+            <a:ext cx="5772626" cy="2323624"/>
+          </a:xfrm>
+          <a:prstGeom prst="rect">
+            <a:avLst/>
+          </a:prstGeom>
+        </p:spPr>
+      </p:pic>
+    </p:spTree>
+    <p:extLst>
+      <p:ext uri="{BB962C8B-B14F-4D97-AF65-F5344CB8AC3E}">
+        <p14:creationId xmlns:p14="http://schemas.microsoft.com/office/powerpoint/2010/main" val="3297630729"/>
+      </p:ext>
+    </p:extLst>
+  </p:cSld>
+  <p:clrMapOvr>
+    <a:masterClrMapping/>
+  </p:clrMapOvr>
+</p:sld>
+</file>
+
+<file path=ppt/slides/slide12.xml><?xml version="1.0" encoding="utf-8"?>
+<p:sld xmlns:a="http://schemas.openxmlformats.org/drawingml/2006/main" xmlns:r="http://schemas.openxmlformats.org/officeDocument/2006/relationships" xmlns:p="http://schemas.openxmlformats.org/presentationml/2006/main">
+  <p:cSld>
+    <p:spTree>
+      <p:nvGrpSpPr>
+        <p:cNvPr id="1" name=""/>
+        <p:cNvGrpSpPr/>
+        <p:nvPr/>
+      </p:nvGrpSpPr>
+      <p:grpSpPr>
+        <a:xfrm>
+          <a:off x="0" y="0"/>
+          <a:ext cx="0" cy="0"/>
+          <a:chOff x="0" y="0"/>
+          <a:chExt cx="0" cy="0"/>
+        </a:xfrm>
+      </p:grpSpPr>
+      <p:sp>
+        <p:nvSpPr>
+          <p:cNvPr id="4" name="1 Título">
+            <a:extLst>
+              <a:ext uri="{FF2B5EF4-FFF2-40B4-BE49-F238E27FC236}">
+                <a16:creationId xmlns:a16="http://schemas.microsoft.com/office/drawing/2014/main" id="{4222F324-3EDE-43F4-B3F7-D3D34AB53CC7}"/>
+              </a:ext>
+            </a:extLst>
+          </p:cNvPr>
+          <p:cNvSpPr txBox="1">
+            <a:spLocks/>
+          </p:cNvSpPr>
+          <p:nvPr/>
+        </p:nvSpPr>
+        <p:spPr>
+          <a:xfrm>
+            <a:off x="457200" y="620688"/>
+            <a:ext cx="8229600" cy="504056"/>
+          </a:xfrm>
+          <a:prstGeom prst="rect">
+            <a:avLst/>
+          </a:prstGeom>
+        </p:spPr>
+        <p:txBody>
+          <a:bodyPr vert="horz" lIns="91440" tIns="45720" rIns="91440" bIns="45720" rtlCol="0" anchor="ctr">
+            <a:normAutofit fontScale="92500" lnSpcReduction="20000"/>
+          </a:bodyPr>
+          <a:lstStyle>
+            <a:lvl1pPr algn="ctr" defTabSz="914400" rtl="0" eaLnBrk="1" latinLnBrk="0" hangingPunct="1">
+              <a:spcBef>
+                <a:spcPct val="0"/>
+              </a:spcBef>
+              <a:buNone/>
+              <a:defRPr sz="4400" kern="1200">
+                <a:solidFill>
+                  <a:schemeClr val="tx1"/>
+                </a:solidFill>
+                <a:latin typeface="+mj-lt"/>
+                <a:ea typeface="+mj-ea"/>
+                <a:cs typeface="+mj-cs"/>
+              </a:defRPr>
+            </a:lvl1pPr>
+          </a:lstStyle>
+          <a:p>
+            <a:pPr algn="l"/>
+            <a:r>
+              <a:rPr lang="ca-ES" sz="3600" b="1" dirty="0">
+                <a:latin typeface="Cambria" pitchFamily="18" charset="0"/>
+              </a:rPr>
+              <a:t>3 – </a:t>
+            </a:r>
+            <a:r>
+              <a:rPr lang="ca-ES" sz="3200" b="1" dirty="0">
+                <a:latin typeface="Cambria" pitchFamily="18" charset="0"/>
+              </a:rPr>
+              <a:t>Obtención Información Sensible </a:t>
+            </a:r>
+            <a:r>
+              <a:rPr lang="ca-ES" sz="3600" b="1" dirty="0">
+                <a:latin typeface="Cambria" pitchFamily="18" charset="0"/>
+              </a:rPr>
+              <a:t>(VI)</a:t>
+            </a:r>
+          </a:p>
+        </p:txBody>
+      </p:sp>
+      <p:sp>
+        <p:nvSpPr>
+          <p:cNvPr id="5" name="2 Marcador de contenido">
+            <a:extLst>
+              <a:ext uri="{FF2B5EF4-FFF2-40B4-BE49-F238E27FC236}">
+                <a16:creationId xmlns:a16="http://schemas.microsoft.com/office/drawing/2014/main" id="{EBA710F4-3692-4B14-A182-1085508C8603}"/>
+              </a:ext>
+            </a:extLst>
+          </p:cNvPr>
+          <p:cNvSpPr txBox="1">
+            <a:spLocks/>
+          </p:cNvSpPr>
+          <p:nvPr/>
+        </p:nvSpPr>
+        <p:spPr>
+          <a:xfrm>
+            <a:off x="457200" y="1268760"/>
+            <a:ext cx="8229600" cy="5112568"/>
+          </a:xfrm>
+          <a:prstGeom prst="rect">
+            <a:avLst/>
+          </a:prstGeom>
+        </p:spPr>
+        <p:txBody>
+          <a:bodyPr vert="horz" lIns="91440" tIns="45720" rIns="91440" bIns="45720" rtlCol="0">
+            <a:normAutofit/>
+          </a:bodyPr>
+          <a:lstStyle>
+            <a:lvl1pPr marL="342900" indent="-342900" algn="l" defTabSz="914400" rtl="0" eaLnBrk="1" latinLnBrk="0" hangingPunct="1">
+              <a:spcBef>
+                <a:spcPct val="20000"/>
+              </a:spcBef>
+              <a:buFont typeface="Arial" pitchFamily="34" charset="0"/>
+              <a:buChar char="•"/>
+              <a:defRPr sz="3200" kern="1200">
+                <a:solidFill>
+                  <a:schemeClr val="tx1"/>
+                </a:solidFill>
+                <a:latin typeface="+mn-lt"/>
+                <a:ea typeface="+mn-ea"/>
+                <a:cs typeface="+mn-cs"/>
+              </a:defRPr>
+            </a:lvl1pPr>
+            <a:lvl2pPr marL="742950" indent="-285750" algn="l" defTabSz="914400" rtl="0" eaLnBrk="1" latinLnBrk="0" hangingPunct="1">
+              <a:spcBef>
+                <a:spcPct val="20000"/>
+              </a:spcBef>
+              <a:buFont typeface="Arial" pitchFamily="34" charset="0"/>
+              <a:buChar char="–"/>
+              <a:defRPr sz="2800" kern="1200">
+                <a:solidFill>
+                  <a:schemeClr val="tx1"/>
+                </a:solidFill>
+                <a:latin typeface="+mn-lt"/>
+                <a:ea typeface="+mn-ea"/>
+                <a:cs typeface="+mn-cs"/>
+              </a:defRPr>
+            </a:lvl2pPr>
+            <a:lvl3pPr marL="1143000" indent="-228600" algn="l" defTabSz="914400" rtl="0" eaLnBrk="1" latinLnBrk="0" hangingPunct="1">
+              <a:spcBef>
+                <a:spcPct val="20000"/>
+              </a:spcBef>
+              <a:buFont typeface="Arial" pitchFamily="34" charset="0"/>
+              <a:buChar char="•"/>
+              <a:defRPr sz="2400" kern="1200">
+                <a:solidFill>
+                  <a:schemeClr val="tx1"/>
+                </a:solidFill>
+                <a:latin typeface="+mn-lt"/>
+                <a:ea typeface="+mn-ea"/>
+                <a:cs typeface="+mn-cs"/>
+              </a:defRPr>
+            </a:lvl3pPr>
+            <a:lvl4pPr marL="1600200" indent="-228600" algn="l" defTabSz="914400" rtl="0" eaLnBrk="1" latinLnBrk="0" hangingPunct="1">
+              <a:spcBef>
+                <a:spcPct val="20000"/>
+              </a:spcBef>
+              <a:buFont typeface="Arial" pitchFamily="34" charset="0"/>
+              <a:buChar char="–"/>
+              <a:defRPr sz="2000" kern="1200">
+                <a:solidFill>
+                  <a:schemeClr val="tx1"/>
+                </a:solidFill>
+                <a:latin typeface="+mn-lt"/>
+                <a:ea typeface="+mn-ea"/>
+                <a:cs typeface="+mn-cs"/>
+              </a:defRPr>
+            </a:lvl4pPr>
+            <a:lvl5pPr marL="2057400" indent="-228600" algn="l" defTabSz="914400" rtl="0" eaLnBrk="1" latinLnBrk="0" hangingPunct="1">
+              <a:spcBef>
+                <a:spcPct val="20000"/>
+              </a:spcBef>
+              <a:buFont typeface="Arial" pitchFamily="34" charset="0"/>
+              <a:buChar char="»"/>
+              <a:defRPr sz="2000" kern="1200">
+                <a:solidFill>
+                  <a:schemeClr val="tx1"/>
+                </a:solidFill>
+                <a:latin typeface="+mn-lt"/>
+                <a:ea typeface="+mn-ea"/>
+                <a:cs typeface="+mn-cs"/>
+              </a:defRPr>
+            </a:lvl5pPr>
+            <a:lvl6pPr marL="2514600" indent="-228600" algn="l" defTabSz="914400" rtl="0" eaLnBrk="1" latinLnBrk="0" hangingPunct="1">
+              <a:spcBef>
+                <a:spcPct val="20000"/>
+              </a:spcBef>
+              <a:buFont typeface="Arial" pitchFamily="34" charset="0"/>
+              <a:buChar char="•"/>
+              <a:defRPr sz="2000" kern="1200">
+                <a:solidFill>
+                  <a:schemeClr val="tx1"/>
+                </a:solidFill>
+                <a:latin typeface="+mn-lt"/>
+                <a:ea typeface="+mn-ea"/>
+                <a:cs typeface="+mn-cs"/>
+              </a:defRPr>
+            </a:lvl6pPr>
+            <a:lvl7pPr marL="2971800" indent="-228600" algn="l" defTabSz="914400" rtl="0" eaLnBrk="1" latinLnBrk="0" hangingPunct="1">
+              <a:spcBef>
+                <a:spcPct val="20000"/>
+              </a:spcBef>
+              <a:buFont typeface="Arial" pitchFamily="34" charset="0"/>
+              <a:buChar char="•"/>
+              <a:defRPr sz="2000" kern="1200">
+                <a:solidFill>
+                  <a:schemeClr val="tx1"/>
+                </a:solidFill>
+                <a:latin typeface="+mn-lt"/>
+                <a:ea typeface="+mn-ea"/>
+                <a:cs typeface="+mn-cs"/>
+              </a:defRPr>
+            </a:lvl7pPr>
+            <a:lvl8pPr marL="3429000" indent="-228600" algn="l" defTabSz="914400" rtl="0" eaLnBrk="1" latinLnBrk="0" hangingPunct="1">
+              <a:spcBef>
+                <a:spcPct val="20000"/>
+              </a:spcBef>
+              <a:buFont typeface="Arial" pitchFamily="34" charset="0"/>
+              <a:buChar char="•"/>
+              <a:defRPr sz="2000" kern="1200">
+                <a:solidFill>
+                  <a:schemeClr val="tx1"/>
+                </a:solidFill>
+                <a:latin typeface="+mn-lt"/>
+                <a:ea typeface="+mn-ea"/>
+                <a:cs typeface="+mn-cs"/>
+              </a:defRPr>
+            </a:lvl8pPr>
+            <a:lvl9pPr marL="3886200" indent="-228600" algn="l" defTabSz="914400" rtl="0" eaLnBrk="1" latinLnBrk="0" hangingPunct="1">
+              <a:spcBef>
+                <a:spcPct val="20000"/>
+              </a:spcBef>
+              <a:buFont typeface="Arial" pitchFamily="34" charset="0"/>
+              <a:buChar char="•"/>
+              <a:defRPr sz="2000" kern="1200">
+                <a:solidFill>
+                  <a:schemeClr val="tx1"/>
+                </a:solidFill>
+                <a:latin typeface="+mn-lt"/>
+                <a:ea typeface="+mn-ea"/>
+                <a:cs typeface="+mn-cs"/>
+              </a:defRPr>
+            </a:lvl9pPr>
+          </a:lstStyle>
+          <a:p>
+            <a:pPr indent="17463">
+              <a:buNone/>
+            </a:pPr>
+            <a:r>
+              <a:rPr lang="ca-ES" sz="2400" dirty="0">
+                <a:latin typeface="Cambria" pitchFamily="18" charset="0"/>
+                <a:ea typeface="+mj-ea"/>
+                <a:cs typeface="+mj-cs"/>
+              </a:rPr>
+              <a:t>Nos llama la atención la base de datos siguiente, así que entramos a revisar:</a:t>
+            </a:r>
+          </a:p>
+          <a:p>
+            <a:pPr indent="17463">
+              <a:buNone/>
+            </a:pPr>
+            <a:endParaRPr lang="ca-ES" sz="2400" dirty="0">
+              <a:latin typeface="Cambria" pitchFamily="18" charset="0"/>
+              <a:ea typeface="+mj-ea"/>
+              <a:cs typeface="+mj-cs"/>
+            </a:endParaRPr>
+          </a:p>
+          <a:p>
+            <a:pPr indent="17463">
+              <a:buNone/>
+            </a:pPr>
+            <a:endParaRPr lang="ca-ES" sz="2400" dirty="0">
+              <a:latin typeface="Cambria" pitchFamily="18" charset="0"/>
+              <a:ea typeface="+mj-ea"/>
+              <a:cs typeface="+mj-cs"/>
+            </a:endParaRPr>
+          </a:p>
+          <a:p>
+            <a:pPr indent="17463">
+              <a:buNone/>
+            </a:pPr>
+            <a:endParaRPr lang="ca-ES" sz="2400" dirty="0">
+              <a:latin typeface="Cambria" pitchFamily="18" charset="0"/>
+              <a:ea typeface="+mj-ea"/>
+              <a:cs typeface="+mj-cs"/>
+            </a:endParaRPr>
+          </a:p>
+          <a:p>
+            <a:pPr indent="17463">
+              <a:buFont typeface="Arial" pitchFamily="34" charset="0"/>
+              <a:buNone/>
+            </a:pPr>
+            <a:r>
+              <a:rPr lang="ca-ES" sz="2400" dirty="0">
+                <a:latin typeface="Cambria" pitchFamily="18" charset="0"/>
+                <a:ea typeface="+mj-ea"/>
+                <a:cs typeface="+mj-cs"/>
+              </a:rPr>
+              <a:t>Listamos las tablas disponibles:</a:t>
+            </a:r>
+          </a:p>
+          <a:p>
+            <a:pPr indent="17463">
+              <a:buFont typeface="Arial" pitchFamily="34" charset="0"/>
+              <a:buNone/>
+            </a:pPr>
+            <a:endParaRPr lang="ca-ES" sz="2400" dirty="0">
+              <a:latin typeface="Cambria" pitchFamily="18" charset="0"/>
+              <a:ea typeface="+mj-ea"/>
+              <a:cs typeface="+mj-cs"/>
+            </a:endParaRPr>
+          </a:p>
+          <a:p>
+            <a:pPr marL="685800">
+              <a:buFontTx/>
+              <a:buChar char="-"/>
+            </a:pPr>
+            <a:endParaRPr lang="ca-ES" sz="2400" dirty="0">
+              <a:latin typeface="Cambria" pitchFamily="18" charset="0"/>
+              <a:ea typeface="+mj-ea"/>
+              <a:cs typeface="+mj-cs"/>
+            </a:endParaRPr>
+          </a:p>
+          <a:p>
+            <a:pPr indent="0">
+              <a:buNone/>
+            </a:pPr>
+            <a:endParaRPr lang="ca-ES" sz="2400" dirty="0">
+              <a:latin typeface="Cambria" pitchFamily="18" charset="0"/>
+              <a:ea typeface="+mj-ea"/>
+              <a:cs typeface="+mj-cs"/>
+            </a:endParaRPr>
+          </a:p>
+          <a:p>
+            <a:pPr indent="0">
+              <a:buNone/>
+            </a:pPr>
+            <a:r>
+              <a:rPr lang="ca-ES" sz="2400" dirty="0">
+                <a:latin typeface="Cambria" pitchFamily="18" charset="0"/>
+                <a:ea typeface="+mj-ea"/>
+                <a:cs typeface="+mj-cs"/>
+              </a:rPr>
+              <a:t>Haciendo una </a:t>
+            </a:r>
+            <a:r>
+              <a:rPr lang="ca-ES" sz="2400" i="1" dirty="0">
+                <a:latin typeface="Cambria" pitchFamily="18" charset="0"/>
+                <a:ea typeface="+mj-ea"/>
+                <a:cs typeface="+mj-cs"/>
+              </a:rPr>
+              <a:t>select</a:t>
+            </a:r>
+            <a:r>
+              <a:rPr lang="ca-ES" sz="2400" dirty="0">
+                <a:latin typeface="Cambria" pitchFamily="18" charset="0"/>
+                <a:ea typeface="+mj-ea"/>
+                <a:cs typeface="+mj-cs"/>
+              </a:rPr>
+              <a:t> podemos ver las credenciales de LOGIN de manera plana.</a:t>
+            </a:r>
+          </a:p>
+        </p:txBody>
+      </p:sp>
+      <p:pic>
+        <p:nvPicPr>
+          <p:cNvPr id="6" name="Imagen 14">
+            <a:extLst>
+              <a:ext uri="{FF2B5EF4-FFF2-40B4-BE49-F238E27FC236}">
+                <a16:creationId xmlns:a16="http://schemas.microsoft.com/office/drawing/2014/main" id="{A19105D8-68C9-4C88-9F9B-A6306C7C4D5D}"/>
+              </a:ext>
+            </a:extLst>
+          </p:cNvPr>
+          <p:cNvPicPr/>
+          <p:nvPr/>
+        </p:nvPicPr>
+        <p:blipFill>
+          <a:blip r:embed="rId2" cstate="print"/>
+          <a:stretch>
+            <a:fillRect/>
+          </a:stretch>
+        </p:blipFill>
+        <p:spPr>
+          <a:xfrm>
+            <a:off x="2040255" y="2420888"/>
+            <a:ext cx="5063490" cy="708660"/>
+          </a:xfrm>
+          <a:prstGeom prst="rect">
+            <a:avLst/>
+          </a:prstGeom>
+        </p:spPr>
+      </p:pic>
+      <p:pic>
+        <p:nvPicPr>
+          <p:cNvPr id="8" name="Imagen 15">
+            <a:extLst>
+              <a:ext uri="{FF2B5EF4-FFF2-40B4-BE49-F238E27FC236}">
+                <a16:creationId xmlns:a16="http://schemas.microsoft.com/office/drawing/2014/main" id="{2B4B8CF5-EDBB-46A3-B0A9-F1EA90EFD7C5}"/>
+              </a:ext>
+            </a:extLst>
+          </p:cNvPr>
+          <p:cNvPicPr/>
+          <p:nvPr/>
+        </p:nvPicPr>
+        <p:blipFill>
+          <a:blip r:embed="rId3" cstate="print"/>
+          <a:stretch>
+            <a:fillRect/>
+          </a:stretch>
+        </p:blipFill>
+        <p:spPr>
+          <a:xfrm>
+            <a:off x="3188970" y="3996858"/>
+            <a:ext cx="2766060" cy="1016318"/>
+          </a:xfrm>
+          <a:prstGeom prst="rect">
+            <a:avLst/>
+          </a:prstGeom>
+        </p:spPr>
+      </p:pic>
+    </p:spTree>
+    <p:extLst>
+      <p:ext uri="{BB962C8B-B14F-4D97-AF65-F5344CB8AC3E}">
+        <p14:creationId xmlns:p14="http://schemas.microsoft.com/office/powerpoint/2010/main" val="2824079069"/>
+      </p:ext>
+    </p:extLst>
+  </p:cSld>
+  <p:clrMapOvr>
+    <a:masterClrMapping/>
+  </p:clrMapOvr>
+</p:sld>
+</file>
+
+<file path=ppt/slides/slide13.xml><?xml version="1.0" encoding="utf-8"?>
+<p:sld xmlns:a="http://schemas.openxmlformats.org/drawingml/2006/main" xmlns:r="http://schemas.openxmlformats.org/officeDocument/2006/relationships" xmlns:p="http://schemas.openxmlformats.org/presentationml/2006/main">
+  <p:cSld>
+    <p:spTree>
+      <p:nvGrpSpPr>
+        <p:cNvPr id="1" name=""/>
+        <p:cNvGrpSpPr/>
+        <p:nvPr/>
+      </p:nvGrpSpPr>
+      <p:grpSpPr>
+        <a:xfrm>
+          <a:off x="0" y="0"/>
+          <a:ext cx="0" cy="0"/>
+          <a:chOff x="0" y="0"/>
+          <a:chExt cx="0" cy="0"/>
+        </a:xfrm>
+      </p:grpSpPr>
+      <p:sp>
+        <p:nvSpPr>
+          <p:cNvPr id="4" name="1 Título">
+            <a:extLst>
+              <a:ext uri="{FF2B5EF4-FFF2-40B4-BE49-F238E27FC236}">
+                <a16:creationId xmlns:a16="http://schemas.microsoft.com/office/drawing/2014/main" id="{4222F324-3EDE-43F4-B3F7-D3D34AB53CC7}"/>
+              </a:ext>
+            </a:extLst>
+          </p:cNvPr>
+          <p:cNvSpPr txBox="1">
+            <a:spLocks/>
+          </p:cNvSpPr>
+          <p:nvPr/>
+        </p:nvSpPr>
+        <p:spPr>
+          <a:xfrm>
+            <a:off x="457200" y="620688"/>
+            <a:ext cx="8229600" cy="504056"/>
+          </a:xfrm>
+          <a:prstGeom prst="rect">
+            <a:avLst/>
+          </a:prstGeom>
+        </p:spPr>
+        <p:txBody>
+          <a:bodyPr vert="horz" lIns="91440" tIns="45720" rIns="91440" bIns="45720" rtlCol="0" anchor="ctr">
+            <a:normAutofit fontScale="92500" lnSpcReduction="20000"/>
+          </a:bodyPr>
+          <a:lstStyle>
+            <a:lvl1pPr algn="ctr" defTabSz="914400" rtl="0" eaLnBrk="1" latinLnBrk="0" hangingPunct="1">
+              <a:spcBef>
+                <a:spcPct val="0"/>
+              </a:spcBef>
+              <a:buNone/>
+              <a:defRPr sz="4400" kern="1200">
+                <a:solidFill>
+                  <a:schemeClr val="tx1"/>
+                </a:solidFill>
+                <a:latin typeface="+mj-lt"/>
+                <a:ea typeface="+mj-ea"/>
+                <a:cs typeface="+mj-cs"/>
+              </a:defRPr>
+            </a:lvl1pPr>
+          </a:lstStyle>
+          <a:p>
+            <a:pPr algn="l"/>
+            <a:r>
+              <a:rPr lang="ca-ES" sz="3600" b="1" dirty="0">
+                <a:latin typeface="Cambria" pitchFamily="18" charset="0"/>
+              </a:rPr>
+              <a:t>3 – </a:t>
+            </a:r>
+            <a:r>
+              <a:rPr lang="ca-ES" sz="3200" b="1" dirty="0">
+                <a:latin typeface="Cambria" pitchFamily="18" charset="0"/>
+              </a:rPr>
+              <a:t>Obtención Información Sensible </a:t>
+            </a:r>
+            <a:r>
+              <a:rPr lang="ca-ES" sz="3600" b="1" dirty="0">
+                <a:latin typeface="Cambria" pitchFamily="18" charset="0"/>
+              </a:rPr>
+              <a:t>(VII)</a:t>
+            </a:r>
+          </a:p>
+        </p:txBody>
+      </p:sp>
+      <p:sp>
+        <p:nvSpPr>
+          <p:cNvPr id="5" name="2 Marcador de contenido">
+            <a:extLst>
+              <a:ext uri="{FF2B5EF4-FFF2-40B4-BE49-F238E27FC236}">
+                <a16:creationId xmlns:a16="http://schemas.microsoft.com/office/drawing/2014/main" id="{EBA710F4-3692-4B14-A182-1085508C8603}"/>
+              </a:ext>
+            </a:extLst>
+          </p:cNvPr>
+          <p:cNvSpPr txBox="1">
+            <a:spLocks/>
+          </p:cNvSpPr>
+          <p:nvPr/>
+        </p:nvSpPr>
+        <p:spPr>
+          <a:xfrm>
+            <a:off x="457200" y="1268760"/>
+            <a:ext cx="8229600" cy="5112568"/>
+          </a:xfrm>
+          <a:prstGeom prst="rect">
+            <a:avLst/>
+          </a:prstGeom>
+        </p:spPr>
+        <p:txBody>
+          <a:bodyPr vert="horz" lIns="91440" tIns="45720" rIns="91440" bIns="45720" rtlCol="0">
+            <a:normAutofit/>
+          </a:bodyPr>
+          <a:lstStyle>
+            <a:lvl1pPr marL="342900" indent="-342900" algn="l" defTabSz="914400" rtl="0" eaLnBrk="1" latinLnBrk="0" hangingPunct="1">
+              <a:spcBef>
+                <a:spcPct val="20000"/>
+              </a:spcBef>
+              <a:buFont typeface="Arial" pitchFamily="34" charset="0"/>
+              <a:buChar char="•"/>
+              <a:defRPr sz="3200" kern="1200">
+                <a:solidFill>
+                  <a:schemeClr val="tx1"/>
+                </a:solidFill>
+                <a:latin typeface="+mn-lt"/>
+                <a:ea typeface="+mn-ea"/>
+                <a:cs typeface="+mn-cs"/>
+              </a:defRPr>
+            </a:lvl1pPr>
+            <a:lvl2pPr marL="742950" indent="-285750" algn="l" defTabSz="914400" rtl="0" eaLnBrk="1" latinLnBrk="0" hangingPunct="1">
+              <a:spcBef>
+                <a:spcPct val="20000"/>
+              </a:spcBef>
+              <a:buFont typeface="Arial" pitchFamily="34" charset="0"/>
+              <a:buChar char="–"/>
+              <a:defRPr sz="2800" kern="1200">
+                <a:solidFill>
+                  <a:schemeClr val="tx1"/>
+                </a:solidFill>
+                <a:latin typeface="+mn-lt"/>
+                <a:ea typeface="+mn-ea"/>
+                <a:cs typeface="+mn-cs"/>
+              </a:defRPr>
+            </a:lvl2pPr>
+            <a:lvl3pPr marL="1143000" indent="-228600" algn="l" defTabSz="914400" rtl="0" eaLnBrk="1" latinLnBrk="0" hangingPunct="1">
+              <a:spcBef>
+                <a:spcPct val="20000"/>
+              </a:spcBef>
+              <a:buFont typeface="Arial" pitchFamily="34" charset="0"/>
+              <a:buChar char="•"/>
+              <a:defRPr sz="2400" kern="1200">
+                <a:solidFill>
+                  <a:schemeClr val="tx1"/>
+                </a:solidFill>
+                <a:latin typeface="+mn-lt"/>
+                <a:ea typeface="+mn-ea"/>
+                <a:cs typeface="+mn-cs"/>
+              </a:defRPr>
+            </a:lvl3pPr>
+            <a:lvl4pPr marL="1600200" indent="-228600" algn="l" defTabSz="914400" rtl="0" eaLnBrk="1" latinLnBrk="0" hangingPunct="1">
+              <a:spcBef>
+                <a:spcPct val="20000"/>
+              </a:spcBef>
+              <a:buFont typeface="Arial" pitchFamily="34" charset="0"/>
+              <a:buChar char="–"/>
+              <a:defRPr sz="2000" kern="1200">
+                <a:solidFill>
+                  <a:schemeClr val="tx1"/>
+                </a:solidFill>
+                <a:latin typeface="+mn-lt"/>
+                <a:ea typeface="+mn-ea"/>
+                <a:cs typeface="+mn-cs"/>
+              </a:defRPr>
+            </a:lvl4pPr>
+            <a:lvl5pPr marL="2057400" indent="-228600" algn="l" defTabSz="914400" rtl="0" eaLnBrk="1" latinLnBrk="0" hangingPunct="1">
+              <a:spcBef>
+                <a:spcPct val="20000"/>
+              </a:spcBef>
+              <a:buFont typeface="Arial" pitchFamily="34" charset="0"/>
+              <a:buChar char="»"/>
+              <a:defRPr sz="2000" kern="1200">
+                <a:solidFill>
+                  <a:schemeClr val="tx1"/>
+                </a:solidFill>
+                <a:latin typeface="+mn-lt"/>
+                <a:ea typeface="+mn-ea"/>
+                <a:cs typeface="+mn-cs"/>
+              </a:defRPr>
+            </a:lvl5pPr>
+            <a:lvl6pPr marL="2514600" indent="-228600" algn="l" defTabSz="914400" rtl="0" eaLnBrk="1" latinLnBrk="0" hangingPunct="1">
+              <a:spcBef>
+                <a:spcPct val="20000"/>
+              </a:spcBef>
+              <a:buFont typeface="Arial" pitchFamily="34" charset="0"/>
+              <a:buChar char="•"/>
+              <a:defRPr sz="2000" kern="1200">
+                <a:solidFill>
+                  <a:schemeClr val="tx1"/>
+                </a:solidFill>
+                <a:latin typeface="+mn-lt"/>
+                <a:ea typeface="+mn-ea"/>
+                <a:cs typeface="+mn-cs"/>
+              </a:defRPr>
+            </a:lvl6pPr>
+            <a:lvl7pPr marL="2971800" indent="-228600" algn="l" defTabSz="914400" rtl="0" eaLnBrk="1" latinLnBrk="0" hangingPunct="1">
+              <a:spcBef>
+                <a:spcPct val="20000"/>
+              </a:spcBef>
+              <a:buFont typeface="Arial" pitchFamily="34" charset="0"/>
+              <a:buChar char="•"/>
+              <a:defRPr sz="2000" kern="1200">
+                <a:solidFill>
+                  <a:schemeClr val="tx1"/>
+                </a:solidFill>
+                <a:latin typeface="+mn-lt"/>
+                <a:ea typeface="+mn-ea"/>
+                <a:cs typeface="+mn-cs"/>
+              </a:defRPr>
+            </a:lvl7pPr>
+            <a:lvl8pPr marL="3429000" indent="-228600" algn="l" defTabSz="914400" rtl="0" eaLnBrk="1" latinLnBrk="0" hangingPunct="1">
+              <a:spcBef>
+                <a:spcPct val="20000"/>
+              </a:spcBef>
+              <a:buFont typeface="Arial" pitchFamily="34" charset="0"/>
+              <a:buChar char="•"/>
+              <a:defRPr sz="2000" kern="1200">
+                <a:solidFill>
+                  <a:schemeClr val="tx1"/>
+                </a:solidFill>
+                <a:latin typeface="+mn-lt"/>
+                <a:ea typeface="+mn-ea"/>
+                <a:cs typeface="+mn-cs"/>
+              </a:defRPr>
+            </a:lvl8pPr>
+            <a:lvl9pPr marL="3886200" indent="-228600" algn="l" defTabSz="914400" rtl="0" eaLnBrk="1" latinLnBrk="0" hangingPunct="1">
+              <a:spcBef>
+                <a:spcPct val="20000"/>
+              </a:spcBef>
+              <a:buFont typeface="Arial" pitchFamily="34" charset="0"/>
+              <a:buChar char="•"/>
+              <a:defRPr sz="2000" kern="1200">
+                <a:solidFill>
+                  <a:schemeClr val="tx1"/>
+                </a:solidFill>
+                <a:latin typeface="+mn-lt"/>
+                <a:ea typeface="+mn-ea"/>
+                <a:cs typeface="+mn-cs"/>
+              </a:defRPr>
+            </a:lvl9pPr>
+          </a:lstStyle>
+          <a:p>
+            <a:pPr indent="17463">
+              <a:buNone/>
+            </a:pPr>
+            <a:r>
+              <a:rPr lang="ca-ES" sz="2400" dirty="0">
+                <a:latin typeface="Cambria" pitchFamily="18" charset="0"/>
+                <a:ea typeface="+mj-ea"/>
+                <a:cs typeface="+mj-cs"/>
+              </a:rPr>
+              <a:t>También nos damos cuenta que las credenciales tambien pueden leerse directamente de la consola de xCode en la ejecución en tiempo real:</a:t>
+            </a:r>
+          </a:p>
+          <a:p>
+            <a:pPr indent="17463">
+              <a:buNone/>
+            </a:pPr>
+            <a:endParaRPr lang="ca-ES" sz="2400" dirty="0">
+              <a:latin typeface="Cambria" pitchFamily="18" charset="0"/>
+              <a:ea typeface="+mj-ea"/>
+              <a:cs typeface="+mj-cs"/>
+            </a:endParaRPr>
+          </a:p>
+          <a:p>
+            <a:pPr indent="17463">
+              <a:buNone/>
+            </a:pPr>
+            <a:endParaRPr lang="ca-ES" sz="2400" dirty="0">
+              <a:latin typeface="Cambria" pitchFamily="18" charset="0"/>
+              <a:ea typeface="+mj-ea"/>
+              <a:cs typeface="+mj-cs"/>
+            </a:endParaRPr>
+          </a:p>
+          <a:p>
+            <a:pPr indent="17463">
+              <a:buNone/>
+            </a:pPr>
+            <a:endParaRPr lang="ca-ES" sz="2400" dirty="0">
+              <a:latin typeface="Cambria" pitchFamily="18" charset="0"/>
+              <a:ea typeface="+mj-ea"/>
+              <a:cs typeface="+mj-cs"/>
+            </a:endParaRPr>
+          </a:p>
+        </p:txBody>
+      </p:sp>
+      <p:pic>
+        <p:nvPicPr>
+          <p:cNvPr id="7" name="Imagen 10">
+            <a:extLst>
+              <a:ext uri="{FF2B5EF4-FFF2-40B4-BE49-F238E27FC236}">
+                <a16:creationId xmlns:a16="http://schemas.microsoft.com/office/drawing/2014/main" id="{EEBD5685-A2BB-4954-B520-B6E158230868}"/>
+              </a:ext>
+            </a:extLst>
+          </p:cNvPr>
+          <p:cNvPicPr/>
+          <p:nvPr/>
+        </p:nvPicPr>
+        <p:blipFill>
+          <a:blip r:embed="rId2" cstate="print"/>
+          <a:stretch>
+            <a:fillRect/>
+          </a:stretch>
+        </p:blipFill>
+        <p:spPr>
+          <a:xfrm>
+            <a:off x="2303145" y="2564904"/>
+            <a:ext cx="4537710" cy="1143000"/>
+          </a:xfrm>
+          <a:prstGeom prst="rect">
+            <a:avLst/>
+          </a:prstGeom>
+        </p:spPr>
+      </p:pic>
+    </p:spTree>
+    <p:extLst>
+      <p:ext uri="{BB962C8B-B14F-4D97-AF65-F5344CB8AC3E}">
+        <p14:creationId xmlns:p14="http://schemas.microsoft.com/office/powerpoint/2010/main" val="2435075277"/>
+      </p:ext>
+    </p:extLst>
+  </p:cSld>
+  <p:clrMapOvr>
+    <a:masterClrMapping/>
+  </p:clrMapOvr>
+</p:sld>
+</file>
+
+<file path=ppt/slides/slide14.xml><?xml version="1.0" encoding="utf-8"?>
+<p:sld xmlns:a="http://schemas.openxmlformats.org/drawingml/2006/main" xmlns:r="http://schemas.openxmlformats.org/officeDocument/2006/relationships" xmlns:p="http://schemas.openxmlformats.org/presentationml/2006/main">
+  <p:cSld>
+    <p:spTree>
+      <p:nvGrpSpPr>
+        <p:cNvPr id="1" name=""/>
+        <p:cNvGrpSpPr/>
+        <p:nvPr/>
+      </p:nvGrpSpPr>
+      <p:grpSpPr>
+        <a:xfrm>
+          <a:off x="0" y="0"/>
+          <a:ext cx="0" cy="0"/>
+          <a:chOff x="0" y="0"/>
+          <a:chExt cx="0" cy="0"/>
+        </a:xfrm>
+      </p:grpSpPr>
+      <p:sp>
+        <p:nvSpPr>
+          <p:cNvPr id="4" name="1 Título">
+            <a:extLst>
+              <a:ext uri="{FF2B5EF4-FFF2-40B4-BE49-F238E27FC236}">
+                <a16:creationId xmlns:a16="http://schemas.microsoft.com/office/drawing/2014/main" id="{4222F324-3EDE-43F4-B3F7-D3D34AB53CC7}"/>
+              </a:ext>
+            </a:extLst>
+          </p:cNvPr>
+          <p:cNvSpPr txBox="1">
+            <a:spLocks/>
+          </p:cNvSpPr>
+          <p:nvPr/>
+        </p:nvSpPr>
+        <p:spPr>
+          <a:xfrm>
+            <a:off x="457200" y="620688"/>
+            <a:ext cx="8229600" cy="504056"/>
+          </a:xfrm>
+          <a:prstGeom prst="rect">
+            <a:avLst/>
+          </a:prstGeom>
+        </p:spPr>
+        <p:txBody>
+          <a:bodyPr vert="horz" lIns="91440" tIns="45720" rIns="91440" bIns="45720" rtlCol="0" anchor="ctr">
+            <a:normAutofit fontScale="92500" lnSpcReduction="20000"/>
+          </a:bodyPr>
+          <a:lstStyle>
+            <a:lvl1pPr algn="ctr" defTabSz="914400" rtl="0" eaLnBrk="1" latinLnBrk="0" hangingPunct="1">
+              <a:spcBef>
+                <a:spcPct val="0"/>
+              </a:spcBef>
+              <a:buNone/>
+              <a:defRPr sz="4400" kern="1200">
+                <a:solidFill>
+                  <a:schemeClr val="tx1"/>
+                </a:solidFill>
+                <a:latin typeface="+mj-lt"/>
+                <a:ea typeface="+mj-ea"/>
+                <a:cs typeface="+mj-cs"/>
+              </a:defRPr>
+            </a:lvl1pPr>
+          </a:lstStyle>
+          <a:p>
+            <a:pPr algn="l"/>
+            <a:r>
+              <a:rPr lang="ca-ES" sz="3600" b="1" dirty="0">
+                <a:latin typeface="Cambria" pitchFamily="18" charset="0"/>
+              </a:rPr>
+              <a:t>3 – </a:t>
+            </a:r>
+            <a:r>
+              <a:rPr lang="ca-ES" sz="3200" b="1" dirty="0">
+                <a:latin typeface="Cambria" pitchFamily="18" charset="0"/>
+              </a:rPr>
+              <a:t>Obtención Información Sensible </a:t>
+            </a:r>
+            <a:r>
+              <a:rPr lang="ca-ES" sz="3600" b="1" dirty="0">
+                <a:latin typeface="Cambria" pitchFamily="18" charset="0"/>
+              </a:rPr>
+              <a:t>(VIII)</a:t>
+            </a:r>
+          </a:p>
+        </p:txBody>
+      </p:sp>
+      <p:sp>
+        <p:nvSpPr>
+          <p:cNvPr id="5" name="2 Marcador de contenido">
+            <a:extLst>
+              <a:ext uri="{FF2B5EF4-FFF2-40B4-BE49-F238E27FC236}">
+                <a16:creationId xmlns:a16="http://schemas.microsoft.com/office/drawing/2014/main" id="{EBA710F4-3692-4B14-A182-1085508C8603}"/>
+              </a:ext>
+            </a:extLst>
+          </p:cNvPr>
+          <p:cNvSpPr txBox="1">
+            <a:spLocks/>
+          </p:cNvSpPr>
+          <p:nvPr/>
+        </p:nvSpPr>
+        <p:spPr>
+          <a:xfrm>
+            <a:off x="457200" y="1268760"/>
+            <a:ext cx="8229600" cy="5112568"/>
+          </a:xfrm>
+          <a:prstGeom prst="rect">
+            <a:avLst/>
+          </a:prstGeom>
+        </p:spPr>
+        <p:txBody>
+          <a:bodyPr vert="horz" lIns="91440" tIns="45720" rIns="91440" bIns="45720" rtlCol="0">
+            <a:normAutofit/>
+          </a:bodyPr>
+          <a:lstStyle>
+            <a:lvl1pPr marL="342900" indent="-342900" algn="l" defTabSz="914400" rtl="0" eaLnBrk="1" latinLnBrk="0" hangingPunct="1">
+              <a:spcBef>
+                <a:spcPct val="20000"/>
+              </a:spcBef>
+              <a:buFont typeface="Arial" pitchFamily="34" charset="0"/>
+              <a:buChar char="•"/>
+              <a:defRPr sz="3200" kern="1200">
+                <a:solidFill>
+                  <a:schemeClr val="tx1"/>
+                </a:solidFill>
+                <a:latin typeface="+mn-lt"/>
+                <a:ea typeface="+mn-ea"/>
+                <a:cs typeface="+mn-cs"/>
+              </a:defRPr>
+            </a:lvl1pPr>
+            <a:lvl2pPr marL="742950" indent="-285750" algn="l" defTabSz="914400" rtl="0" eaLnBrk="1" latinLnBrk="0" hangingPunct="1">
+              <a:spcBef>
+                <a:spcPct val="20000"/>
+              </a:spcBef>
+              <a:buFont typeface="Arial" pitchFamily="34" charset="0"/>
+              <a:buChar char="–"/>
+              <a:defRPr sz="2800" kern="1200">
+                <a:solidFill>
+                  <a:schemeClr val="tx1"/>
+                </a:solidFill>
+                <a:latin typeface="+mn-lt"/>
+                <a:ea typeface="+mn-ea"/>
+                <a:cs typeface="+mn-cs"/>
+              </a:defRPr>
+            </a:lvl2pPr>
+            <a:lvl3pPr marL="1143000" indent="-228600" algn="l" defTabSz="914400" rtl="0" eaLnBrk="1" latinLnBrk="0" hangingPunct="1">
+              <a:spcBef>
+                <a:spcPct val="20000"/>
+              </a:spcBef>
+              <a:buFont typeface="Arial" pitchFamily="34" charset="0"/>
+              <a:buChar char="•"/>
+              <a:defRPr sz="2400" kern="1200">
+                <a:solidFill>
+                  <a:schemeClr val="tx1"/>
+                </a:solidFill>
+                <a:latin typeface="+mn-lt"/>
+                <a:ea typeface="+mn-ea"/>
+                <a:cs typeface="+mn-cs"/>
+              </a:defRPr>
+            </a:lvl3pPr>
+            <a:lvl4pPr marL="1600200" indent="-228600" algn="l" defTabSz="914400" rtl="0" eaLnBrk="1" latinLnBrk="0" hangingPunct="1">
+              <a:spcBef>
+                <a:spcPct val="20000"/>
+              </a:spcBef>
+              <a:buFont typeface="Arial" pitchFamily="34" charset="0"/>
+              <a:buChar char="–"/>
+              <a:defRPr sz="2000" kern="1200">
+                <a:solidFill>
+                  <a:schemeClr val="tx1"/>
+                </a:solidFill>
+                <a:latin typeface="+mn-lt"/>
+                <a:ea typeface="+mn-ea"/>
+                <a:cs typeface="+mn-cs"/>
+              </a:defRPr>
+            </a:lvl4pPr>
+            <a:lvl5pPr marL="2057400" indent="-228600" algn="l" defTabSz="914400" rtl="0" eaLnBrk="1" latinLnBrk="0" hangingPunct="1">
+              <a:spcBef>
+                <a:spcPct val="20000"/>
+              </a:spcBef>
+              <a:buFont typeface="Arial" pitchFamily="34" charset="0"/>
+              <a:buChar char="»"/>
+              <a:defRPr sz="2000" kern="1200">
+                <a:solidFill>
+                  <a:schemeClr val="tx1"/>
+                </a:solidFill>
+                <a:latin typeface="+mn-lt"/>
+                <a:ea typeface="+mn-ea"/>
+                <a:cs typeface="+mn-cs"/>
+              </a:defRPr>
+            </a:lvl5pPr>
+            <a:lvl6pPr marL="2514600" indent="-228600" algn="l" defTabSz="914400" rtl="0" eaLnBrk="1" latinLnBrk="0" hangingPunct="1">
+              <a:spcBef>
+                <a:spcPct val="20000"/>
+              </a:spcBef>
+              <a:buFont typeface="Arial" pitchFamily="34" charset="0"/>
+              <a:buChar char="•"/>
+              <a:defRPr sz="2000" kern="1200">
+                <a:solidFill>
+                  <a:schemeClr val="tx1"/>
+                </a:solidFill>
+                <a:latin typeface="+mn-lt"/>
+                <a:ea typeface="+mn-ea"/>
+                <a:cs typeface="+mn-cs"/>
+              </a:defRPr>
+            </a:lvl6pPr>
+            <a:lvl7pPr marL="2971800" indent="-228600" algn="l" defTabSz="914400" rtl="0" eaLnBrk="1" latinLnBrk="0" hangingPunct="1">
+              <a:spcBef>
+                <a:spcPct val="20000"/>
+              </a:spcBef>
+              <a:buFont typeface="Arial" pitchFamily="34" charset="0"/>
+              <a:buChar char="•"/>
+              <a:defRPr sz="2000" kern="1200">
+                <a:solidFill>
+                  <a:schemeClr val="tx1"/>
+                </a:solidFill>
+                <a:latin typeface="+mn-lt"/>
+                <a:ea typeface="+mn-ea"/>
+                <a:cs typeface="+mn-cs"/>
+              </a:defRPr>
+            </a:lvl7pPr>
+            <a:lvl8pPr marL="3429000" indent="-228600" algn="l" defTabSz="914400" rtl="0" eaLnBrk="1" latinLnBrk="0" hangingPunct="1">
+              <a:spcBef>
+                <a:spcPct val="20000"/>
+              </a:spcBef>
+              <a:buFont typeface="Arial" pitchFamily="34" charset="0"/>
+              <a:buChar char="•"/>
+              <a:defRPr sz="2000" kern="1200">
+                <a:solidFill>
+                  <a:schemeClr val="tx1"/>
+                </a:solidFill>
+                <a:latin typeface="+mn-lt"/>
+                <a:ea typeface="+mn-ea"/>
+                <a:cs typeface="+mn-cs"/>
+              </a:defRPr>
+            </a:lvl8pPr>
+            <a:lvl9pPr marL="3886200" indent="-228600" algn="l" defTabSz="914400" rtl="0" eaLnBrk="1" latinLnBrk="0" hangingPunct="1">
+              <a:spcBef>
+                <a:spcPct val="20000"/>
+              </a:spcBef>
+              <a:buFont typeface="Arial" pitchFamily="34" charset="0"/>
+              <a:buChar char="•"/>
+              <a:defRPr sz="2000" kern="1200">
+                <a:solidFill>
+                  <a:schemeClr val="tx1"/>
+                </a:solidFill>
+                <a:latin typeface="+mn-lt"/>
+                <a:ea typeface="+mn-ea"/>
+                <a:cs typeface="+mn-cs"/>
+              </a:defRPr>
+            </a:lvl9pPr>
+          </a:lstStyle>
+          <a:p>
+            <a:pPr indent="17463">
+              <a:buNone/>
+            </a:pPr>
+            <a:r>
+              <a:rPr lang="ca-ES" sz="2400" dirty="0">
+                <a:latin typeface="Cambria" pitchFamily="18" charset="0"/>
+                <a:ea typeface="+mj-ea"/>
+                <a:cs typeface="+mj-cs"/>
+              </a:rPr>
+              <a:t>Otra información sensible que podemos obtener es el código PIN que se solicita después del LOGIN:</a:t>
+            </a:r>
+          </a:p>
+          <a:p>
+            <a:pPr indent="17463">
+              <a:buNone/>
+            </a:pPr>
+            <a:endParaRPr lang="ca-ES" sz="2400" dirty="0">
+              <a:latin typeface="Cambria" pitchFamily="18" charset="0"/>
+              <a:ea typeface="+mj-ea"/>
+              <a:cs typeface="+mj-cs"/>
+            </a:endParaRPr>
+          </a:p>
+          <a:p>
+            <a:pPr indent="17463">
+              <a:buNone/>
+            </a:pPr>
+            <a:endParaRPr lang="ca-ES" sz="2400" dirty="0">
+              <a:latin typeface="Cambria" pitchFamily="18" charset="0"/>
+              <a:ea typeface="+mj-ea"/>
+              <a:cs typeface="+mj-cs"/>
+            </a:endParaRPr>
+          </a:p>
+          <a:p>
+            <a:pPr indent="17463">
+              <a:buNone/>
+            </a:pPr>
+            <a:endParaRPr lang="ca-ES" sz="2400" dirty="0">
+              <a:latin typeface="Cambria" pitchFamily="18" charset="0"/>
+              <a:ea typeface="+mj-ea"/>
+              <a:cs typeface="+mj-cs"/>
+            </a:endParaRPr>
+          </a:p>
+          <a:p>
+            <a:pPr indent="17463">
+              <a:buNone/>
+            </a:pPr>
+            <a:endParaRPr lang="ca-ES" sz="2400" dirty="0">
+              <a:latin typeface="Cambria" pitchFamily="18" charset="0"/>
+              <a:ea typeface="+mj-ea"/>
+              <a:cs typeface="+mj-cs"/>
+            </a:endParaRPr>
+          </a:p>
+          <a:p>
+            <a:pPr indent="17463">
+              <a:buNone/>
+            </a:pPr>
+            <a:endParaRPr lang="ca-ES" sz="2400" dirty="0">
+              <a:latin typeface="Cambria" pitchFamily="18" charset="0"/>
+              <a:ea typeface="+mj-ea"/>
+              <a:cs typeface="+mj-cs"/>
+            </a:endParaRPr>
+          </a:p>
+          <a:p>
+            <a:pPr indent="17463">
+              <a:buNone/>
+            </a:pPr>
+            <a:r>
+              <a:rPr lang="ca-ES" sz="2400" dirty="0">
+                <a:latin typeface="Cambria" pitchFamily="18" charset="0"/>
+                <a:ea typeface="+mj-ea"/>
+                <a:cs typeface="+mj-cs"/>
+              </a:rPr>
+              <a:t>En la carpeta </a:t>
+            </a:r>
+            <a:r>
+              <a:rPr lang="ca-ES" sz="2400" i="1" dirty="0">
+                <a:latin typeface="Cambria" pitchFamily="18" charset="0"/>
+                <a:ea typeface="+mj-ea"/>
+                <a:cs typeface="+mj-cs"/>
+              </a:rPr>
+              <a:t>Preferences</a:t>
+            </a:r>
+            <a:r>
+              <a:rPr lang="ca-ES" sz="2400" dirty="0">
+                <a:latin typeface="Cambria" pitchFamily="18" charset="0"/>
+                <a:ea typeface="+mj-ea"/>
+                <a:cs typeface="+mj-cs"/>
+              </a:rPr>
+              <a:t> lemos la información del fichero </a:t>
+            </a:r>
+            <a:r>
+              <a:rPr lang="ca-ES" sz="2400" i="1" dirty="0">
+                <a:latin typeface="Cambria" pitchFamily="18" charset="0"/>
+                <a:ea typeface="+mj-ea"/>
+                <a:cs typeface="+mj-cs"/>
+              </a:rPr>
+              <a:t>org.mphy.DynamicAnalysis.plist</a:t>
+            </a:r>
+            <a:r>
+              <a:rPr lang="ca-ES" sz="2400" dirty="0">
+                <a:latin typeface="Cambria" pitchFamily="18" charset="0"/>
+                <a:ea typeface="+mj-ea"/>
+                <a:cs typeface="+mj-cs"/>
+              </a:rPr>
+              <a:t>, donde podemos leer, también en texto plano, el código PIN</a:t>
+            </a:r>
+          </a:p>
+          <a:p>
+            <a:pPr indent="17463">
+              <a:buNone/>
+            </a:pPr>
+            <a:endParaRPr lang="ca-ES" sz="2400" dirty="0">
+              <a:latin typeface="Cambria" pitchFamily="18" charset="0"/>
+              <a:ea typeface="+mj-ea"/>
+              <a:cs typeface="+mj-cs"/>
+            </a:endParaRPr>
+          </a:p>
+          <a:p>
+            <a:pPr indent="17463">
+              <a:buNone/>
+            </a:pPr>
+            <a:endParaRPr lang="ca-ES" sz="2400" dirty="0">
+              <a:latin typeface="Cambria" pitchFamily="18" charset="0"/>
+              <a:ea typeface="+mj-ea"/>
+              <a:cs typeface="+mj-cs"/>
+            </a:endParaRPr>
+          </a:p>
+        </p:txBody>
+      </p:sp>
+      <p:pic>
+        <p:nvPicPr>
+          <p:cNvPr id="6" name="Imagen 11">
+            <a:extLst>
+              <a:ext uri="{FF2B5EF4-FFF2-40B4-BE49-F238E27FC236}">
+                <a16:creationId xmlns:a16="http://schemas.microsoft.com/office/drawing/2014/main" id="{EBB5A30F-CEB0-4093-9DDB-2A1D19A1E8C3}"/>
+              </a:ext>
+            </a:extLst>
+          </p:cNvPr>
+          <p:cNvPicPr/>
+          <p:nvPr/>
+        </p:nvPicPr>
+        <p:blipFill>
+          <a:blip r:embed="rId2" cstate="print"/>
+          <a:stretch>
+            <a:fillRect/>
+          </a:stretch>
+        </p:blipFill>
+        <p:spPr>
+          <a:xfrm>
+            <a:off x="3395662" y="1988840"/>
+            <a:ext cx="1999774" cy="2161699"/>
+          </a:xfrm>
+          <a:prstGeom prst="rect">
+            <a:avLst/>
+          </a:prstGeom>
+        </p:spPr>
+      </p:pic>
+      <p:pic>
+        <p:nvPicPr>
+          <p:cNvPr id="8" name="Imagen 16">
+            <a:extLst>
+              <a:ext uri="{FF2B5EF4-FFF2-40B4-BE49-F238E27FC236}">
+                <a16:creationId xmlns:a16="http://schemas.microsoft.com/office/drawing/2014/main" id="{DFFBE304-EE44-4309-829A-3FBA6FAC260C}"/>
+              </a:ext>
+            </a:extLst>
+          </p:cNvPr>
+          <p:cNvPicPr/>
+          <p:nvPr/>
+        </p:nvPicPr>
+        <p:blipFill>
+          <a:blip r:embed="rId3" cstate="print"/>
+          <a:stretch>
+            <a:fillRect/>
+          </a:stretch>
+        </p:blipFill>
+        <p:spPr>
+          <a:xfrm>
+            <a:off x="1876424" y="5511502"/>
+            <a:ext cx="5391150" cy="1085850"/>
+          </a:xfrm>
+          <a:prstGeom prst="rect">
+            <a:avLst/>
+          </a:prstGeom>
+        </p:spPr>
+      </p:pic>
+    </p:spTree>
+    <p:extLst>
+      <p:ext uri="{BB962C8B-B14F-4D97-AF65-F5344CB8AC3E}">
+        <p14:creationId xmlns:p14="http://schemas.microsoft.com/office/powerpoint/2010/main" val="688735141"/>
+      </p:ext>
+    </p:extLst>
+  </p:cSld>
+  <p:clrMapOvr>
+    <a:masterClrMapping/>
+  </p:clrMapOvr>
+</p:sld>
+</file>
+
+<file path=ppt/slides/slide15.xml><?xml version="1.0" encoding="utf-8"?>
+<p:sld xmlns:a="http://schemas.openxmlformats.org/drawingml/2006/main" xmlns:r="http://schemas.openxmlformats.org/officeDocument/2006/relationships" xmlns:p="http://schemas.openxmlformats.org/presentationml/2006/main">
+  <p:cSld>
+    <p:spTree>
+      <p:nvGrpSpPr>
+        <p:cNvPr id="1" name=""/>
+        <p:cNvGrpSpPr/>
+        <p:nvPr/>
+      </p:nvGrpSpPr>
+      <p:grpSpPr>
+        <a:xfrm>
+          <a:off x="0" y="0"/>
+          <a:ext cx="0" cy="0"/>
+          <a:chOff x="0" y="0"/>
+          <a:chExt cx="0" cy="0"/>
+        </a:xfrm>
+      </p:grpSpPr>
+      <p:sp>
+        <p:nvSpPr>
+          <p:cNvPr id="4" name="1 Título">
+            <a:extLst>
+              <a:ext uri="{FF2B5EF4-FFF2-40B4-BE49-F238E27FC236}">
+                <a16:creationId xmlns:a16="http://schemas.microsoft.com/office/drawing/2014/main" id="{4222F324-3EDE-43F4-B3F7-D3D34AB53CC7}"/>
+              </a:ext>
+            </a:extLst>
+          </p:cNvPr>
+          <p:cNvSpPr txBox="1">
+            <a:spLocks/>
+          </p:cNvSpPr>
+          <p:nvPr/>
+        </p:nvSpPr>
+        <p:spPr>
+          <a:xfrm>
+            <a:off x="457200" y="620688"/>
+            <a:ext cx="8229600" cy="504056"/>
+          </a:xfrm>
+          <a:prstGeom prst="rect">
+            <a:avLst/>
+          </a:prstGeom>
+        </p:spPr>
+        <p:txBody>
+          <a:bodyPr vert="horz" lIns="91440" tIns="45720" rIns="91440" bIns="45720" rtlCol="0" anchor="ctr">
+            <a:normAutofit fontScale="92500" lnSpcReduction="20000"/>
+          </a:bodyPr>
+          <a:lstStyle>
+            <a:lvl1pPr algn="ctr" defTabSz="914400" rtl="0" eaLnBrk="1" latinLnBrk="0" hangingPunct="1">
+              <a:spcBef>
+                <a:spcPct val="0"/>
+              </a:spcBef>
+              <a:buNone/>
+              <a:defRPr sz="4400" kern="1200">
+                <a:solidFill>
+                  <a:schemeClr val="tx1"/>
+                </a:solidFill>
+                <a:latin typeface="+mj-lt"/>
+                <a:ea typeface="+mj-ea"/>
+                <a:cs typeface="+mj-cs"/>
+              </a:defRPr>
+            </a:lvl1pPr>
+          </a:lstStyle>
+          <a:p>
+            <a:pPr algn="l"/>
+            <a:r>
+              <a:rPr lang="ca-ES" sz="3600" b="1" dirty="0">
+                <a:latin typeface="Cambria" pitchFamily="18" charset="0"/>
+              </a:rPr>
+              <a:t>3 – </a:t>
+            </a:r>
+            <a:r>
+              <a:rPr lang="ca-ES" sz="3200" b="1" dirty="0">
+                <a:latin typeface="Cambria" pitchFamily="18" charset="0"/>
+              </a:rPr>
+              <a:t>Obtención Información Sensible </a:t>
+            </a:r>
+            <a:r>
+              <a:rPr lang="ca-ES" sz="3600" b="1" dirty="0">
+                <a:latin typeface="Cambria" pitchFamily="18" charset="0"/>
+              </a:rPr>
+              <a:t>(IX)</a:t>
+            </a:r>
+          </a:p>
+        </p:txBody>
+      </p:sp>
+      <p:sp>
+        <p:nvSpPr>
+          <p:cNvPr id="5" name="2 Marcador de contenido">
+            <a:extLst>
+              <a:ext uri="{FF2B5EF4-FFF2-40B4-BE49-F238E27FC236}">
+                <a16:creationId xmlns:a16="http://schemas.microsoft.com/office/drawing/2014/main" id="{EBA710F4-3692-4B14-A182-1085508C8603}"/>
+              </a:ext>
+            </a:extLst>
+          </p:cNvPr>
+          <p:cNvSpPr txBox="1">
+            <a:spLocks/>
+          </p:cNvSpPr>
+          <p:nvPr/>
+        </p:nvSpPr>
+        <p:spPr>
+          <a:xfrm>
+            <a:off x="457200" y="1268760"/>
+            <a:ext cx="8229600" cy="5112568"/>
+          </a:xfrm>
+          <a:prstGeom prst="rect">
+            <a:avLst/>
+          </a:prstGeom>
+        </p:spPr>
+        <p:txBody>
+          <a:bodyPr vert="horz" lIns="91440" tIns="45720" rIns="91440" bIns="45720" rtlCol="0">
+            <a:normAutofit/>
+          </a:bodyPr>
+          <a:lstStyle>
+            <a:lvl1pPr marL="342900" indent="-342900" algn="l" defTabSz="914400" rtl="0" eaLnBrk="1" latinLnBrk="0" hangingPunct="1">
+              <a:spcBef>
+                <a:spcPct val="20000"/>
+              </a:spcBef>
+              <a:buFont typeface="Arial" pitchFamily="34" charset="0"/>
+              <a:buChar char="•"/>
+              <a:defRPr sz="3200" kern="1200">
+                <a:solidFill>
+                  <a:schemeClr val="tx1"/>
+                </a:solidFill>
+                <a:latin typeface="+mn-lt"/>
+                <a:ea typeface="+mn-ea"/>
+                <a:cs typeface="+mn-cs"/>
+              </a:defRPr>
+            </a:lvl1pPr>
+            <a:lvl2pPr marL="742950" indent="-285750" algn="l" defTabSz="914400" rtl="0" eaLnBrk="1" latinLnBrk="0" hangingPunct="1">
+              <a:spcBef>
+                <a:spcPct val="20000"/>
+              </a:spcBef>
+              <a:buFont typeface="Arial" pitchFamily="34" charset="0"/>
+              <a:buChar char="–"/>
+              <a:defRPr sz="2800" kern="1200">
+                <a:solidFill>
+                  <a:schemeClr val="tx1"/>
+                </a:solidFill>
+                <a:latin typeface="+mn-lt"/>
+                <a:ea typeface="+mn-ea"/>
+                <a:cs typeface="+mn-cs"/>
+              </a:defRPr>
+            </a:lvl2pPr>
+            <a:lvl3pPr marL="1143000" indent="-228600" algn="l" defTabSz="914400" rtl="0" eaLnBrk="1" latinLnBrk="0" hangingPunct="1">
+              <a:spcBef>
+                <a:spcPct val="20000"/>
+              </a:spcBef>
+              <a:buFont typeface="Arial" pitchFamily="34" charset="0"/>
+              <a:buChar char="•"/>
+              <a:defRPr sz="2400" kern="1200">
+                <a:solidFill>
+                  <a:schemeClr val="tx1"/>
+                </a:solidFill>
+                <a:latin typeface="+mn-lt"/>
+                <a:ea typeface="+mn-ea"/>
+                <a:cs typeface="+mn-cs"/>
+              </a:defRPr>
+            </a:lvl3pPr>
+            <a:lvl4pPr marL="1600200" indent="-228600" algn="l" defTabSz="914400" rtl="0" eaLnBrk="1" latinLnBrk="0" hangingPunct="1">
+              <a:spcBef>
+                <a:spcPct val="20000"/>
+              </a:spcBef>
+              <a:buFont typeface="Arial" pitchFamily="34" charset="0"/>
+              <a:buChar char="–"/>
+              <a:defRPr sz="2000" kern="1200">
+                <a:solidFill>
+                  <a:schemeClr val="tx1"/>
+                </a:solidFill>
+                <a:latin typeface="+mn-lt"/>
+                <a:ea typeface="+mn-ea"/>
+                <a:cs typeface="+mn-cs"/>
+              </a:defRPr>
+            </a:lvl4pPr>
+            <a:lvl5pPr marL="2057400" indent="-228600" algn="l" defTabSz="914400" rtl="0" eaLnBrk="1" latinLnBrk="0" hangingPunct="1">
+              <a:spcBef>
+                <a:spcPct val="20000"/>
+              </a:spcBef>
+              <a:buFont typeface="Arial" pitchFamily="34" charset="0"/>
+              <a:buChar char="»"/>
+              <a:defRPr sz="2000" kern="1200">
+                <a:solidFill>
+                  <a:schemeClr val="tx1"/>
+                </a:solidFill>
+                <a:latin typeface="+mn-lt"/>
+                <a:ea typeface="+mn-ea"/>
+                <a:cs typeface="+mn-cs"/>
+              </a:defRPr>
+            </a:lvl5pPr>
+            <a:lvl6pPr marL="2514600" indent="-228600" algn="l" defTabSz="914400" rtl="0" eaLnBrk="1" latinLnBrk="0" hangingPunct="1">
+              <a:spcBef>
+                <a:spcPct val="20000"/>
+              </a:spcBef>
+              <a:buFont typeface="Arial" pitchFamily="34" charset="0"/>
+              <a:buChar char="•"/>
+              <a:defRPr sz="2000" kern="1200">
+                <a:solidFill>
+                  <a:schemeClr val="tx1"/>
+                </a:solidFill>
+                <a:latin typeface="+mn-lt"/>
+                <a:ea typeface="+mn-ea"/>
+                <a:cs typeface="+mn-cs"/>
+              </a:defRPr>
+            </a:lvl6pPr>
+            <a:lvl7pPr marL="2971800" indent="-228600" algn="l" defTabSz="914400" rtl="0" eaLnBrk="1" latinLnBrk="0" hangingPunct="1">
+              <a:spcBef>
+                <a:spcPct val="20000"/>
+              </a:spcBef>
+              <a:buFont typeface="Arial" pitchFamily="34" charset="0"/>
+              <a:buChar char="•"/>
+              <a:defRPr sz="2000" kern="1200">
+                <a:solidFill>
+                  <a:schemeClr val="tx1"/>
+                </a:solidFill>
+                <a:latin typeface="+mn-lt"/>
+                <a:ea typeface="+mn-ea"/>
+                <a:cs typeface="+mn-cs"/>
+              </a:defRPr>
+            </a:lvl7pPr>
+            <a:lvl8pPr marL="3429000" indent="-228600" algn="l" defTabSz="914400" rtl="0" eaLnBrk="1" latinLnBrk="0" hangingPunct="1">
+              <a:spcBef>
+                <a:spcPct val="20000"/>
+              </a:spcBef>
+              <a:buFont typeface="Arial" pitchFamily="34" charset="0"/>
+              <a:buChar char="•"/>
+              <a:defRPr sz="2000" kern="1200">
+                <a:solidFill>
+                  <a:schemeClr val="tx1"/>
+                </a:solidFill>
+                <a:latin typeface="+mn-lt"/>
+                <a:ea typeface="+mn-ea"/>
+                <a:cs typeface="+mn-cs"/>
+              </a:defRPr>
+            </a:lvl8pPr>
+            <a:lvl9pPr marL="3886200" indent="-228600" algn="l" defTabSz="914400" rtl="0" eaLnBrk="1" latinLnBrk="0" hangingPunct="1">
+              <a:spcBef>
+                <a:spcPct val="20000"/>
+              </a:spcBef>
+              <a:buFont typeface="Arial" pitchFamily="34" charset="0"/>
+              <a:buChar char="•"/>
+              <a:defRPr sz="2000" kern="1200">
+                <a:solidFill>
+                  <a:schemeClr val="tx1"/>
+                </a:solidFill>
+                <a:latin typeface="+mn-lt"/>
+                <a:ea typeface="+mn-ea"/>
+                <a:cs typeface="+mn-cs"/>
+              </a:defRPr>
+            </a:lvl9pPr>
+          </a:lstStyle>
+          <a:p>
+            <a:pPr indent="17463">
+              <a:buNone/>
+            </a:pPr>
+            <a:r>
+              <a:rPr lang="ca-ES" sz="2400" dirty="0">
+                <a:latin typeface="Cambria" pitchFamily="18" charset="0"/>
+                <a:ea typeface="+mj-ea"/>
+                <a:cs typeface="+mj-cs"/>
+              </a:rPr>
+              <a:t>Finalmente, al entrar después de entrear las credenciales i el PIN, obtenemos un mensaje de felicitación:</a:t>
+            </a:r>
+          </a:p>
+          <a:p>
+            <a:pPr indent="17463">
+              <a:buNone/>
+            </a:pPr>
+            <a:endParaRPr lang="ca-ES" sz="2400" dirty="0">
+              <a:latin typeface="Cambria" pitchFamily="18" charset="0"/>
+              <a:ea typeface="+mj-ea"/>
+              <a:cs typeface="+mj-cs"/>
+            </a:endParaRPr>
+          </a:p>
+          <a:p>
+            <a:pPr indent="17463">
+              <a:buNone/>
+            </a:pPr>
+            <a:endParaRPr lang="ca-ES" sz="2400" dirty="0">
+              <a:latin typeface="Cambria" pitchFamily="18" charset="0"/>
+              <a:ea typeface="+mj-ea"/>
+              <a:cs typeface="+mj-cs"/>
+            </a:endParaRPr>
+          </a:p>
+          <a:p>
+            <a:pPr indent="17463">
+              <a:buNone/>
+            </a:pPr>
+            <a:endParaRPr lang="ca-ES" sz="2400" dirty="0">
+              <a:latin typeface="Cambria" pitchFamily="18" charset="0"/>
+              <a:ea typeface="+mj-ea"/>
+              <a:cs typeface="+mj-cs"/>
+            </a:endParaRPr>
+          </a:p>
+          <a:p>
+            <a:pPr indent="17463">
+              <a:buNone/>
+            </a:pPr>
+            <a:endParaRPr lang="ca-ES" sz="2400" dirty="0">
+              <a:latin typeface="Cambria" pitchFamily="18" charset="0"/>
+              <a:ea typeface="+mj-ea"/>
+              <a:cs typeface="+mj-cs"/>
+            </a:endParaRPr>
+          </a:p>
+        </p:txBody>
+      </p:sp>
+      <p:pic>
+        <p:nvPicPr>
+          <p:cNvPr id="7" name="Imagen 17">
+            <a:extLst>
+              <a:ext uri="{FF2B5EF4-FFF2-40B4-BE49-F238E27FC236}">
+                <a16:creationId xmlns:a16="http://schemas.microsoft.com/office/drawing/2014/main" id="{24F529DF-0357-40AE-8DD1-10F64B2A9008}"/>
+              </a:ext>
+            </a:extLst>
+          </p:cNvPr>
+          <p:cNvPicPr/>
+          <p:nvPr/>
+        </p:nvPicPr>
+        <p:blipFill>
+          <a:blip r:embed="rId2" cstate="print"/>
+          <a:stretch>
+            <a:fillRect/>
+          </a:stretch>
+        </p:blipFill>
+        <p:spPr>
+          <a:xfrm>
+            <a:off x="1547664" y="2582031"/>
+            <a:ext cx="2371725" cy="2486025"/>
+          </a:xfrm>
+          <a:prstGeom prst="rect">
+            <a:avLst/>
+          </a:prstGeom>
+        </p:spPr>
+      </p:pic>
+      <p:pic>
+        <p:nvPicPr>
+          <p:cNvPr id="9" name="Imagen 18">
+            <a:extLst>
+              <a:ext uri="{FF2B5EF4-FFF2-40B4-BE49-F238E27FC236}">
+                <a16:creationId xmlns:a16="http://schemas.microsoft.com/office/drawing/2014/main" id="{F94C98CC-EDCE-4342-96F6-0B0A46F8F5F6}"/>
+              </a:ext>
+            </a:extLst>
+          </p:cNvPr>
+          <p:cNvPicPr/>
+          <p:nvPr/>
+        </p:nvPicPr>
+        <p:blipFill>
+          <a:blip r:embed="rId3" cstate="print"/>
+          <a:stretch>
+            <a:fillRect/>
+          </a:stretch>
+        </p:blipFill>
+        <p:spPr>
+          <a:xfrm>
+            <a:off x="4948386" y="2587125"/>
+            <a:ext cx="3224014" cy="2480931"/>
+          </a:xfrm>
+          <a:prstGeom prst="rect">
+            <a:avLst/>
+          </a:prstGeom>
+        </p:spPr>
+      </p:pic>
+    </p:spTree>
+    <p:extLst>
+      <p:ext uri="{BB962C8B-B14F-4D97-AF65-F5344CB8AC3E}">
+        <p14:creationId xmlns:p14="http://schemas.microsoft.com/office/powerpoint/2010/main" val="1348022697"/>
+      </p:ext>
+    </p:extLst>
+  </p:cSld>
+  <p:clrMapOvr>
+    <a:masterClrMapping/>
+  </p:clrMapOvr>
+</p:sld>
+</file>
+
+<file path=ppt/slides/slide16.xml><?xml version="1.0" encoding="utf-8"?>
+<p:sld xmlns:a="http://schemas.openxmlformats.org/drawingml/2006/main" xmlns:r="http://schemas.openxmlformats.org/officeDocument/2006/relationships" xmlns:p="http://schemas.openxmlformats.org/presentationml/2006/main">
+  <p:cSld>
+    <p:spTree>
+      <p:nvGrpSpPr>
+        <p:cNvPr id="1" name=""/>
+        <p:cNvGrpSpPr/>
+        <p:nvPr/>
+      </p:nvGrpSpPr>
+      <p:grpSpPr>
+        <a:xfrm>
+          <a:off x="0" y="0"/>
+          <a:ext cx="0" cy="0"/>
+          <a:chOff x="0" y="0"/>
+          <a:chExt cx="0" cy="0"/>
+        </a:xfrm>
+      </p:grpSpPr>
+      <p:sp>
+        <p:nvSpPr>
+          <p:cNvPr id="4" name="1 Título">
+            <a:extLst>
+              <a:ext uri="{FF2B5EF4-FFF2-40B4-BE49-F238E27FC236}">
+                <a16:creationId xmlns:a16="http://schemas.microsoft.com/office/drawing/2014/main" id="{4222F324-3EDE-43F4-B3F7-D3D34AB53CC7}"/>
+              </a:ext>
+            </a:extLst>
+          </p:cNvPr>
+          <p:cNvSpPr txBox="1">
+            <a:spLocks/>
+          </p:cNvSpPr>
+          <p:nvPr/>
+        </p:nvSpPr>
+        <p:spPr>
+          <a:xfrm>
+            <a:off x="457200" y="620688"/>
+            <a:ext cx="8229600" cy="504056"/>
+          </a:xfrm>
+          <a:prstGeom prst="rect">
+            <a:avLst/>
+          </a:prstGeom>
+        </p:spPr>
+        <p:txBody>
+          <a:bodyPr vert="horz" lIns="91440" tIns="45720" rIns="91440" bIns="45720" rtlCol="0" anchor="ctr">
+            <a:normAutofit fontScale="92500" lnSpcReduction="20000"/>
+          </a:bodyPr>
+          <a:lstStyle>
+            <a:lvl1pPr algn="ctr" defTabSz="914400" rtl="0" eaLnBrk="1" latinLnBrk="0" hangingPunct="1">
+              <a:spcBef>
+                <a:spcPct val="0"/>
+              </a:spcBef>
+              <a:buNone/>
+              <a:defRPr sz="4400" kern="1200">
+                <a:solidFill>
+                  <a:schemeClr val="tx1"/>
+                </a:solidFill>
+                <a:latin typeface="+mj-lt"/>
+                <a:ea typeface="+mj-ea"/>
+                <a:cs typeface="+mj-cs"/>
+              </a:defRPr>
+            </a:lvl1pPr>
+          </a:lstStyle>
+          <a:p>
+            <a:pPr algn="l"/>
+            <a:r>
+              <a:rPr lang="ca-ES" sz="3600" b="1" dirty="0">
+                <a:latin typeface="Cambria" pitchFamily="18" charset="0"/>
+              </a:rPr>
+              <a:t>3 – </a:t>
+            </a:r>
+            <a:r>
+              <a:rPr lang="ca-ES" sz="3200" b="1" dirty="0">
+                <a:latin typeface="Cambria" pitchFamily="18" charset="0"/>
+              </a:rPr>
+              <a:t>Obtención Información Sensible </a:t>
+            </a:r>
+            <a:r>
+              <a:rPr lang="ca-ES" sz="3600" b="1" dirty="0">
+                <a:latin typeface="Cambria" pitchFamily="18" charset="0"/>
+              </a:rPr>
+              <a:t>(IX)</a:t>
+            </a:r>
+          </a:p>
+        </p:txBody>
+      </p:sp>
+      <p:sp>
+        <p:nvSpPr>
+          <p:cNvPr id="5" name="2 Marcador de contenido">
+            <a:extLst>
+              <a:ext uri="{FF2B5EF4-FFF2-40B4-BE49-F238E27FC236}">
+                <a16:creationId xmlns:a16="http://schemas.microsoft.com/office/drawing/2014/main" id="{EBA710F4-3692-4B14-A182-1085508C8603}"/>
+              </a:ext>
+            </a:extLst>
+          </p:cNvPr>
+          <p:cNvSpPr txBox="1">
+            <a:spLocks/>
+          </p:cNvSpPr>
+          <p:nvPr/>
+        </p:nvSpPr>
+        <p:spPr>
+          <a:xfrm>
+            <a:off x="457200" y="1268760"/>
+            <a:ext cx="8229600" cy="5112568"/>
+          </a:xfrm>
+          <a:prstGeom prst="rect">
+            <a:avLst/>
+          </a:prstGeom>
+        </p:spPr>
+        <p:txBody>
+          <a:bodyPr vert="horz" lIns="91440" tIns="45720" rIns="91440" bIns="45720" rtlCol="0">
+            <a:normAutofit/>
+          </a:bodyPr>
+          <a:lstStyle>
+            <a:lvl1pPr marL="342900" indent="-342900" algn="l" defTabSz="914400" rtl="0" eaLnBrk="1" latinLnBrk="0" hangingPunct="1">
+              <a:spcBef>
+                <a:spcPct val="20000"/>
+              </a:spcBef>
+              <a:buFont typeface="Arial" pitchFamily="34" charset="0"/>
+              <a:buChar char="•"/>
+              <a:defRPr sz="3200" kern="1200">
+                <a:solidFill>
+                  <a:schemeClr val="tx1"/>
+                </a:solidFill>
+                <a:latin typeface="+mn-lt"/>
+                <a:ea typeface="+mn-ea"/>
+                <a:cs typeface="+mn-cs"/>
+              </a:defRPr>
+            </a:lvl1pPr>
+            <a:lvl2pPr marL="742950" indent="-285750" algn="l" defTabSz="914400" rtl="0" eaLnBrk="1" latinLnBrk="0" hangingPunct="1">
+              <a:spcBef>
+                <a:spcPct val="20000"/>
+              </a:spcBef>
+              <a:buFont typeface="Arial" pitchFamily="34" charset="0"/>
+              <a:buChar char="–"/>
+              <a:defRPr sz="2800" kern="1200">
+                <a:solidFill>
+                  <a:schemeClr val="tx1"/>
+                </a:solidFill>
+                <a:latin typeface="+mn-lt"/>
+                <a:ea typeface="+mn-ea"/>
+                <a:cs typeface="+mn-cs"/>
+              </a:defRPr>
+            </a:lvl2pPr>
+            <a:lvl3pPr marL="1143000" indent="-228600" algn="l" defTabSz="914400" rtl="0" eaLnBrk="1" latinLnBrk="0" hangingPunct="1">
+              <a:spcBef>
+                <a:spcPct val="20000"/>
+              </a:spcBef>
+              <a:buFont typeface="Arial" pitchFamily="34" charset="0"/>
+              <a:buChar char="•"/>
+              <a:defRPr sz="2400" kern="1200">
+                <a:solidFill>
+                  <a:schemeClr val="tx1"/>
+                </a:solidFill>
+                <a:latin typeface="+mn-lt"/>
+                <a:ea typeface="+mn-ea"/>
+                <a:cs typeface="+mn-cs"/>
+              </a:defRPr>
+            </a:lvl3pPr>
+            <a:lvl4pPr marL="1600200" indent="-228600" algn="l" defTabSz="914400" rtl="0" eaLnBrk="1" latinLnBrk="0" hangingPunct="1">
+              <a:spcBef>
+                <a:spcPct val="20000"/>
+              </a:spcBef>
+              <a:buFont typeface="Arial" pitchFamily="34" charset="0"/>
+              <a:buChar char="–"/>
+              <a:defRPr sz="2000" kern="1200">
+                <a:solidFill>
+                  <a:schemeClr val="tx1"/>
+                </a:solidFill>
+                <a:latin typeface="+mn-lt"/>
+                <a:ea typeface="+mn-ea"/>
+                <a:cs typeface="+mn-cs"/>
+              </a:defRPr>
+            </a:lvl4pPr>
+            <a:lvl5pPr marL="2057400" indent="-228600" algn="l" defTabSz="914400" rtl="0" eaLnBrk="1" latinLnBrk="0" hangingPunct="1">
+              <a:spcBef>
+                <a:spcPct val="20000"/>
+              </a:spcBef>
+              <a:buFont typeface="Arial" pitchFamily="34" charset="0"/>
+              <a:buChar char="»"/>
+              <a:defRPr sz="2000" kern="1200">
+                <a:solidFill>
+                  <a:schemeClr val="tx1"/>
+                </a:solidFill>
+                <a:latin typeface="+mn-lt"/>
+                <a:ea typeface="+mn-ea"/>
+                <a:cs typeface="+mn-cs"/>
+              </a:defRPr>
+            </a:lvl5pPr>
+            <a:lvl6pPr marL="2514600" indent="-228600" algn="l" defTabSz="914400" rtl="0" eaLnBrk="1" latinLnBrk="0" hangingPunct="1">
+              <a:spcBef>
+                <a:spcPct val="20000"/>
+              </a:spcBef>
+              <a:buFont typeface="Arial" pitchFamily="34" charset="0"/>
+              <a:buChar char="•"/>
+              <a:defRPr sz="2000" kern="1200">
+                <a:solidFill>
+                  <a:schemeClr val="tx1"/>
+                </a:solidFill>
+                <a:latin typeface="+mn-lt"/>
+                <a:ea typeface="+mn-ea"/>
+                <a:cs typeface="+mn-cs"/>
+              </a:defRPr>
+            </a:lvl6pPr>
+            <a:lvl7pPr marL="2971800" indent="-228600" algn="l" defTabSz="914400" rtl="0" eaLnBrk="1" latinLnBrk="0" hangingPunct="1">
+              <a:spcBef>
+                <a:spcPct val="20000"/>
+              </a:spcBef>
+              <a:buFont typeface="Arial" pitchFamily="34" charset="0"/>
+              <a:buChar char="•"/>
+              <a:defRPr sz="2000" kern="1200">
+                <a:solidFill>
+                  <a:schemeClr val="tx1"/>
+                </a:solidFill>
+                <a:latin typeface="+mn-lt"/>
+                <a:ea typeface="+mn-ea"/>
+                <a:cs typeface="+mn-cs"/>
+              </a:defRPr>
+            </a:lvl7pPr>
+            <a:lvl8pPr marL="3429000" indent="-228600" algn="l" defTabSz="914400" rtl="0" eaLnBrk="1" latinLnBrk="0" hangingPunct="1">
+              <a:spcBef>
+                <a:spcPct val="20000"/>
+              </a:spcBef>
+              <a:buFont typeface="Arial" pitchFamily="34" charset="0"/>
+              <a:buChar char="•"/>
+              <a:defRPr sz="2000" kern="1200">
+                <a:solidFill>
+                  <a:schemeClr val="tx1"/>
+                </a:solidFill>
+                <a:latin typeface="+mn-lt"/>
+                <a:ea typeface="+mn-ea"/>
+                <a:cs typeface="+mn-cs"/>
+              </a:defRPr>
+            </a:lvl8pPr>
+            <a:lvl9pPr marL="3886200" indent="-228600" algn="l" defTabSz="914400" rtl="0" eaLnBrk="1" latinLnBrk="0" hangingPunct="1">
+              <a:spcBef>
+                <a:spcPct val="20000"/>
+              </a:spcBef>
+              <a:buFont typeface="Arial" pitchFamily="34" charset="0"/>
+              <a:buChar char="•"/>
+              <a:defRPr sz="2000" kern="1200">
+                <a:solidFill>
+                  <a:schemeClr val="tx1"/>
+                </a:solidFill>
+                <a:latin typeface="+mn-lt"/>
+                <a:ea typeface="+mn-ea"/>
+                <a:cs typeface="+mn-cs"/>
+              </a:defRPr>
+            </a:lvl9pPr>
+          </a:lstStyle>
+          <a:p>
+            <a:pPr indent="17463">
+              <a:buNone/>
+            </a:pPr>
+            <a:r>
+              <a:rPr lang="ca-ES" sz="2400" dirty="0">
+                <a:latin typeface="Cambria" pitchFamily="18" charset="0"/>
+                <a:ea typeface="+mj-ea"/>
+                <a:cs typeface="+mj-cs"/>
+              </a:rPr>
+              <a:t>Una vez realizada esta parte de la práctica, hemos sido capaces de responder a las siguientes preguntas:</a:t>
+            </a:r>
+          </a:p>
+          <a:p>
+            <a:pPr indent="17463">
+              <a:buNone/>
+            </a:pPr>
+            <a:endParaRPr lang="ca-ES" sz="2400" dirty="0">
+              <a:latin typeface="Cambria" pitchFamily="18" charset="0"/>
+              <a:ea typeface="+mj-ea"/>
+              <a:cs typeface="+mj-cs"/>
+            </a:endParaRPr>
+          </a:p>
+          <a:p>
+            <a:r>
+              <a:rPr lang="es-ES" sz="2400" dirty="0">
+                <a:latin typeface="Cambria" pitchFamily="18" charset="0"/>
+                <a:ea typeface="+mj-ea"/>
+                <a:cs typeface="+mj-cs"/>
+              </a:rPr>
+              <a:t>Dónde se almacenan las credenciales del usuario y en qué formato? Se almacenan</a:t>
+            </a:r>
+            <a:r>
+              <a:rPr lang="en-US" sz="2400" dirty="0">
+                <a:latin typeface="Cambria" pitchFamily="18" charset="0"/>
+                <a:ea typeface="+mj-ea"/>
+                <a:cs typeface="+mj-cs"/>
+              </a:rPr>
+              <a:t> </a:t>
+            </a:r>
+            <a:r>
+              <a:rPr lang="es-ES" sz="2400" dirty="0">
+                <a:latin typeface="Cambria" pitchFamily="18" charset="0"/>
+                <a:ea typeface="+mj-ea"/>
+                <a:cs typeface="+mj-cs"/>
+              </a:rPr>
+              <a:t>de dos formas distintas.</a:t>
+            </a:r>
+            <a:endParaRPr lang="en-US" sz="2400" dirty="0">
+              <a:latin typeface="Cambria" pitchFamily="18" charset="0"/>
+              <a:ea typeface="+mj-ea"/>
+              <a:cs typeface="+mj-cs"/>
+            </a:endParaRPr>
+          </a:p>
+          <a:p>
+            <a:r>
+              <a:rPr lang="es-ES" sz="2400" dirty="0">
+                <a:latin typeface="Cambria" pitchFamily="18" charset="0"/>
+                <a:ea typeface="+mj-ea"/>
+                <a:cs typeface="+mj-cs"/>
+              </a:rPr>
+              <a:t>Dónde se almacena el PIN y en qué formato?</a:t>
+            </a:r>
+            <a:endParaRPr lang="en-US" sz="2400" dirty="0">
+              <a:latin typeface="Cambria" pitchFamily="18" charset="0"/>
+              <a:ea typeface="+mj-ea"/>
+              <a:cs typeface="+mj-cs"/>
+            </a:endParaRPr>
+          </a:p>
+          <a:p>
+            <a:r>
+              <a:rPr lang="es-ES" sz="2400" dirty="0">
+                <a:latin typeface="Cambria" pitchFamily="18" charset="0"/>
+                <a:ea typeface="+mj-ea"/>
+                <a:cs typeface="+mj-cs"/>
+              </a:rPr>
+              <a:t>Indica los comandos/herramientas empleados para acceder a la información almacenada.</a:t>
+            </a:r>
+            <a:endParaRPr lang="en-US" sz="2400" dirty="0">
+              <a:latin typeface="Cambria" pitchFamily="18" charset="0"/>
+              <a:ea typeface="+mj-ea"/>
+              <a:cs typeface="+mj-cs"/>
+            </a:endParaRPr>
+          </a:p>
+          <a:p>
+            <a:r>
+              <a:rPr lang="es-ES" sz="2400" dirty="0">
+                <a:latin typeface="Cambria" pitchFamily="18" charset="0"/>
+                <a:ea typeface="+mj-ea"/>
+                <a:cs typeface="+mj-cs"/>
+              </a:rPr>
+              <a:t>¿Cómo deberían almacenarse estas credenciales y el PIN de forma segura?</a:t>
+            </a:r>
+            <a:endParaRPr lang="en-US" sz="2400" dirty="0">
+              <a:latin typeface="Cambria" pitchFamily="18" charset="0"/>
+              <a:ea typeface="+mj-ea"/>
+              <a:cs typeface="+mj-cs"/>
+            </a:endParaRPr>
+          </a:p>
+          <a:p>
+            <a:pPr indent="17463">
+              <a:buNone/>
+            </a:pPr>
+            <a:endParaRPr lang="ca-ES" sz="2400" dirty="0">
+              <a:latin typeface="Cambria" pitchFamily="18" charset="0"/>
+              <a:ea typeface="+mj-ea"/>
+              <a:cs typeface="+mj-cs"/>
+            </a:endParaRPr>
+          </a:p>
+          <a:p>
+            <a:pPr indent="17463">
+              <a:buNone/>
+            </a:pPr>
+            <a:endParaRPr lang="ca-ES" sz="2400" dirty="0">
+              <a:latin typeface="Cambria" pitchFamily="18" charset="0"/>
+              <a:ea typeface="+mj-ea"/>
+              <a:cs typeface="+mj-cs"/>
+            </a:endParaRPr>
+          </a:p>
+          <a:p>
+            <a:pPr indent="17463">
+              <a:buNone/>
+            </a:pPr>
+            <a:endParaRPr lang="ca-ES" sz="2400" dirty="0">
+              <a:latin typeface="Cambria" pitchFamily="18" charset="0"/>
+              <a:ea typeface="+mj-ea"/>
+              <a:cs typeface="+mj-cs"/>
+            </a:endParaRPr>
+          </a:p>
+          <a:p>
+            <a:pPr indent="17463">
+              <a:buNone/>
+            </a:pPr>
+            <a:endParaRPr lang="ca-ES" sz="2400" dirty="0">
+              <a:latin typeface="Cambria" pitchFamily="18" charset="0"/>
+              <a:ea typeface="+mj-ea"/>
+              <a:cs typeface="+mj-cs"/>
+            </a:endParaRPr>
+          </a:p>
+          <a:p>
+            <a:pPr indent="17463">
+              <a:buNone/>
+            </a:pPr>
+            <a:endParaRPr lang="ca-ES" sz="2400" dirty="0">
+              <a:latin typeface="Cambria" pitchFamily="18" charset="0"/>
+              <a:ea typeface="+mj-ea"/>
+              <a:cs typeface="+mj-cs"/>
+            </a:endParaRPr>
+          </a:p>
+        </p:txBody>
+      </p:sp>
+    </p:spTree>
+    <p:extLst>
+      <p:ext uri="{BB962C8B-B14F-4D97-AF65-F5344CB8AC3E}">
+        <p14:creationId xmlns:p14="http://schemas.microsoft.com/office/powerpoint/2010/main" val="3935497828"/>
+      </p:ext>
+    </p:extLst>
+  </p:cSld>
+  <p:clrMapOvr>
+    <a:masterClrMapping/>
+  </p:clrMapOvr>
+</p:sld>
+</file>
+
+<file path=ppt/slides/slide17.xml><?xml version="1.0" encoding="utf-8"?>
+<p:sld xmlns:a="http://schemas.openxmlformats.org/drawingml/2006/main" xmlns:r="http://schemas.openxmlformats.org/officeDocument/2006/relationships" xmlns:p="http://schemas.openxmlformats.org/presentationml/2006/main">
+  <p:cSld>
+    <p:spTree>
+      <p:nvGrpSpPr>
+        <p:cNvPr id="1" name=""/>
+        <p:cNvGrpSpPr/>
+        <p:nvPr/>
+      </p:nvGrpSpPr>
+      <p:grpSpPr>
+        <a:xfrm>
+          <a:off x="0" y="0"/>
+          <a:ext cx="0" cy="0"/>
+          <a:chOff x="0" y="0"/>
+          <a:chExt cx="0" cy="0"/>
+        </a:xfrm>
+      </p:grpSpPr>
+      <p:sp>
+        <p:nvSpPr>
+          <p:cNvPr id="4" name="1 Título">
+            <a:extLst>
+              <a:ext uri="{FF2B5EF4-FFF2-40B4-BE49-F238E27FC236}">
+                <a16:creationId xmlns:a16="http://schemas.microsoft.com/office/drawing/2014/main" id="{4222F324-3EDE-43F4-B3F7-D3D34AB53CC7}"/>
+              </a:ext>
+            </a:extLst>
+          </p:cNvPr>
+          <p:cNvSpPr txBox="1">
+            <a:spLocks/>
+          </p:cNvSpPr>
+          <p:nvPr/>
+        </p:nvSpPr>
+        <p:spPr>
+          <a:xfrm>
+            <a:off x="457200" y="620688"/>
+            <a:ext cx="8229600" cy="504056"/>
+          </a:xfrm>
+          <a:prstGeom prst="rect">
+            <a:avLst/>
+          </a:prstGeom>
+        </p:spPr>
+        <p:txBody>
+          <a:bodyPr vert="horz" lIns="91440" tIns="45720" rIns="91440" bIns="45720" rtlCol="0" anchor="ctr">
+            <a:normAutofit fontScale="92500" lnSpcReduction="10000"/>
+          </a:bodyPr>
+          <a:lstStyle>
+            <a:lvl1pPr algn="ctr" defTabSz="914400" rtl="0" eaLnBrk="1" latinLnBrk="0" hangingPunct="1">
+              <a:spcBef>
+                <a:spcPct val="0"/>
+              </a:spcBef>
+              <a:buNone/>
+              <a:defRPr sz="4400" kern="1200">
+                <a:solidFill>
+                  <a:schemeClr val="tx1"/>
+                </a:solidFill>
+                <a:latin typeface="+mj-lt"/>
+                <a:ea typeface="+mj-ea"/>
+                <a:cs typeface="+mj-cs"/>
+              </a:defRPr>
+            </a:lvl1pPr>
+          </a:lstStyle>
+          <a:p>
+            <a:pPr algn="l"/>
+            <a:r>
+              <a:rPr lang="ca-ES" sz="3200" b="1" dirty="0">
+                <a:latin typeface="Cambria" pitchFamily="18" charset="0"/>
+                <a:ea typeface="+mn-ea"/>
+                <a:cs typeface="+mn-cs"/>
+              </a:rPr>
+              <a:t>4 – Realizar un bypass de login</a:t>
+            </a:r>
+          </a:p>
+        </p:txBody>
+      </p:sp>
+      <p:sp>
+        <p:nvSpPr>
+          <p:cNvPr id="5" name="2 Marcador de contenido">
+            <a:extLst>
+              <a:ext uri="{FF2B5EF4-FFF2-40B4-BE49-F238E27FC236}">
+                <a16:creationId xmlns:a16="http://schemas.microsoft.com/office/drawing/2014/main" id="{EBA710F4-3692-4B14-A182-1085508C8603}"/>
+              </a:ext>
+            </a:extLst>
+          </p:cNvPr>
+          <p:cNvSpPr txBox="1">
+            <a:spLocks/>
+          </p:cNvSpPr>
+          <p:nvPr/>
+        </p:nvSpPr>
+        <p:spPr>
+          <a:xfrm>
+            <a:off x="457200" y="1268760"/>
+            <a:ext cx="8229600" cy="4464496"/>
+          </a:xfrm>
+          <a:prstGeom prst="rect">
+            <a:avLst/>
+          </a:prstGeom>
+        </p:spPr>
+        <p:txBody>
+          <a:bodyPr vert="horz" lIns="91440" tIns="45720" rIns="91440" bIns="45720" rtlCol="0">
+            <a:normAutofit/>
+          </a:bodyPr>
+          <a:lstStyle>
+            <a:lvl1pPr marL="342900" indent="-342900" algn="l" defTabSz="914400" rtl="0" eaLnBrk="1" latinLnBrk="0" hangingPunct="1">
+              <a:spcBef>
+                <a:spcPct val="20000"/>
+              </a:spcBef>
+              <a:buFont typeface="Arial" pitchFamily="34" charset="0"/>
+              <a:buChar char="•"/>
+              <a:defRPr sz="3200" kern="1200">
+                <a:solidFill>
+                  <a:schemeClr val="tx1"/>
+                </a:solidFill>
+                <a:latin typeface="+mn-lt"/>
+                <a:ea typeface="+mn-ea"/>
+                <a:cs typeface="+mn-cs"/>
+              </a:defRPr>
+            </a:lvl1pPr>
+            <a:lvl2pPr marL="742950" indent="-285750" algn="l" defTabSz="914400" rtl="0" eaLnBrk="1" latinLnBrk="0" hangingPunct="1">
+              <a:spcBef>
+                <a:spcPct val="20000"/>
+              </a:spcBef>
+              <a:buFont typeface="Arial" pitchFamily="34" charset="0"/>
+              <a:buChar char="–"/>
+              <a:defRPr sz="2800" kern="1200">
+                <a:solidFill>
+                  <a:schemeClr val="tx1"/>
+                </a:solidFill>
+                <a:latin typeface="+mn-lt"/>
+                <a:ea typeface="+mn-ea"/>
+                <a:cs typeface="+mn-cs"/>
+              </a:defRPr>
+            </a:lvl2pPr>
+            <a:lvl3pPr marL="1143000" indent="-228600" algn="l" defTabSz="914400" rtl="0" eaLnBrk="1" latinLnBrk="0" hangingPunct="1">
+              <a:spcBef>
+                <a:spcPct val="20000"/>
+              </a:spcBef>
+              <a:buFont typeface="Arial" pitchFamily="34" charset="0"/>
+              <a:buChar char="•"/>
+              <a:defRPr sz="2400" kern="1200">
+                <a:solidFill>
+                  <a:schemeClr val="tx1"/>
+                </a:solidFill>
+                <a:latin typeface="+mn-lt"/>
+                <a:ea typeface="+mn-ea"/>
+                <a:cs typeface="+mn-cs"/>
+              </a:defRPr>
+            </a:lvl3pPr>
+            <a:lvl4pPr marL="1600200" indent="-228600" algn="l" defTabSz="914400" rtl="0" eaLnBrk="1" latinLnBrk="0" hangingPunct="1">
+              <a:spcBef>
+                <a:spcPct val="20000"/>
+              </a:spcBef>
+              <a:buFont typeface="Arial" pitchFamily="34" charset="0"/>
+              <a:buChar char="–"/>
+              <a:defRPr sz="2000" kern="1200">
+                <a:solidFill>
+                  <a:schemeClr val="tx1"/>
+                </a:solidFill>
+                <a:latin typeface="+mn-lt"/>
+                <a:ea typeface="+mn-ea"/>
+                <a:cs typeface="+mn-cs"/>
+              </a:defRPr>
+            </a:lvl4pPr>
+            <a:lvl5pPr marL="2057400" indent="-228600" algn="l" defTabSz="914400" rtl="0" eaLnBrk="1" latinLnBrk="0" hangingPunct="1">
+              <a:spcBef>
+                <a:spcPct val="20000"/>
+              </a:spcBef>
+              <a:buFont typeface="Arial" pitchFamily="34" charset="0"/>
+              <a:buChar char="»"/>
+              <a:defRPr sz="2000" kern="1200">
+                <a:solidFill>
+                  <a:schemeClr val="tx1"/>
+                </a:solidFill>
+                <a:latin typeface="+mn-lt"/>
+                <a:ea typeface="+mn-ea"/>
+                <a:cs typeface="+mn-cs"/>
+              </a:defRPr>
+            </a:lvl5pPr>
+            <a:lvl6pPr marL="2514600" indent="-228600" algn="l" defTabSz="914400" rtl="0" eaLnBrk="1" latinLnBrk="0" hangingPunct="1">
+              <a:spcBef>
+                <a:spcPct val="20000"/>
+              </a:spcBef>
+              <a:buFont typeface="Arial" pitchFamily="34" charset="0"/>
+              <a:buChar char="•"/>
+              <a:defRPr sz="2000" kern="1200">
+                <a:solidFill>
+                  <a:schemeClr val="tx1"/>
+                </a:solidFill>
+                <a:latin typeface="+mn-lt"/>
+                <a:ea typeface="+mn-ea"/>
+                <a:cs typeface="+mn-cs"/>
+              </a:defRPr>
+            </a:lvl6pPr>
+            <a:lvl7pPr marL="2971800" indent="-228600" algn="l" defTabSz="914400" rtl="0" eaLnBrk="1" latinLnBrk="0" hangingPunct="1">
+              <a:spcBef>
+                <a:spcPct val="20000"/>
+              </a:spcBef>
+              <a:buFont typeface="Arial" pitchFamily="34" charset="0"/>
+              <a:buChar char="•"/>
+              <a:defRPr sz="2000" kern="1200">
+                <a:solidFill>
+                  <a:schemeClr val="tx1"/>
+                </a:solidFill>
+                <a:latin typeface="+mn-lt"/>
+                <a:ea typeface="+mn-ea"/>
+                <a:cs typeface="+mn-cs"/>
+              </a:defRPr>
+            </a:lvl7pPr>
+            <a:lvl8pPr marL="3429000" indent="-228600" algn="l" defTabSz="914400" rtl="0" eaLnBrk="1" latinLnBrk="0" hangingPunct="1">
+              <a:spcBef>
+                <a:spcPct val="20000"/>
+              </a:spcBef>
+              <a:buFont typeface="Arial" pitchFamily="34" charset="0"/>
+              <a:buChar char="•"/>
+              <a:defRPr sz="2000" kern="1200">
+                <a:solidFill>
+                  <a:schemeClr val="tx1"/>
+                </a:solidFill>
+                <a:latin typeface="+mn-lt"/>
+                <a:ea typeface="+mn-ea"/>
+                <a:cs typeface="+mn-cs"/>
+              </a:defRPr>
+            </a:lvl8pPr>
+            <a:lvl9pPr marL="3886200" indent="-228600" algn="l" defTabSz="914400" rtl="0" eaLnBrk="1" latinLnBrk="0" hangingPunct="1">
+              <a:spcBef>
+                <a:spcPct val="20000"/>
+              </a:spcBef>
+              <a:buFont typeface="Arial" pitchFamily="34" charset="0"/>
+              <a:buChar char="•"/>
+              <a:defRPr sz="2000" kern="1200">
+                <a:solidFill>
+                  <a:schemeClr val="tx1"/>
+                </a:solidFill>
+                <a:latin typeface="+mn-lt"/>
+                <a:ea typeface="+mn-ea"/>
+                <a:cs typeface="+mn-cs"/>
+              </a:defRPr>
+            </a:lvl9pPr>
+          </a:lstStyle>
+          <a:p>
+            <a:pPr indent="17463">
+              <a:buFont typeface="Arial" pitchFamily="34" charset="0"/>
+              <a:buNone/>
+            </a:pPr>
+            <a:r>
+              <a:rPr lang="ca-ES" sz="2400" dirty="0">
+                <a:latin typeface="Cambria" pitchFamily="18" charset="0"/>
+                <a:ea typeface="+mj-ea"/>
+                <a:cs typeface="+mj-cs"/>
+              </a:rPr>
+              <a:t>Una vez conocidas las credenciales, podríamos hacer un bypass de este proceso de inicio a la aplicación.</a:t>
+            </a:r>
+          </a:p>
+          <a:p>
+            <a:pPr indent="17463">
+              <a:buFont typeface="Arial" pitchFamily="34" charset="0"/>
+              <a:buNone/>
+            </a:pPr>
+            <a:endParaRPr lang="ca-ES" sz="2400" dirty="0">
+              <a:latin typeface="Cambria" pitchFamily="18" charset="0"/>
+              <a:ea typeface="+mj-ea"/>
+              <a:cs typeface="+mj-cs"/>
+            </a:endParaRPr>
+          </a:p>
+          <a:p>
+            <a:pPr indent="17463">
+              <a:buFont typeface="Arial" pitchFamily="34" charset="0"/>
+              <a:buNone/>
+            </a:pPr>
+            <a:r>
+              <a:rPr lang="ca-ES" sz="2400" dirty="0">
+                <a:latin typeface="Cambria" pitchFamily="18" charset="0"/>
+                <a:ea typeface="+mj-ea"/>
+                <a:cs typeface="+mj-cs"/>
+              </a:rPr>
+              <a:t>Debemos localizar el binario de la aplicación:</a:t>
+            </a:r>
+          </a:p>
+          <a:p>
+            <a:pPr indent="17463">
+              <a:buFont typeface="Arial" pitchFamily="34" charset="0"/>
+              <a:buNone/>
+            </a:pPr>
+            <a:endParaRPr lang="ca-ES" sz="2400" dirty="0">
+              <a:latin typeface="Cambria" pitchFamily="18" charset="0"/>
+              <a:ea typeface="+mj-ea"/>
+              <a:cs typeface="+mj-cs"/>
+            </a:endParaRPr>
+          </a:p>
+          <a:p>
+            <a:pPr indent="17463">
+              <a:buFont typeface="Arial" pitchFamily="34" charset="0"/>
+              <a:buNone/>
+            </a:pPr>
+            <a:endParaRPr lang="ca-ES" sz="2400" dirty="0">
+              <a:latin typeface="Cambria" pitchFamily="18" charset="0"/>
+              <a:ea typeface="+mj-ea"/>
+              <a:cs typeface="+mj-cs"/>
+            </a:endParaRPr>
+          </a:p>
+          <a:p>
+            <a:pPr indent="17463">
+              <a:buFont typeface="Arial" pitchFamily="34" charset="0"/>
+              <a:buNone/>
+            </a:pPr>
+            <a:endParaRPr lang="ca-ES" sz="2400" dirty="0">
+              <a:latin typeface="Cambria" pitchFamily="18" charset="0"/>
+              <a:ea typeface="+mj-ea"/>
+              <a:cs typeface="+mj-cs"/>
+            </a:endParaRPr>
+          </a:p>
+          <a:p>
+            <a:pPr indent="17463">
+              <a:buFont typeface="Arial" pitchFamily="34" charset="0"/>
+              <a:buNone/>
+            </a:pPr>
+            <a:r>
+              <a:rPr lang="ca-ES" sz="2400" dirty="0">
+                <a:latin typeface="Cambria" pitchFamily="18" charset="0"/>
+                <a:ea typeface="+mj-ea"/>
+                <a:cs typeface="+mj-cs"/>
+              </a:rPr>
+              <a:t>Mediante class-dump sobre el binario, identificamos el nombre de la clase y el método a interceptar y baypassear</a:t>
+            </a:r>
+            <a:endParaRPr lang="ca-ES" sz="1600" dirty="0">
+              <a:latin typeface="SimSun" panose="02010600030101010101" pitchFamily="2" charset="-122"/>
+              <a:ea typeface="SimSun" panose="02010600030101010101" pitchFamily="2" charset="-122"/>
+            </a:endParaRPr>
+          </a:p>
+        </p:txBody>
+      </p:sp>
+      <p:pic>
+        <p:nvPicPr>
+          <p:cNvPr id="6" name="Imagen 19">
+            <a:extLst>
+              <a:ext uri="{FF2B5EF4-FFF2-40B4-BE49-F238E27FC236}">
+                <a16:creationId xmlns:a16="http://schemas.microsoft.com/office/drawing/2014/main" id="{A20FE057-CBAB-4AEC-B1A4-9CA5516EE043}"/>
+              </a:ext>
+            </a:extLst>
+          </p:cNvPr>
+          <p:cNvPicPr/>
+          <p:nvPr/>
+        </p:nvPicPr>
+        <p:blipFill>
+          <a:blip r:embed="rId2" cstate="print"/>
+          <a:stretch>
+            <a:fillRect/>
+          </a:stretch>
+        </p:blipFill>
+        <p:spPr>
+          <a:xfrm>
+            <a:off x="1511617" y="3166675"/>
+            <a:ext cx="6120765" cy="694373"/>
+          </a:xfrm>
+          <a:prstGeom prst="rect">
+            <a:avLst/>
+          </a:prstGeom>
+        </p:spPr>
+      </p:pic>
+    </p:spTree>
+    <p:extLst>
+      <p:ext uri="{BB962C8B-B14F-4D97-AF65-F5344CB8AC3E}">
+        <p14:creationId xmlns:p14="http://schemas.microsoft.com/office/powerpoint/2010/main" val="3488956472"/>
+      </p:ext>
+    </p:extLst>
   </p:cSld>
   <p:clrMapOvr>
     <a:masterClrMapping/>
@@ -3474,7 +6720,7 @@
           <a:lstStyle/>
           <a:p>
             <a:r>
-              <a:rPr lang="ca-ES" sz="3200" b="1" dirty="0" err="1" smtClean="0">
+              <a:rPr lang="ca-ES" sz="3200" b="1" dirty="0" err="1">
                 <a:latin typeface="Cambria" pitchFamily="18" charset="0"/>
                 <a:ea typeface="+mn-ea"/>
                 <a:cs typeface="+mn-cs"/>
@@ -3482,7 +6728,7 @@
               <a:t>Descripción</a:t>
             </a:r>
             <a:r>
-              <a:rPr lang="ca-ES" sz="3200" b="1" dirty="0" smtClean="0">
+              <a:rPr lang="ca-ES" sz="3200" b="1" dirty="0">
                 <a:latin typeface="Cambria" pitchFamily="18" charset="0"/>
                 <a:ea typeface="+mn-ea"/>
                 <a:cs typeface="+mn-cs"/>
@@ -3490,7 +6736,7 @@
               <a:t> de la </a:t>
             </a:r>
             <a:r>
-              <a:rPr lang="ca-ES" sz="3200" b="1" dirty="0" err="1" smtClean="0">
+              <a:rPr lang="ca-ES" sz="3200" b="1" dirty="0" err="1">
                 <a:latin typeface="Cambria" pitchFamily="18" charset="0"/>
                 <a:ea typeface="+mn-ea"/>
                 <a:cs typeface="+mn-cs"/>
@@ -3527,7 +6773,7 @@
               <a:buAutoNum type="arabicPeriod"/>
             </a:pPr>
             <a:r>
-              <a:rPr lang="ca-ES" sz="2800" dirty="0" smtClean="0">
+              <a:rPr lang="ca-ES" sz="2800" dirty="0">
                 <a:latin typeface="Cambria" pitchFamily="18" charset="0"/>
                 <a:ea typeface="+mj-ea"/>
                 <a:cs typeface="+mj-cs"/>
@@ -3535,63 +6781,12 @@
               <a:t>Iniciar la </a:t>
             </a:r>
             <a:r>
-              <a:rPr lang="ca-ES" sz="2800" dirty="0" err="1" smtClean="0">
+              <a:rPr lang="ca-ES" sz="2800" dirty="0" err="1">
                 <a:latin typeface="Cambria" pitchFamily="18" charset="0"/>
                 <a:ea typeface="+mj-ea"/>
                 <a:cs typeface="+mj-cs"/>
               </a:rPr>
               <a:t>aplicación</a:t>
-            </a:r>
-            <a:endParaRPr lang="ca-ES" sz="2800" dirty="0" smtClean="0">
-              <a:latin typeface="Cambria" pitchFamily="18" charset="0"/>
-              <a:ea typeface="+mj-ea"/>
-              <a:cs typeface="+mj-cs"/>
-            </a:endParaRPr>
-          </a:p>
-          <a:p>
-            <a:pPr marL="514350" indent="-514350">
-              <a:buFont typeface="+mj-lt"/>
-              <a:buAutoNum type="arabicPeriod"/>
-            </a:pPr>
-            <a:r>
-              <a:rPr lang="ca-ES" sz="2800" dirty="0" err="1" smtClean="0">
-                <a:latin typeface="Cambria" pitchFamily="18" charset="0"/>
-                <a:ea typeface="+mj-ea"/>
-                <a:cs typeface="+mj-cs"/>
-              </a:rPr>
-              <a:t>Realizar</a:t>
-            </a:r>
-            <a:r>
-              <a:rPr lang="ca-ES" sz="2800" dirty="0" smtClean="0">
-                <a:latin typeface="Cambria" pitchFamily="18" charset="0"/>
-                <a:ea typeface="+mj-ea"/>
-                <a:cs typeface="+mj-cs"/>
-              </a:rPr>
-              <a:t> un bypass de una </a:t>
-            </a:r>
-            <a:r>
-              <a:rPr lang="ca-ES" sz="2800" dirty="0" err="1" smtClean="0">
-                <a:latin typeface="Cambria" pitchFamily="18" charset="0"/>
-                <a:ea typeface="+mj-ea"/>
-                <a:cs typeface="+mj-cs"/>
-              </a:rPr>
-              <a:t>detección</a:t>
-            </a:r>
-            <a:r>
-              <a:rPr lang="ca-ES" sz="2800" dirty="0" smtClean="0">
-                <a:latin typeface="Cambria" pitchFamily="18" charset="0"/>
-                <a:ea typeface="+mj-ea"/>
-                <a:cs typeface="+mj-cs"/>
-              </a:rPr>
-              <a:t> de </a:t>
-            </a:r>
-            <a:r>
-              <a:rPr lang="ca-ES" sz="2800" dirty="0" err="1" smtClean="0">
-                <a:latin typeface="Cambria" pitchFamily="18" charset="0"/>
-                <a:ea typeface="+mj-ea"/>
-                <a:cs typeface="+mj-cs"/>
-              </a:rPr>
-              <a:t>Jailbreak</a:t>
             </a:r>
             <a:endParaRPr lang="ca-ES" sz="2800" dirty="0">
               <a:latin typeface="Cambria" pitchFamily="18" charset="0"/>
@@ -3605,15 +6800,31 @@
               <a:buAutoNum type="arabicPeriod"/>
             </a:pPr>
             <a:r>
-              <a:rPr lang="ca-ES" sz="2800" dirty="0" err="1" smtClean="0">
-                <a:latin typeface="Cambria" pitchFamily="18" charset="0"/>
-                <a:ea typeface="+mj-ea"/>
-                <a:cs typeface="+mj-cs"/>
-              </a:rPr>
-              <a:t>Obtención</a:t>
-            </a:r>
-            <a:r>
-              <a:rPr lang="ca-ES" sz="2800" dirty="0" smtClean="0">
+              <a:rPr lang="ca-ES" sz="2800" dirty="0" err="1">
+                <a:latin typeface="Cambria" pitchFamily="18" charset="0"/>
+                <a:ea typeface="+mj-ea"/>
+                <a:cs typeface="+mj-cs"/>
+              </a:rPr>
+              <a:t>Realizar</a:t>
+            </a:r>
+            <a:r>
+              <a:rPr lang="ca-ES" sz="2800" dirty="0">
+                <a:latin typeface="Cambria" pitchFamily="18" charset="0"/>
+                <a:ea typeface="+mj-ea"/>
+                <a:cs typeface="+mj-cs"/>
+              </a:rPr>
+              <a:t> un bypass de una </a:t>
+            </a:r>
+            <a:r>
+              <a:rPr lang="ca-ES" sz="2800" dirty="0" err="1">
+                <a:latin typeface="Cambria" pitchFamily="18" charset="0"/>
+                <a:ea typeface="+mj-ea"/>
+                <a:cs typeface="+mj-cs"/>
+              </a:rPr>
+              <a:t>detección</a:t>
+            </a:r>
+            <a:r>
+              <a:rPr lang="ca-ES" sz="2800" dirty="0">
                 <a:latin typeface="Cambria" pitchFamily="18" charset="0"/>
                 <a:ea typeface="+mj-ea"/>
                 <a:cs typeface="+mj-cs"/>
@@ -3621,22 +6832,14 @@
               <a:t> de </a:t>
             </a:r>
             <a:r>
-              <a:rPr lang="ca-ES" sz="2800" dirty="0" err="1" smtClean="0">
-                <a:latin typeface="Cambria" pitchFamily="18" charset="0"/>
-                <a:ea typeface="+mj-ea"/>
-                <a:cs typeface="+mj-cs"/>
-              </a:rPr>
-              <a:t>información</a:t>
-            </a:r>
-            <a:r>
-              <a:rPr lang="ca-ES" sz="2800" dirty="0" smtClean="0">
-                <a:latin typeface="Cambria" pitchFamily="18" charset="0"/>
-                <a:ea typeface="+mj-ea"/>
-                <a:cs typeface="+mj-cs"/>
-              </a:rPr>
-              <a:t> sensible</a:t>
-            </a:r>
-            <a:endParaRPr lang="ca-ES" sz="2400" dirty="0" smtClean="0">
+              <a:rPr lang="ca-ES" sz="2800" dirty="0" err="1">
+                <a:latin typeface="Cambria" pitchFamily="18" charset="0"/>
+                <a:ea typeface="+mj-ea"/>
+                <a:cs typeface="+mj-cs"/>
+              </a:rPr>
+              <a:t>Jailbreak</a:t>
+            </a:r>
+            <a:endParaRPr lang="ca-ES" sz="2800" dirty="0">
               <a:latin typeface="Cambria" pitchFamily="18" charset="0"/>
               <a:ea typeface="+mj-ea"/>
               <a:cs typeface="+mj-cs"/>
@@ -3648,30 +6851,38 @@
               <a:buAutoNum type="arabicPeriod"/>
             </a:pPr>
             <a:r>
-              <a:rPr lang="ca-ES" sz="2800" dirty="0" err="1" smtClean="0">
-                <a:latin typeface="Cambria" pitchFamily="18" charset="0"/>
-                <a:ea typeface="+mj-ea"/>
-                <a:cs typeface="+mj-cs"/>
-              </a:rPr>
-              <a:t>Realizar</a:t>
-            </a:r>
-            <a:r>
-              <a:rPr lang="ca-ES" sz="2800" dirty="0" smtClean="0">
-                <a:latin typeface="Cambria" pitchFamily="18" charset="0"/>
-                <a:ea typeface="+mj-ea"/>
-                <a:cs typeface="+mj-cs"/>
-              </a:rPr>
-              <a:t> un bypass de </a:t>
-            </a:r>
-            <a:r>
-              <a:rPr lang="ca-ES" sz="2800" dirty="0" err="1" smtClean="0">
-                <a:latin typeface="Cambria" pitchFamily="18" charset="0"/>
-                <a:ea typeface="+mj-ea"/>
-                <a:cs typeface="+mj-cs"/>
-              </a:rPr>
-              <a:t>login</a:t>
-            </a:r>
-            <a:endParaRPr lang="ca-ES" sz="2800" dirty="0" smtClean="0">
+              <a:rPr lang="ca-ES" sz="2800" dirty="0" err="1">
+                <a:latin typeface="Cambria" pitchFamily="18" charset="0"/>
+                <a:ea typeface="+mj-ea"/>
+                <a:cs typeface="+mj-cs"/>
+              </a:rPr>
+              <a:t>Obtención</a:t>
+            </a:r>
+            <a:r>
+              <a:rPr lang="ca-ES" sz="2800" dirty="0">
+                <a:latin typeface="Cambria" pitchFamily="18" charset="0"/>
+                <a:ea typeface="+mj-ea"/>
+                <a:cs typeface="+mj-cs"/>
+              </a:rPr>
+              <a:t> de </a:t>
+            </a:r>
+            <a:r>
+              <a:rPr lang="ca-ES" sz="2800" dirty="0" err="1">
+                <a:latin typeface="Cambria" pitchFamily="18" charset="0"/>
+                <a:ea typeface="+mj-ea"/>
+                <a:cs typeface="+mj-cs"/>
+              </a:rPr>
+              <a:t>información</a:t>
+            </a:r>
+            <a:r>
+              <a:rPr lang="ca-ES" sz="2800" dirty="0">
+                <a:latin typeface="Cambria" pitchFamily="18" charset="0"/>
+                <a:ea typeface="+mj-ea"/>
+                <a:cs typeface="+mj-cs"/>
+              </a:rPr>
+              <a:t> sensible</a:t>
+            </a:r>
+            <a:endParaRPr lang="ca-ES" sz="2400" dirty="0">
               <a:latin typeface="Cambria" pitchFamily="18" charset="0"/>
               <a:ea typeface="+mj-ea"/>
               <a:cs typeface="+mj-cs"/>
@@ -3683,74 +6894,58 @@
               <a:buAutoNum type="arabicPeriod"/>
             </a:pPr>
             <a:r>
-              <a:rPr lang="ca-ES" sz="2800" dirty="0" smtClean="0">
-                <a:latin typeface="Cambria" pitchFamily="18" charset="0"/>
-                <a:ea typeface="+mj-ea"/>
-                <a:cs typeface="+mj-cs"/>
-              </a:rPr>
-              <a:t>Interceptar </a:t>
-            </a:r>
-            <a:r>
-              <a:rPr lang="ca-ES" sz="2800" dirty="0" err="1" smtClean="0">
-                <a:latin typeface="Cambria" pitchFamily="18" charset="0"/>
-                <a:ea typeface="+mj-ea"/>
-                <a:cs typeface="+mj-cs"/>
-              </a:rPr>
-              <a:t>varias</a:t>
-            </a:r>
-            <a:r>
-              <a:rPr lang="ca-ES" sz="2800" dirty="0" smtClean="0">
-                <a:latin typeface="Cambria" pitchFamily="18" charset="0"/>
-                <a:ea typeface="+mj-ea"/>
-                <a:cs typeface="+mj-cs"/>
-              </a:rPr>
-              <a:t> </a:t>
-            </a:r>
-            <a:r>
-              <a:rPr lang="ca-ES" sz="2800" dirty="0" err="1" smtClean="0">
-                <a:latin typeface="Cambria" pitchFamily="18" charset="0"/>
-                <a:ea typeface="+mj-ea"/>
-                <a:cs typeface="+mj-cs"/>
-              </a:rPr>
-              <a:t>llamadas</a:t>
-            </a:r>
-            <a:r>
-              <a:rPr lang="ca-ES" sz="2800" dirty="0" smtClean="0">
-                <a:latin typeface="Cambria" pitchFamily="18" charset="0"/>
-                <a:ea typeface="+mj-ea"/>
-                <a:cs typeface="+mj-cs"/>
-              </a:rPr>
-              <a:t> de forma </a:t>
-            </a:r>
-            <a:r>
-              <a:rPr lang="ca-ES" sz="2800" dirty="0" err="1" smtClean="0">
-                <a:latin typeface="Cambria" pitchFamily="18" charset="0"/>
-                <a:ea typeface="+mj-ea"/>
-                <a:cs typeface="+mj-cs"/>
-              </a:rPr>
-              <a:t>dinámica</a:t>
-            </a:r>
-            <a:endParaRPr lang="ca-ES" sz="2800" dirty="0" smtClean="0">
+              <a:rPr lang="ca-ES" sz="2800" dirty="0" err="1">
+                <a:latin typeface="Cambria" pitchFamily="18" charset="0"/>
+                <a:ea typeface="+mj-ea"/>
+                <a:cs typeface="+mj-cs"/>
+              </a:rPr>
+              <a:t>Realizar</a:t>
+            </a:r>
+            <a:r>
+              <a:rPr lang="ca-ES" sz="2800" dirty="0">
+                <a:latin typeface="Cambria" pitchFamily="18" charset="0"/>
+                <a:ea typeface="+mj-ea"/>
+                <a:cs typeface="+mj-cs"/>
+              </a:rPr>
+              <a:t> un bypass de </a:t>
+            </a:r>
+            <a:r>
+              <a:rPr lang="ca-ES" sz="2800" dirty="0" err="1">
+                <a:latin typeface="Cambria" pitchFamily="18" charset="0"/>
+                <a:ea typeface="+mj-ea"/>
+                <a:cs typeface="+mj-cs"/>
+              </a:rPr>
+              <a:t>login</a:t>
+            </a:r>
+            <a:endParaRPr lang="ca-ES" sz="2800" dirty="0">
               <a:latin typeface="Cambria" pitchFamily="18" charset="0"/>
               <a:ea typeface="+mj-ea"/>
               <a:cs typeface="+mj-cs"/>
             </a:endParaRPr>
           </a:p>
           <a:p>
-            <a:pPr lvl="1">
-              <a:buFont typeface="Arial" pitchFamily="34" charset="0"/>
-              <a:buChar char="•"/>
-            </a:pPr>
-            <a:r>
-              <a:rPr lang="ca-ES" sz="2400" dirty="0" err="1" smtClean="0">
-                <a:latin typeface="Cambria" pitchFamily="18" charset="0"/>
-                <a:ea typeface="+mj-ea"/>
-                <a:cs typeface="+mj-cs"/>
-              </a:rPr>
-              <a:t>Obtener</a:t>
-            </a:r>
-            <a:r>
-              <a:rPr lang="ca-ES" sz="2400" dirty="0" smtClean="0">
+            <a:pPr marL="514350" indent="-514350">
+              <a:buFont typeface="+mj-lt"/>
+              <a:buAutoNum type="arabicPeriod"/>
+            </a:pPr>
+            <a:r>
+              <a:rPr lang="ca-ES" sz="2800" dirty="0">
+                <a:latin typeface="Cambria" pitchFamily="18" charset="0"/>
+                <a:ea typeface="+mj-ea"/>
+                <a:cs typeface="+mj-cs"/>
+              </a:rPr>
+              <a:t>Interceptar </a:t>
+            </a:r>
+            <a:r>
+              <a:rPr lang="ca-ES" sz="2800" dirty="0" err="1">
+                <a:latin typeface="Cambria" pitchFamily="18" charset="0"/>
+                <a:ea typeface="+mj-ea"/>
+                <a:cs typeface="+mj-cs"/>
+              </a:rPr>
+              <a:t>varias</a:t>
+            </a:r>
+            <a:r>
+              <a:rPr lang="ca-ES" sz="2800" dirty="0">
                 <a:latin typeface="Cambria" pitchFamily="18" charset="0"/>
                 <a:ea typeface="+mj-ea"/>
                 <a:cs typeface="+mj-cs"/>
@@ -3758,30 +6953,30 @@
               <a:t> </a:t>
             </a:r>
             <a:r>
-              <a:rPr lang="ca-ES" sz="2400" dirty="0" err="1" smtClean="0">
-                <a:latin typeface="Cambria" pitchFamily="18" charset="0"/>
-                <a:ea typeface="+mj-ea"/>
-                <a:cs typeface="+mj-cs"/>
-              </a:rPr>
-              <a:t>información</a:t>
-            </a:r>
-            <a:r>
-              <a:rPr lang="ca-ES" sz="2400" dirty="0" smtClean="0">
-                <a:latin typeface="Cambria" pitchFamily="18" charset="0"/>
-                <a:ea typeface="+mj-ea"/>
-                <a:cs typeface="+mj-cs"/>
-              </a:rPr>
-              <a:t> del </a:t>
-            </a:r>
-            <a:r>
-              <a:rPr lang="ca-ES" sz="2400" dirty="0" err="1" smtClean="0">
-                <a:latin typeface="Cambria" pitchFamily="18" charset="0"/>
-                <a:ea typeface="+mj-ea"/>
-                <a:cs typeface="+mj-cs"/>
-              </a:rPr>
-              <a:t>Keychain</a:t>
-            </a:r>
-            <a:endParaRPr lang="ca-ES" sz="2400" dirty="0" smtClean="0">
+              <a:rPr lang="ca-ES" sz="2800" dirty="0" err="1">
+                <a:latin typeface="Cambria" pitchFamily="18" charset="0"/>
+                <a:ea typeface="+mj-ea"/>
+                <a:cs typeface="+mj-cs"/>
+              </a:rPr>
+              <a:t>llamadas</a:t>
+            </a:r>
+            <a:r>
+              <a:rPr lang="ca-ES" sz="2800" dirty="0">
+                <a:latin typeface="Cambria" pitchFamily="18" charset="0"/>
+                <a:ea typeface="+mj-ea"/>
+                <a:cs typeface="+mj-cs"/>
+              </a:rPr>
+              <a:t> de forma </a:t>
+            </a:r>
+            <a:r>
+              <a:rPr lang="ca-ES" sz="2800" dirty="0" err="1">
+                <a:latin typeface="Cambria" pitchFamily="18" charset="0"/>
+                <a:ea typeface="+mj-ea"/>
+                <a:cs typeface="+mj-cs"/>
+              </a:rPr>
+              <a:t>dinámica</a:t>
+            </a:r>
+            <a:endParaRPr lang="ca-ES" sz="2800" dirty="0">
               <a:latin typeface="Cambria" pitchFamily="18" charset="0"/>
               <a:ea typeface="+mj-ea"/>
               <a:cs typeface="+mj-cs"/>
@@ -3793,7 +6988,7 @@
               <a:buChar char="•"/>
             </a:pPr>
             <a:r>
-              <a:rPr lang="ca-ES" sz="2400" dirty="0" err="1" smtClean="0">
+              <a:rPr lang="ca-ES" sz="2400" dirty="0" err="1">
                 <a:latin typeface="Cambria" pitchFamily="18" charset="0"/>
                 <a:ea typeface="+mj-ea"/>
                 <a:cs typeface="+mj-cs"/>
@@ -3801,7 +6996,7 @@
               <a:t>Obtener</a:t>
             </a:r>
             <a:r>
-              <a:rPr lang="ca-ES" sz="2400" dirty="0" smtClean="0">
+              <a:rPr lang="ca-ES" sz="2400" dirty="0">
                 <a:latin typeface="Cambria" pitchFamily="18" charset="0"/>
                 <a:ea typeface="+mj-ea"/>
                 <a:cs typeface="+mj-cs"/>
@@ -3809,7 +7004,7 @@
               <a:t> </a:t>
             </a:r>
             <a:r>
-              <a:rPr lang="ca-ES" sz="2400" dirty="0" err="1" smtClean="0">
+              <a:rPr lang="ca-ES" sz="2400" dirty="0" err="1">
                 <a:latin typeface="Cambria" pitchFamily="18" charset="0"/>
                 <a:ea typeface="+mj-ea"/>
                 <a:cs typeface="+mj-cs"/>
@@ -3817,38 +7012,22 @@
               <a:t>información</a:t>
             </a:r>
             <a:r>
-              <a:rPr lang="ca-ES" sz="2400" dirty="0" smtClean="0">
-                <a:latin typeface="Cambria" pitchFamily="18" charset="0"/>
-                <a:ea typeface="+mj-ea"/>
-                <a:cs typeface="+mj-cs"/>
-              </a:rPr>
-              <a:t> de </a:t>
-            </a:r>
-            <a:r>
-              <a:rPr lang="ca-ES" sz="2400" dirty="0" err="1" smtClean="0">
-                <a:latin typeface="Cambria" pitchFamily="18" charset="0"/>
-                <a:ea typeface="+mj-ea"/>
-                <a:cs typeface="+mj-cs"/>
-              </a:rPr>
-              <a:t>ficheros</a:t>
-            </a:r>
-            <a:r>
-              <a:rPr lang="ca-ES" sz="2400" dirty="0" smtClean="0">
-                <a:latin typeface="Cambria" pitchFamily="18" charset="0"/>
-                <a:ea typeface="+mj-ea"/>
-                <a:cs typeface="+mj-cs"/>
-              </a:rPr>
-              <a:t> </a:t>
-            </a:r>
-            <a:r>
-              <a:rPr lang="ca-ES" sz="2400" dirty="0" err="1" smtClean="0">
-                <a:latin typeface="Cambria" pitchFamily="18" charset="0"/>
-                <a:ea typeface="+mj-ea"/>
-                <a:cs typeface="+mj-cs"/>
-              </a:rPr>
-              <a:t>creados</a:t>
-            </a:r>
-            <a:endParaRPr lang="ca-ES" sz="2400" dirty="0" smtClean="0">
+              <a:rPr lang="ca-ES" sz="2400" dirty="0">
+                <a:latin typeface="Cambria" pitchFamily="18" charset="0"/>
+                <a:ea typeface="+mj-ea"/>
+                <a:cs typeface="+mj-cs"/>
+              </a:rPr>
+              <a:t> del </a:t>
+            </a:r>
+            <a:r>
+              <a:rPr lang="ca-ES" sz="2400" dirty="0" err="1">
+                <a:latin typeface="Cambria" pitchFamily="18" charset="0"/>
+                <a:ea typeface="+mj-ea"/>
+                <a:cs typeface="+mj-cs"/>
+              </a:rPr>
+              <a:t>Keychain</a:t>
+            </a:r>
+            <a:endParaRPr lang="ca-ES" sz="2400" dirty="0">
               <a:latin typeface="Cambria" pitchFamily="18" charset="0"/>
               <a:ea typeface="+mj-ea"/>
               <a:cs typeface="+mj-cs"/>
@@ -3860,7 +7039,7 @@
               <a:buChar char="•"/>
             </a:pPr>
             <a:r>
-              <a:rPr lang="ca-ES" sz="2400" dirty="0" err="1" smtClean="0">
+              <a:rPr lang="ca-ES" sz="2400" dirty="0" err="1">
                 <a:latin typeface="Cambria" pitchFamily="18" charset="0"/>
                 <a:ea typeface="+mj-ea"/>
                 <a:cs typeface="+mj-cs"/>
@@ -3868,7 +7047,7 @@
               <a:t>Obtener</a:t>
             </a:r>
             <a:r>
-              <a:rPr lang="ca-ES" sz="2400" dirty="0" smtClean="0">
+              <a:rPr lang="ca-ES" sz="2400" dirty="0">
                 <a:latin typeface="Cambria" pitchFamily="18" charset="0"/>
                 <a:ea typeface="+mj-ea"/>
                 <a:cs typeface="+mj-cs"/>
@@ -3876,7 +7055,7 @@
               <a:t> </a:t>
             </a:r>
             <a:r>
-              <a:rPr lang="ca-ES" sz="2400" dirty="0" err="1" smtClean="0">
+              <a:rPr lang="ca-ES" sz="2400" dirty="0" err="1">
                 <a:latin typeface="Cambria" pitchFamily="18" charset="0"/>
                 <a:ea typeface="+mj-ea"/>
                 <a:cs typeface="+mj-cs"/>
@@ -3884,7 +7063,74 @@
               <a:t>información</a:t>
             </a:r>
             <a:r>
-              <a:rPr lang="ca-ES" sz="2400" dirty="0" smtClean="0">
+              <a:rPr lang="ca-ES" sz="2400" dirty="0">
+                <a:latin typeface="Cambria" pitchFamily="18" charset="0"/>
+                <a:ea typeface="+mj-ea"/>
+                <a:cs typeface="+mj-cs"/>
+              </a:rPr>
+              <a:t> de </a:t>
+            </a:r>
+            <a:r>
+              <a:rPr lang="ca-ES" sz="2400" dirty="0" err="1">
+                <a:latin typeface="Cambria" pitchFamily="18" charset="0"/>
+                <a:ea typeface="+mj-ea"/>
+                <a:cs typeface="+mj-cs"/>
+              </a:rPr>
+              <a:t>ficheros</a:t>
+            </a:r>
+            <a:r>
+              <a:rPr lang="ca-ES" sz="2400" dirty="0">
+                <a:latin typeface="Cambria" pitchFamily="18" charset="0"/>
+                <a:ea typeface="+mj-ea"/>
+                <a:cs typeface="+mj-cs"/>
+              </a:rPr>
+              <a:t> </a:t>
+            </a:r>
+            <a:r>
+              <a:rPr lang="ca-ES" sz="2400" dirty="0" err="1">
+                <a:latin typeface="Cambria" pitchFamily="18" charset="0"/>
+                <a:ea typeface="+mj-ea"/>
+                <a:cs typeface="+mj-cs"/>
+              </a:rPr>
+              <a:t>creados</a:t>
+            </a:r>
+            <a:endParaRPr lang="ca-ES" sz="2400" dirty="0">
+              <a:latin typeface="Cambria" pitchFamily="18" charset="0"/>
+              <a:ea typeface="+mj-ea"/>
+              <a:cs typeface="+mj-cs"/>
+            </a:endParaRPr>
+          </a:p>
+          <a:p>
+            <a:pPr lvl="1">
+              <a:buFont typeface="Arial" pitchFamily="34" charset="0"/>
+              <a:buChar char="•"/>
+            </a:pPr>
+            <a:r>
+              <a:rPr lang="ca-ES" sz="2400" dirty="0" err="1">
+                <a:latin typeface="Cambria" pitchFamily="18" charset="0"/>
+                <a:ea typeface="+mj-ea"/>
+                <a:cs typeface="+mj-cs"/>
+              </a:rPr>
+              <a:t>Obtener</a:t>
+            </a:r>
+            <a:r>
+              <a:rPr lang="ca-ES" sz="2400" dirty="0">
+                <a:latin typeface="Cambria" pitchFamily="18" charset="0"/>
+                <a:ea typeface="+mj-ea"/>
+                <a:cs typeface="+mj-cs"/>
+              </a:rPr>
+              <a:t> </a:t>
+            </a:r>
+            <a:r>
+              <a:rPr lang="ca-ES" sz="2400" dirty="0" err="1">
+                <a:latin typeface="Cambria" pitchFamily="18" charset="0"/>
+                <a:ea typeface="+mj-ea"/>
+                <a:cs typeface="+mj-cs"/>
+              </a:rPr>
+              <a:t>información</a:t>
+            </a:r>
+            <a:r>
+              <a:rPr lang="ca-ES" sz="2400" dirty="0">
                 <a:latin typeface="Cambria" pitchFamily="18" charset="0"/>
                 <a:ea typeface="+mj-ea"/>
                 <a:cs typeface="+mj-cs"/>
@@ -3892,7 +7138,7 @@
               <a:t> de una </a:t>
             </a:r>
             <a:r>
-              <a:rPr lang="ca-ES" sz="2400" dirty="0" err="1" smtClean="0">
+              <a:rPr lang="ca-ES" sz="2400" dirty="0" err="1">
                 <a:latin typeface="Cambria" pitchFamily="18" charset="0"/>
                 <a:ea typeface="+mj-ea"/>
                 <a:cs typeface="+mj-cs"/>
@@ -3900,7 +7146,7 @@
               <a:t>conexión</a:t>
             </a:r>
             <a:r>
-              <a:rPr lang="ca-ES" sz="2400" dirty="0" smtClean="0">
+              <a:rPr lang="ca-ES" sz="2400" dirty="0">
                 <a:latin typeface="Cambria" pitchFamily="18" charset="0"/>
                 <a:ea typeface="+mj-ea"/>
                 <a:cs typeface="+mj-cs"/>
@@ -3908,7 +7154,7 @@
               <a:t> </a:t>
             </a:r>
             <a:r>
-              <a:rPr lang="ca-ES" sz="2400" dirty="0" err="1" smtClean="0">
+              <a:rPr lang="ca-ES" sz="2400" dirty="0" err="1">
                 <a:latin typeface="Cambria" pitchFamily="18" charset="0"/>
                 <a:ea typeface="+mj-ea"/>
                 <a:cs typeface="+mj-cs"/>
@@ -3966,7 +7212,7 @@
           <a:lstStyle/>
           <a:p>
             <a:r>
-              <a:rPr lang="ca-ES" sz="3200" b="1" dirty="0" err="1" smtClean="0">
+              <a:rPr lang="ca-ES" sz="3200" b="1" dirty="0" err="1">
                 <a:latin typeface="Cambria" pitchFamily="18" charset="0"/>
                 <a:ea typeface="+mn-ea"/>
                 <a:cs typeface="+mn-cs"/>
@@ -3974,18 +7220,13 @@
               <a:t>Preparación</a:t>
             </a:r>
             <a:r>
-              <a:rPr lang="ca-ES" sz="3200" b="1" dirty="0" smtClean="0">
+              <a:rPr lang="ca-ES" sz="3200" b="1" dirty="0">
                 <a:latin typeface="Cambria" pitchFamily="18" charset="0"/>
                 <a:ea typeface="+mn-ea"/>
                 <a:cs typeface="+mn-cs"/>
               </a:rPr>
               <a:t> del entorno</a:t>
             </a:r>
-            <a:endParaRPr lang="ca-ES" sz="3200" b="1" dirty="0">
-              <a:latin typeface="Cambria" pitchFamily="18" charset="0"/>
-              <a:ea typeface="+mn-ea"/>
-              <a:cs typeface="+mn-cs"/>
-            </a:endParaRPr>
           </a:p>
         </p:txBody>
       </p:sp>
@@ -4010,79 +7251,79 @@
               <a:buNone/>
             </a:pPr>
             <a:r>
-              <a:rPr lang="ca-ES" sz="2800" dirty="0" smtClean="0">
+              <a:rPr lang="ca-ES" sz="2800" dirty="0">
                 <a:latin typeface="Cambria" pitchFamily="18" charset="0"/>
               </a:rPr>
               <a:t>Para la </a:t>
             </a:r>
             <a:r>
-              <a:rPr lang="ca-ES" sz="2800" dirty="0" err="1" smtClean="0">
+              <a:rPr lang="ca-ES" sz="2800" dirty="0" err="1">
                 <a:latin typeface="Cambria" pitchFamily="18" charset="0"/>
               </a:rPr>
               <a:t>realización</a:t>
             </a:r>
             <a:r>
-              <a:rPr lang="ca-ES" sz="2800" dirty="0" smtClean="0">
+              <a:rPr lang="ca-ES" sz="2800" dirty="0">
                 <a:latin typeface="Cambria" pitchFamily="18" charset="0"/>
               </a:rPr>
               <a:t> de la </a:t>
             </a:r>
             <a:r>
-              <a:rPr lang="ca-ES" sz="2800" dirty="0" err="1" smtClean="0">
+              <a:rPr lang="ca-ES" sz="2800" dirty="0" err="1">
                 <a:latin typeface="Cambria" pitchFamily="18" charset="0"/>
               </a:rPr>
               <a:t>práctica</a:t>
             </a:r>
             <a:r>
-              <a:rPr lang="ca-ES" sz="2800" dirty="0" smtClean="0">
+              <a:rPr lang="ca-ES" sz="2800" dirty="0">
                 <a:latin typeface="Cambria" pitchFamily="18" charset="0"/>
               </a:rPr>
               <a:t> es </a:t>
             </a:r>
             <a:r>
-              <a:rPr lang="ca-ES" sz="2800" dirty="0" err="1" smtClean="0">
+              <a:rPr lang="ca-ES" sz="2800" dirty="0" err="1">
                 <a:latin typeface="Cambria" pitchFamily="18" charset="0"/>
               </a:rPr>
               <a:t>necesario</a:t>
             </a:r>
             <a:r>
-              <a:rPr lang="ca-ES" sz="2800" dirty="0" smtClean="0">
+              <a:rPr lang="ca-ES" sz="2800" dirty="0">
                 <a:latin typeface="Cambria" pitchFamily="18" charset="0"/>
               </a:rPr>
               <a:t> </a:t>
             </a:r>
             <a:r>
-              <a:rPr lang="ca-ES" sz="2800" dirty="0" err="1" smtClean="0">
+              <a:rPr lang="ca-ES" sz="2800" dirty="0" err="1">
                 <a:latin typeface="Cambria" pitchFamily="18" charset="0"/>
               </a:rPr>
               <a:t>disponer</a:t>
             </a:r>
             <a:r>
-              <a:rPr lang="ca-ES" sz="2800" dirty="0" smtClean="0">
+              <a:rPr lang="ca-ES" sz="2800" dirty="0">
                 <a:latin typeface="Cambria" pitchFamily="18" charset="0"/>
               </a:rPr>
               <a:t> de las </a:t>
             </a:r>
             <a:r>
-              <a:rPr lang="ca-ES" sz="2800" dirty="0" err="1" smtClean="0">
+              <a:rPr lang="ca-ES" sz="2800" dirty="0" err="1">
                 <a:latin typeface="Cambria" pitchFamily="18" charset="0"/>
               </a:rPr>
               <a:t>siguientes</a:t>
             </a:r>
             <a:r>
-              <a:rPr lang="ca-ES" sz="2800" dirty="0" smtClean="0">
+              <a:rPr lang="ca-ES" sz="2800" dirty="0">
                 <a:latin typeface="Cambria" pitchFamily="18" charset="0"/>
               </a:rPr>
               <a:t> </a:t>
             </a:r>
             <a:r>
-              <a:rPr lang="ca-ES" sz="2800" dirty="0" err="1" smtClean="0">
+              <a:rPr lang="ca-ES" sz="2800" dirty="0" err="1">
                 <a:latin typeface="Cambria" pitchFamily="18" charset="0"/>
               </a:rPr>
               <a:t>aplicaciones</a:t>
             </a:r>
             <a:r>
-              <a:rPr lang="ca-ES" sz="2800" dirty="0" smtClean="0">
+              <a:rPr lang="ca-ES" sz="2800" dirty="0">
                 <a:latin typeface="Cambria" pitchFamily="18" charset="0"/>
               </a:rPr>
               <a:t>:</a:t>
@@ -4092,31 +7333,31 @@
             <a:pPr indent="17463">
               <a:buNone/>
             </a:pPr>
-            <a:endParaRPr lang="ca-ES" sz="2800" dirty="0" smtClean="0">
+            <a:endParaRPr lang="ca-ES" sz="2800" dirty="0">
               <a:latin typeface="Cambria" pitchFamily="18" charset="0"/>
             </a:endParaRPr>
           </a:p>
           <a:p>
             <a:r>
-              <a:rPr lang="ca-ES" sz="2800" dirty="0" err="1" smtClean="0">
+              <a:rPr lang="ca-ES" sz="2800" dirty="0" err="1">
                 <a:latin typeface="Cambria" pitchFamily="18" charset="0"/>
               </a:rPr>
               <a:t>xCode</a:t>
             </a:r>
             <a:r>
-              <a:rPr lang="ca-ES" sz="2800" dirty="0" smtClean="0">
+              <a:rPr lang="ca-ES" sz="2800" dirty="0">
                 <a:latin typeface="Cambria" pitchFamily="18" charset="0"/>
               </a:rPr>
               <a:t> y </a:t>
             </a:r>
             <a:r>
-              <a:rPr lang="ca-ES" sz="2800" dirty="0" err="1" smtClean="0">
+              <a:rPr lang="ca-ES" sz="2800" dirty="0" err="1">
                 <a:latin typeface="Cambria" pitchFamily="18" charset="0"/>
               </a:rPr>
               <a:t>iOS</a:t>
             </a:r>
             <a:r>
-              <a:rPr lang="ca-ES" sz="2800" dirty="0" smtClean="0">
+              <a:rPr lang="ca-ES" sz="2800" dirty="0">
                 <a:latin typeface="Cambria" pitchFamily="18" charset="0"/>
               </a:rPr>
               <a:t> Simulator</a:t>
@@ -4124,24 +7365,24 @@
           </a:p>
           <a:p>
             <a:r>
-              <a:rPr lang="ca-ES" sz="2800" dirty="0" err="1" smtClean="0">
+              <a:rPr lang="ca-ES" sz="2800" dirty="0" err="1">
                 <a:latin typeface="Cambria" pitchFamily="18" charset="0"/>
               </a:rPr>
               <a:t>Dynamic</a:t>
             </a:r>
             <a:r>
-              <a:rPr lang="ca-ES" sz="2800" dirty="0" smtClean="0">
+              <a:rPr lang="ca-ES" sz="2800" dirty="0">
                 <a:latin typeface="Cambria" pitchFamily="18" charset="0"/>
               </a:rPr>
               <a:t> </a:t>
             </a:r>
             <a:r>
-              <a:rPr lang="ca-ES" sz="2800" dirty="0" err="1" smtClean="0">
+              <a:rPr lang="ca-ES" sz="2800" dirty="0" err="1">
                 <a:latin typeface="Cambria" pitchFamily="18" charset="0"/>
               </a:rPr>
               <a:t>AnalysisExercise</a:t>
             </a:r>
-            <a:endParaRPr lang="ca-ES" sz="2800" dirty="0" smtClean="0">
+            <a:endParaRPr lang="ca-ES" sz="2800" dirty="0">
               <a:latin typeface="Cambria" pitchFamily="18" charset="0"/>
             </a:endParaRPr>
           </a:p>
@@ -4150,37 +7391,37 @@
               <a:buNone/>
             </a:pPr>
             <a:r>
-              <a:rPr lang="ca-ES" sz="2000" dirty="0" err="1" smtClean="0">
+              <a:rPr lang="ca-ES" sz="2000" dirty="0" err="1">
                 <a:latin typeface="Cambria" pitchFamily="18" charset="0"/>
               </a:rPr>
               <a:t>Aplicación</a:t>
             </a:r>
             <a:r>
-              <a:rPr lang="ca-ES" sz="2000" dirty="0" smtClean="0">
+              <a:rPr lang="ca-ES" sz="2000" dirty="0">
                 <a:latin typeface="Cambria" pitchFamily="18" charset="0"/>
               </a:rPr>
               <a:t> con </a:t>
             </a:r>
             <a:r>
-              <a:rPr lang="ca-ES" sz="2000" dirty="0" err="1" smtClean="0">
+              <a:rPr lang="ca-ES" sz="2000" dirty="0" err="1">
                 <a:latin typeface="Cambria" pitchFamily="18" charset="0"/>
               </a:rPr>
               <a:t>vulnerabilidades</a:t>
             </a:r>
             <a:r>
-              <a:rPr lang="ca-ES" sz="2000" dirty="0" smtClean="0">
+              <a:rPr lang="ca-ES" sz="2000" dirty="0">
                 <a:latin typeface="Cambria" pitchFamily="18" charset="0"/>
               </a:rPr>
               <a:t> para el uso de la </a:t>
             </a:r>
             <a:r>
-              <a:rPr lang="ca-ES" sz="2000" dirty="0" err="1" smtClean="0">
+              <a:rPr lang="ca-ES" sz="2000" dirty="0" err="1">
                 <a:latin typeface="Cambria" pitchFamily="18" charset="0"/>
               </a:rPr>
               <a:t>práctica</a:t>
             </a:r>
             <a:r>
-              <a:rPr lang="ca-ES" sz="2000" dirty="0" smtClean="0">
+              <a:rPr lang="ca-ES" sz="2000" dirty="0">
                 <a:latin typeface="Cambria" pitchFamily="18" charset="0"/>
               </a:rPr>
               <a:t>.</a:t>
@@ -4188,12 +7429,12 @@
           </a:p>
           <a:p>
             <a:r>
-              <a:rPr lang="ca-ES" sz="2800" dirty="0" err="1" smtClean="0">
+              <a:rPr lang="ca-ES" sz="2800" dirty="0" err="1">
                 <a:latin typeface="Cambria" pitchFamily="18" charset="0"/>
               </a:rPr>
               <a:t>Frida</a:t>
             </a:r>
-            <a:endParaRPr lang="ca-ES" sz="2800" dirty="0" smtClean="0">
+            <a:endParaRPr lang="ca-ES" sz="2800" dirty="0">
               <a:latin typeface="Cambria" pitchFamily="18" charset="0"/>
             </a:endParaRPr>
           </a:p>
@@ -4202,77 +7443,77 @@
               <a:buNone/>
             </a:pPr>
             <a:r>
-              <a:rPr lang="ca-ES" sz="2000" dirty="0" smtClean="0">
+              <a:rPr lang="ca-ES" sz="2000" dirty="0">
                 <a:latin typeface="Cambria" pitchFamily="18" charset="0"/>
               </a:rPr>
               <a:t>	</a:t>
             </a:r>
             <a:r>
-              <a:rPr lang="ca-ES" sz="2000" dirty="0" err="1" smtClean="0">
+              <a:rPr lang="ca-ES" sz="2000" dirty="0" err="1">
                 <a:latin typeface="Cambria" pitchFamily="18" charset="0"/>
               </a:rPr>
               <a:t>Herramienta</a:t>
             </a:r>
             <a:r>
-              <a:rPr lang="ca-ES" sz="2000" dirty="0" smtClean="0">
+              <a:rPr lang="ca-ES" sz="2000" dirty="0">
                 <a:latin typeface="Cambria" pitchFamily="18" charset="0"/>
               </a:rPr>
               <a:t> para el </a:t>
             </a:r>
             <a:r>
-              <a:rPr lang="ca-ES" sz="2000" dirty="0" err="1" smtClean="0">
+              <a:rPr lang="ca-ES" sz="2000" dirty="0" err="1">
                 <a:latin typeface="Cambria" pitchFamily="18" charset="0"/>
               </a:rPr>
               <a:t>análisis</a:t>
             </a:r>
             <a:r>
-              <a:rPr lang="ca-ES" sz="2000" dirty="0" smtClean="0">
+              <a:rPr lang="ca-ES" sz="2000" dirty="0">
                 <a:latin typeface="Cambria" pitchFamily="18" charset="0"/>
               </a:rPr>
               <a:t> </a:t>
             </a:r>
             <a:r>
-              <a:rPr lang="ca-ES" sz="2000" dirty="0" err="1" smtClean="0">
+              <a:rPr lang="ca-ES" sz="2000" dirty="0" err="1">
                 <a:latin typeface="Cambria" pitchFamily="18" charset="0"/>
               </a:rPr>
               <a:t>dinámico</a:t>
             </a:r>
             <a:r>
-              <a:rPr lang="ca-ES" sz="2000" dirty="0" smtClean="0">
+              <a:rPr lang="ca-ES" sz="2000" dirty="0">
                 <a:latin typeface="Cambria" pitchFamily="18" charset="0"/>
               </a:rPr>
               <a:t> de </a:t>
             </a:r>
             <a:r>
-              <a:rPr lang="ca-ES" sz="2000" dirty="0" err="1" smtClean="0">
+              <a:rPr lang="ca-ES" sz="2000" dirty="0" err="1">
                 <a:latin typeface="Cambria" pitchFamily="18" charset="0"/>
               </a:rPr>
               <a:t>aplicaciones</a:t>
             </a:r>
             <a:r>
-              <a:rPr lang="ca-ES" sz="2000" dirty="0" smtClean="0">
+              <a:rPr lang="ca-ES" sz="2000" dirty="0">
                 <a:latin typeface="Cambria" pitchFamily="18" charset="0"/>
               </a:rPr>
               <a:t> en </a:t>
             </a:r>
             <a:r>
-              <a:rPr lang="ca-ES" sz="2000" dirty="0" err="1" smtClean="0">
+              <a:rPr lang="ca-ES" sz="2000" dirty="0" err="1">
                 <a:latin typeface="Cambria" pitchFamily="18" charset="0"/>
               </a:rPr>
               <a:t>iOS</a:t>
             </a:r>
-            <a:endParaRPr lang="ca-ES" sz="2000" dirty="0" smtClean="0">
+            <a:endParaRPr lang="ca-ES" sz="2000" dirty="0">
               <a:latin typeface="Cambria" pitchFamily="18" charset="0"/>
             </a:endParaRPr>
           </a:p>
           <a:p>
             <a:r>
-              <a:rPr lang="ca-ES" sz="2800" dirty="0" err="1" smtClean="0">
+              <a:rPr lang="ca-ES" sz="2800" dirty="0" err="1">
                 <a:latin typeface="Cambria" pitchFamily="18" charset="0"/>
               </a:rPr>
               <a:t>FridaGadget.dylib</a:t>
             </a:r>
-            <a:endParaRPr lang="ca-ES" sz="2800" dirty="0" smtClean="0">
+            <a:endParaRPr lang="ca-ES" sz="2800" dirty="0">
               <a:latin typeface="Cambria" pitchFamily="18" charset="0"/>
             </a:endParaRPr>
           </a:p>
@@ -4281,70 +7522,70 @@
               <a:buNone/>
             </a:pPr>
             <a:r>
-              <a:rPr lang="ca-ES" sz="2800" dirty="0" smtClean="0">
+              <a:rPr lang="ca-ES" sz="2800" dirty="0">
                 <a:latin typeface="Cambria" pitchFamily="18" charset="0"/>
               </a:rPr>
               <a:t>	</a:t>
             </a:r>
             <a:r>
-              <a:rPr lang="ca-ES" sz="2000" dirty="0" err="1" smtClean="0">
+              <a:rPr lang="ca-ES" sz="2000" dirty="0" err="1">
                 <a:latin typeface="Cambria" pitchFamily="18" charset="0"/>
               </a:rPr>
               <a:t>Descargar</a:t>
             </a:r>
             <a:r>
-              <a:rPr lang="ca-ES" sz="2000" dirty="0" smtClean="0">
+              <a:rPr lang="ca-ES" sz="2000" dirty="0">
                 <a:latin typeface="Cambria" pitchFamily="18" charset="0"/>
               </a:rPr>
               <a:t> la última </a:t>
             </a:r>
             <a:r>
-              <a:rPr lang="ca-ES" sz="2000" dirty="0" err="1" smtClean="0">
+              <a:rPr lang="ca-ES" sz="2000" dirty="0" err="1">
                 <a:latin typeface="Cambria" pitchFamily="18" charset="0"/>
               </a:rPr>
               <a:t>versión</a:t>
             </a:r>
             <a:r>
-              <a:rPr lang="ca-ES" sz="2000" dirty="0" smtClean="0">
+              <a:rPr lang="ca-ES" sz="2000" dirty="0">
                 <a:latin typeface="Cambria" pitchFamily="18" charset="0"/>
               </a:rPr>
               <a:t> de esta </a:t>
             </a:r>
             <a:r>
-              <a:rPr lang="ca-ES" sz="2000" dirty="0" err="1" smtClean="0">
+              <a:rPr lang="ca-ES" sz="2000" dirty="0" err="1">
                 <a:latin typeface="Cambria" pitchFamily="18" charset="0"/>
               </a:rPr>
               <a:t>libreria</a:t>
             </a:r>
-            <a:endParaRPr lang="ca-ES" sz="2000" dirty="0" smtClean="0">
+            <a:endParaRPr lang="ca-ES" sz="2000" dirty="0">
               <a:latin typeface="Cambria" pitchFamily="18" charset="0"/>
             </a:endParaRPr>
           </a:p>
           <a:p>
             <a:r>
-              <a:rPr lang="ca-ES" sz="2800" dirty="0" err="1" smtClean="0">
+              <a:rPr lang="ca-ES" sz="2800" dirty="0" err="1">
                 <a:latin typeface="Cambria" pitchFamily="18" charset="0"/>
               </a:rPr>
               <a:t>Classs-dump</a:t>
             </a:r>
-            <a:endParaRPr lang="ca-ES" sz="2800" dirty="0" smtClean="0">
+            <a:endParaRPr lang="ca-ES" sz="2800" dirty="0">
               <a:latin typeface="Cambria" pitchFamily="18" charset="0"/>
             </a:endParaRPr>
           </a:p>
           <a:p>
             <a:r>
-              <a:rPr lang="ca-ES" sz="2800" dirty="0" err="1" smtClean="0">
+              <a:rPr lang="ca-ES" sz="2800" dirty="0" err="1">
                 <a:latin typeface="Cambria" pitchFamily="18" charset="0"/>
               </a:rPr>
               <a:t>Brew</a:t>
             </a:r>
-            <a:endParaRPr lang="ca-ES" sz="2800" dirty="0" smtClean="0">
+            <a:endParaRPr lang="ca-ES" sz="2800" dirty="0">
               <a:latin typeface="Cambria" pitchFamily="18" charset="0"/>
             </a:endParaRPr>
           </a:p>
           <a:p>
             <a:r>
-              <a:rPr lang="ca-ES" sz="2800" dirty="0" err="1" smtClean="0">
+              <a:rPr lang="ca-ES" sz="2800" dirty="0" err="1">
                 <a:latin typeface="Cambria" pitchFamily="18" charset="0"/>
               </a:rPr>
               <a:t>Python</a:t>
@@ -4390,15 +7631,21 @@
             <p:ph type="title"/>
           </p:nvPr>
         </p:nvSpPr>
-        <p:spPr/>
+        <p:spPr>
+          <a:xfrm>
+            <a:off x="457200" y="591270"/>
+            <a:ext cx="8229600" cy="418058"/>
+          </a:xfrm>
+        </p:spPr>
         <p:txBody>
           <a:bodyPr>
-            <a:normAutofit/>
+            <a:noAutofit/>
           </a:bodyPr>
           <a:lstStyle/>
           <a:p>
-            <a:r>
-              <a:rPr lang="ca-ES" sz="3200" b="1" dirty="0" smtClean="0">
+            <a:pPr algn="l"/>
+            <a:r>
+              <a:rPr lang="ca-ES" sz="2800" b="1" dirty="0">
                 <a:latin typeface="Cambria" pitchFamily="18" charset="0"/>
                 <a:ea typeface="+mn-ea"/>
                 <a:cs typeface="+mn-cs"/>
@@ -4406,14 +7653,14 @@
               <a:t>1 – Iniciar la </a:t>
             </a:r>
             <a:r>
-              <a:rPr lang="ca-ES" sz="3200" b="1" dirty="0" err="1" smtClean="0">
+              <a:rPr lang="ca-ES" sz="2800" b="1" dirty="0" err="1">
                 <a:latin typeface="Cambria" pitchFamily="18" charset="0"/>
                 <a:ea typeface="+mn-ea"/>
                 <a:cs typeface="+mn-cs"/>
               </a:rPr>
               <a:t>aplicación</a:t>
             </a:r>
-            <a:endParaRPr lang="ca-ES" sz="3200" b="1" dirty="0">
+            <a:endParaRPr lang="ca-ES" sz="2800" b="1" dirty="0">
               <a:latin typeface="Cambria" pitchFamily="18" charset="0"/>
               <a:ea typeface="+mn-ea"/>
               <a:cs typeface="+mn-cs"/>
@@ -4431,7 +7678,12 @@
             <p:ph idx="1"/>
           </p:nvPr>
         </p:nvSpPr>
-        <p:spPr/>
+        <p:spPr>
+          <a:xfrm>
+            <a:off x="457200" y="1196752"/>
+            <a:ext cx="8229600" cy="3168352"/>
+          </a:xfrm>
+        </p:spPr>
         <p:txBody>
           <a:bodyPr>
             <a:normAutofit/>
@@ -4442,86 +7694,19 @@
               <a:buNone/>
             </a:pPr>
             <a:r>
-              <a:rPr lang="ca-ES" sz="2800" dirty="0" err="1" smtClean="0">
-                <a:latin typeface="Cambria" pitchFamily="18" charset="0"/>
-                <a:ea typeface="+mj-ea"/>
-                <a:cs typeface="+mj-cs"/>
-              </a:rPr>
-              <a:t>Dentro</a:t>
-            </a:r>
-            <a:r>
-              <a:rPr lang="ca-ES" sz="2800" dirty="0" smtClean="0">
-                <a:latin typeface="Cambria" pitchFamily="18" charset="0"/>
-                <a:ea typeface="+mj-ea"/>
-                <a:cs typeface="+mj-cs"/>
-              </a:rPr>
-              <a:t> del simulador de </a:t>
-            </a:r>
-            <a:r>
-              <a:rPr lang="ca-ES" sz="2800" dirty="0" err="1" smtClean="0">
-                <a:latin typeface="Cambria" pitchFamily="18" charset="0"/>
-                <a:ea typeface="+mj-ea"/>
-                <a:cs typeface="+mj-cs"/>
-              </a:rPr>
-              <a:t>iOS</a:t>
-            </a:r>
-            <a:r>
-              <a:rPr lang="ca-ES" sz="2800" dirty="0" smtClean="0">
-                <a:latin typeface="Cambria" pitchFamily="18" charset="0"/>
-                <a:ea typeface="+mj-ea"/>
-                <a:cs typeface="+mj-cs"/>
-              </a:rPr>
-              <a:t> </a:t>
-            </a:r>
-            <a:r>
-              <a:rPr lang="ca-ES" sz="2800" dirty="0" err="1" smtClean="0">
-                <a:latin typeface="Cambria" pitchFamily="18" charset="0"/>
-                <a:ea typeface="+mj-ea"/>
-                <a:cs typeface="+mj-cs"/>
-              </a:rPr>
-              <a:t>arrancamos</a:t>
-            </a:r>
-            <a:r>
-              <a:rPr lang="ca-ES" sz="2800" dirty="0" smtClean="0">
-                <a:latin typeface="Cambria" pitchFamily="18" charset="0"/>
-                <a:ea typeface="+mj-ea"/>
-                <a:cs typeface="+mj-cs"/>
-              </a:rPr>
-              <a:t> la </a:t>
-            </a:r>
-            <a:r>
-              <a:rPr lang="ca-ES" sz="2800" dirty="0" err="1" smtClean="0">
-                <a:latin typeface="Cambria" pitchFamily="18" charset="0"/>
-                <a:ea typeface="+mj-ea"/>
-                <a:cs typeface="+mj-cs"/>
-              </a:rPr>
-              <a:t>aplicación</a:t>
-            </a:r>
-            <a:r>
-              <a:rPr lang="ca-ES" sz="2800" dirty="0" smtClean="0">
-                <a:latin typeface="Cambria" pitchFamily="18" charset="0"/>
-                <a:ea typeface="+mj-ea"/>
-                <a:cs typeface="+mj-cs"/>
-              </a:rPr>
-              <a:t> </a:t>
-            </a:r>
-            <a:r>
-              <a:rPr lang="ca-ES" sz="2800" dirty="0" err="1" smtClean="0">
-                <a:latin typeface="Cambria" pitchFamily="18" charset="0"/>
-                <a:ea typeface="+mj-ea"/>
-                <a:cs typeface="+mj-cs"/>
-              </a:rPr>
-              <a:t>mediante</a:t>
-            </a:r>
-            <a:r>
-              <a:rPr lang="ca-ES" sz="2800" dirty="0" smtClean="0">
-                <a:latin typeface="Cambria" pitchFamily="18" charset="0"/>
-                <a:ea typeface="+mj-ea"/>
-                <a:cs typeface="+mj-cs"/>
-              </a:rPr>
-              <a:t> el comando:</a:t>
-            </a:r>
-            <a:endParaRPr lang="ca-ES" sz="2800" dirty="0" smtClean="0">
+              <a:rPr lang="ca-ES" sz="2400" dirty="0">
+                <a:latin typeface="Cambria" pitchFamily="18" charset="0"/>
+                <a:ea typeface="+mj-ea"/>
+                <a:cs typeface="+mj-cs"/>
+              </a:rPr>
+              <a:t>Dentro del simulador de iOS arrancamos la aplicación en un terminal mediante el comando:</a:t>
+            </a:r>
+          </a:p>
+          <a:p>
+            <a:pPr indent="17463">
+              <a:buNone/>
+            </a:pPr>
+            <a:endParaRPr lang="ca-ES" sz="2400" dirty="0">
               <a:latin typeface="Cambria" pitchFamily="18" charset="0"/>
               <a:ea typeface="+mj-ea"/>
               <a:cs typeface="+mj-cs"/>
@@ -4532,26 +7717,2188 @@
               <a:buNone/>
             </a:pPr>
             <a:r>
-              <a:rPr lang="ca-ES" sz="2000" dirty="0" err="1" smtClean="0"/>
-              <a:t>frida</a:t>
-            </a:r>
-            <a:r>
-              <a:rPr lang="ca-ES" sz="2000" dirty="0" smtClean="0"/>
-              <a:t> –H 127.0.0.1 </a:t>
-            </a:r>
-            <a:r>
-              <a:rPr lang="ca-ES" sz="2000" dirty="0" err="1" smtClean="0"/>
-              <a:t>Gadget</a:t>
-            </a:r>
-            <a:r>
-              <a:rPr lang="ca-ES" sz="2000" dirty="0" smtClean="0"/>
-              <a:t> </a:t>
-            </a:r>
-            <a:endParaRPr lang="ca-ES" sz="2000" dirty="0" smtClean="0"/>
+              <a:rPr lang="ca-ES" sz="1600" dirty="0">
+                <a:latin typeface="SimSun" panose="02010600030101010101" pitchFamily="2" charset="-122"/>
+                <a:ea typeface="SimSun" panose="02010600030101010101" pitchFamily="2" charset="-122"/>
+              </a:rPr>
+              <a:t>frida –H 127.0.0.1 Gadget </a:t>
+            </a:r>
+          </a:p>
+          <a:p>
+            <a:pPr marL="360363" lvl="1" indent="0">
+              <a:buNone/>
+            </a:pPr>
+            <a:endParaRPr lang="ca-ES" sz="2400" dirty="0">
+              <a:latin typeface="Cambria" pitchFamily="18" charset="0"/>
+              <a:ea typeface="+mj-ea"/>
+              <a:cs typeface="+mj-cs"/>
+            </a:endParaRPr>
+          </a:p>
+          <a:p>
+            <a:pPr marL="360363" lvl="1" indent="0">
+              <a:buNone/>
+            </a:pPr>
+            <a:r>
+              <a:rPr lang="ca-ES" sz="2400" dirty="0">
+                <a:latin typeface="Cambria" pitchFamily="18" charset="0"/>
+                <a:ea typeface="+mj-ea"/>
+                <a:cs typeface="+mj-cs"/>
+              </a:rPr>
+              <a:t>Debemos dejar este terminal abierto para que la aplicación se mantenga en ejecución.</a:t>
+            </a:r>
           </a:p>
         </p:txBody>
       </p:sp>
     </p:spTree>
+  </p:cSld>
+  <p:clrMapOvr>
+    <a:masterClrMapping/>
+  </p:clrMapOvr>
+</p:sld>
+</file>
+
+<file path=ppt/slides/slide5.xml><?xml version="1.0" encoding="utf-8"?>
+<p:sld xmlns:a="http://schemas.openxmlformats.org/drawingml/2006/main" xmlns:r="http://schemas.openxmlformats.org/officeDocument/2006/relationships" xmlns:p="http://schemas.openxmlformats.org/presentationml/2006/main">
+  <p:cSld>
+    <p:spTree>
+      <p:nvGrpSpPr>
+        <p:cNvPr id="1" name=""/>
+        <p:cNvGrpSpPr/>
+        <p:nvPr/>
+      </p:nvGrpSpPr>
+      <p:grpSpPr>
+        <a:xfrm>
+          <a:off x="0" y="0"/>
+          <a:ext cx="0" cy="0"/>
+          <a:chOff x="0" y="0"/>
+          <a:chExt cx="0" cy="0"/>
+        </a:xfrm>
+      </p:grpSpPr>
+      <p:sp>
+        <p:nvSpPr>
+          <p:cNvPr id="4" name="1 Título">
+            <a:extLst>
+              <a:ext uri="{FF2B5EF4-FFF2-40B4-BE49-F238E27FC236}">
+                <a16:creationId xmlns:a16="http://schemas.microsoft.com/office/drawing/2014/main" id="{4222F324-3EDE-43F4-B3F7-D3D34AB53CC7}"/>
+              </a:ext>
+            </a:extLst>
+          </p:cNvPr>
+          <p:cNvSpPr txBox="1">
+            <a:spLocks/>
+          </p:cNvSpPr>
+          <p:nvPr/>
+        </p:nvSpPr>
+        <p:spPr>
+          <a:xfrm>
+            <a:off x="457200" y="620688"/>
+            <a:ext cx="8229600" cy="504056"/>
+          </a:xfrm>
+          <a:prstGeom prst="rect">
+            <a:avLst/>
+          </a:prstGeom>
+        </p:spPr>
+        <p:txBody>
+          <a:bodyPr vert="horz" lIns="91440" tIns="45720" rIns="91440" bIns="45720" rtlCol="0" anchor="ctr">
+            <a:normAutofit fontScale="92500" lnSpcReduction="10000"/>
+          </a:bodyPr>
+          <a:lstStyle>
+            <a:lvl1pPr algn="ctr" defTabSz="914400" rtl="0" eaLnBrk="1" latinLnBrk="0" hangingPunct="1">
+              <a:spcBef>
+                <a:spcPct val="0"/>
+              </a:spcBef>
+              <a:buNone/>
+              <a:defRPr sz="4400" kern="1200">
+                <a:solidFill>
+                  <a:schemeClr val="tx1"/>
+                </a:solidFill>
+                <a:latin typeface="+mj-lt"/>
+                <a:ea typeface="+mj-ea"/>
+                <a:cs typeface="+mj-cs"/>
+              </a:defRPr>
+            </a:lvl1pPr>
+          </a:lstStyle>
+          <a:p>
+            <a:pPr algn="l"/>
+            <a:r>
+              <a:rPr lang="ca-ES" sz="3200" b="1" dirty="0">
+                <a:latin typeface="Cambria" pitchFamily="18" charset="0"/>
+                <a:ea typeface="+mn-ea"/>
+                <a:cs typeface="+mn-cs"/>
+              </a:rPr>
+              <a:t>2 – </a:t>
+            </a:r>
+            <a:r>
+              <a:rPr lang="ca-ES" sz="3000" b="1" dirty="0">
+                <a:latin typeface="Cambria" pitchFamily="18" charset="0"/>
+                <a:ea typeface="+mn-ea"/>
+                <a:cs typeface="+mn-cs"/>
+              </a:rPr>
+              <a:t>Bypass</a:t>
+            </a:r>
+            <a:r>
+              <a:rPr lang="ca-ES" sz="3200" b="1" dirty="0">
+                <a:latin typeface="Cambria" pitchFamily="18" charset="0"/>
+                <a:ea typeface="+mn-ea"/>
+                <a:cs typeface="+mn-cs"/>
+              </a:rPr>
+              <a:t> de la detección de Jailbreak (I)</a:t>
+            </a:r>
+          </a:p>
+        </p:txBody>
+      </p:sp>
+      <p:sp>
+        <p:nvSpPr>
+          <p:cNvPr id="5" name="2 Marcador de contenido">
+            <a:extLst>
+              <a:ext uri="{FF2B5EF4-FFF2-40B4-BE49-F238E27FC236}">
+                <a16:creationId xmlns:a16="http://schemas.microsoft.com/office/drawing/2014/main" id="{EBA710F4-3692-4B14-A182-1085508C8603}"/>
+              </a:ext>
+            </a:extLst>
+          </p:cNvPr>
+          <p:cNvSpPr txBox="1">
+            <a:spLocks/>
+          </p:cNvSpPr>
+          <p:nvPr/>
+        </p:nvSpPr>
+        <p:spPr>
+          <a:xfrm>
+            <a:off x="457200" y="1268760"/>
+            <a:ext cx="8229600" cy="2592288"/>
+          </a:xfrm>
+          <a:prstGeom prst="rect">
+            <a:avLst/>
+          </a:prstGeom>
+        </p:spPr>
+        <p:txBody>
+          <a:bodyPr vert="horz" lIns="91440" tIns="45720" rIns="91440" bIns="45720" rtlCol="0">
+            <a:normAutofit/>
+          </a:bodyPr>
+          <a:lstStyle>
+            <a:lvl1pPr marL="342900" indent="-342900" algn="l" defTabSz="914400" rtl="0" eaLnBrk="1" latinLnBrk="0" hangingPunct="1">
+              <a:spcBef>
+                <a:spcPct val="20000"/>
+              </a:spcBef>
+              <a:buFont typeface="Arial" pitchFamily="34" charset="0"/>
+              <a:buChar char="•"/>
+              <a:defRPr sz="3200" kern="1200">
+                <a:solidFill>
+                  <a:schemeClr val="tx1"/>
+                </a:solidFill>
+                <a:latin typeface="+mn-lt"/>
+                <a:ea typeface="+mn-ea"/>
+                <a:cs typeface="+mn-cs"/>
+              </a:defRPr>
+            </a:lvl1pPr>
+            <a:lvl2pPr marL="742950" indent="-285750" algn="l" defTabSz="914400" rtl="0" eaLnBrk="1" latinLnBrk="0" hangingPunct="1">
+              <a:spcBef>
+                <a:spcPct val="20000"/>
+              </a:spcBef>
+              <a:buFont typeface="Arial" pitchFamily="34" charset="0"/>
+              <a:buChar char="–"/>
+              <a:defRPr sz="2800" kern="1200">
+                <a:solidFill>
+                  <a:schemeClr val="tx1"/>
+                </a:solidFill>
+                <a:latin typeface="+mn-lt"/>
+                <a:ea typeface="+mn-ea"/>
+                <a:cs typeface="+mn-cs"/>
+              </a:defRPr>
+            </a:lvl2pPr>
+            <a:lvl3pPr marL="1143000" indent="-228600" algn="l" defTabSz="914400" rtl="0" eaLnBrk="1" latinLnBrk="0" hangingPunct="1">
+              <a:spcBef>
+                <a:spcPct val="20000"/>
+              </a:spcBef>
+              <a:buFont typeface="Arial" pitchFamily="34" charset="0"/>
+              <a:buChar char="•"/>
+              <a:defRPr sz="2400" kern="1200">
+                <a:solidFill>
+                  <a:schemeClr val="tx1"/>
+                </a:solidFill>
+                <a:latin typeface="+mn-lt"/>
+                <a:ea typeface="+mn-ea"/>
+                <a:cs typeface="+mn-cs"/>
+              </a:defRPr>
+            </a:lvl3pPr>
+            <a:lvl4pPr marL="1600200" indent="-228600" algn="l" defTabSz="914400" rtl="0" eaLnBrk="1" latinLnBrk="0" hangingPunct="1">
+              <a:spcBef>
+                <a:spcPct val="20000"/>
+              </a:spcBef>
+              <a:buFont typeface="Arial" pitchFamily="34" charset="0"/>
+              <a:buChar char="–"/>
+              <a:defRPr sz="2000" kern="1200">
+                <a:solidFill>
+                  <a:schemeClr val="tx1"/>
+                </a:solidFill>
+                <a:latin typeface="+mn-lt"/>
+                <a:ea typeface="+mn-ea"/>
+                <a:cs typeface="+mn-cs"/>
+              </a:defRPr>
+            </a:lvl4pPr>
+            <a:lvl5pPr marL="2057400" indent="-228600" algn="l" defTabSz="914400" rtl="0" eaLnBrk="1" latinLnBrk="0" hangingPunct="1">
+              <a:spcBef>
+                <a:spcPct val="20000"/>
+              </a:spcBef>
+              <a:buFont typeface="Arial" pitchFamily="34" charset="0"/>
+              <a:buChar char="»"/>
+              <a:defRPr sz="2000" kern="1200">
+                <a:solidFill>
+                  <a:schemeClr val="tx1"/>
+                </a:solidFill>
+                <a:latin typeface="+mn-lt"/>
+                <a:ea typeface="+mn-ea"/>
+                <a:cs typeface="+mn-cs"/>
+              </a:defRPr>
+            </a:lvl5pPr>
+            <a:lvl6pPr marL="2514600" indent="-228600" algn="l" defTabSz="914400" rtl="0" eaLnBrk="1" latinLnBrk="0" hangingPunct="1">
+              <a:spcBef>
+                <a:spcPct val="20000"/>
+              </a:spcBef>
+              <a:buFont typeface="Arial" pitchFamily="34" charset="0"/>
+              <a:buChar char="•"/>
+              <a:defRPr sz="2000" kern="1200">
+                <a:solidFill>
+                  <a:schemeClr val="tx1"/>
+                </a:solidFill>
+                <a:latin typeface="+mn-lt"/>
+                <a:ea typeface="+mn-ea"/>
+                <a:cs typeface="+mn-cs"/>
+              </a:defRPr>
+            </a:lvl6pPr>
+            <a:lvl7pPr marL="2971800" indent="-228600" algn="l" defTabSz="914400" rtl="0" eaLnBrk="1" latinLnBrk="0" hangingPunct="1">
+              <a:spcBef>
+                <a:spcPct val="20000"/>
+              </a:spcBef>
+              <a:buFont typeface="Arial" pitchFamily="34" charset="0"/>
+              <a:buChar char="•"/>
+              <a:defRPr sz="2000" kern="1200">
+                <a:solidFill>
+                  <a:schemeClr val="tx1"/>
+                </a:solidFill>
+                <a:latin typeface="+mn-lt"/>
+                <a:ea typeface="+mn-ea"/>
+                <a:cs typeface="+mn-cs"/>
+              </a:defRPr>
+            </a:lvl7pPr>
+            <a:lvl8pPr marL="3429000" indent="-228600" algn="l" defTabSz="914400" rtl="0" eaLnBrk="1" latinLnBrk="0" hangingPunct="1">
+              <a:spcBef>
+                <a:spcPct val="20000"/>
+              </a:spcBef>
+              <a:buFont typeface="Arial" pitchFamily="34" charset="0"/>
+              <a:buChar char="•"/>
+              <a:defRPr sz="2000" kern="1200">
+                <a:solidFill>
+                  <a:schemeClr val="tx1"/>
+                </a:solidFill>
+                <a:latin typeface="+mn-lt"/>
+                <a:ea typeface="+mn-ea"/>
+                <a:cs typeface="+mn-cs"/>
+              </a:defRPr>
+            </a:lvl8pPr>
+            <a:lvl9pPr marL="3886200" indent="-228600" algn="l" defTabSz="914400" rtl="0" eaLnBrk="1" latinLnBrk="0" hangingPunct="1">
+              <a:spcBef>
+                <a:spcPct val="20000"/>
+              </a:spcBef>
+              <a:buFont typeface="Arial" pitchFamily="34" charset="0"/>
+              <a:buChar char="•"/>
+              <a:defRPr sz="2000" kern="1200">
+                <a:solidFill>
+                  <a:schemeClr val="tx1"/>
+                </a:solidFill>
+                <a:latin typeface="+mn-lt"/>
+                <a:ea typeface="+mn-ea"/>
+                <a:cs typeface="+mn-cs"/>
+              </a:defRPr>
+            </a:lvl9pPr>
+          </a:lstStyle>
+          <a:p>
+            <a:pPr indent="17463">
+              <a:buFont typeface="Arial" pitchFamily="34" charset="0"/>
+              <a:buNone/>
+            </a:pPr>
+            <a:r>
+              <a:rPr lang="ca-ES" sz="2400" dirty="0">
+                <a:latin typeface="Cambria" pitchFamily="18" charset="0"/>
+                <a:ea typeface="+mj-ea"/>
+                <a:cs typeface="+mj-cs"/>
+              </a:rPr>
+              <a:t>Desde nuestro equipo, abrimos una sesión ssh mediante putty a la IP del equipo virtual con iOS y ejecutamos Frida-Trace mediante el comando:</a:t>
+            </a:r>
+          </a:p>
+          <a:p>
+            <a:pPr indent="17463">
+              <a:buFont typeface="Arial" pitchFamily="34" charset="0"/>
+              <a:buNone/>
+            </a:pPr>
+            <a:endParaRPr lang="ca-ES" sz="2400" dirty="0">
+              <a:latin typeface="Cambria" pitchFamily="18" charset="0"/>
+              <a:ea typeface="+mj-ea"/>
+              <a:cs typeface="+mj-cs"/>
+            </a:endParaRPr>
+          </a:p>
+          <a:p>
+            <a:pPr marL="360363" lvl="1" indent="0" algn="ctr">
+              <a:buNone/>
+            </a:pPr>
+            <a:r>
+              <a:rPr lang="en-US" sz="1600" dirty="0" err="1">
+                <a:latin typeface="SimSun" panose="02010600030101010101" pitchFamily="2" charset="-122"/>
+                <a:ea typeface="SimSun" panose="02010600030101010101" pitchFamily="2" charset="-122"/>
+              </a:rPr>
+              <a:t>frida</a:t>
+            </a:r>
+            <a:r>
+              <a:rPr lang="en-US" sz="1600" dirty="0">
+                <a:latin typeface="SimSun" panose="02010600030101010101" pitchFamily="2" charset="-122"/>
+                <a:ea typeface="SimSun" panose="02010600030101010101" pitchFamily="2" charset="-122"/>
+              </a:rPr>
+              <a:t>-trace -H 192.168.1.106 -m "-[</a:t>
+            </a:r>
+            <a:r>
+              <a:rPr lang="en-US" sz="1600" dirty="0" err="1">
+                <a:latin typeface="SimSun" panose="02010600030101010101" pitchFamily="2" charset="-122"/>
+                <a:ea typeface="SimSun" panose="02010600030101010101" pitchFamily="2" charset="-122"/>
+              </a:rPr>
+              <a:t>NSFileManager</a:t>
+            </a:r>
+            <a:r>
+              <a:rPr lang="en-US" sz="1600" dirty="0">
+                <a:latin typeface="SimSun" panose="02010600030101010101" pitchFamily="2" charset="-122"/>
+                <a:ea typeface="SimSun" panose="02010600030101010101" pitchFamily="2" charset="-122"/>
+              </a:rPr>
+              <a:t> </a:t>
+            </a:r>
+            <a:r>
+              <a:rPr lang="en-US" sz="1600" dirty="0" err="1">
+                <a:latin typeface="SimSun" panose="02010600030101010101" pitchFamily="2" charset="-122"/>
+                <a:ea typeface="SimSun" panose="02010600030101010101" pitchFamily="2" charset="-122"/>
+              </a:rPr>
+              <a:t>fileExistsAtPath</a:t>
+            </a:r>
+            <a:r>
+              <a:rPr lang="en-US" sz="1600" dirty="0">
+                <a:latin typeface="SimSun" panose="02010600030101010101" pitchFamily="2" charset="-122"/>
+                <a:ea typeface="SimSun" panose="02010600030101010101" pitchFamily="2" charset="-122"/>
+              </a:rPr>
+              <a:t>:]" Gadget</a:t>
+            </a:r>
+            <a:endParaRPr lang="ca-ES" sz="1600" dirty="0">
+              <a:latin typeface="SimSun" panose="02010600030101010101" pitchFamily="2" charset="-122"/>
+              <a:ea typeface="SimSun" panose="02010600030101010101" pitchFamily="2" charset="-122"/>
+            </a:endParaRPr>
+          </a:p>
+        </p:txBody>
+      </p:sp>
+      <p:sp>
+        <p:nvSpPr>
+          <p:cNvPr id="10" name="2 Marcador de contenido">
+            <a:extLst>
+              <a:ext uri="{FF2B5EF4-FFF2-40B4-BE49-F238E27FC236}">
+                <a16:creationId xmlns:a16="http://schemas.microsoft.com/office/drawing/2014/main" id="{C5C2AC00-2E50-4004-BDB0-B8189DC45ABA}"/>
+              </a:ext>
+            </a:extLst>
+          </p:cNvPr>
+          <p:cNvSpPr txBox="1">
+            <a:spLocks/>
+          </p:cNvSpPr>
+          <p:nvPr/>
+        </p:nvSpPr>
+        <p:spPr>
+          <a:xfrm>
+            <a:off x="457200" y="3645024"/>
+            <a:ext cx="8229600" cy="1656184"/>
+          </a:xfrm>
+          <a:prstGeom prst="rect">
+            <a:avLst/>
+          </a:prstGeom>
+        </p:spPr>
+        <p:txBody>
+          <a:bodyPr vert="horz" lIns="91440" tIns="45720" rIns="91440" bIns="45720" rtlCol="0">
+            <a:normAutofit/>
+          </a:bodyPr>
+          <a:lstStyle>
+            <a:lvl1pPr marL="342900" indent="-342900" algn="l" defTabSz="914400" rtl="0" eaLnBrk="1" latinLnBrk="0" hangingPunct="1">
+              <a:spcBef>
+                <a:spcPct val="20000"/>
+              </a:spcBef>
+              <a:buFont typeface="Arial" pitchFamily="34" charset="0"/>
+              <a:buChar char="•"/>
+              <a:defRPr sz="3200" kern="1200">
+                <a:solidFill>
+                  <a:schemeClr val="tx1"/>
+                </a:solidFill>
+                <a:latin typeface="+mn-lt"/>
+                <a:ea typeface="+mn-ea"/>
+                <a:cs typeface="+mn-cs"/>
+              </a:defRPr>
+            </a:lvl1pPr>
+            <a:lvl2pPr marL="742950" indent="-285750" algn="l" defTabSz="914400" rtl="0" eaLnBrk="1" latinLnBrk="0" hangingPunct="1">
+              <a:spcBef>
+                <a:spcPct val="20000"/>
+              </a:spcBef>
+              <a:buFont typeface="Arial" pitchFamily="34" charset="0"/>
+              <a:buChar char="–"/>
+              <a:defRPr sz="2800" kern="1200">
+                <a:solidFill>
+                  <a:schemeClr val="tx1"/>
+                </a:solidFill>
+                <a:latin typeface="+mn-lt"/>
+                <a:ea typeface="+mn-ea"/>
+                <a:cs typeface="+mn-cs"/>
+              </a:defRPr>
+            </a:lvl2pPr>
+            <a:lvl3pPr marL="1143000" indent="-228600" algn="l" defTabSz="914400" rtl="0" eaLnBrk="1" latinLnBrk="0" hangingPunct="1">
+              <a:spcBef>
+                <a:spcPct val="20000"/>
+              </a:spcBef>
+              <a:buFont typeface="Arial" pitchFamily="34" charset="0"/>
+              <a:buChar char="•"/>
+              <a:defRPr sz="2400" kern="1200">
+                <a:solidFill>
+                  <a:schemeClr val="tx1"/>
+                </a:solidFill>
+                <a:latin typeface="+mn-lt"/>
+                <a:ea typeface="+mn-ea"/>
+                <a:cs typeface="+mn-cs"/>
+              </a:defRPr>
+            </a:lvl3pPr>
+            <a:lvl4pPr marL="1600200" indent="-228600" algn="l" defTabSz="914400" rtl="0" eaLnBrk="1" latinLnBrk="0" hangingPunct="1">
+              <a:spcBef>
+                <a:spcPct val="20000"/>
+              </a:spcBef>
+              <a:buFont typeface="Arial" pitchFamily="34" charset="0"/>
+              <a:buChar char="–"/>
+              <a:defRPr sz="2000" kern="1200">
+                <a:solidFill>
+                  <a:schemeClr val="tx1"/>
+                </a:solidFill>
+                <a:latin typeface="+mn-lt"/>
+                <a:ea typeface="+mn-ea"/>
+                <a:cs typeface="+mn-cs"/>
+              </a:defRPr>
+            </a:lvl4pPr>
+            <a:lvl5pPr marL="2057400" indent="-228600" algn="l" defTabSz="914400" rtl="0" eaLnBrk="1" latinLnBrk="0" hangingPunct="1">
+              <a:spcBef>
+                <a:spcPct val="20000"/>
+              </a:spcBef>
+              <a:buFont typeface="Arial" pitchFamily="34" charset="0"/>
+              <a:buChar char="»"/>
+              <a:defRPr sz="2000" kern="1200">
+                <a:solidFill>
+                  <a:schemeClr val="tx1"/>
+                </a:solidFill>
+                <a:latin typeface="+mn-lt"/>
+                <a:ea typeface="+mn-ea"/>
+                <a:cs typeface="+mn-cs"/>
+              </a:defRPr>
+            </a:lvl5pPr>
+            <a:lvl6pPr marL="2514600" indent="-228600" algn="l" defTabSz="914400" rtl="0" eaLnBrk="1" latinLnBrk="0" hangingPunct="1">
+              <a:spcBef>
+                <a:spcPct val="20000"/>
+              </a:spcBef>
+              <a:buFont typeface="Arial" pitchFamily="34" charset="0"/>
+              <a:buChar char="•"/>
+              <a:defRPr sz="2000" kern="1200">
+                <a:solidFill>
+                  <a:schemeClr val="tx1"/>
+                </a:solidFill>
+                <a:latin typeface="+mn-lt"/>
+                <a:ea typeface="+mn-ea"/>
+                <a:cs typeface="+mn-cs"/>
+              </a:defRPr>
+            </a:lvl6pPr>
+            <a:lvl7pPr marL="2971800" indent="-228600" algn="l" defTabSz="914400" rtl="0" eaLnBrk="1" latinLnBrk="0" hangingPunct="1">
+              <a:spcBef>
+                <a:spcPct val="20000"/>
+              </a:spcBef>
+              <a:buFont typeface="Arial" pitchFamily="34" charset="0"/>
+              <a:buChar char="•"/>
+              <a:defRPr sz="2000" kern="1200">
+                <a:solidFill>
+                  <a:schemeClr val="tx1"/>
+                </a:solidFill>
+                <a:latin typeface="+mn-lt"/>
+                <a:ea typeface="+mn-ea"/>
+                <a:cs typeface="+mn-cs"/>
+              </a:defRPr>
+            </a:lvl7pPr>
+            <a:lvl8pPr marL="3429000" indent="-228600" algn="l" defTabSz="914400" rtl="0" eaLnBrk="1" latinLnBrk="0" hangingPunct="1">
+              <a:spcBef>
+                <a:spcPct val="20000"/>
+              </a:spcBef>
+              <a:buFont typeface="Arial" pitchFamily="34" charset="0"/>
+              <a:buChar char="•"/>
+              <a:defRPr sz="2000" kern="1200">
+                <a:solidFill>
+                  <a:schemeClr val="tx1"/>
+                </a:solidFill>
+                <a:latin typeface="+mn-lt"/>
+                <a:ea typeface="+mn-ea"/>
+                <a:cs typeface="+mn-cs"/>
+              </a:defRPr>
+            </a:lvl8pPr>
+            <a:lvl9pPr marL="3886200" indent="-228600" algn="l" defTabSz="914400" rtl="0" eaLnBrk="1" latinLnBrk="0" hangingPunct="1">
+              <a:spcBef>
+                <a:spcPct val="20000"/>
+              </a:spcBef>
+              <a:buFont typeface="Arial" pitchFamily="34" charset="0"/>
+              <a:buChar char="•"/>
+              <a:defRPr sz="2000" kern="1200">
+                <a:solidFill>
+                  <a:schemeClr val="tx1"/>
+                </a:solidFill>
+                <a:latin typeface="+mn-lt"/>
+                <a:ea typeface="+mn-ea"/>
+                <a:cs typeface="+mn-cs"/>
+              </a:defRPr>
+            </a:lvl9pPr>
+          </a:lstStyle>
+          <a:p>
+            <a:pPr indent="17463">
+              <a:buFont typeface="Arial" pitchFamily="34" charset="0"/>
+              <a:buNone/>
+            </a:pPr>
+            <a:r>
+              <a:rPr lang="es-ES_tradnl" sz="2400" dirty="0">
+                <a:latin typeface="Cambria" pitchFamily="18" charset="0"/>
+                <a:ea typeface="+mj-ea"/>
+                <a:cs typeface="+mj-cs"/>
+              </a:rPr>
+              <a:t>Habitualmente, un </a:t>
+            </a:r>
+            <a:r>
+              <a:rPr lang="es-ES_tradnl" sz="2400" dirty="0" err="1">
+                <a:latin typeface="Cambria" pitchFamily="18" charset="0"/>
+                <a:ea typeface="+mj-ea"/>
+                <a:cs typeface="+mj-cs"/>
+              </a:rPr>
+              <a:t>jailbreak</a:t>
+            </a:r>
+            <a:r>
+              <a:rPr lang="es-ES_tradnl" sz="2400" dirty="0">
+                <a:latin typeface="Cambria" pitchFamily="18" charset="0"/>
+                <a:ea typeface="+mj-ea"/>
+                <a:cs typeface="+mj-cs"/>
+              </a:rPr>
+              <a:t> deja rastro de los ficheros utilizados. La idea es buscar uno de estos ficheros para averiguar los métodos que son llamados por la aplicación.</a:t>
+            </a:r>
+            <a:endParaRPr lang="ca-ES" sz="1600" dirty="0">
+              <a:latin typeface="SimSun" panose="02010600030101010101" pitchFamily="2" charset="-122"/>
+              <a:ea typeface="SimSun" panose="02010600030101010101" pitchFamily="2" charset="-122"/>
+            </a:endParaRPr>
+          </a:p>
+        </p:txBody>
+      </p:sp>
+    </p:spTree>
+    <p:extLst>
+      <p:ext uri="{BB962C8B-B14F-4D97-AF65-F5344CB8AC3E}">
+        <p14:creationId xmlns:p14="http://schemas.microsoft.com/office/powerpoint/2010/main" val="855083321"/>
+      </p:ext>
+    </p:extLst>
+  </p:cSld>
+  <p:clrMapOvr>
+    <a:masterClrMapping/>
+  </p:clrMapOvr>
+</p:sld>
+</file>
+
+<file path=ppt/slides/slide6.xml><?xml version="1.0" encoding="utf-8"?>
+<p:sld xmlns:a="http://schemas.openxmlformats.org/drawingml/2006/main" xmlns:r="http://schemas.openxmlformats.org/officeDocument/2006/relationships" xmlns:p="http://schemas.openxmlformats.org/presentationml/2006/main">
+  <p:cSld>
+    <p:spTree>
+      <p:nvGrpSpPr>
+        <p:cNvPr id="1" name=""/>
+        <p:cNvGrpSpPr/>
+        <p:nvPr/>
+      </p:nvGrpSpPr>
+      <p:grpSpPr>
+        <a:xfrm>
+          <a:off x="0" y="0"/>
+          <a:ext cx="0" cy="0"/>
+          <a:chOff x="0" y="0"/>
+          <a:chExt cx="0" cy="0"/>
+        </a:xfrm>
+      </p:grpSpPr>
+      <p:sp>
+        <p:nvSpPr>
+          <p:cNvPr id="4" name="1 Título">
+            <a:extLst>
+              <a:ext uri="{FF2B5EF4-FFF2-40B4-BE49-F238E27FC236}">
+                <a16:creationId xmlns:a16="http://schemas.microsoft.com/office/drawing/2014/main" id="{4222F324-3EDE-43F4-B3F7-D3D34AB53CC7}"/>
+              </a:ext>
+            </a:extLst>
+          </p:cNvPr>
+          <p:cNvSpPr txBox="1">
+            <a:spLocks/>
+          </p:cNvSpPr>
+          <p:nvPr/>
+        </p:nvSpPr>
+        <p:spPr>
+          <a:xfrm>
+            <a:off x="457200" y="620688"/>
+            <a:ext cx="8229600" cy="504056"/>
+          </a:xfrm>
+          <a:prstGeom prst="rect">
+            <a:avLst/>
+          </a:prstGeom>
+        </p:spPr>
+        <p:txBody>
+          <a:bodyPr vert="horz" lIns="91440" tIns="45720" rIns="91440" bIns="45720" rtlCol="0" anchor="ctr">
+            <a:normAutofit fontScale="92500" lnSpcReduction="10000"/>
+          </a:bodyPr>
+          <a:lstStyle>
+            <a:lvl1pPr algn="ctr" defTabSz="914400" rtl="0" eaLnBrk="1" latinLnBrk="0" hangingPunct="1">
+              <a:spcBef>
+                <a:spcPct val="0"/>
+              </a:spcBef>
+              <a:buNone/>
+              <a:defRPr sz="4400" kern="1200">
+                <a:solidFill>
+                  <a:schemeClr val="tx1"/>
+                </a:solidFill>
+                <a:latin typeface="+mj-lt"/>
+                <a:ea typeface="+mj-ea"/>
+                <a:cs typeface="+mj-cs"/>
+              </a:defRPr>
+            </a:lvl1pPr>
+          </a:lstStyle>
+          <a:p>
+            <a:pPr algn="l"/>
+            <a:r>
+              <a:rPr lang="ca-ES" sz="3200" b="1" dirty="0">
+                <a:latin typeface="Cambria" pitchFamily="18" charset="0"/>
+                <a:ea typeface="+mn-ea"/>
+                <a:cs typeface="+mn-cs"/>
+              </a:rPr>
+              <a:t>2 – </a:t>
+            </a:r>
+            <a:r>
+              <a:rPr lang="ca-ES" sz="3000" b="1" dirty="0">
+                <a:latin typeface="Cambria" pitchFamily="18" charset="0"/>
+                <a:ea typeface="+mn-ea"/>
+                <a:cs typeface="+mn-cs"/>
+              </a:rPr>
+              <a:t>Bypass</a:t>
+            </a:r>
+            <a:r>
+              <a:rPr lang="ca-ES" sz="3200" b="1" dirty="0">
+                <a:latin typeface="Cambria" pitchFamily="18" charset="0"/>
+                <a:ea typeface="+mn-ea"/>
+                <a:cs typeface="+mn-cs"/>
+              </a:rPr>
+              <a:t> de la detección de Jailbreak (I)</a:t>
+            </a:r>
+          </a:p>
+        </p:txBody>
+      </p:sp>
+      <p:sp>
+        <p:nvSpPr>
+          <p:cNvPr id="5" name="2 Marcador de contenido">
+            <a:extLst>
+              <a:ext uri="{FF2B5EF4-FFF2-40B4-BE49-F238E27FC236}">
+                <a16:creationId xmlns:a16="http://schemas.microsoft.com/office/drawing/2014/main" id="{EBA710F4-3692-4B14-A182-1085508C8603}"/>
+              </a:ext>
+            </a:extLst>
+          </p:cNvPr>
+          <p:cNvSpPr txBox="1">
+            <a:spLocks/>
+          </p:cNvSpPr>
+          <p:nvPr/>
+        </p:nvSpPr>
+        <p:spPr>
+          <a:xfrm>
+            <a:off x="457200" y="1268760"/>
+            <a:ext cx="8229600" cy="2592288"/>
+          </a:xfrm>
+          <a:prstGeom prst="rect">
+            <a:avLst/>
+          </a:prstGeom>
+        </p:spPr>
+        <p:txBody>
+          <a:bodyPr vert="horz" lIns="91440" tIns="45720" rIns="91440" bIns="45720" rtlCol="0">
+            <a:normAutofit/>
+          </a:bodyPr>
+          <a:lstStyle>
+            <a:lvl1pPr marL="342900" indent="-342900" algn="l" defTabSz="914400" rtl="0" eaLnBrk="1" latinLnBrk="0" hangingPunct="1">
+              <a:spcBef>
+                <a:spcPct val="20000"/>
+              </a:spcBef>
+              <a:buFont typeface="Arial" pitchFamily="34" charset="0"/>
+              <a:buChar char="•"/>
+              <a:defRPr sz="3200" kern="1200">
+                <a:solidFill>
+                  <a:schemeClr val="tx1"/>
+                </a:solidFill>
+                <a:latin typeface="+mn-lt"/>
+                <a:ea typeface="+mn-ea"/>
+                <a:cs typeface="+mn-cs"/>
+              </a:defRPr>
+            </a:lvl1pPr>
+            <a:lvl2pPr marL="742950" indent="-285750" algn="l" defTabSz="914400" rtl="0" eaLnBrk="1" latinLnBrk="0" hangingPunct="1">
+              <a:spcBef>
+                <a:spcPct val="20000"/>
+              </a:spcBef>
+              <a:buFont typeface="Arial" pitchFamily="34" charset="0"/>
+              <a:buChar char="–"/>
+              <a:defRPr sz="2800" kern="1200">
+                <a:solidFill>
+                  <a:schemeClr val="tx1"/>
+                </a:solidFill>
+                <a:latin typeface="+mn-lt"/>
+                <a:ea typeface="+mn-ea"/>
+                <a:cs typeface="+mn-cs"/>
+              </a:defRPr>
+            </a:lvl2pPr>
+            <a:lvl3pPr marL="1143000" indent="-228600" algn="l" defTabSz="914400" rtl="0" eaLnBrk="1" latinLnBrk="0" hangingPunct="1">
+              <a:spcBef>
+                <a:spcPct val="20000"/>
+              </a:spcBef>
+              <a:buFont typeface="Arial" pitchFamily="34" charset="0"/>
+              <a:buChar char="•"/>
+              <a:defRPr sz="2400" kern="1200">
+                <a:solidFill>
+                  <a:schemeClr val="tx1"/>
+                </a:solidFill>
+                <a:latin typeface="+mn-lt"/>
+                <a:ea typeface="+mn-ea"/>
+                <a:cs typeface="+mn-cs"/>
+              </a:defRPr>
+            </a:lvl3pPr>
+            <a:lvl4pPr marL="1600200" indent="-228600" algn="l" defTabSz="914400" rtl="0" eaLnBrk="1" latinLnBrk="0" hangingPunct="1">
+              <a:spcBef>
+                <a:spcPct val="20000"/>
+              </a:spcBef>
+              <a:buFont typeface="Arial" pitchFamily="34" charset="0"/>
+              <a:buChar char="–"/>
+              <a:defRPr sz="2000" kern="1200">
+                <a:solidFill>
+                  <a:schemeClr val="tx1"/>
+                </a:solidFill>
+                <a:latin typeface="+mn-lt"/>
+                <a:ea typeface="+mn-ea"/>
+                <a:cs typeface="+mn-cs"/>
+              </a:defRPr>
+            </a:lvl4pPr>
+            <a:lvl5pPr marL="2057400" indent="-228600" algn="l" defTabSz="914400" rtl="0" eaLnBrk="1" latinLnBrk="0" hangingPunct="1">
+              <a:spcBef>
+                <a:spcPct val="20000"/>
+              </a:spcBef>
+              <a:buFont typeface="Arial" pitchFamily="34" charset="0"/>
+              <a:buChar char="»"/>
+              <a:defRPr sz="2000" kern="1200">
+                <a:solidFill>
+                  <a:schemeClr val="tx1"/>
+                </a:solidFill>
+                <a:latin typeface="+mn-lt"/>
+                <a:ea typeface="+mn-ea"/>
+                <a:cs typeface="+mn-cs"/>
+              </a:defRPr>
+            </a:lvl5pPr>
+            <a:lvl6pPr marL="2514600" indent="-228600" algn="l" defTabSz="914400" rtl="0" eaLnBrk="1" latinLnBrk="0" hangingPunct="1">
+              <a:spcBef>
+                <a:spcPct val="20000"/>
+              </a:spcBef>
+              <a:buFont typeface="Arial" pitchFamily="34" charset="0"/>
+              <a:buChar char="•"/>
+              <a:defRPr sz="2000" kern="1200">
+                <a:solidFill>
+                  <a:schemeClr val="tx1"/>
+                </a:solidFill>
+                <a:latin typeface="+mn-lt"/>
+                <a:ea typeface="+mn-ea"/>
+                <a:cs typeface="+mn-cs"/>
+              </a:defRPr>
+            </a:lvl6pPr>
+            <a:lvl7pPr marL="2971800" indent="-228600" algn="l" defTabSz="914400" rtl="0" eaLnBrk="1" latinLnBrk="0" hangingPunct="1">
+              <a:spcBef>
+                <a:spcPct val="20000"/>
+              </a:spcBef>
+              <a:buFont typeface="Arial" pitchFamily="34" charset="0"/>
+              <a:buChar char="•"/>
+              <a:defRPr sz="2000" kern="1200">
+                <a:solidFill>
+                  <a:schemeClr val="tx1"/>
+                </a:solidFill>
+                <a:latin typeface="+mn-lt"/>
+                <a:ea typeface="+mn-ea"/>
+                <a:cs typeface="+mn-cs"/>
+              </a:defRPr>
+            </a:lvl7pPr>
+            <a:lvl8pPr marL="3429000" indent="-228600" algn="l" defTabSz="914400" rtl="0" eaLnBrk="1" latinLnBrk="0" hangingPunct="1">
+              <a:spcBef>
+                <a:spcPct val="20000"/>
+              </a:spcBef>
+              <a:buFont typeface="Arial" pitchFamily="34" charset="0"/>
+              <a:buChar char="•"/>
+              <a:defRPr sz="2000" kern="1200">
+                <a:solidFill>
+                  <a:schemeClr val="tx1"/>
+                </a:solidFill>
+                <a:latin typeface="+mn-lt"/>
+                <a:ea typeface="+mn-ea"/>
+                <a:cs typeface="+mn-cs"/>
+              </a:defRPr>
+            </a:lvl8pPr>
+            <a:lvl9pPr marL="3886200" indent="-228600" algn="l" defTabSz="914400" rtl="0" eaLnBrk="1" latinLnBrk="0" hangingPunct="1">
+              <a:spcBef>
+                <a:spcPct val="20000"/>
+              </a:spcBef>
+              <a:buFont typeface="Arial" pitchFamily="34" charset="0"/>
+              <a:buChar char="•"/>
+              <a:defRPr sz="2000" kern="1200">
+                <a:solidFill>
+                  <a:schemeClr val="tx1"/>
+                </a:solidFill>
+                <a:latin typeface="+mn-lt"/>
+                <a:ea typeface="+mn-ea"/>
+                <a:cs typeface="+mn-cs"/>
+              </a:defRPr>
+            </a:lvl9pPr>
+          </a:lstStyle>
+          <a:p>
+            <a:pPr indent="17463">
+              <a:buFont typeface="Arial" pitchFamily="34" charset="0"/>
+              <a:buNone/>
+            </a:pPr>
+            <a:r>
+              <a:rPr lang="ca-ES" sz="2400" dirty="0">
+                <a:latin typeface="Cambria" pitchFamily="18" charset="0"/>
+                <a:ea typeface="+mj-ea"/>
+                <a:cs typeface="+mj-cs"/>
+              </a:rPr>
+              <a:t>XXXXXX</a:t>
+            </a:r>
+            <a:endParaRPr lang="ca-ES" sz="1600" dirty="0">
+              <a:latin typeface="SimSun" panose="02010600030101010101" pitchFamily="2" charset="-122"/>
+              <a:ea typeface="SimSun" panose="02010600030101010101" pitchFamily="2" charset="-122"/>
+            </a:endParaRPr>
+          </a:p>
+        </p:txBody>
+      </p:sp>
+    </p:spTree>
+    <p:extLst>
+      <p:ext uri="{BB962C8B-B14F-4D97-AF65-F5344CB8AC3E}">
+        <p14:creationId xmlns:p14="http://schemas.microsoft.com/office/powerpoint/2010/main" val="3893865605"/>
+      </p:ext>
+    </p:extLst>
+  </p:cSld>
+  <p:clrMapOvr>
+    <a:masterClrMapping/>
+  </p:clrMapOvr>
+</p:sld>
+</file>
+
+<file path=ppt/slides/slide7.xml><?xml version="1.0" encoding="utf-8"?>
+<p:sld xmlns:a="http://schemas.openxmlformats.org/drawingml/2006/main" xmlns:r="http://schemas.openxmlformats.org/officeDocument/2006/relationships" xmlns:p="http://schemas.openxmlformats.org/presentationml/2006/main">
+  <p:cSld>
+    <p:spTree>
+      <p:nvGrpSpPr>
+        <p:cNvPr id="1" name=""/>
+        <p:cNvGrpSpPr/>
+        <p:nvPr/>
+      </p:nvGrpSpPr>
+      <p:grpSpPr>
+        <a:xfrm>
+          <a:off x="0" y="0"/>
+          <a:ext cx="0" cy="0"/>
+          <a:chOff x="0" y="0"/>
+          <a:chExt cx="0" cy="0"/>
+        </a:xfrm>
+      </p:grpSpPr>
+      <p:sp>
+        <p:nvSpPr>
+          <p:cNvPr id="4" name="1 Título">
+            <a:extLst>
+              <a:ext uri="{FF2B5EF4-FFF2-40B4-BE49-F238E27FC236}">
+                <a16:creationId xmlns:a16="http://schemas.microsoft.com/office/drawing/2014/main" id="{4222F324-3EDE-43F4-B3F7-D3D34AB53CC7}"/>
+              </a:ext>
+            </a:extLst>
+          </p:cNvPr>
+          <p:cNvSpPr txBox="1">
+            <a:spLocks/>
+          </p:cNvSpPr>
+          <p:nvPr/>
+        </p:nvSpPr>
+        <p:spPr>
+          <a:xfrm>
+            <a:off x="457200" y="620688"/>
+            <a:ext cx="8229600" cy="504056"/>
+          </a:xfrm>
+          <a:prstGeom prst="rect">
+            <a:avLst/>
+          </a:prstGeom>
+        </p:spPr>
+        <p:txBody>
+          <a:bodyPr vert="horz" lIns="91440" tIns="45720" rIns="91440" bIns="45720" rtlCol="0" anchor="ctr">
+            <a:normAutofit fontScale="92500" lnSpcReduction="10000"/>
+          </a:bodyPr>
+          <a:lstStyle>
+            <a:lvl1pPr algn="ctr" defTabSz="914400" rtl="0" eaLnBrk="1" latinLnBrk="0" hangingPunct="1">
+              <a:spcBef>
+                <a:spcPct val="0"/>
+              </a:spcBef>
+              <a:buNone/>
+              <a:defRPr sz="4400" kern="1200">
+                <a:solidFill>
+                  <a:schemeClr val="tx1"/>
+                </a:solidFill>
+                <a:latin typeface="+mj-lt"/>
+                <a:ea typeface="+mj-ea"/>
+                <a:cs typeface="+mj-cs"/>
+              </a:defRPr>
+            </a:lvl1pPr>
+          </a:lstStyle>
+          <a:p>
+            <a:pPr algn="l"/>
+            <a:r>
+              <a:rPr lang="ca-ES" sz="3200" b="1" dirty="0">
+                <a:latin typeface="Cambria" pitchFamily="18" charset="0"/>
+                <a:ea typeface="+mn-ea"/>
+                <a:cs typeface="+mn-cs"/>
+              </a:rPr>
+              <a:t>3 – </a:t>
+            </a:r>
+            <a:r>
+              <a:rPr lang="ca-ES" sz="3000" b="1" dirty="0">
+                <a:latin typeface="Cambria" pitchFamily="18" charset="0"/>
+                <a:ea typeface="+mn-ea"/>
+                <a:cs typeface="+mn-cs"/>
+              </a:rPr>
+              <a:t>Obtención Información Sensible </a:t>
+            </a:r>
+            <a:r>
+              <a:rPr lang="ca-ES" sz="3200" b="1" dirty="0">
+                <a:latin typeface="Cambria" pitchFamily="18" charset="0"/>
+                <a:ea typeface="+mn-ea"/>
+                <a:cs typeface="+mn-cs"/>
+              </a:rPr>
+              <a:t>(I)</a:t>
+            </a:r>
+          </a:p>
+        </p:txBody>
+      </p:sp>
+      <p:sp>
+        <p:nvSpPr>
+          <p:cNvPr id="5" name="2 Marcador de contenido">
+            <a:extLst>
+              <a:ext uri="{FF2B5EF4-FFF2-40B4-BE49-F238E27FC236}">
+                <a16:creationId xmlns:a16="http://schemas.microsoft.com/office/drawing/2014/main" id="{EBA710F4-3692-4B14-A182-1085508C8603}"/>
+              </a:ext>
+            </a:extLst>
+          </p:cNvPr>
+          <p:cNvSpPr txBox="1">
+            <a:spLocks/>
+          </p:cNvSpPr>
+          <p:nvPr/>
+        </p:nvSpPr>
+        <p:spPr>
+          <a:xfrm>
+            <a:off x="457200" y="1268760"/>
+            <a:ext cx="8229600" cy="5112568"/>
+          </a:xfrm>
+          <a:prstGeom prst="rect">
+            <a:avLst/>
+          </a:prstGeom>
+        </p:spPr>
+        <p:txBody>
+          <a:bodyPr vert="horz" lIns="91440" tIns="45720" rIns="91440" bIns="45720" rtlCol="0">
+            <a:normAutofit/>
+          </a:bodyPr>
+          <a:lstStyle>
+            <a:lvl1pPr marL="342900" indent="-342900" algn="l" defTabSz="914400" rtl="0" eaLnBrk="1" latinLnBrk="0" hangingPunct="1">
+              <a:spcBef>
+                <a:spcPct val="20000"/>
+              </a:spcBef>
+              <a:buFont typeface="Arial" pitchFamily="34" charset="0"/>
+              <a:buChar char="•"/>
+              <a:defRPr sz="3200" kern="1200">
+                <a:solidFill>
+                  <a:schemeClr val="tx1"/>
+                </a:solidFill>
+                <a:latin typeface="+mn-lt"/>
+                <a:ea typeface="+mn-ea"/>
+                <a:cs typeface="+mn-cs"/>
+              </a:defRPr>
+            </a:lvl1pPr>
+            <a:lvl2pPr marL="742950" indent="-285750" algn="l" defTabSz="914400" rtl="0" eaLnBrk="1" latinLnBrk="0" hangingPunct="1">
+              <a:spcBef>
+                <a:spcPct val="20000"/>
+              </a:spcBef>
+              <a:buFont typeface="Arial" pitchFamily="34" charset="0"/>
+              <a:buChar char="–"/>
+              <a:defRPr sz="2800" kern="1200">
+                <a:solidFill>
+                  <a:schemeClr val="tx1"/>
+                </a:solidFill>
+                <a:latin typeface="+mn-lt"/>
+                <a:ea typeface="+mn-ea"/>
+                <a:cs typeface="+mn-cs"/>
+              </a:defRPr>
+            </a:lvl2pPr>
+            <a:lvl3pPr marL="1143000" indent="-228600" algn="l" defTabSz="914400" rtl="0" eaLnBrk="1" latinLnBrk="0" hangingPunct="1">
+              <a:spcBef>
+                <a:spcPct val="20000"/>
+              </a:spcBef>
+              <a:buFont typeface="Arial" pitchFamily="34" charset="0"/>
+              <a:buChar char="•"/>
+              <a:defRPr sz="2400" kern="1200">
+                <a:solidFill>
+                  <a:schemeClr val="tx1"/>
+                </a:solidFill>
+                <a:latin typeface="+mn-lt"/>
+                <a:ea typeface="+mn-ea"/>
+                <a:cs typeface="+mn-cs"/>
+              </a:defRPr>
+            </a:lvl3pPr>
+            <a:lvl4pPr marL="1600200" indent="-228600" algn="l" defTabSz="914400" rtl="0" eaLnBrk="1" latinLnBrk="0" hangingPunct="1">
+              <a:spcBef>
+                <a:spcPct val="20000"/>
+              </a:spcBef>
+              <a:buFont typeface="Arial" pitchFamily="34" charset="0"/>
+              <a:buChar char="–"/>
+              <a:defRPr sz="2000" kern="1200">
+                <a:solidFill>
+                  <a:schemeClr val="tx1"/>
+                </a:solidFill>
+                <a:latin typeface="+mn-lt"/>
+                <a:ea typeface="+mn-ea"/>
+                <a:cs typeface="+mn-cs"/>
+              </a:defRPr>
+            </a:lvl4pPr>
+            <a:lvl5pPr marL="2057400" indent="-228600" algn="l" defTabSz="914400" rtl="0" eaLnBrk="1" latinLnBrk="0" hangingPunct="1">
+              <a:spcBef>
+                <a:spcPct val="20000"/>
+              </a:spcBef>
+              <a:buFont typeface="Arial" pitchFamily="34" charset="0"/>
+              <a:buChar char="»"/>
+              <a:defRPr sz="2000" kern="1200">
+                <a:solidFill>
+                  <a:schemeClr val="tx1"/>
+                </a:solidFill>
+                <a:latin typeface="+mn-lt"/>
+                <a:ea typeface="+mn-ea"/>
+                <a:cs typeface="+mn-cs"/>
+              </a:defRPr>
+            </a:lvl5pPr>
+            <a:lvl6pPr marL="2514600" indent="-228600" algn="l" defTabSz="914400" rtl="0" eaLnBrk="1" latinLnBrk="0" hangingPunct="1">
+              <a:spcBef>
+                <a:spcPct val="20000"/>
+              </a:spcBef>
+              <a:buFont typeface="Arial" pitchFamily="34" charset="0"/>
+              <a:buChar char="•"/>
+              <a:defRPr sz="2000" kern="1200">
+                <a:solidFill>
+                  <a:schemeClr val="tx1"/>
+                </a:solidFill>
+                <a:latin typeface="+mn-lt"/>
+                <a:ea typeface="+mn-ea"/>
+                <a:cs typeface="+mn-cs"/>
+              </a:defRPr>
+            </a:lvl6pPr>
+            <a:lvl7pPr marL="2971800" indent="-228600" algn="l" defTabSz="914400" rtl="0" eaLnBrk="1" latinLnBrk="0" hangingPunct="1">
+              <a:spcBef>
+                <a:spcPct val="20000"/>
+              </a:spcBef>
+              <a:buFont typeface="Arial" pitchFamily="34" charset="0"/>
+              <a:buChar char="•"/>
+              <a:defRPr sz="2000" kern="1200">
+                <a:solidFill>
+                  <a:schemeClr val="tx1"/>
+                </a:solidFill>
+                <a:latin typeface="+mn-lt"/>
+                <a:ea typeface="+mn-ea"/>
+                <a:cs typeface="+mn-cs"/>
+              </a:defRPr>
+            </a:lvl7pPr>
+            <a:lvl8pPr marL="3429000" indent="-228600" algn="l" defTabSz="914400" rtl="0" eaLnBrk="1" latinLnBrk="0" hangingPunct="1">
+              <a:spcBef>
+                <a:spcPct val="20000"/>
+              </a:spcBef>
+              <a:buFont typeface="Arial" pitchFamily="34" charset="0"/>
+              <a:buChar char="•"/>
+              <a:defRPr sz="2000" kern="1200">
+                <a:solidFill>
+                  <a:schemeClr val="tx1"/>
+                </a:solidFill>
+                <a:latin typeface="+mn-lt"/>
+                <a:ea typeface="+mn-ea"/>
+                <a:cs typeface="+mn-cs"/>
+              </a:defRPr>
+            </a:lvl8pPr>
+            <a:lvl9pPr marL="3886200" indent="-228600" algn="l" defTabSz="914400" rtl="0" eaLnBrk="1" latinLnBrk="0" hangingPunct="1">
+              <a:spcBef>
+                <a:spcPct val="20000"/>
+              </a:spcBef>
+              <a:buFont typeface="Arial" pitchFamily="34" charset="0"/>
+              <a:buChar char="•"/>
+              <a:defRPr sz="2000" kern="1200">
+                <a:solidFill>
+                  <a:schemeClr val="tx1"/>
+                </a:solidFill>
+                <a:latin typeface="+mn-lt"/>
+                <a:ea typeface="+mn-ea"/>
+                <a:cs typeface="+mn-cs"/>
+              </a:defRPr>
+            </a:lvl9pPr>
+          </a:lstStyle>
+          <a:p>
+            <a:pPr indent="17463">
+              <a:buFont typeface="Arial" pitchFamily="34" charset="0"/>
+              <a:buNone/>
+            </a:pPr>
+            <a:r>
+              <a:rPr lang="ca-ES" sz="2400" dirty="0">
+                <a:latin typeface="Cambria" pitchFamily="18" charset="0"/>
+                <a:ea typeface="+mj-ea"/>
+                <a:cs typeface="+mj-cs"/>
+              </a:rPr>
+              <a:t>Debemos tener en cuenta que las aplicaciones se almacenan en el móvil en dos carpetas principales:</a:t>
+            </a:r>
+          </a:p>
+          <a:p>
+            <a:pPr indent="17463">
+              <a:buFont typeface="Arial" pitchFamily="34" charset="0"/>
+              <a:buNone/>
+            </a:pPr>
+            <a:endParaRPr lang="ca-ES" sz="2400" dirty="0">
+              <a:latin typeface="Cambria" pitchFamily="18" charset="0"/>
+              <a:ea typeface="+mj-ea"/>
+              <a:cs typeface="+mj-cs"/>
+            </a:endParaRPr>
+          </a:p>
+          <a:p>
+            <a:pPr marL="685800">
+              <a:buFontTx/>
+              <a:buChar char="-"/>
+            </a:pPr>
+            <a:r>
+              <a:rPr lang="ca-ES" sz="2400" dirty="0">
+                <a:latin typeface="Cambria" pitchFamily="18" charset="0"/>
+                <a:ea typeface="+mj-ea"/>
+                <a:cs typeface="+mj-cs"/>
+              </a:rPr>
+              <a:t>Bundle, que incluye el paquete con el binario </a:t>
+            </a:r>
+          </a:p>
+          <a:p>
+            <a:pPr marL="685800">
+              <a:buFontTx/>
+              <a:buChar char="-"/>
+            </a:pPr>
+            <a:r>
+              <a:rPr lang="ca-ES" sz="2400" dirty="0">
+                <a:latin typeface="Cambria" pitchFamily="18" charset="0"/>
+                <a:ea typeface="+mj-ea"/>
+                <a:cs typeface="+mj-cs"/>
+              </a:rPr>
+              <a:t>Data, almacena todos los datos de la aplicación (incluída la información sensible, p.e.</a:t>
+            </a:r>
+          </a:p>
+          <a:p>
+            <a:pPr indent="0">
+              <a:buNone/>
+            </a:pPr>
+            <a:r>
+              <a:rPr lang="ca-ES" sz="2400" dirty="0">
+                <a:latin typeface="Cambria" pitchFamily="18" charset="0"/>
+                <a:ea typeface="+mj-ea"/>
+                <a:cs typeface="+mj-cs"/>
+              </a:rPr>
+              <a:t>Adicionalmente puede existir la carpeta “Shared”</a:t>
+            </a:r>
+          </a:p>
+          <a:p>
+            <a:pPr indent="0">
+              <a:buNone/>
+            </a:pPr>
+            <a:endParaRPr lang="ca-ES" sz="2400" dirty="0">
+              <a:latin typeface="Cambria" pitchFamily="18" charset="0"/>
+              <a:ea typeface="+mj-ea"/>
+              <a:cs typeface="+mj-cs"/>
+            </a:endParaRPr>
+          </a:p>
+          <a:p>
+            <a:pPr indent="0">
+              <a:buNone/>
+            </a:pPr>
+            <a:r>
+              <a:rPr lang="ca-ES" sz="2400" dirty="0">
+                <a:latin typeface="Cambria" pitchFamily="18" charset="0"/>
+                <a:ea typeface="+mj-ea"/>
+                <a:cs typeface="+mj-cs"/>
+              </a:rPr>
+              <a:t>El primer paso será averiguar cuál de las carpetas corresponde al modelo de móvil que hemos utilizado: iPhone 6S</a:t>
+            </a:r>
+          </a:p>
+        </p:txBody>
+      </p:sp>
+    </p:spTree>
+    <p:extLst>
+      <p:ext uri="{BB962C8B-B14F-4D97-AF65-F5344CB8AC3E}">
+        <p14:creationId xmlns:p14="http://schemas.microsoft.com/office/powerpoint/2010/main" val="3361549163"/>
+      </p:ext>
+    </p:extLst>
+  </p:cSld>
+  <p:clrMapOvr>
+    <a:masterClrMapping/>
+  </p:clrMapOvr>
+</p:sld>
+</file>
+
+<file path=ppt/slides/slide8.xml><?xml version="1.0" encoding="utf-8"?>
+<p:sld xmlns:a="http://schemas.openxmlformats.org/drawingml/2006/main" xmlns:r="http://schemas.openxmlformats.org/officeDocument/2006/relationships" xmlns:p="http://schemas.openxmlformats.org/presentationml/2006/main">
+  <p:cSld>
+    <p:spTree>
+      <p:nvGrpSpPr>
+        <p:cNvPr id="1" name=""/>
+        <p:cNvGrpSpPr/>
+        <p:nvPr/>
+      </p:nvGrpSpPr>
+      <p:grpSpPr>
+        <a:xfrm>
+          <a:off x="0" y="0"/>
+          <a:ext cx="0" cy="0"/>
+          <a:chOff x="0" y="0"/>
+          <a:chExt cx="0" cy="0"/>
+        </a:xfrm>
+      </p:grpSpPr>
+      <p:sp>
+        <p:nvSpPr>
+          <p:cNvPr id="4" name="1 Título">
+            <a:extLst>
+              <a:ext uri="{FF2B5EF4-FFF2-40B4-BE49-F238E27FC236}">
+                <a16:creationId xmlns:a16="http://schemas.microsoft.com/office/drawing/2014/main" id="{4222F324-3EDE-43F4-B3F7-D3D34AB53CC7}"/>
+              </a:ext>
+            </a:extLst>
+          </p:cNvPr>
+          <p:cNvSpPr txBox="1">
+            <a:spLocks/>
+          </p:cNvSpPr>
+          <p:nvPr/>
+        </p:nvSpPr>
+        <p:spPr>
+          <a:xfrm>
+            <a:off x="457200" y="620688"/>
+            <a:ext cx="8229600" cy="504056"/>
+          </a:xfrm>
+          <a:prstGeom prst="rect">
+            <a:avLst/>
+          </a:prstGeom>
+        </p:spPr>
+        <p:txBody>
+          <a:bodyPr vert="horz" lIns="91440" tIns="45720" rIns="91440" bIns="45720" rtlCol="0" anchor="ctr">
+            <a:normAutofit fontScale="92500" lnSpcReduction="20000"/>
+          </a:bodyPr>
+          <a:lstStyle>
+            <a:lvl1pPr algn="ctr" defTabSz="914400" rtl="0" eaLnBrk="1" latinLnBrk="0" hangingPunct="1">
+              <a:spcBef>
+                <a:spcPct val="0"/>
+              </a:spcBef>
+              <a:buNone/>
+              <a:defRPr sz="4400" kern="1200">
+                <a:solidFill>
+                  <a:schemeClr val="tx1"/>
+                </a:solidFill>
+                <a:latin typeface="+mj-lt"/>
+                <a:ea typeface="+mj-ea"/>
+                <a:cs typeface="+mj-cs"/>
+              </a:defRPr>
+            </a:lvl1pPr>
+          </a:lstStyle>
+          <a:p>
+            <a:pPr algn="l"/>
+            <a:r>
+              <a:rPr lang="ca-ES" sz="3600" b="1" dirty="0">
+                <a:latin typeface="Cambria" pitchFamily="18" charset="0"/>
+              </a:rPr>
+              <a:t>3 – </a:t>
+            </a:r>
+            <a:r>
+              <a:rPr lang="ca-ES" sz="3200" b="1" dirty="0">
+                <a:latin typeface="Cambria" pitchFamily="18" charset="0"/>
+              </a:rPr>
+              <a:t>Obtención Información Sensible </a:t>
+            </a:r>
+            <a:r>
+              <a:rPr lang="ca-ES" sz="3600" b="1" dirty="0">
+                <a:latin typeface="Cambria" pitchFamily="18" charset="0"/>
+              </a:rPr>
+              <a:t>(II)</a:t>
+            </a:r>
+          </a:p>
+        </p:txBody>
+      </p:sp>
+      <p:sp>
+        <p:nvSpPr>
+          <p:cNvPr id="5" name="2 Marcador de contenido">
+            <a:extLst>
+              <a:ext uri="{FF2B5EF4-FFF2-40B4-BE49-F238E27FC236}">
+                <a16:creationId xmlns:a16="http://schemas.microsoft.com/office/drawing/2014/main" id="{EBA710F4-3692-4B14-A182-1085508C8603}"/>
+              </a:ext>
+            </a:extLst>
+          </p:cNvPr>
+          <p:cNvSpPr txBox="1">
+            <a:spLocks/>
+          </p:cNvSpPr>
+          <p:nvPr/>
+        </p:nvSpPr>
+        <p:spPr>
+          <a:xfrm>
+            <a:off x="457200" y="1268760"/>
+            <a:ext cx="8229600" cy="5112568"/>
+          </a:xfrm>
+          <a:prstGeom prst="rect">
+            <a:avLst/>
+          </a:prstGeom>
+        </p:spPr>
+        <p:txBody>
+          <a:bodyPr vert="horz" lIns="91440" tIns="45720" rIns="91440" bIns="45720" rtlCol="0">
+            <a:normAutofit/>
+          </a:bodyPr>
+          <a:lstStyle>
+            <a:lvl1pPr marL="342900" indent="-342900" algn="l" defTabSz="914400" rtl="0" eaLnBrk="1" latinLnBrk="0" hangingPunct="1">
+              <a:spcBef>
+                <a:spcPct val="20000"/>
+              </a:spcBef>
+              <a:buFont typeface="Arial" pitchFamily="34" charset="0"/>
+              <a:buChar char="•"/>
+              <a:defRPr sz="3200" kern="1200">
+                <a:solidFill>
+                  <a:schemeClr val="tx1"/>
+                </a:solidFill>
+                <a:latin typeface="+mn-lt"/>
+                <a:ea typeface="+mn-ea"/>
+                <a:cs typeface="+mn-cs"/>
+              </a:defRPr>
+            </a:lvl1pPr>
+            <a:lvl2pPr marL="742950" indent="-285750" algn="l" defTabSz="914400" rtl="0" eaLnBrk="1" latinLnBrk="0" hangingPunct="1">
+              <a:spcBef>
+                <a:spcPct val="20000"/>
+              </a:spcBef>
+              <a:buFont typeface="Arial" pitchFamily="34" charset="0"/>
+              <a:buChar char="–"/>
+              <a:defRPr sz="2800" kern="1200">
+                <a:solidFill>
+                  <a:schemeClr val="tx1"/>
+                </a:solidFill>
+                <a:latin typeface="+mn-lt"/>
+                <a:ea typeface="+mn-ea"/>
+                <a:cs typeface="+mn-cs"/>
+              </a:defRPr>
+            </a:lvl2pPr>
+            <a:lvl3pPr marL="1143000" indent="-228600" algn="l" defTabSz="914400" rtl="0" eaLnBrk="1" latinLnBrk="0" hangingPunct="1">
+              <a:spcBef>
+                <a:spcPct val="20000"/>
+              </a:spcBef>
+              <a:buFont typeface="Arial" pitchFamily="34" charset="0"/>
+              <a:buChar char="•"/>
+              <a:defRPr sz="2400" kern="1200">
+                <a:solidFill>
+                  <a:schemeClr val="tx1"/>
+                </a:solidFill>
+                <a:latin typeface="+mn-lt"/>
+                <a:ea typeface="+mn-ea"/>
+                <a:cs typeface="+mn-cs"/>
+              </a:defRPr>
+            </a:lvl3pPr>
+            <a:lvl4pPr marL="1600200" indent="-228600" algn="l" defTabSz="914400" rtl="0" eaLnBrk="1" latinLnBrk="0" hangingPunct="1">
+              <a:spcBef>
+                <a:spcPct val="20000"/>
+              </a:spcBef>
+              <a:buFont typeface="Arial" pitchFamily="34" charset="0"/>
+              <a:buChar char="–"/>
+              <a:defRPr sz="2000" kern="1200">
+                <a:solidFill>
+                  <a:schemeClr val="tx1"/>
+                </a:solidFill>
+                <a:latin typeface="+mn-lt"/>
+                <a:ea typeface="+mn-ea"/>
+                <a:cs typeface="+mn-cs"/>
+              </a:defRPr>
+            </a:lvl4pPr>
+            <a:lvl5pPr marL="2057400" indent="-228600" algn="l" defTabSz="914400" rtl="0" eaLnBrk="1" latinLnBrk="0" hangingPunct="1">
+              <a:spcBef>
+                <a:spcPct val="20000"/>
+              </a:spcBef>
+              <a:buFont typeface="Arial" pitchFamily="34" charset="0"/>
+              <a:buChar char="»"/>
+              <a:defRPr sz="2000" kern="1200">
+                <a:solidFill>
+                  <a:schemeClr val="tx1"/>
+                </a:solidFill>
+                <a:latin typeface="+mn-lt"/>
+                <a:ea typeface="+mn-ea"/>
+                <a:cs typeface="+mn-cs"/>
+              </a:defRPr>
+            </a:lvl5pPr>
+            <a:lvl6pPr marL="2514600" indent="-228600" algn="l" defTabSz="914400" rtl="0" eaLnBrk="1" latinLnBrk="0" hangingPunct="1">
+              <a:spcBef>
+                <a:spcPct val="20000"/>
+              </a:spcBef>
+              <a:buFont typeface="Arial" pitchFamily="34" charset="0"/>
+              <a:buChar char="•"/>
+              <a:defRPr sz="2000" kern="1200">
+                <a:solidFill>
+                  <a:schemeClr val="tx1"/>
+                </a:solidFill>
+                <a:latin typeface="+mn-lt"/>
+                <a:ea typeface="+mn-ea"/>
+                <a:cs typeface="+mn-cs"/>
+              </a:defRPr>
+            </a:lvl6pPr>
+            <a:lvl7pPr marL="2971800" indent="-228600" algn="l" defTabSz="914400" rtl="0" eaLnBrk="1" latinLnBrk="0" hangingPunct="1">
+              <a:spcBef>
+                <a:spcPct val="20000"/>
+              </a:spcBef>
+              <a:buFont typeface="Arial" pitchFamily="34" charset="0"/>
+              <a:buChar char="•"/>
+              <a:defRPr sz="2000" kern="1200">
+                <a:solidFill>
+                  <a:schemeClr val="tx1"/>
+                </a:solidFill>
+                <a:latin typeface="+mn-lt"/>
+                <a:ea typeface="+mn-ea"/>
+                <a:cs typeface="+mn-cs"/>
+              </a:defRPr>
+            </a:lvl7pPr>
+            <a:lvl8pPr marL="3429000" indent="-228600" algn="l" defTabSz="914400" rtl="0" eaLnBrk="1" latinLnBrk="0" hangingPunct="1">
+              <a:spcBef>
+                <a:spcPct val="20000"/>
+              </a:spcBef>
+              <a:buFont typeface="Arial" pitchFamily="34" charset="0"/>
+              <a:buChar char="•"/>
+              <a:defRPr sz="2000" kern="1200">
+                <a:solidFill>
+                  <a:schemeClr val="tx1"/>
+                </a:solidFill>
+                <a:latin typeface="+mn-lt"/>
+                <a:ea typeface="+mn-ea"/>
+                <a:cs typeface="+mn-cs"/>
+              </a:defRPr>
+            </a:lvl8pPr>
+            <a:lvl9pPr marL="3886200" indent="-228600" algn="l" defTabSz="914400" rtl="0" eaLnBrk="1" latinLnBrk="0" hangingPunct="1">
+              <a:spcBef>
+                <a:spcPct val="20000"/>
+              </a:spcBef>
+              <a:buFont typeface="Arial" pitchFamily="34" charset="0"/>
+              <a:buChar char="•"/>
+              <a:defRPr sz="2000" kern="1200">
+                <a:solidFill>
+                  <a:schemeClr val="tx1"/>
+                </a:solidFill>
+                <a:latin typeface="+mn-lt"/>
+                <a:ea typeface="+mn-ea"/>
+                <a:cs typeface="+mn-cs"/>
+              </a:defRPr>
+            </a:lvl9pPr>
+          </a:lstStyle>
+          <a:p>
+            <a:pPr indent="17463">
+              <a:buFont typeface="Arial" pitchFamily="34" charset="0"/>
+              <a:buNone/>
+            </a:pPr>
+            <a:r>
+              <a:rPr lang="ca-ES" sz="2400" dirty="0">
+                <a:latin typeface="Cambria" pitchFamily="18" charset="0"/>
+                <a:ea typeface="+mj-ea"/>
+                <a:cs typeface="+mj-cs"/>
+              </a:rPr>
+              <a:t>Las carpetas disponibles en nuestro perfil de usuario son:</a:t>
+            </a:r>
+          </a:p>
+          <a:p>
+            <a:pPr indent="17463">
+              <a:buFont typeface="Arial" pitchFamily="34" charset="0"/>
+              <a:buNone/>
+            </a:pPr>
+            <a:endParaRPr lang="ca-ES" sz="2400" dirty="0">
+              <a:latin typeface="Cambria" pitchFamily="18" charset="0"/>
+              <a:ea typeface="+mj-ea"/>
+              <a:cs typeface="+mj-cs"/>
+            </a:endParaRPr>
+          </a:p>
+          <a:p>
+            <a:pPr marL="685800">
+              <a:buFontTx/>
+              <a:buChar char="-"/>
+            </a:pPr>
+            <a:endParaRPr lang="ca-ES" sz="2400" dirty="0">
+              <a:latin typeface="Cambria" pitchFamily="18" charset="0"/>
+              <a:ea typeface="+mj-ea"/>
+              <a:cs typeface="+mj-cs"/>
+            </a:endParaRPr>
+          </a:p>
+          <a:p>
+            <a:pPr indent="0">
+              <a:buNone/>
+            </a:pPr>
+            <a:endParaRPr lang="ca-ES" sz="2400" dirty="0">
+              <a:latin typeface="Cambria" pitchFamily="18" charset="0"/>
+              <a:ea typeface="+mj-ea"/>
+              <a:cs typeface="+mj-cs"/>
+            </a:endParaRPr>
+          </a:p>
+          <a:p>
+            <a:pPr indent="0">
+              <a:buNone/>
+            </a:pPr>
+            <a:endParaRPr lang="ca-ES" sz="2400" dirty="0">
+              <a:latin typeface="Cambria" pitchFamily="18" charset="0"/>
+              <a:ea typeface="+mj-ea"/>
+              <a:cs typeface="+mj-cs"/>
+            </a:endParaRPr>
+          </a:p>
+          <a:p>
+            <a:pPr indent="0">
+              <a:buNone/>
+            </a:pPr>
+            <a:r>
+              <a:rPr lang="ca-ES" sz="2400" dirty="0">
+                <a:latin typeface="Cambria" pitchFamily="18" charset="0"/>
+                <a:ea typeface="+mj-ea"/>
+                <a:cs typeface="+mj-cs"/>
+              </a:rPr>
+              <a:t>Hacemos una primera búsqueda de la carpeta Bundle:</a:t>
+            </a:r>
+          </a:p>
+          <a:p>
+            <a:pPr indent="0" algn="ctr">
+              <a:buNone/>
+            </a:pPr>
+            <a:r>
+              <a:rPr lang="es-ES" sz="1600" dirty="0">
+                <a:latin typeface="SimSun" panose="02010600030101010101" pitchFamily="2" charset="-122"/>
+                <a:ea typeface="SimSun" panose="02010600030101010101" pitchFamily="2" charset="-122"/>
+              </a:rPr>
+              <a:t>xcloud432:~ </a:t>
+            </a:r>
+            <a:r>
+              <a:rPr lang="es-ES" sz="1600" dirty="0" err="1">
+                <a:latin typeface="SimSun" panose="02010600030101010101" pitchFamily="2" charset="-122"/>
+                <a:ea typeface="SimSun" panose="02010600030101010101" pitchFamily="2" charset="-122"/>
+              </a:rPr>
+              <a:t>xcloud</a:t>
+            </a:r>
+            <a:r>
+              <a:rPr lang="es-ES" sz="1600" dirty="0">
+                <a:latin typeface="SimSun" panose="02010600030101010101" pitchFamily="2" charset="-122"/>
+                <a:ea typeface="SimSun" panose="02010600030101010101" pitchFamily="2" charset="-122"/>
+              </a:rPr>
+              <a:t>$ </a:t>
+            </a:r>
+            <a:r>
+              <a:rPr lang="es-ES" sz="1600" dirty="0" err="1">
+                <a:latin typeface="SimSun" panose="02010600030101010101" pitchFamily="2" charset="-122"/>
+                <a:ea typeface="SimSun" panose="02010600030101010101" pitchFamily="2" charset="-122"/>
+              </a:rPr>
+              <a:t>find</a:t>
+            </a:r>
+            <a:r>
+              <a:rPr lang="es-ES" sz="1600" dirty="0">
+                <a:latin typeface="SimSun" panose="02010600030101010101" pitchFamily="2" charset="-122"/>
+                <a:ea typeface="SimSun" panose="02010600030101010101" pitchFamily="2" charset="-122"/>
+              </a:rPr>
+              <a:t> . | grep </a:t>
+            </a:r>
+            <a:r>
+              <a:rPr lang="es-ES" sz="1600" dirty="0" err="1">
+                <a:latin typeface="SimSun" panose="02010600030101010101" pitchFamily="2" charset="-122"/>
+                <a:ea typeface="SimSun" panose="02010600030101010101" pitchFamily="2" charset="-122"/>
+              </a:rPr>
+              <a:t>Bundle</a:t>
+            </a:r>
+            <a:endParaRPr lang="es-ES" sz="1600" dirty="0">
+              <a:latin typeface="SimSun" panose="02010600030101010101" pitchFamily="2" charset="-122"/>
+              <a:ea typeface="SimSun" panose="02010600030101010101" pitchFamily="2" charset="-122"/>
+            </a:endParaRPr>
+          </a:p>
+          <a:p>
+            <a:pPr indent="0">
+              <a:buNone/>
+            </a:pPr>
+            <a:endParaRPr lang="es-ES" sz="1600" dirty="0">
+              <a:latin typeface="SimSun" panose="02010600030101010101" pitchFamily="2" charset="-122"/>
+              <a:ea typeface="SimSun" panose="02010600030101010101" pitchFamily="2" charset="-122"/>
+            </a:endParaRPr>
+          </a:p>
+          <a:p>
+            <a:pPr indent="0">
+              <a:buNone/>
+            </a:pPr>
+            <a:r>
+              <a:rPr lang="ca-ES" sz="2400" dirty="0">
+                <a:latin typeface="Cambria" pitchFamily="18" charset="0"/>
+                <a:ea typeface="+mj-ea"/>
+                <a:cs typeface="+mj-cs"/>
+              </a:rPr>
+              <a:t>La que nos interesa está en la carpeta:</a:t>
+            </a:r>
+          </a:p>
+          <a:p>
+            <a:pPr indent="0" algn="ctr">
+              <a:buNone/>
+            </a:pPr>
+            <a:r>
+              <a:rPr lang="es-ES" sz="2400" dirty="0">
+                <a:latin typeface="Cambria" pitchFamily="18" charset="0"/>
+                <a:ea typeface="+mj-ea"/>
+                <a:cs typeface="+mj-cs"/>
+              </a:rPr>
+              <a:t>/Library/</a:t>
+            </a:r>
+            <a:r>
+              <a:rPr lang="es-ES" sz="2400" dirty="0" err="1">
+                <a:latin typeface="Cambria" pitchFamily="18" charset="0"/>
+                <a:ea typeface="+mj-ea"/>
+                <a:cs typeface="+mj-cs"/>
+              </a:rPr>
+              <a:t>Developer</a:t>
+            </a:r>
+            <a:r>
+              <a:rPr lang="es-ES" sz="2400" dirty="0">
+                <a:latin typeface="Cambria" pitchFamily="18" charset="0"/>
+                <a:ea typeface="+mj-ea"/>
+                <a:cs typeface="+mj-cs"/>
+              </a:rPr>
+              <a:t>/</a:t>
+            </a:r>
+            <a:r>
+              <a:rPr lang="es-ES" sz="2400" dirty="0" err="1">
+                <a:latin typeface="Cambria" pitchFamily="18" charset="0"/>
+                <a:ea typeface="+mj-ea"/>
+                <a:cs typeface="+mj-cs"/>
+              </a:rPr>
+              <a:t>CoreSimulator</a:t>
+            </a:r>
+            <a:r>
+              <a:rPr lang="es-ES" sz="2400" dirty="0">
+                <a:latin typeface="Cambria" pitchFamily="18" charset="0"/>
+                <a:ea typeface="+mj-ea"/>
+                <a:cs typeface="+mj-cs"/>
+              </a:rPr>
+              <a:t>/</a:t>
+            </a:r>
+            <a:r>
+              <a:rPr lang="es-ES" sz="2400" dirty="0" err="1">
+                <a:latin typeface="Cambria" pitchFamily="18" charset="0"/>
+                <a:ea typeface="+mj-ea"/>
+                <a:cs typeface="+mj-cs"/>
+              </a:rPr>
+              <a:t>Devices</a:t>
+            </a:r>
+            <a:endParaRPr lang="ca-ES" sz="2400" dirty="0">
+              <a:latin typeface="Cambria" pitchFamily="18" charset="0"/>
+              <a:ea typeface="+mj-ea"/>
+              <a:cs typeface="+mj-cs"/>
+            </a:endParaRPr>
+          </a:p>
+        </p:txBody>
+      </p:sp>
+      <p:pic>
+        <p:nvPicPr>
+          <p:cNvPr id="6" name="Imagen 3">
+            <a:extLst>
+              <a:ext uri="{FF2B5EF4-FFF2-40B4-BE49-F238E27FC236}">
+                <a16:creationId xmlns:a16="http://schemas.microsoft.com/office/drawing/2014/main" id="{8D61A401-4145-4873-9C30-F7B38DA935BA}"/>
+              </a:ext>
+            </a:extLst>
+          </p:cNvPr>
+          <p:cNvPicPr>
+            <a:picLocks/>
+          </p:cNvPicPr>
+          <p:nvPr/>
+        </p:nvPicPr>
+        <p:blipFill>
+          <a:blip r:embed="rId2" cstate="print"/>
+          <a:stretch>
+            <a:fillRect/>
+          </a:stretch>
+        </p:blipFill>
+        <p:spPr>
+          <a:xfrm>
+            <a:off x="1107281" y="1772816"/>
+            <a:ext cx="6929438" cy="1171575"/>
+          </a:xfrm>
+          <a:prstGeom prst="rect">
+            <a:avLst/>
+          </a:prstGeom>
+        </p:spPr>
+      </p:pic>
+    </p:spTree>
+    <p:extLst>
+      <p:ext uri="{BB962C8B-B14F-4D97-AF65-F5344CB8AC3E}">
+        <p14:creationId xmlns:p14="http://schemas.microsoft.com/office/powerpoint/2010/main" val="3451875698"/>
+      </p:ext>
+    </p:extLst>
+  </p:cSld>
+  <p:clrMapOvr>
+    <a:masterClrMapping/>
+  </p:clrMapOvr>
+</p:sld>
+</file>
+
+<file path=ppt/slides/slide9.xml><?xml version="1.0" encoding="utf-8"?>
+<p:sld xmlns:a="http://schemas.openxmlformats.org/drawingml/2006/main" xmlns:r="http://schemas.openxmlformats.org/officeDocument/2006/relationships" xmlns:p="http://schemas.openxmlformats.org/presentationml/2006/main">
+  <p:cSld>
+    <p:spTree>
+      <p:nvGrpSpPr>
+        <p:cNvPr id="1" name=""/>
+        <p:cNvGrpSpPr/>
+        <p:nvPr/>
+      </p:nvGrpSpPr>
+      <p:grpSpPr>
+        <a:xfrm>
+          <a:off x="0" y="0"/>
+          <a:ext cx="0" cy="0"/>
+          <a:chOff x="0" y="0"/>
+          <a:chExt cx="0" cy="0"/>
+        </a:xfrm>
+      </p:grpSpPr>
+      <p:sp>
+        <p:nvSpPr>
+          <p:cNvPr id="4" name="1 Título">
+            <a:extLst>
+              <a:ext uri="{FF2B5EF4-FFF2-40B4-BE49-F238E27FC236}">
+                <a16:creationId xmlns:a16="http://schemas.microsoft.com/office/drawing/2014/main" id="{4222F324-3EDE-43F4-B3F7-D3D34AB53CC7}"/>
+              </a:ext>
+            </a:extLst>
+          </p:cNvPr>
+          <p:cNvSpPr txBox="1">
+            <a:spLocks/>
+          </p:cNvSpPr>
+          <p:nvPr/>
+        </p:nvSpPr>
+        <p:spPr>
+          <a:xfrm>
+            <a:off x="457200" y="620688"/>
+            <a:ext cx="8229600" cy="504056"/>
+          </a:xfrm>
+          <a:prstGeom prst="rect">
+            <a:avLst/>
+          </a:prstGeom>
+        </p:spPr>
+        <p:txBody>
+          <a:bodyPr vert="horz" lIns="91440" tIns="45720" rIns="91440" bIns="45720" rtlCol="0" anchor="ctr">
+            <a:normAutofit fontScale="92500" lnSpcReduction="20000"/>
+          </a:bodyPr>
+          <a:lstStyle>
+            <a:lvl1pPr algn="ctr" defTabSz="914400" rtl="0" eaLnBrk="1" latinLnBrk="0" hangingPunct="1">
+              <a:spcBef>
+                <a:spcPct val="0"/>
+              </a:spcBef>
+              <a:buNone/>
+              <a:defRPr sz="4400" kern="1200">
+                <a:solidFill>
+                  <a:schemeClr val="tx1"/>
+                </a:solidFill>
+                <a:latin typeface="+mj-lt"/>
+                <a:ea typeface="+mj-ea"/>
+                <a:cs typeface="+mj-cs"/>
+              </a:defRPr>
+            </a:lvl1pPr>
+          </a:lstStyle>
+          <a:p>
+            <a:pPr algn="l"/>
+            <a:r>
+              <a:rPr lang="ca-ES" sz="3600" b="1" dirty="0">
+                <a:latin typeface="Cambria" pitchFamily="18" charset="0"/>
+              </a:rPr>
+              <a:t>3 – </a:t>
+            </a:r>
+            <a:r>
+              <a:rPr lang="ca-ES" sz="3200" b="1" dirty="0">
+                <a:latin typeface="Cambria" pitchFamily="18" charset="0"/>
+              </a:rPr>
+              <a:t>Obtención Información Sensible </a:t>
+            </a:r>
+            <a:r>
+              <a:rPr lang="ca-ES" sz="3600" b="1" dirty="0">
+                <a:latin typeface="Cambria" pitchFamily="18" charset="0"/>
+              </a:rPr>
+              <a:t>(III)</a:t>
+            </a:r>
+          </a:p>
+        </p:txBody>
+      </p:sp>
+      <p:sp>
+        <p:nvSpPr>
+          <p:cNvPr id="5" name="2 Marcador de contenido">
+            <a:extLst>
+              <a:ext uri="{FF2B5EF4-FFF2-40B4-BE49-F238E27FC236}">
+                <a16:creationId xmlns:a16="http://schemas.microsoft.com/office/drawing/2014/main" id="{EBA710F4-3692-4B14-A182-1085508C8603}"/>
+              </a:ext>
+            </a:extLst>
+          </p:cNvPr>
+          <p:cNvSpPr txBox="1">
+            <a:spLocks/>
+          </p:cNvSpPr>
+          <p:nvPr/>
+        </p:nvSpPr>
+        <p:spPr>
+          <a:xfrm>
+            <a:off x="457200" y="1268760"/>
+            <a:ext cx="8229600" cy="5112568"/>
+          </a:xfrm>
+          <a:prstGeom prst="rect">
+            <a:avLst/>
+          </a:prstGeom>
+        </p:spPr>
+        <p:txBody>
+          <a:bodyPr vert="horz" lIns="91440" tIns="45720" rIns="91440" bIns="45720" rtlCol="0">
+            <a:normAutofit/>
+          </a:bodyPr>
+          <a:lstStyle>
+            <a:lvl1pPr marL="342900" indent="-342900" algn="l" defTabSz="914400" rtl="0" eaLnBrk="1" latinLnBrk="0" hangingPunct="1">
+              <a:spcBef>
+                <a:spcPct val="20000"/>
+              </a:spcBef>
+              <a:buFont typeface="Arial" pitchFamily="34" charset="0"/>
+              <a:buChar char="•"/>
+              <a:defRPr sz="3200" kern="1200">
+                <a:solidFill>
+                  <a:schemeClr val="tx1"/>
+                </a:solidFill>
+                <a:latin typeface="+mn-lt"/>
+                <a:ea typeface="+mn-ea"/>
+                <a:cs typeface="+mn-cs"/>
+              </a:defRPr>
+            </a:lvl1pPr>
+            <a:lvl2pPr marL="742950" indent="-285750" algn="l" defTabSz="914400" rtl="0" eaLnBrk="1" latinLnBrk="0" hangingPunct="1">
+              <a:spcBef>
+                <a:spcPct val="20000"/>
+              </a:spcBef>
+              <a:buFont typeface="Arial" pitchFamily="34" charset="0"/>
+              <a:buChar char="–"/>
+              <a:defRPr sz="2800" kern="1200">
+                <a:solidFill>
+                  <a:schemeClr val="tx1"/>
+                </a:solidFill>
+                <a:latin typeface="+mn-lt"/>
+                <a:ea typeface="+mn-ea"/>
+                <a:cs typeface="+mn-cs"/>
+              </a:defRPr>
+            </a:lvl2pPr>
+            <a:lvl3pPr marL="1143000" indent="-228600" algn="l" defTabSz="914400" rtl="0" eaLnBrk="1" latinLnBrk="0" hangingPunct="1">
+              <a:spcBef>
+                <a:spcPct val="20000"/>
+              </a:spcBef>
+              <a:buFont typeface="Arial" pitchFamily="34" charset="0"/>
+              <a:buChar char="•"/>
+              <a:defRPr sz="2400" kern="1200">
+                <a:solidFill>
+                  <a:schemeClr val="tx1"/>
+                </a:solidFill>
+                <a:latin typeface="+mn-lt"/>
+                <a:ea typeface="+mn-ea"/>
+                <a:cs typeface="+mn-cs"/>
+              </a:defRPr>
+            </a:lvl3pPr>
+            <a:lvl4pPr marL="1600200" indent="-228600" algn="l" defTabSz="914400" rtl="0" eaLnBrk="1" latinLnBrk="0" hangingPunct="1">
+              <a:spcBef>
+                <a:spcPct val="20000"/>
+              </a:spcBef>
+              <a:buFont typeface="Arial" pitchFamily="34" charset="0"/>
+              <a:buChar char="–"/>
+              <a:defRPr sz="2000" kern="1200">
+                <a:solidFill>
+                  <a:schemeClr val="tx1"/>
+                </a:solidFill>
+                <a:latin typeface="+mn-lt"/>
+                <a:ea typeface="+mn-ea"/>
+                <a:cs typeface="+mn-cs"/>
+              </a:defRPr>
+            </a:lvl4pPr>
+            <a:lvl5pPr marL="2057400" indent="-228600" algn="l" defTabSz="914400" rtl="0" eaLnBrk="1" latinLnBrk="0" hangingPunct="1">
+              <a:spcBef>
+                <a:spcPct val="20000"/>
+              </a:spcBef>
+              <a:buFont typeface="Arial" pitchFamily="34" charset="0"/>
+              <a:buChar char="»"/>
+              <a:defRPr sz="2000" kern="1200">
+                <a:solidFill>
+                  <a:schemeClr val="tx1"/>
+                </a:solidFill>
+                <a:latin typeface="+mn-lt"/>
+                <a:ea typeface="+mn-ea"/>
+                <a:cs typeface="+mn-cs"/>
+              </a:defRPr>
+            </a:lvl5pPr>
+            <a:lvl6pPr marL="2514600" indent="-228600" algn="l" defTabSz="914400" rtl="0" eaLnBrk="1" latinLnBrk="0" hangingPunct="1">
+              <a:spcBef>
+                <a:spcPct val="20000"/>
+              </a:spcBef>
+              <a:buFont typeface="Arial" pitchFamily="34" charset="0"/>
+              <a:buChar char="•"/>
+              <a:defRPr sz="2000" kern="1200">
+                <a:solidFill>
+                  <a:schemeClr val="tx1"/>
+                </a:solidFill>
+                <a:latin typeface="+mn-lt"/>
+                <a:ea typeface="+mn-ea"/>
+                <a:cs typeface="+mn-cs"/>
+              </a:defRPr>
+            </a:lvl6pPr>
+            <a:lvl7pPr marL="2971800" indent="-228600" algn="l" defTabSz="914400" rtl="0" eaLnBrk="1" latinLnBrk="0" hangingPunct="1">
+              <a:spcBef>
+                <a:spcPct val="20000"/>
+              </a:spcBef>
+              <a:buFont typeface="Arial" pitchFamily="34" charset="0"/>
+              <a:buChar char="•"/>
+              <a:defRPr sz="2000" kern="1200">
+                <a:solidFill>
+                  <a:schemeClr val="tx1"/>
+                </a:solidFill>
+                <a:latin typeface="+mn-lt"/>
+                <a:ea typeface="+mn-ea"/>
+                <a:cs typeface="+mn-cs"/>
+              </a:defRPr>
+            </a:lvl7pPr>
+            <a:lvl8pPr marL="3429000" indent="-228600" algn="l" defTabSz="914400" rtl="0" eaLnBrk="1" latinLnBrk="0" hangingPunct="1">
+              <a:spcBef>
+                <a:spcPct val="20000"/>
+              </a:spcBef>
+              <a:buFont typeface="Arial" pitchFamily="34" charset="0"/>
+              <a:buChar char="•"/>
+              <a:defRPr sz="2000" kern="1200">
+                <a:solidFill>
+                  <a:schemeClr val="tx1"/>
+                </a:solidFill>
+                <a:latin typeface="+mn-lt"/>
+                <a:ea typeface="+mn-ea"/>
+                <a:cs typeface="+mn-cs"/>
+              </a:defRPr>
+            </a:lvl8pPr>
+            <a:lvl9pPr marL="3886200" indent="-228600" algn="l" defTabSz="914400" rtl="0" eaLnBrk="1" latinLnBrk="0" hangingPunct="1">
+              <a:spcBef>
+                <a:spcPct val="20000"/>
+              </a:spcBef>
+              <a:buFont typeface="Arial" pitchFamily="34" charset="0"/>
+              <a:buChar char="•"/>
+              <a:defRPr sz="2000" kern="1200">
+                <a:solidFill>
+                  <a:schemeClr val="tx1"/>
+                </a:solidFill>
+                <a:latin typeface="+mn-lt"/>
+                <a:ea typeface="+mn-ea"/>
+                <a:cs typeface="+mn-cs"/>
+              </a:defRPr>
+            </a:lvl9pPr>
+          </a:lstStyle>
+          <a:p>
+            <a:pPr indent="17463">
+              <a:buFont typeface="Arial" pitchFamily="34" charset="0"/>
+              <a:buNone/>
+            </a:pPr>
+            <a:r>
+              <a:rPr lang="ca-ES" sz="2400" dirty="0">
+                <a:latin typeface="Cambria" pitchFamily="18" charset="0"/>
+                <a:ea typeface="+mj-ea"/>
+                <a:cs typeface="+mj-cs"/>
+              </a:rPr>
+              <a:t>Dentro de la carpeta Devices hay muchas subcarpetas correspondientes a cada teléfono iPhone simulado:</a:t>
+            </a:r>
+          </a:p>
+          <a:p>
+            <a:pPr indent="17463">
+              <a:buFont typeface="Arial" pitchFamily="34" charset="0"/>
+              <a:buNone/>
+            </a:pPr>
+            <a:endParaRPr lang="ca-ES" sz="2400" dirty="0">
+              <a:latin typeface="Cambria" pitchFamily="18" charset="0"/>
+              <a:ea typeface="+mj-ea"/>
+              <a:cs typeface="+mj-cs"/>
+            </a:endParaRPr>
+          </a:p>
+          <a:p>
+            <a:pPr indent="17463">
+              <a:buFont typeface="Arial" pitchFamily="34" charset="0"/>
+              <a:buNone/>
+            </a:pPr>
+            <a:endParaRPr lang="ca-ES" sz="2400" dirty="0">
+              <a:latin typeface="Cambria" pitchFamily="18" charset="0"/>
+              <a:ea typeface="+mj-ea"/>
+              <a:cs typeface="+mj-cs"/>
+            </a:endParaRPr>
+          </a:p>
+          <a:p>
+            <a:pPr indent="17463">
+              <a:buFont typeface="Arial" pitchFamily="34" charset="0"/>
+              <a:buNone/>
+            </a:pPr>
+            <a:endParaRPr lang="ca-ES" sz="2400" dirty="0">
+              <a:latin typeface="Cambria" pitchFamily="18" charset="0"/>
+              <a:ea typeface="+mj-ea"/>
+              <a:cs typeface="+mj-cs"/>
+            </a:endParaRPr>
+          </a:p>
+          <a:p>
+            <a:pPr indent="17463">
+              <a:buFont typeface="Arial" pitchFamily="34" charset="0"/>
+              <a:buNone/>
+            </a:pPr>
+            <a:endParaRPr lang="ca-ES" sz="2400" dirty="0">
+              <a:latin typeface="Cambria" pitchFamily="18" charset="0"/>
+              <a:ea typeface="+mj-ea"/>
+              <a:cs typeface="+mj-cs"/>
+            </a:endParaRPr>
+          </a:p>
+          <a:p>
+            <a:pPr indent="17463">
+              <a:buFont typeface="Arial" pitchFamily="34" charset="0"/>
+              <a:buNone/>
+            </a:pPr>
+            <a:endParaRPr lang="ca-ES" sz="2400" dirty="0">
+              <a:latin typeface="Cambria" pitchFamily="18" charset="0"/>
+              <a:ea typeface="+mj-ea"/>
+              <a:cs typeface="+mj-cs"/>
+            </a:endParaRPr>
+          </a:p>
+          <a:p>
+            <a:pPr indent="17463">
+              <a:buFont typeface="Arial" pitchFamily="34" charset="0"/>
+              <a:buNone/>
+            </a:pPr>
+            <a:endParaRPr lang="ca-ES" sz="2400" dirty="0">
+              <a:latin typeface="Cambria" pitchFamily="18" charset="0"/>
+              <a:ea typeface="+mj-ea"/>
+              <a:cs typeface="+mj-cs"/>
+            </a:endParaRPr>
+          </a:p>
+          <a:p>
+            <a:pPr indent="17463">
+              <a:buFont typeface="Arial" pitchFamily="34" charset="0"/>
+              <a:buNone/>
+            </a:pPr>
+            <a:r>
+              <a:rPr lang="ca-ES" sz="2400" dirty="0">
+                <a:latin typeface="Cambria" pitchFamily="18" charset="0"/>
+                <a:ea typeface="+mj-ea"/>
+                <a:cs typeface="+mj-cs"/>
+              </a:rPr>
+              <a:t>Editando el fichero </a:t>
+            </a:r>
+            <a:r>
+              <a:rPr lang="ca-ES" sz="2000" b="1" i="1" dirty="0">
+                <a:latin typeface="Cambria" pitchFamily="18" charset="0"/>
+                <a:ea typeface="+mj-ea"/>
+                <a:cs typeface="+mj-cs"/>
+              </a:rPr>
+              <a:t>device_set.plist </a:t>
+            </a:r>
+            <a:r>
+              <a:rPr lang="ca-ES" sz="2400" dirty="0">
+                <a:latin typeface="Cambria" pitchFamily="18" charset="0"/>
+                <a:ea typeface="+mj-ea"/>
+                <a:cs typeface="+mj-cs"/>
+              </a:rPr>
+              <a:t>podremos encontrar la relación entre el nombre de la carpeta y el iPhone que estamos usando</a:t>
+            </a:r>
+          </a:p>
+          <a:p>
+            <a:pPr indent="17463">
+              <a:buFont typeface="Arial" pitchFamily="34" charset="0"/>
+              <a:buNone/>
+            </a:pPr>
+            <a:endParaRPr lang="ca-ES" sz="2400" dirty="0">
+              <a:latin typeface="Cambria" pitchFamily="18" charset="0"/>
+              <a:ea typeface="+mj-ea"/>
+              <a:cs typeface="+mj-cs"/>
+            </a:endParaRPr>
+          </a:p>
+          <a:p>
+            <a:pPr marL="685800">
+              <a:buFontTx/>
+              <a:buChar char="-"/>
+            </a:pPr>
+            <a:endParaRPr lang="ca-ES" sz="2400" dirty="0">
+              <a:latin typeface="Cambria" pitchFamily="18" charset="0"/>
+              <a:ea typeface="+mj-ea"/>
+              <a:cs typeface="+mj-cs"/>
+            </a:endParaRPr>
+          </a:p>
+          <a:p>
+            <a:pPr indent="0">
+              <a:buNone/>
+            </a:pPr>
+            <a:endParaRPr lang="ca-ES" sz="2400" dirty="0">
+              <a:latin typeface="Cambria" pitchFamily="18" charset="0"/>
+              <a:ea typeface="+mj-ea"/>
+              <a:cs typeface="+mj-cs"/>
+            </a:endParaRPr>
+          </a:p>
+          <a:p>
+            <a:pPr indent="0">
+              <a:buNone/>
+            </a:pPr>
+            <a:endParaRPr lang="ca-ES" sz="2400" dirty="0">
+              <a:latin typeface="Cambria" pitchFamily="18" charset="0"/>
+              <a:ea typeface="+mj-ea"/>
+              <a:cs typeface="+mj-cs"/>
+            </a:endParaRPr>
+          </a:p>
+        </p:txBody>
+      </p:sp>
+      <p:pic>
+        <p:nvPicPr>
+          <p:cNvPr id="7" name="Imagen 2">
+            <a:extLst>
+              <a:ext uri="{FF2B5EF4-FFF2-40B4-BE49-F238E27FC236}">
+                <a16:creationId xmlns:a16="http://schemas.microsoft.com/office/drawing/2014/main" id="{C847EC41-3592-4F26-8386-58C3D1E97B20}"/>
+              </a:ext>
+            </a:extLst>
+          </p:cNvPr>
+          <p:cNvPicPr/>
+          <p:nvPr/>
+        </p:nvPicPr>
+        <p:blipFill>
+          <a:blip r:embed="rId2" cstate="print"/>
+          <a:stretch>
+            <a:fillRect/>
+          </a:stretch>
+        </p:blipFill>
+        <p:spPr>
+          <a:xfrm>
+            <a:off x="1835697" y="2060849"/>
+            <a:ext cx="5011579" cy="2615089"/>
+          </a:xfrm>
+          <a:prstGeom prst="rect">
+            <a:avLst/>
+          </a:prstGeom>
+        </p:spPr>
+      </p:pic>
+      <p:pic>
+        <p:nvPicPr>
+          <p:cNvPr id="9" name="Imagen 4">
+            <a:extLst>
+              <a:ext uri="{FF2B5EF4-FFF2-40B4-BE49-F238E27FC236}">
+                <a16:creationId xmlns:a16="http://schemas.microsoft.com/office/drawing/2014/main" id="{7A6AB466-FEB2-4095-A3FF-AB7A445EE40B}"/>
+              </a:ext>
+            </a:extLst>
+          </p:cNvPr>
+          <p:cNvPicPr/>
+          <p:nvPr/>
+        </p:nvPicPr>
+        <p:blipFill>
+          <a:blip r:embed="rId3" cstate="print"/>
+          <a:stretch>
+            <a:fillRect/>
+          </a:stretch>
+        </p:blipFill>
+        <p:spPr>
+          <a:xfrm>
+            <a:off x="2238375" y="5928211"/>
+            <a:ext cx="4667250" cy="333375"/>
+          </a:xfrm>
+          <a:prstGeom prst="rect">
+            <a:avLst/>
+          </a:prstGeom>
+        </p:spPr>
+      </p:pic>
+    </p:spTree>
+    <p:extLst>
+      <p:ext uri="{BB962C8B-B14F-4D97-AF65-F5344CB8AC3E}">
+        <p14:creationId xmlns:p14="http://schemas.microsoft.com/office/powerpoint/2010/main" val="4038277416"/>
+      </p:ext>
+    </p:extLst>
   </p:cSld>
   <p:clrMapOvr>
     <a:masterClrMapping/>

--- a/Cybersecurity Management UPC - Sistemas Ubicuos iOS.pptx
+++ b/Cybersecurity Management UPC - Sistemas Ubicuos iOS.pptx
@@ -1,9 +1,12 @@
 
 <file path=ppt/presentation.xml><?xml version="1.0" encoding="utf-8"?>
-<p:presentation xmlns:a="http://schemas.openxmlformats.org/drawingml/2006/main" xmlns:r="http://schemas.openxmlformats.org/officeDocument/2006/relationships" xmlns:p="http://schemas.openxmlformats.org/presentationml/2006/main" saveSubsetFonts="1">
+<p:presentation xmlns:a="http://schemas.openxmlformats.org/drawingml/2006/main" xmlns:r="http://schemas.openxmlformats.org/officeDocument/2006/relationships" xmlns:p="http://schemas.openxmlformats.org/presentationml/2006/main" showSpecialPlsOnTitleSld="0" saveSubsetFonts="1">
   <p:sldMasterIdLst>
     <p:sldMasterId id="2147483648" r:id="rId1"/>
   </p:sldMasterIdLst>
+  <p:notesMasterIdLst>
+    <p:notesMasterId r:id="rId25"/>
+  </p:notesMasterIdLst>
   <p:sldIdLst>
     <p:sldId id="256" r:id="rId2"/>
     <p:sldId id="257" r:id="rId3"/>
@@ -22,6 +25,12 @@
     <p:sldId id="273" r:id="rId16"/>
     <p:sldId id="274" r:id="rId17"/>
     <p:sldId id="263" r:id="rId18"/>
+    <p:sldId id="275" r:id="rId19"/>
+    <p:sldId id="282" r:id="rId20"/>
+    <p:sldId id="276" r:id="rId21"/>
+    <p:sldId id="279" r:id="rId22"/>
+    <p:sldId id="281" r:id="rId23"/>
+    <p:sldId id="280" r:id="rId24"/>
   </p:sldIdLst>
   <p:sldSz cx="9144000" cy="6858000" type="screen4x3"/>
   <p:notesSz cx="6858000" cy="9144000"/>
@@ -122,7 +131,7 @@
   </p:defaultTextStyle>
   <p:extLst>
     <p:ext uri="{EFAFB233-063F-42B5-8137-9DF3F51BA10A}">
-      <p15:sldGuideLst xmlns:p15="http://schemas.microsoft.com/office/powerpoint/2012/main">
+      <p15:sldGuideLst xmlns:p15="http://schemas.microsoft.com/office/powerpoint/2012/main" xmlns="">
         <p15:guide id="1" orient="horz" pos="2160">
           <p15:clr>
             <a:srgbClr val="A4A3A4"/>
@@ -137,6 +146,434 @@
     </p:ext>
   </p:extLst>
 </p:presentation>
+</file>
+
+<file path=ppt/notesMasters/notesMaster1.xml><?xml version="1.0" encoding="utf-8"?>
+<p:notesMaster xmlns:a="http://schemas.openxmlformats.org/drawingml/2006/main" xmlns:r="http://schemas.openxmlformats.org/officeDocument/2006/relationships" xmlns:p="http://schemas.openxmlformats.org/presentationml/2006/main">
+  <p:cSld>
+    <p:bg>
+      <p:bgRef idx="1001">
+        <a:schemeClr val="bg1"/>
+      </p:bgRef>
+    </p:bg>
+    <p:spTree>
+      <p:nvGrpSpPr>
+        <p:cNvPr id="1" name=""/>
+        <p:cNvGrpSpPr/>
+        <p:nvPr/>
+      </p:nvGrpSpPr>
+      <p:grpSpPr>
+        <a:xfrm>
+          <a:off x="0" y="0"/>
+          <a:ext cx="0" cy="0"/>
+          <a:chOff x="0" y="0"/>
+          <a:chExt cx="0" cy="0"/>
+        </a:xfrm>
+      </p:grpSpPr>
+      <p:sp>
+        <p:nvSpPr>
+          <p:cNvPr id="2" name="1 Marcador de encabezado"/>
+          <p:cNvSpPr>
+            <a:spLocks noGrp="1"/>
+          </p:cNvSpPr>
+          <p:nvPr>
+            <p:ph type="hdr" sz="quarter"/>
+          </p:nvPr>
+        </p:nvSpPr>
+        <p:spPr>
+          <a:xfrm>
+            <a:off x="0" y="0"/>
+            <a:ext cx="2971800" cy="457200"/>
+          </a:xfrm>
+          <a:prstGeom prst="rect">
+            <a:avLst/>
+          </a:prstGeom>
+        </p:spPr>
+        <p:txBody>
+          <a:bodyPr vert="horz" lIns="91440" tIns="45720" rIns="91440" bIns="45720" rtlCol="0"/>
+          <a:lstStyle>
+            <a:lvl1pPr algn="l">
+              <a:defRPr sz="1200"/>
+            </a:lvl1pPr>
+          </a:lstStyle>
+          <a:p>
+            <a:endParaRPr lang="ca-ES"/>
+          </a:p>
+        </p:txBody>
+      </p:sp>
+      <p:sp>
+        <p:nvSpPr>
+          <p:cNvPr id="3" name="2 Marcador de fecha"/>
+          <p:cNvSpPr>
+            <a:spLocks noGrp="1"/>
+          </p:cNvSpPr>
+          <p:nvPr>
+            <p:ph type="dt" idx="1"/>
+          </p:nvPr>
+        </p:nvSpPr>
+        <p:spPr>
+          <a:xfrm>
+            <a:off x="3884613" y="0"/>
+            <a:ext cx="2971800" cy="457200"/>
+          </a:xfrm>
+          <a:prstGeom prst="rect">
+            <a:avLst/>
+          </a:prstGeom>
+        </p:spPr>
+        <p:txBody>
+          <a:bodyPr vert="horz" lIns="91440" tIns="45720" rIns="91440" bIns="45720" rtlCol="0"/>
+          <a:lstStyle>
+            <a:lvl1pPr algn="r">
+              <a:defRPr sz="1200"/>
+            </a:lvl1pPr>
+          </a:lstStyle>
+          <a:p>
+            <a:fld id="{70B6F70B-349A-4BF9-967D-8C42B56839F4}" type="datetimeFigureOut">
+              <a:rPr lang="ca-ES" smtClean="0"/>
+              <a:t>18/06/2019</a:t>
+            </a:fld>
+            <a:endParaRPr lang="ca-ES"/>
+          </a:p>
+        </p:txBody>
+      </p:sp>
+      <p:sp>
+        <p:nvSpPr>
+          <p:cNvPr id="4" name="3 Marcador de imagen de diapositiva"/>
+          <p:cNvSpPr>
+            <a:spLocks noGrp="1" noRot="1" noChangeAspect="1"/>
+          </p:cNvSpPr>
+          <p:nvPr>
+            <p:ph type="sldImg" idx="2"/>
+          </p:nvPr>
+        </p:nvSpPr>
+        <p:spPr>
+          <a:xfrm>
+            <a:off x="1143000" y="685800"/>
+            <a:ext cx="4572000" cy="3429000"/>
+          </a:xfrm>
+          <a:prstGeom prst="rect">
+            <a:avLst/>
+          </a:prstGeom>
+          <a:noFill/>
+          <a:ln w="12700">
+            <a:solidFill>
+              <a:prstClr val="black"/>
+            </a:solidFill>
+          </a:ln>
+        </p:spPr>
+        <p:txBody>
+          <a:bodyPr vert="horz" lIns="91440" tIns="45720" rIns="91440" bIns="45720" rtlCol="0" anchor="ctr"/>
+          <a:lstStyle/>
+          <a:p>
+            <a:endParaRPr lang="ca-ES"/>
+          </a:p>
+        </p:txBody>
+      </p:sp>
+      <p:sp>
+        <p:nvSpPr>
+          <p:cNvPr id="5" name="4 Marcador de notas"/>
+          <p:cNvSpPr>
+            <a:spLocks noGrp="1"/>
+          </p:cNvSpPr>
+          <p:nvPr>
+            <p:ph type="body" sz="quarter" idx="3"/>
+          </p:nvPr>
+        </p:nvSpPr>
+        <p:spPr>
+          <a:xfrm>
+            <a:off x="685800" y="4343400"/>
+            <a:ext cx="5486400" cy="4114800"/>
+          </a:xfrm>
+          <a:prstGeom prst="rect">
+            <a:avLst/>
+          </a:prstGeom>
+        </p:spPr>
+        <p:txBody>
+          <a:bodyPr vert="horz" lIns="91440" tIns="45720" rIns="91440" bIns="45720" rtlCol="0">
+            <a:normAutofit/>
+          </a:bodyPr>
+          <a:lstStyle/>
+          <a:p>
+            <a:pPr lvl="0"/>
+            <a:r>
+              <a:rPr lang="es-ES" smtClean="0"/>
+              <a:t>Haga clic para modificar el estilo de texto del patrón</a:t>
+            </a:r>
+          </a:p>
+          <a:p>
+            <a:pPr lvl="1"/>
+            <a:r>
+              <a:rPr lang="es-ES" smtClean="0"/>
+              <a:t>Segundo nivel</a:t>
+            </a:r>
+          </a:p>
+          <a:p>
+            <a:pPr lvl="2"/>
+            <a:r>
+              <a:rPr lang="es-ES" smtClean="0"/>
+              <a:t>Tercer nivel</a:t>
+            </a:r>
+          </a:p>
+          <a:p>
+            <a:pPr lvl="3"/>
+            <a:r>
+              <a:rPr lang="es-ES" smtClean="0"/>
+              <a:t>Cuarto nivel</a:t>
+            </a:r>
+          </a:p>
+          <a:p>
+            <a:pPr lvl="4"/>
+            <a:r>
+              <a:rPr lang="es-ES" smtClean="0"/>
+              <a:t>Quinto nivel</a:t>
+            </a:r>
+            <a:endParaRPr lang="ca-ES"/>
+          </a:p>
+        </p:txBody>
+      </p:sp>
+      <p:sp>
+        <p:nvSpPr>
+          <p:cNvPr id="6" name="5 Marcador de pie de página"/>
+          <p:cNvSpPr>
+            <a:spLocks noGrp="1"/>
+          </p:cNvSpPr>
+          <p:nvPr>
+            <p:ph type="ftr" sz="quarter" idx="4"/>
+          </p:nvPr>
+        </p:nvSpPr>
+        <p:spPr>
+          <a:xfrm>
+            <a:off x="0" y="8685213"/>
+            <a:ext cx="2971800" cy="457200"/>
+          </a:xfrm>
+          <a:prstGeom prst="rect">
+            <a:avLst/>
+          </a:prstGeom>
+        </p:spPr>
+        <p:txBody>
+          <a:bodyPr vert="horz" lIns="91440" tIns="45720" rIns="91440" bIns="45720" rtlCol="0" anchor="b"/>
+          <a:lstStyle>
+            <a:lvl1pPr algn="l">
+              <a:defRPr sz="1200"/>
+            </a:lvl1pPr>
+          </a:lstStyle>
+          <a:p>
+            <a:endParaRPr lang="ca-ES"/>
+          </a:p>
+        </p:txBody>
+      </p:sp>
+      <p:sp>
+        <p:nvSpPr>
+          <p:cNvPr id="7" name="6 Marcador de número de diapositiva"/>
+          <p:cNvSpPr>
+            <a:spLocks noGrp="1"/>
+          </p:cNvSpPr>
+          <p:nvPr>
+            <p:ph type="sldNum" sz="quarter" idx="5"/>
+          </p:nvPr>
+        </p:nvSpPr>
+        <p:spPr>
+          <a:xfrm>
+            <a:off x="3884613" y="8685213"/>
+            <a:ext cx="2971800" cy="457200"/>
+          </a:xfrm>
+          <a:prstGeom prst="rect">
+            <a:avLst/>
+          </a:prstGeom>
+        </p:spPr>
+        <p:txBody>
+          <a:bodyPr vert="horz" lIns="91440" tIns="45720" rIns="91440" bIns="45720" rtlCol="0" anchor="b"/>
+          <a:lstStyle>
+            <a:lvl1pPr algn="r">
+              <a:defRPr sz="1200"/>
+            </a:lvl1pPr>
+          </a:lstStyle>
+          <a:p>
+            <a:fld id="{6FE1AEC7-8E84-4BF3-A92B-5AA6D0D5EC5F}" type="slidenum">
+              <a:rPr lang="ca-ES" smtClean="0"/>
+              <a:t>‹Nº›</a:t>
+            </a:fld>
+            <a:endParaRPr lang="ca-ES"/>
+          </a:p>
+        </p:txBody>
+      </p:sp>
+    </p:spTree>
+  </p:cSld>
+  <p:clrMap bg1="lt1" tx1="dk1" bg2="lt2" tx2="dk2" accent1="accent1" accent2="accent2" accent3="accent3" accent4="accent4" accent5="accent5" accent6="accent6" hlink="hlink" folHlink="folHlink"/>
+  <p:notesStyle>
+    <a:lvl1pPr marL="0" algn="l" defTabSz="914400" rtl="0" eaLnBrk="1" latinLnBrk="0" hangingPunct="1">
+      <a:defRPr sz="1200" kern="1200">
+        <a:solidFill>
+          <a:schemeClr val="tx1"/>
+        </a:solidFill>
+        <a:latin typeface="+mn-lt"/>
+        <a:ea typeface="+mn-ea"/>
+        <a:cs typeface="+mn-cs"/>
+      </a:defRPr>
+    </a:lvl1pPr>
+    <a:lvl2pPr marL="457200" algn="l" defTabSz="914400" rtl="0" eaLnBrk="1" latinLnBrk="0" hangingPunct="1">
+      <a:defRPr sz="1200" kern="1200">
+        <a:solidFill>
+          <a:schemeClr val="tx1"/>
+        </a:solidFill>
+        <a:latin typeface="+mn-lt"/>
+        <a:ea typeface="+mn-ea"/>
+        <a:cs typeface="+mn-cs"/>
+      </a:defRPr>
+    </a:lvl2pPr>
+    <a:lvl3pPr marL="914400" algn="l" defTabSz="914400" rtl="0" eaLnBrk="1" latinLnBrk="0" hangingPunct="1">
+      <a:defRPr sz="1200" kern="1200">
+        <a:solidFill>
+          <a:schemeClr val="tx1"/>
+        </a:solidFill>
+        <a:latin typeface="+mn-lt"/>
+        <a:ea typeface="+mn-ea"/>
+        <a:cs typeface="+mn-cs"/>
+      </a:defRPr>
+    </a:lvl3pPr>
+    <a:lvl4pPr marL="1371600" algn="l" defTabSz="914400" rtl="0" eaLnBrk="1" latinLnBrk="0" hangingPunct="1">
+      <a:defRPr sz="1200" kern="1200">
+        <a:solidFill>
+          <a:schemeClr val="tx1"/>
+        </a:solidFill>
+        <a:latin typeface="+mn-lt"/>
+        <a:ea typeface="+mn-ea"/>
+        <a:cs typeface="+mn-cs"/>
+      </a:defRPr>
+    </a:lvl4pPr>
+    <a:lvl5pPr marL="1828800" algn="l" defTabSz="914400" rtl="0" eaLnBrk="1" latinLnBrk="0" hangingPunct="1">
+      <a:defRPr sz="1200" kern="1200">
+        <a:solidFill>
+          <a:schemeClr val="tx1"/>
+        </a:solidFill>
+        <a:latin typeface="+mn-lt"/>
+        <a:ea typeface="+mn-ea"/>
+        <a:cs typeface="+mn-cs"/>
+      </a:defRPr>
+    </a:lvl5pPr>
+    <a:lvl6pPr marL="2286000" algn="l" defTabSz="914400" rtl="0" eaLnBrk="1" latinLnBrk="0" hangingPunct="1">
+      <a:defRPr sz="1200" kern="1200">
+        <a:solidFill>
+          <a:schemeClr val="tx1"/>
+        </a:solidFill>
+        <a:latin typeface="+mn-lt"/>
+        <a:ea typeface="+mn-ea"/>
+        <a:cs typeface="+mn-cs"/>
+      </a:defRPr>
+    </a:lvl6pPr>
+    <a:lvl7pPr marL="2743200" algn="l" defTabSz="914400" rtl="0" eaLnBrk="1" latinLnBrk="0" hangingPunct="1">
+      <a:defRPr sz="1200" kern="1200">
+        <a:solidFill>
+          <a:schemeClr val="tx1"/>
+        </a:solidFill>
+        <a:latin typeface="+mn-lt"/>
+        <a:ea typeface="+mn-ea"/>
+        <a:cs typeface="+mn-cs"/>
+      </a:defRPr>
+    </a:lvl7pPr>
+    <a:lvl8pPr marL="3200400" algn="l" defTabSz="914400" rtl="0" eaLnBrk="1" latinLnBrk="0" hangingPunct="1">
+      <a:defRPr sz="1200" kern="1200">
+        <a:solidFill>
+          <a:schemeClr val="tx1"/>
+        </a:solidFill>
+        <a:latin typeface="+mn-lt"/>
+        <a:ea typeface="+mn-ea"/>
+        <a:cs typeface="+mn-cs"/>
+      </a:defRPr>
+    </a:lvl8pPr>
+    <a:lvl9pPr marL="3657600" algn="l" defTabSz="914400" rtl="0" eaLnBrk="1" latinLnBrk="0" hangingPunct="1">
+      <a:defRPr sz="1200" kern="1200">
+        <a:solidFill>
+          <a:schemeClr val="tx1"/>
+        </a:solidFill>
+        <a:latin typeface="+mn-lt"/>
+        <a:ea typeface="+mn-ea"/>
+        <a:cs typeface="+mn-cs"/>
+      </a:defRPr>
+    </a:lvl9pPr>
+  </p:notesStyle>
+</p:notesMaster>
+</file>
+
+<file path=ppt/notesSlides/notesSlide1.xml><?xml version="1.0" encoding="utf-8"?>
+<p:notes xmlns:a="http://schemas.openxmlformats.org/drawingml/2006/main" xmlns:r="http://schemas.openxmlformats.org/officeDocument/2006/relationships" xmlns:p="http://schemas.openxmlformats.org/presentationml/2006/main">
+  <p:cSld>
+    <p:spTree>
+      <p:nvGrpSpPr>
+        <p:cNvPr id="1" name=""/>
+        <p:cNvGrpSpPr/>
+        <p:nvPr/>
+      </p:nvGrpSpPr>
+      <p:grpSpPr>
+        <a:xfrm>
+          <a:off x="0" y="0"/>
+          <a:ext cx="0" cy="0"/>
+          <a:chOff x="0" y="0"/>
+          <a:chExt cx="0" cy="0"/>
+        </a:xfrm>
+      </p:grpSpPr>
+      <p:sp>
+        <p:nvSpPr>
+          <p:cNvPr id="2" name="1 Marcador de imagen de diapositiva"/>
+          <p:cNvSpPr>
+            <a:spLocks noGrp="1" noRot="1" noChangeAspect="1"/>
+          </p:cNvSpPr>
+          <p:nvPr>
+            <p:ph type="sldImg"/>
+          </p:nvPr>
+        </p:nvSpPr>
+        <p:spPr/>
+      </p:sp>
+      <p:sp>
+        <p:nvSpPr>
+          <p:cNvPr id="3" name="2 Marcador de notas"/>
+          <p:cNvSpPr>
+            <a:spLocks noGrp="1"/>
+          </p:cNvSpPr>
+          <p:nvPr>
+            <p:ph type="body" idx="1"/>
+          </p:nvPr>
+        </p:nvSpPr>
+        <p:spPr/>
+        <p:txBody>
+          <a:bodyPr>
+            <a:normAutofit/>
+          </a:bodyPr>
+          <a:lstStyle/>
+          <a:p>
+            <a:endParaRPr lang="ca-ES"/>
+          </a:p>
+        </p:txBody>
+      </p:sp>
+      <p:sp>
+        <p:nvSpPr>
+          <p:cNvPr id="4" name="3 Marcador de número de diapositiva"/>
+          <p:cNvSpPr>
+            <a:spLocks noGrp="1"/>
+          </p:cNvSpPr>
+          <p:nvPr>
+            <p:ph type="sldNum" sz="quarter" idx="10"/>
+          </p:nvPr>
+        </p:nvSpPr>
+        <p:spPr/>
+        <p:txBody>
+          <a:bodyPr/>
+          <a:lstStyle/>
+          <a:p>
+            <a:fld id="{6FE1AEC7-8E84-4BF3-A92B-5AA6D0D5EC5F}" type="slidenum">
+              <a:rPr lang="ca-ES" smtClean="0"/>
+              <a:t>2</a:t>
+            </a:fld>
+            <a:endParaRPr lang="ca-ES"/>
+          </a:p>
+        </p:txBody>
+      </p:sp>
+    </p:spTree>
+  </p:cSld>
+  <p:clrMapOvr>
+    <a:masterClrMapping/>
+  </p:clrMapOvr>
+</p:notes>
 </file>
 
 <file path=ppt/slideLayouts/slideLayout1.xml><?xml version="1.0" encoding="utf-8"?>
@@ -318,10 +755,9 @@
           <a:bodyPr/>
           <a:lstStyle/>
           <a:p>
-            <a:fld id="{335082A6-BC9C-46CB-A312-29A9E19DC25D}" type="datetimeFigureOut">
+            <a:fld id="{7E504DA6-75FC-4DBB-8A9E-90B8BFFB858C}" type="datetime1">
               <a:rPr lang="ca-ES" smtClean="0"/>
-              <a:pPr/>
-              <a:t>18/6/2019</a:t>
+              <a:t>18/06/2019</a:t>
             </a:fld>
             <a:endParaRPr lang="ca-ES"/>
           </a:p>
@@ -364,7 +800,7 @@
             <a:fld id="{F0DDBFE9-5A50-4899-BFD1-0BE91B0BD11B}" type="slidenum">
               <a:rPr lang="ca-ES" smtClean="0"/>
               <a:pPr/>
-              <a:t>‹#›</a:t>
+              <a:t>‹Nº›</a:t>
             </a:fld>
             <a:endParaRPr lang="ca-ES"/>
           </a:p>
@@ -485,10 +921,9 @@
           <a:bodyPr/>
           <a:lstStyle/>
           <a:p>
-            <a:fld id="{335082A6-BC9C-46CB-A312-29A9E19DC25D}" type="datetimeFigureOut">
+            <a:fld id="{2ED39324-2721-4AA5-A2AD-4CCE6949C468}" type="datetime1">
               <a:rPr lang="ca-ES" smtClean="0"/>
-              <a:pPr/>
-              <a:t>18/6/2019</a:t>
+              <a:t>18/06/2019</a:t>
             </a:fld>
             <a:endParaRPr lang="ca-ES"/>
           </a:p>
@@ -531,7 +966,7 @@
             <a:fld id="{F0DDBFE9-5A50-4899-BFD1-0BE91B0BD11B}" type="slidenum">
               <a:rPr lang="ca-ES" smtClean="0"/>
               <a:pPr/>
-              <a:t>‹#›</a:t>
+              <a:t>‹Nº›</a:t>
             </a:fld>
             <a:endParaRPr lang="ca-ES"/>
           </a:p>
@@ -662,10 +1097,9 @@
           <a:bodyPr/>
           <a:lstStyle/>
           <a:p>
-            <a:fld id="{335082A6-BC9C-46CB-A312-29A9E19DC25D}" type="datetimeFigureOut">
+            <a:fld id="{F3FA2DA6-3442-47E0-85E8-7ECDD748E565}" type="datetime1">
               <a:rPr lang="ca-ES" smtClean="0"/>
-              <a:pPr/>
-              <a:t>18/6/2019</a:t>
+              <a:t>18/06/2019</a:t>
             </a:fld>
             <a:endParaRPr lang="ca-ES"/>
           </a:p>
@@ -708,7 +1142,7 @@
             <a:fld id="{F0DDBFE9-5A50-4899-BFD1-0BE91B0BD11B}" type="slidenum">
               <a:rPr lang="ca-ES" smtClean="0"/>
               <a:pPr/>
-              <a:t>‹#›</a:t>
+              <a:t>‹Nº›</a:t>
             </a:fld>
             <a:endParaRPr lang="ca-ES"/>
           </a:p>
@@ -829,10 +1263,9 @@
           <a:bodyPr/>
           <a:lstStyle/>
           <a:p>
-            <a:fld id="{335082A6-BC9C-46CB-A312-29A9E19DC25D}" type="datetimeFigureOut">
+            <a:fld id="{DCB989EB-5BC3-43C7-911B-5BFA37A1EF97}" type="datetime1">
               <a:rPr lang="ca-ES" smtClean="0"/>
-              <a:pPr/>
-              <a:t>18/6/2019</a:t>
+              <a:t>18/06/2019</a:t>
             </a:fld>
             <a:endParaRPr lang="ca-ES"/>
           </a:p>
@@ -875,7 +1308,7 @@
             <a:fld id="{F0DDBFE9-5A50-4899-BFD1-0BE91B0BD11B}" type="slidenum">
               <a:rPr lang="ca-ES" smtClean="0"/>
               <a:pPr/>
-              <a:t>‹#›</a:t>
+              <a:t>‹Nº›</a:t>
             </a:fld>
             <a:endParaRPr lang="ca-ES"/>
           </a:p>
@@ -1072,10 +1505,9 @@
           <a:bodyPr/>
           <a:lstStyle/>
           <a:p>
-            <a:fld id="{335082A6-BC9C-46CB-A312-29A9E19DC25D}" type="datetimeFigureOut">
+            <a:fld id="{8AFA481E-C40C-4A19-9A71-D3392373E209}" type="datetime1">
               <a:rPr lang="ca-ES" smtClean="0"/>
-              <a:pPr/>
-              <a:t>18/6/2019</a:t>
+              <a:t>18/06/2019</a:t>
             </a:fld>
             <a:endParaRPr lang="ca-ES"/>
           </a:p>
@@ -1118,7 +1550,7 @@
             <a:fld id="{F0DDBFE9-5A50-4899-BFD1-0BE91B0BD11B}" type="slidenum">
               <a:rPr lang="ca-ES" smtClean="0"/>
               <a:pPr/>
-              <a:t>‹#›</a:t>
+              <a:t>‹Nº›</a:t>
             </a:fld>
             <a:endParaRPr lang="ca-ES"/>
           </a:p>
@@ -1357,10 +1789,9 @@
           <a:bodyPr/>
           <a:lstStyle/>
           <a:p>
-            <a:fld id="{335082A6-BC9C-46CB-A312-29A9E19DC25D}" type="datetimeFigureOut">
+            <a:fld id="{6CEB0BE9-E016-4052-9593-6104D2729167}" type="datetime1">
               <a:rPr lang="ca-ES" smtClean="0"/>
-              <a:pPr/>
-              <a:t>18/6/2019</a:t>
+              <a:t>18/06/2019</a:t>
             </a:fld>
             <a:endParaRPr lang="ca-ES"/>
           </a:p>
@@ -1403,7 +1834,7 @@
             <a:fld id="{F0DDBFE9-5A50-4899-BFD1-0BE91B0BD11B}" type="slidenum">
               <a:rPr lang="ca-ES" smtClean="0"/>
               <a:pPr/>
-              <a:t>‹#›</a:t>
+              <a:t>‹Nº›</a:t>
             </a:fld>
             <a:endParaRPr lang="ca-ES"/>
           </a:p>
@@ -1776,10 +2207,9 @@
           <a:bodyPr/>
           <a:lstStyle/>
           <a:p>
-            <a:fld id="{335082A6-BC9C-46CB-A312-29A9E19DC25D}" type="datetimeFigureOut">
+            <a:fld id="{A3361EEF-C6A5-4099-A1B8-635B5FADDB63}" type="datetime1">
               <a:rPr lang="ca-ES" smtClean="0"/>
-              <a:pPr/>
-              <a:t>18/6/2019</a:t>
+              <a:t>18/06/2019</a:t>
             </a:fld>
             <a:endParaRPr lang="ca-ES"/>
           </a:p>
@@ -1822,7 +2252,7 @@
             <a:fld id="{F0DDBFE9-5A50-4899-BFD1-0BE91B0BD11B}" type="slidenum">
               <a:rPr lang="ca-ES" smtClean="0"/>
               <a:pPr/>
-              <a:t>‹#›</a:t>
+              <a:t>‹Nº›</a:t>
             </a:fld>
             <a:endParaRPr lang="ca-ES"/>
           </a:p>
@@ -1891,10 +2321,9 @@
           <a:bodyPr/>
           <a:lstStyle/>
           <a:p>
-            <a:fld id="{335082A6-BC9C-46CB-A312-29A9E19DC25D}" type="datetimeFigureOut">
+            <a:fld id="{92652ECE-8608-4236-B58E-95CAC06F52D4}" type="datetime1">
               <a:rPr lang="ca-ES" smtClean="0"/>
-              <a:pPr/>
-              <a:t>18/6/2019</a:t>
+              <a:t>18/06/2019</a:t>
             </a:fld>
             <a:endParaRPr lang="ca-ES"/>
           </a:p>
@@ -1937,7 +2366,7 @@
             <a:fld id="{F0DDBFE9-5A50-4899-BFD1-0BE91B0BD11B}" type="slidenum">
               <a:rPr lang="ca-ES" smtClean="0"/>
               <a:pPr/>
-              <a:t>‹#›</a:t>
+              <a:t>‹Nº›</a:t>
             </a:fld>
             <a:endParaRPr lang="ca-ES"/>
           </a:p>
@@ -1983,10 +2412,9 @@
           <a:bodyPr/>
           <a:lstStyle/>
           <a:p>
-            <a:fld id="{335082A6-BC9C-46CB-A312-29A9E19DC25D}" type="datetimeFigureOut">
+            <a:fld id="{E950B42D-F1FF-43A4-86E9-06E63157BB59}" type="datetime1">
               <a:rPr lang="ca-ES" smtClean="0"/>
-              <a:pPr/>
-              <a:t>18/6/2019</a:t>
+              <a:t>18/06/2019</a:t>
             </a:fld>
             <a:endParaRPr lang="ca-ES"/>
           </a:p>
@@ -2029,7 +2457,7 @@
             <a:fld id="{F0DDBFE9-5A50-4899-BFD1-0BE91B0BD11B}" type="slidenum">
               <a:rPr lang="ca-ES" smtClean="0"/>
               <a:pPr/>
-              <a:t>‹#›</a:t>
+              <a:t>‹Nº›</a:t>
             </a:fld>
             <a:endParaRPr lang="ca-ES"/>
           </a:p>
@@ -2257,10 +2685,9 @@
           <a:bodyPr/>
           <a:lstStyle/>
           <a:p>
-            <a:fld id="{335082A6-BC9C-46CB-A312-29A9E19DC25D}" type="datetimeFigureOut">
+            <a:fld id="{B07A975B-090E-4CCB-B164-FD2F3AC290CB}" type="datetime1">
               <a:rPr lang="ca-ES" smtClean="0"/>
-              <a:pPr/>
-              <a:t>18/6/2019</a:t>
+              <a:t>18/06/2019</a:t>
             </a:fld>
             <a:endParaRPr lang="ca-ES"/>
           </a:p>
@@ -2303,7 +2730,7 @@
             <a:fld id="{F0DDBFE9-5A50-4899-BFD1-0BE91B0BD11B}" type="slidenum">
               <a:rPr lang="ca-ES" smtClean="0"/>
               <a:pPr/>
-              <a:t>‹#›</a:t>
+              <a:t>‹Nº›</a:t>
             </a:fld>
             <a:endParaRPr lang="ca-ES"/>
           </a:p>
@@ -2507,10 +2934,9 @@
           <a:bodyPr/>
           <a:lstStyle/>
           <a:p>
-            <a:fld id="{335082A6-BC9C-46CB-A312-29A9E19DC25D}" type="datetimeFigureOut">
+            <a:fld id="{A010DBB2-D596-4EBD-A1E4-0B43DF4423A3}" type="datetime1">
               <a:rPr lang="ca-ES" smtClean="0"/>
-              <a:pPr/>
-              <a:t>18/6/2019</a:t>
+              <a:t>18/06/2019</a:t>
             </a:fld>
             <a:endParaRPr lang="ca-ES"/>
           </a:p>
@@ -2553,7 +2979,7 @@
             <a:fld id="{F0DDBFE9-5A50-4899-BFD1-0BE91B0BD11B}" type="slidenum">
               <a:rPr lang="ca-ES" smtClean="0"/>
               <a:pPr/>
-              <a:t>‹#›</a:t>
+              <a:t>‹Nº›</a:t>
             </a:fld>
             <a:endParaRPr lang="ca-ES"/>
           </a:p>
@@ -2717,10 +3143,9 @@
             </a:lvl1pPr>
           </a:lstStyle>
           <a:p>
-            <a:fld id="{335082A6-BC9C-46CB-A312-29A9E19DC25D}" type="datetimeFigureOut">
+            <a:fld id="{79236E65-766A-4C0F-BBB6-2138C503DC4F}" type="datetime1">
               <a:rPr lang="ca-ES" smtClean="0"/>
-              <a:pPr/>
-              <a:t>18/6/2019</a:t>
+              <a:t>18/06/2019</a:t>
             </a:fld>
             <a:endParaRPr lang="ca-ES"/>
           </a:p>
@@ -2799,7 +3224,7 @@
             <a:fld id="{F0DDBFE9-5A50-4899-BFD1-0BE91B0BD11B}" type="slidenum">
               <a:rPr lang="ca-ES" smtClean="0"/>
               <a:pPr/>
-              <a:t>‹#›</a:t>
+              <a:t>‹Nº›</a:t>
             </a:fld>
             <a:endParaRPr lang="ca-ES"/>
           </a:p>
@@ -2821,6 +3246,7 @@
     <p:sldLayoutId id="2147483658" r:id="rId10"/>
     <p:sldLayoutId id="2147483659" r:id="rId11"/>
   </p:sldLayoutIdLst>
+  <p:hf hdr="0" ftr="0" dt="0"/>
   <p:txStyles>
     <p:titleStyle>
       <a:lvl1pPr algn="ctr" defTabSz="914400" rtl="0" eaLnBrk="1" latinLnBrk="0" hangingPunct="1">
@@ -3490,7 +3916,7 @@
           <p:cNvPr id="4" name="1 Título">
             <a:extLst>
               <a:ext uri="{FF2B5EF4-FFF2-40B4-BE49-F238E27FC236}">
-                <a16:creationId xmlns:a16="http://schemas.microsoft.com/office/drawing/2014/main" id="{4222F324-3EDE-43F4-B3F7-D3D34AB53CC7}"/>
+                <a16:creationId xmlns:a16="http://schemas.microsoft.com/office/drawing/2014/main" xmlns="" id="{4222F324-3EDE-43F4-B3F7-D3D34AB53CC7}"/>
               </a:ext>
             </a:extLst>
           </p:cNvPr>
@@ -3556,7 +3982,7 @@
           <p:cNvPr id="5" name="2 Marcador de contenido">
             <a:extLst>
               <a:ext uri="{FF2B5EF4-FFF2-40B4-BE49-F238E27FC236}">
-                <a16:creationId xmlns:a16="http://schemas.microsoft.com/office/drawing/2014/main" id="{EBA710F4-3692-4B14-A182-1085508C8603}"/>
+                <a16:creationId xmlns:a16="http://schemas.microsoft.com/office/drawing/2014/main" xmlns="" id="{EBA710F4-3692-4B14-A182-1085508C8603}"/>
               </a:ext>
             </a:extLst>
           </p:cNvPr>
@@ -3802,7 +4228,7 @@
           <p:cNvPr id="6" name="Imagen 5">
             <a:extLst>
               <a:ext uri="{FF2B5EF4-FFF2-40B4-BE49-F238E27FC236}">
-                <a16:creationId xmlns:a16="http://schemas.microsoft.com/office/drawing/2014/main" id="{8ED2DB05-BDD1-4A94-B1AA-762716A5CBAA}"/>
+                <a16:creationId xmlns:a16="http://schemas.microsoft.com/office/drawing/2014/main" xmlns="" id="{8ED2DB05-BDD1-4A94-B1AA-762716A5CBAA}"/>
               </a:ext>
             </a:extLst>
           </p:cNvPr>
@@ -3830,7 +4256,7 @@
           <p:cNvPr id="8" name="Imagen 7">
             <a:extLst>
               <a:ext uri="{FF2B5EF4-FFF2-40B4-BE49-F238E27FC236}">
-                <a16:creationId xmlns:a16="http://schemas.microsoft.com/office/drawing/2014/main" id="{7B4F885C-53A2-4DED-950E-6239256B2AFC}"/>
+                <a16:creationId xmlns:a16="http://schemas.microsoft.com/office/drawing/2014/main" xmlns="" id="{7B4F885C-53A2-4DED-950E-6239256B2AFC}"/>
               </a:ext>
             </a:extLst>
           </p:cNvPr>
@@ -3858,7 +4284,7 @@
           <p:cNvPr id="10" name="Imagen 8">
             <a:extLst>
               <a:ext uri="{FF2B5EF4-FFF2-40B4-BE49-F238E27FC236}">
-                <a16:creationId xmlns:a16="http://schemas.microsoft.com/office/drawing/2014/main" id="{0C0B48A3-030D-40A2-8F89-10E56D09FDEB}"/>
+                <a16:creationId xmlns:a16="http://schemas.microsoft.com/office/drawing/2014/main" xmlns="" id="{0C0B48A3-030D-40A2-8F89-10E56D09FDEB}"/>
               </a:ext>
             </a:extLst>
           </p:cNvPr>
@@ -3881,10 +4307,34 @@
           </a:prstGeom>
         </p:spPr>
       </p:pic>
+      <p:sp>
+        <p:nvSpPr>
+          <p:cNvPr id="7" name="6 Marcador de número de diapositiva"/>
+          <p:cNvSpPr>
+            <a:spLocks noGrp="1"/>
+          </p:cNvSpPr>
+          <p:nvPr>
+            <p:ph type="sldNum" sz="quarter" idx="12"/>
+          </p:nvPr>
+        </p:nvSpPr>
+        <p:spPr/>
+        <p:txBody>
+          <a:bodyPr/>
+          <a:lstStyle/>
+          <a:p>
+            <a:fld id="{F0DDBFE9-5A50-4899-BFD1-0BE91B0BD11B}" type="slidenum">
+              <a:rPr lang="ca-ES" smtClean="0"/>
+              <a:pPr/>
+              <a:t>10</a:t>
+            </a:fld>
+            <a:endParaRPr lang="ca-ES"/>
+          </a:p>
+        </p:txBody>
+      </p:sp>
     </p:spTree>
     <p:extLst>
       <p:ext uri="{BB962C8B-B14F-4D97-AF65-F5344CB8AC3E}">
-        <p14:creationId xmlns:p14="http://schemas.microsoft.com/office/powerpoint/2010/main" val="2267476515"/>
+        <p14:creationId xmlns:p14="http://schemas.microsoft.com/office/powerpoint/2010/main" xmlns="" val="2267476515"/>
       </p:ext>
     </p:extLst>
   </p:cSld>
@@ -3916,7 +4366,7 @@
           <p:cNvPr id="4" name="1 Título">
             <a:extLst>
               <a:ext uri="{FF2B5EF4-FFF2-40B4-BE49-F238E27FC236}">
-                <a16:creationId xmlns:a16="http://schemas.microsoft.com/office/drawing/2014/main" id="{4222F324-3EDE-43F4-B3F7-D3D34AB53CC7}"/>
+                <a16:creationId xmlns:a16="http://schemas.microsoft.com/office/drawing/2014/main" xmlns="" id="{4222F324-3EDE-43F4-B3F7-D3D34AB53CC7}"/>
               </a:ext>
             </a:extLst>
           </p:cNvPr>
@@ -3982,7 +4432,7 @@
           <p:cNvPr id="5" name="2 Marcador de contenido">
             <a:extLst>
               <a:ext uri="{FF2B5EF4-FFF2-40B4-BE49-F238E27FC236}">
-                <a16:creationId xmlns:a16="http://schemas.microsoft.com/office/drawing/2014/main" id="{EBA710F4-3692-4B14-A182-1085508C8603}"/>
+                <a16:creationId xmlns:a16="http://schemas.microsoft.com/office/drawing/2014/main" xmlns="" id="{EBA710F4-3692-4B14-A182-1085508C8603}"/>
               </a:ext>
             </a:extLst>
           </p:cNvPr>
@@ -4254,7 +4704,7 @@
           <p:cNvPr id="7" name="Imagen 9">
             <a:extLst>
               <a:ext uri="{FF2B5EF4-FFF2-40B4-BE49-F238E27FC236}">
-                <a16:creationId xmlns:a16="http://schemas.microsoft.com/office/drawing/2014/main" id="{06F0919A-8EEE-4103-B48C-9189BB21FF9B}"/>
+                <a16:creationId xmlns:a16="http://schemas.microsoft.com/office/drawing/2014/main" xmlns="" id="{06F0919A-8EEE-4103-B48C-9189BB21FF9B}"/>
               </a:ext>
             </a:extLst>
           </p:cNvPr>
@@ -4282,7 +4732,7 @@
           <p:cNvPr id="9" name="Imagen 13">
             <a:extLst>
               <a:ext uri="{FF2B5EF4-FFF2-40B4-BE49-F238E27FC236}">
-                <a16:creationId xmlns:a16="http://schemas.microsoft.com/office/drawing/2014/main" id="{F13EE380-5911-4DDC-8499-084BFF719AC6}"/>
+                <a16:creationId xmlns:a16="http://schemas.microsoft.com/office/drawing/2014/main" xmlns="" id="{F13EE380-5911-4DDC-8499-084BFF719AC6}"/>
               </a:ext>
             </a:extLst>
           </p:cNvPr>
@@ -4305,10 +4755,34 @@
           </a:prstGeom>
         </p:spPr>
       </p:pic>
+      <p:sp>
+        <p:nvSpPr>
+          <p:cNvPr id="6" name="5 Marcador de número de diapositiva"/>
+          <p:cNvSpPr>
+            <a:spLocks noGrp="1"/>
+          </p:cNvSpPr>
+          <p:nvPr>
+            <p:ph type="sldNum" sz="quarter" idx="12"/>
+          </p:nvPr>
+        </p:nvSpPr>
+        <p:spPr/>
+        <p:txBody>
+          <a:bodyPr/>
+          <a:lstStyle/>
+          <a:p>
+            <a:fld id="{F0DDBFE9-5A50-4899-BFD1-0BE91B0BD11B}" type="slidenum">
+              <a:rPr lang="ca-ES" smtClean="0"/>
+              <a:pPr/>
+              <a:t>11</a:t>
+            </a:fld>
+            <a:endParaRPr lang="ca-ES"/>
+          </a:p>
+        </p:txBody>
+      </p:sp>
     </p:spTree>
     <p:extLst>
       <p:ext uri="{BB962C8B-B14F-4D97-AF65-F5344CB8AC3E}">
-        <p14:creationId xmlns:p14="http://schemas.microsoft.com/office/powerpoint/2010/main" val="3297630729"/>
+        <p14:creationId xmlns:p14="http://schemas.microsoft.com/office/powerpoint/2010/main" xmlns="" val="3297630729"/>
       </p:ext>
     </p:extLst>
   </p:cSld>
@@ -4340,7 +4814,7 @@
           <p:cNvPr id="4" name="1 Título">
             <a:extLst>
               <a:ext uri="{FF2B5EF4-FFF2-40B4-BE49-F238E27FC236}">
-                <a16:creationId xmlns:a16="http://schemas.microsoft.com/office/drawing/2014/main" id="{4222F324-3EDE-43F4-B3F7-D3D34AB53CC7}"/>
+                <a16:creationId xmlns:a16="http://schemas.microsoft.com/office/drawing/2014/main" xmlns="" id="{4222F324-3EDE-43F4-B3F7-D3D34AB53CC7}"/>
               </a:ext>
             </a:extLst>
           </p:cNvPr>
@@ -4406,7 +4880,7 @@
           <p:cNvPr id="5" name="2 Marcador de contenido">
             <a:extLst>
               <a:ext uri="{FF2B5EF4-FFF2-40B4-BE49-F238E27FC236}">
-                <a16:creationId xmlns:a16="http://schemas.microsoft.com/office/drawing/2014/main" id="{EBA710F4-3692-4B14-A182-1085508C8603}"/>
+                <a16:creationId xmlns:a16="http://schemas.microsoft.com/office/drawing/2014/main" xmlns="" id="{EBA710F4-3692-4B14-A182-1085508C8603}"/>
               </a:ext>
             </a:extLst>
           </p:cNvPr>
@@ -4690,7 +5164,7 @@
           <p:cNvPr id="6" name="Imagen 14">
             <a:extLst>
               <a:ext uri="{FF2B5EF4-FFF2-40B4-BE49-F238E27FC236}">
-                <a16:creationId xmlns:a16="http://schemas.microsoft.com/office/drawing/2014/main" id="{A19105D8-68C9-4C88-9F9B-A6306C7C4D5D}"/>
+                <a16:creationId xmlns:a16="http://schemas.microsoft.com/office/drawing/2014/main" xmlns="" id="{A19105D8-68C9-4C88-9F9B-A6306C7C4D5D}"/>
               </a:ext>
             </a:extLst>
           </p:cNvPr>
@@ -4718,7 +5192,7 @@
           <p:cNvPr id="8" name="Imagen 15">
             <a:extLst>
               <a:ext uri="{FF2B5EF4-FFF2-40B4-BE49-F238E27FC236}">
-                <a16:creationId xmlns:a16="http://schemas.microsoft.com/office/drawing/2014/main" id="{2B4B8CF5-EDBB-46A3-B0A9-F1EA90EFD7C5}"/>
+                <a16:creationId xmlns:a16="http://schemas.microsoft.com/office/drawing/2014/main" xmlns="" id="{2B4B8CF5-EDBB-46A3-B0A9-F1EA90EFD7C5}"/>
               </a:ext>
             </a:extLst>
           </p:cNvPr>
@@ -4741,10 +5215,34 @@
           </a:prstGeom>
         </p:spPr>
       </p:pic>
+      <p:sp>
+        <p:nvSpPr>
+          <p:cNvPr id="7" name="6 Marcador de número de diapositiva"/>
+          <p:cNvSpPr>
+            <a:spLocks noGrp="1"/>
+          </p:cNvSpPr>
+          <p:nvPr>
+            <p:ph type="sldNum" sz="quarter" idx="12"/>
+          </p:nvPr>
+        </p:nvSpPr>
+        <p:spPr/>
+        <p:txBody>
+          <a:bodyPr/>
+          <a:lstStyle/>
+          <a:p>
+            <a:fld id="{F0DDBFE9-5A50-4899-BFD1-0BE91B0BD11B}" type="slidenum">
+              <a:rPr lang="ca-ES" smtClean="0"/>
+              <a:pPr/>
+              <a:t>12</a:t>
+            </a:fld>
+            <a:endParaRPr lang="ca-ES"/>
+          </a:p>
+        </p:txBody>
+      </p:sp>
     </p:spTree>
     <p:extLst>
       <p:ext uri="{BB962C8B-B14F-4D97-AF65-F5344CB8AC3E}">
-        <p14:creationId xmlns:p14="http://schemas.microsoft.com/office/powerpoint/2010/main" val="2824079069"/>
+        <p14:creationId xmlns:p14="http://schemas.microsoft.com/office/powerpoint/2010/main" xmlns="" val="2824079069"/>
       </p:ext>
     </p:extLst>
   </p:cSld>
@@ -4776,7 +5274,7 @@
           <p:cNvPr id="4" name="1 Título">
             <a:extLst>
               <a:ext uri="{FF2B5EF4-FFF2-40B4-BE49-F238E27FC236}">
-                <a16:creationId xmlns:a16="http://schemas.microsoft.com/office/drawing/2014/main" id="{4222F324-3EDE-43F4-B3F7-D3D34AB53CC7}"/>
+                <a16:creationId xmlns:a16="http://schemas.microsoft.com/office/drawing/2014/main" xmlns="" id="{4222F324-3EDE-43F4-B3F7-D3D34AB53CC7}"/>
               </a:ext>
             </a:extLst>
           </p:cNvPr>
@@ -4842,7 +5340,7 @@
           <p:cNvPr id="5" name="2 Marcador de contenido">
             <a:extLst>
               <a:ext uri="{FF2B5EF4-FFF2-40B4-BE49-F238E27FC236}">
-                <a16:creationId xmlns:a16="http://schemas.microsoft.com/office/drawing/2014/main" id="{EBA710F4-3692-4B14-A182-1085508C8603}"/>
+                <a16:creationId xmlns:a16="http://schemas.microsoft.com/office/drawing/2014/main" xmlns="" id="{EBA710F4-3692-4B14-A182-1085508C8603}"/>
               </a:ext>
             </a:extLst>
           </p:cNvPr>
@@ -5006,12 +5504,60 @@
               <a:buNone/>
             </a:pPr>
             <a:r>
+              <a:rPr lang="ca-ES" sz="2400" dirty="0" smtClean="0">
+                <a:latin typeface="Cambria" pitchFamily="18" charset="0"/>
+                <a:ea typeface="+mj-ea"/>
+                <a:cs typeface="+mj-cs"/>
+              </a:rPr>
+              <a:t>N</a:t>
+            </a:r>
+            <a:r>
+              <a:rPr lang="ca-ES" sz="2400" dirty="0" smtClean="0">
+                <a:latin typeface="Cambria" pitchFamily="18" charset="0"/>
+                <a:ea typeface="+mj-ea"/>
+                <a:cs typeface="+mj-cs"/>
+              </a:rPr>
+              <a:t>os </a:t>
+            </a:r>
+            <a:r>
               <a:rPr lang="ca-ES" sz="2400" dirty="0">
                 <a:latin typeface="Cambria" pitchFamily="18" charset="0"/>
                 <a:ea typeface="+mj-ea"/>
                 <a:cs typeface="+mj-cs"/>
               </a:rPr>
-              <a:t>También nos damos cuenta que las credenciales tambien pueden leerse directamente de la consola de xCode en la ejecución en tiempo real:</a:t>
+              <a:t>damos </a:t>
+            </a:r>
+            <a:r>
+              <a:rPr lang="ca-ES" sz="2400" dirty="0" err="1">
+                <a:latin typeface="Cambria" pitchFamily="18" charset="0"/>
+                <a:ea typeface="+mj-ea"/>
+                <a:cs typeface="+mj-cs"/>
+              </a:rPr>
+              <a:t>cuenta</a:t>
+            </a:r>
+            <a:r>
+              <a:rPr lang="ca-ES" sz="2400" dirty="0">
+                <a:latin typeface="Cambria" pitchFamily="18" charset="0"/>
+                <a:ea typeface="+mj-ea"/>
+                <a:cs typeface="+mj-cs"/>
+              </a:rPr>
+              <a:t> </a:t>
+            </a:r>
+            <a:r>
+              <a:rPr lang="ca-ES" sz="2400" dirty="0" smtClean="0">
+                <a:latin typeface="Cambria" pitchFamily="18" charset="0"/>
+                <a:ea typeface="+mj-ea"/>
+                <a:cs typeface="+mj-cs"/>
+              </a:rPr>
+              <a:t>de que </a:t>
+            </a:r>
+            <a:r>
+              <a:rPr lang="ca-ES" sz="2400" dirty="0">
+                <a:latin typeface="Cambria" pitchFamily="18" charset="0"/>
+                <a:ea typeface="+mj-ea"/>
+                <a:cs typeface="+mj-cs"/>
+              </a:rPr>
+              <a:t>las credenciales tambien pueden leerse directamente de la consola de xCode en la ejecución en tiempo real:</a:t>
             </a:r>
           </a:p>
           <a:p>
@@ -5051,7 +5597,7 @@
           <p:cNvPr id="7" name="Imagen 10">
             <a:extLst>
               <a:ext uri="{FF2B5EF4-FFF2-40B4-BE49-F238E27FC236}">
-                <a16:creationId xmlns:a16="http://schemas.microsoft.com/office/drawing/2014/main" id="{EEBD5685-A2BB-4954-B520-B6E158230868}"/>
+                <a16:creationId xmlns:a16="http://schemas.microsoft.com/office/drawing/2014/main" xmlns="" id="{EEBD5685-A2BB-4954-B520-B6E158230868}"/>
               </a:ext>
             </a:extLst>
           </p:cNvPr>
@@ -5074,10 +5620,34 @@
           </a:prstGeom>
         </p:spPr>
       </p:pic>
+      <p:sp>
+        <p:nvSpPr>
+          <p:cNvPr id="6" name="5 Marcador de número de diapositiva"/>
+          <p:cNvSpPr>
+            <a:spLocks noGrp="1"/>
+          </p:cNvSpPr>
+          <p:nvPr>
+            <p:ph type="sldNum" sz="quarter" idx="12"/>
+          </p:nvPr>
+        </p:nvSpPr>
+        <p:spPr/>
+        <p:txBody>
+          <a:bodyPr/>
+          <a:lstStyle/>
+          <a:p>
+            <a:fld id="{F0DDBFE9-5A50-4899-BFD1-0BE91B0BD11B}" type="slidenum">
+              <a:rPr lang="ca-ES" smtClean="0"/>
+              <a:pPr/>
+              <a:t>13</a:t>
+            </a:fld>
+            <a:endParaRPr lang="ca-ES"/>
+          </a:p>
+        </p:txBody>
+      </p:sp>
     </p:spTree>
     <p:extLst>
       <p:ext uri="{BB962C8B-B14F-4D97-AF65-F5344CB8AC3E}">
-        <p14:creationId xmlns:p14="http://schemas.microsoft.com/office/powerpoint/2010/main" val="2435075277"/>
+        <p14:creationId xmlns:p14="http://schemas.microsoft.com/office/powerpoint/2010/main" xmlns="" val="2435075277"/>
       </p:ext>
     </p:extLst>
   </p:cSld>
@@ -5109,7 +5679,7 @@
           <p:cNvPr id="4" name="1 Título">
             <a:extLst>
               <a:ext uri="{FF2B5EF4-FFF2-40B4-BE49-F238E27FC236}">
-                <a16:creationId xmlns:a16="http://schemas.microsoft.com/office/drawing/2014/main" id="{4222F324-3EDE-43F4-B3F7-D3D34AB53CC7}"/>
+                <a16:creationId xmlns:a16="http://schemas.microsoft.com/office/drawing/2014/main" xmlns="" id="{4222F324-3EDE-43F4-B3F7-D3D34AB53CC7}"/>
               </a:ext>
             </a:extLst>
           </p:cNvPr>
@@ -5175,7 +5745,7 @@
           <p:cNvPr id="5" name="2 Marcador de contenido">
             <a:extLst>
               <a:ext uri="{FF2B5EF4-FFF2-40B4-BE49-F238E27FC236}">
-                <a16:creationId xmlns:a16="http://schemas.microsoft.com/office/drawing/2014/main" id="{EBA710F4-3692-4B14-A182-1085508C8603}"/>
+                <a16:creationId xmlns:a16="http://schemas.microsoft.com/office/drawing/2014/main" xmlns="" id="{EBA710F4-3692-4B14-A182-1085508C8603}"/>
               </a:ext>
             </a:extLst>
           </p:cNvPr>
@@ -5469,7 +6039,7 @@
           <p:cNvPr id="6" name="Imagen 11">
             <a:extLst>
               <a:ext uri="{FF2B5EF4-FFF2-40B4-BE49-F238E27FC236}">
-                <a16:creationId xmlns:a16="http://schemas.microsoft.com/office/drawing/2014/main" id="{EBB5A30F-CEB0-4093-9DDB-2A1D19A1E8C3}"/>
+                <a16:creationId xmlns:a16="http://schemas.microsoft.com/office/drawing/2014/main" xmlns="" id="{EBB5A30F-CEB0-4093-9DDB-2A1D19A1E8C3}"/>
               </a:ext>
             </a:extLst>
           </p:cNvPr>
@@ -5497,7 +6067,7 @@
           <p:cNvPr id="8" name="Imagen 16">
             <a:extLst>
               <a:ext uri="{FF2B5EF4-FFF2-40B4-BE49-F238E27FC236}">
-                <a16:creationId xmlns:a16="http://schemas.microsoft.com/office/drawing/2014/main" id="{DFFBE304-EE44-4309-829A-3FBA6FAC260C}"/>
+                <a16:creationId xmlns:a16="http://schemas.microsoft.com/office/drawing/2014/main" xmlns="" id="{DFFBE304-EE44-4309-829A-3FBA6FAC260C}"/>
               </a:ext>
             </a:extLst>
           </p:cNvPr>
@@ -5520,10 +6090,34 @@
           </a:prstGeom>
         </p:spPr>
       </p:pic>
+      <p:sp>
+        <p:nvSpPr>
+          <p:cNvPr id="7" name="6 Marcador de número de diapositiva"/>
+          <p:cNvSpPr>
+            <a:spLocks noGrp="1"/>
+          </p:cNvSpPr>
+          <p:nvPr>
+            <p:ph type="sldNum" sz="quarter" idx="12"/>
+          </p:nvPr>
+        </p:nvSpPr>
+        <p:spPr/>
+        <p:txBody>
+          <a:bodyPr/>
+          <a:lstStyle/>
+          <a:p>
+            <a:fld id="{F0DDBFE9-5A50-4899-BFD1-0BE91B0BD11B}" type="slidenum">
+              <a:rPr lang="ca-ES" smtClean="0"/>
+              <a:pPr/>
+              <a:t>14</a:t>
+            </a:fld>
+            <a:endParaRPr lang="ca-ES"/>
+          </a:p>
+        </p:txBody>
+      </p:sp>
     </p:spTree>
     <p:extLst>
       <p:ext uri="{BB962C8B-B14F-4D97-AF65-F5344CB8AC3E}">
-        <p14:creationId xmlns:p14="http://schemas.microsoft.com/office/powerpoint/2010/main" val="688735141"/>
+        <p14:creationId xmlns:p14="http://schemas.microsoft.com/office/powerpoint/2010/main" xmlns="" val="688735141"/>
       </p:ext>
     </p:extLst>
   </p:cSld>
@@ -5555,7 +6149,7 @@
           <p:cNvPr id="4" name="1 Título">
             <a:extLst>
               <a:ext uri="{FF2B5EF4-FFF2-40B4-BE49-F238E27FC236}">
-                <a16:creationId xmlns:a16="http://schemas.microsoft.com/office/drawing/2014/main" id="{4222F324-3EDE-43F4-B3F7-D3D34AB53CC7}"/>
+                <a16:creationId xmlns:a16="http://schemas.microsoft.com/office/drawing/2014/main" xmlns="" id="{4222F324-3EDE-43F4-B3F7-D3D34AB53CC7}"/>
               </a:ext>
             </a:extLst>
           </p:cNvPr>
@@ -5621,7 +6215,7 @@
           <p:cNvPr id="5" name="2 Marcador de contenido">
             <a:extLst>
               <a:ext uri="{FF2B5EF4-FFF2-40B4-BE49-F238E27FC236}">
-                <a16:creationId xmlns:a16="http://schemas.microsoft.com/office/drawing/2014/main" id="{EBA710F4-3692-4B14-A182-1085508C8603}"/>
+                <a16:creationId xmlns:a16="http://schemas.microsoft.com/office/drawing/2014/main" xmlns="" id="{EBA710F4-3692-4B14-A182-1085508C8603}"/>
               </a:ext>
             </a:extLst>
           </p:cNvPr>
@@ -5840,7 +6434,7 @@
           <p:cNvPr id="7" name="Imagen 17">
             <a:extLst>
               <a:ext uri="{FF2B5EF4-FFF2-40B4-BE49-F238E27FC236}">
-                <a16:creationId xmlns:a16="http://schemas.microsoft.com/office/drawing/2014/main" id="{24F529DF-0357-40AE-8DD1-10F64B2A9008}"/>
+                <a16:creationId xmlns:a16="http://schemas.microsoft.com/office/drawing/2014/main" xmlns="" id="{24F529DF-0357-40AE-8DD1-10F64B2A9008}"/>
               </a:ext>
             </a:extLst>
           </p:cNvPr>
@@ -5868,7 +6462,7 @@
           <p:cNvPr id="9" name="Imagen 18">
             <a:extLst>
               <a:ext uri="{FF2B5EF4-FFF2-40B4-BE49-F238E27FC236}">
-                <a16:creationId xmlns:a16="http://schemas.microsoft.com/office/drawing/2014/main" id="{F94C98CC-EDCE-4342-96F6-0B0A46F8F5F6}"/>
+                <a16:creationId xmlns:a16="http://schemas.microsoft.com/office/drawing/2014/main" xmlns="" id="{F94C98CC-EDCE-4342-96F6-0B0A46F8F5F6}"/>
               </a:ext>
             </a:extLst>
           </p:cNvPr>
@@ -5891,10 +6485,34 @@
           </a:prstGeom>
         </p:spPr>
       </p:pic>
+      <p:sp>
+        <p:nvSpPr>
+          <p:cNvPr id="6" name="5 Marcador de número de diapositiva"/>
+          <p:cNvSpPr>
+            <a:spLocks noGrp="1"/>
+          </p:cNvSpPr>
+          <p:nvPr>
+            <p:ph type="sldNum" sz="quarter" idx="12"/>
+          </p:nvPr>
+        </p:nvSpPr>
+        <p:spPr/>
+        <p:txBody>
+          <a:bodyPr/>
+          <a:lstStyle/>
+          <a:p>
+            <a:fld id="{F0DDBFE9-5A50-4899-BFD1-0BE91B0BD11B}" type="slidenum">
+              <a:rPr lang="ca-ES" smtClean="0"/>
+              <a:pPr/>
+              <a:t>15</a:t>
+            </a:fld>
+            <a:endParaRPr lang="ca-ES"/>
+          </a:p>
+        </p:txBody>
+      </p:sp>
     </p:spTree>
     <p:extLst>
       <p:ext uri="{BB962C8B-B14F-4D97-AF65-F5344CB8AC3E}">
-        <p14:creationId xmlns:p14="http://schemas.microsoft.com/office/powerpoint/2010/main" val="1348022697"/>
+        <p14:creationId xmlns:p14="http://schemas.microsoft.com/office/powerpoint/2010/main" xmlns="" val="1348022697"/>
       </p:ext>
     </p:extLst>
   </p:cSld>
@@ -5926,7 +6544,7 @@
           <p:cNvPr id="4" name="1 Título">
             <a:extLst>
               <a:ext uri="{FF2B5EF4-FFF2-40B4-BE49-F238E27FC236}">
-                <a16:creationId xmlns:a16="http://schemas.microsoft.com/office/drawing/2014/main" id="{4222F324-3EDE-43F4-B3F7-D3D34AB53CC7}"/>
+                <a16:creationId xmlns:a16="http://schemas.microsoft.com/office/drawing/2014/main" xmlns="" id="{4222F324-3EDE-43F4-B3F7-D3D34AB53CC7}"/>
               </a:ext>
             </a:extLst>
           </p:cNvPr>
@@ -5938,7 +6556,7 @@
         <p:spPr>
           <a:xfrm>
             <a:off x="457200" y="620688"/>
-            <a:ext cx="8229600" cy="504056"/>
+            <a:ext cx="8229600" cy="1008112"/>
           </a:xfrm>
           <a:prstGeom prst="rect">
             <a:avLst/>
@@ -5946,7 +6564,7 @@
         </p:spPr>
         <p:txBody>
           <a:bodyPr vert="horz" lIns="91440" tIns="45720" rIns="91440" bIns="45720" rtlCol="0" anchor="ctr">
-            <a:normAutofit fontScale="92500" lnSpcReduction="20000"/>
+            <a:normAutofit fontScale="92500" lnSpcReduction="10000"/>
           </a:bodyPr>
           <a:lstStyle>
             <a:lvl1pPr algn="ctr" defTabSz="914400" rtl="0" eaLnBrk="1" latinLnBrk="0" hangingPunct="1">
@@ -5976,14 +6594,55 @@
               <a:rPr lang="ca-ES" sz="3200" b="1" dirty="0">
                 <a:latin typeface="Cambria" pitchFamily="18" charset="0"/>
               </a:rPr>
-              <a:t>Obtención Información Sensible </a:t>
-            </a:r>
-            <a:r>
-              <a:rPr lang="ca-ES" sz="3600" b="1" dirty="0">
-                <a:latin typeface="Cambria" pitchFamily="18" charset="0"/>
-              </a:rPr>
-              <a:t>(IX)</a:t>
-            </a:r>
+              <a:t>Obtención </a:t>
+            </a:r>
+            <a:r>
+              <a:rPr lang="ca-ES" sz="3200" b="1" dirty="0" err="1">
+                <a:latin typeface="Cambria" pitchFamily="18" charset="0"/>
+              </a:rPr>
+              <a:t>Información</a:t>
+            </a:r>
+            <a:r>
+              <a:rPr lang="ca-ES" sz="3200" b="1" dirty="0">
+                <a:latin typeface="Cambria" pitchFamily="18" charset="0"/>
+              </a:rPr>
+              <a:t> </a:t>
+            </a:r>
+            <a:r>
+              <a:rPr lang="ca-ES" sz="3200" b="1" dirty="0" smtClean="0">
+                <a:latin typeface="Cambria" pitchFamily="18" charset="0"/>
+              </a:rPr>
+              <a:t>Sensible</a:t>
+            </a:r>
+          </a:p>
+          <a:p>
+            <a:r>
+              <a:rPr lang="ca-ES" sz="3200" b="1" dirty="0" smtClean="0">
+                <a:latin typeface="Cambria" pitchFamily="18" charset="0"/>
+              </a:rPr>
+              <a:t> </a:t>
+            </a:r>
+            <a:r>
+              <a:rPr lang="ca-ES" sz="3600" b="1" dirty="0" smtClean="0">
+                <a:latin typeface="Cambria" pitchFamily="18" charset="0"/>
+              </a:rPr>
+              <a:t>(y IX, </a:t>
+            </a:r>
+            <a:r>
+              <a:rPr lang="ca-ES" sz="3600" b="1" dirty="0" err="1" smtClean="0">
+                <a:latin typeface="Cambria" pitchFamily="18" charset="0"/>
+              </a:rPr>
+              <a:t>concusiones</a:t>
+            </a:r>
+            <a:r>
+              <a:rPr lang="ca-ES" sz="3600" b="1" dirty="0" smtClean="0">
+                <a:latin typeface="Cambria" pitchFamily="18" charset="0"/>
+              </a:rPr>
+              <a:t>)</a:t>
+            </a:r>
+            <a:endParaRPr lang="ca-ES" sz="3600" b="1" dirty="0">
+              <a:latin typeface="Cambria" pitchFamily="18" charset="0"/>
+            </a:endParaRPr>
           </a:p>
         </p:txBody>
       </p:sp>
@@ -5992,7 +6651,7 @@
           <p:cNvPr id="5" name="2 Marcador de contenido">
             <a:extLst>
               <a:ext uri="{FF2B5EF4-FFF2-40B4-BE49-F238E27FC236}">
-                <a16:creationId xmlns:a16="http://schemas.microsoft.com/office/drawing/2014/main" id="{EBA710F4-3692-4B14-A182-1085508C8603}"/>
+                <a16:creationId xmlns:a16="http://schemas.microsoft.com/office/drawing/2014/main" xmlns="" id="{EBA710F4-3692-4B14-A182-1085508C8603}"/>
               </a:ext>
             </a:extLst>
           </p:cNvPr>
@@ -6003,8 +6662,8 @@
         </p:nvSpPr>
         <p:spPr>
           <a:xfrm>
-            <a:off x="457200" y="1268760"/>
-            <a:ext cx="8229600" cy="5112568"/>
+            <a:off x="395536" y="1628800"/>
+            <a:ext cx="8229600" cy="4680520"/>
           </a:xfrm>
           <a:prstGeom prst="rect">
             <a:avLst/>
@@ -6302,10 +6961,34 @@
           </a:p>
         </p:txBody>
       </p:sp>
+      <p:sp>
+        <p:nvSpPr>
+          <p:cNvPr id="6" name="5 Marcador de número de diapositiva"/>
+          <p:cNvSpPr>
+            <a:spLocks noGrp="1"/>
+          </p:cNvSpPr>
+          <p:nvPr>
+            <p:ph type="sldNum" sz="quarter" idx="12"/>
+          </p:nvPr>
+        </p:nvSpPr>
+        <p:spPr/>
+        <p:txBody>
+          <a:bodyPr/>
+          <a:lstStyle/>
+          <a:p>
+            <a:fld id="{F0DDBFE9-5A50-4899-BFD1-0BE91B0BD11B}" type="slidenum">
+              <a:rPr lang="ca-ES" smtClean="0"/>
+              <a:pPr/>
+              <a:t>16</a:t>
+            </a:fld>
+            <a:endParaRPr lang="ca-ES"/>
+          </a:p>
+        </p:txBody>
+      </p:sp>
     </p:spTree>
     <p:extLst>
       <p:ext uri="{BB962C8B-B14F-4D97-AF65-F5344CB8AC3E}">
-        <p14:creationId xmlns:p14="http://schemas.microsoft.com/office/powerpoint/2010/main" val="3935497828"/>
+        <p14:creationId xmlns:p14="http://schemas.microsoft.com/office/powerpoint/2010/main" xmlns="" val="3935497828"/>
       </p:ext>
     </p:extLst>
   </p:cSld>
@@ -6337,7 +7020,7 @@
           <p:cNvPr id="4" name="1 Título">
             <a:extLst>
               <a:ext uri="{FF2B5EF4-FFF2-40B4-BE49-F238E27FC236}">
-                <a16:creationId xmlns:a16="http://schemas.microsoft.com/office/drawing/2014/main" id="{4222F324-3EDE-43F4-B3F7-D3D34AB53CC7}"/>
+                <a16:creationId xmlns:a16="http://schemas.microsoft.com/office/drawing/2014/main" xmlns="" id="{4222F324-3EDE-43F4-B3F7-D3D34AB53CC7}"/>
               </a:ext>
             </a:extLst>
           </p:cNvPr>
@@ -6383,8 +7066,29 @@
                 <a:ea typeface="+mn-ea"/>
                 <a:cs typeface="+mn-cs"/>
               </a:rPr>
-              <a:t>4 – Realizar un bypass de login</a:t>
-            </a:r>
+              <a:t>4 – Realizar un bypass de </a:t>
+            </a:r>
+            <a:r>
+              <a:rPr lang="ca-ES" sz="3200" b="1" dirty="0" err="1" smtClean="0">
+                <a:latin typeface="Cambria" pitchFamily="18" charset="0"/>
+                <a:ea typeface="+mn-ea"/>
+                <a:cs typeface="+mn-cs"/>
+              </a:rPr>
+              <a:t>login</a:t>
+            </a:r>
+            <a:r>
+              <a:rPr lang="ca-ES" sz="3200" b="1" dirty="0" smtClean="0">
+                <a:latin typeface="Cambria" pitchFamily="18" charset="0"/>
+                <a:ea typeface="+mn-ea"/>
+                <a:cs typeface="+mn-cs"/>
+              </a:rPr>
+              <a:t> (I)</a:t>
+            </a:r>
+            <a:endParaRPr lang="ca-ES" sz="3200" b="1" dirty="0">
+              <a:latin typeface="Cambria" pitchFamily="18" charset="0"/>
+              <a:ea typeface="+mn-ea"/>
+              <a:cs typeface="+mn-cs"/>
+            </a:endParaRPr>
           </a:p>
         </p:txBody>
       </p:sp>
@@ -6393,7 +7097,7 @@
           <p:cNvPr id="5" name="2 Marcador de contenido">
             <a:extLst>
               <a:ext uri="{FF2B5EF4-FFF2-40B4-BE49-F238E27FC236}">
-                <a16:creationId xmlns:a16="http://schemas.microsoft.com/office/drawing/2014/main" id="{EBA710F4-3692-4B14-A182-1085508C8603}"/>
+                <a16:creationId xmlns:a16="http://schemas.microsoft.com/office/drawing/2014/main" xmlns="" id="{EBA710F4-3692-4B14-A182-1085508C8603}"/>
               </a:ext>
             </a:extLst>
           </p:cNvPr>
@@ -6558,12 +7262,28 @@
               <a:buNone/>
             </a:pPr>
             <a:r>
+              <a:rPr lang="ca-ES" sz="2400" dirty="0" err="1" smtClean="0">
+                <a:latin typeface="Cambria" pitchFamily="18" charset="0"/>
+                <a:ea typeface="+mj-ea"/>
+                <a:cs typeface="+mj-cs"/>
+              </a:rPr>
+              <a:t>Debemos</a:t>
+            </a:r>
+            <a:r>
+              <a:rPr lang="ca-ES" sz="2400" dirty="0" smtClean="0">
+                <a:latin typeface="Cambria" pitchFamily="18" charset="0"/>
+                <a:ea typeface="+mj-ea"/>
+                <a:cs typeface="+mj-cs"/>
+              </a:rPr>
+              <a:t> </a:t>
+            </a:r>
+            <a:r>
               <a:rPr lang="ca-ES" sz="2400" dirty="0">
                 <a:latin typeface="Cambria" pitchFamily="18" charset="0"/>
                 <a:ea typeface="+mj-ea"/>
                 <a:cs typeface="+mj-cs"/>
               </a:rPr>
-              <a:t>Una vez conocidas las credenciales, podríamos hacer un bypass de este proceso de inicio a la aplicación.</a:t>
+              <a:t>localizar el binario de la aplicación:</a:t>
             </a:r>
           </a:p>
           <a:p>
@@ -6582,14 +7302,11 @@
               <a:buFont typeface="Arial" pitchFamily="34" charset="0"/>
               <a:buNone/>
             </a:pPr>
-            <a:r>
-              <a:rPr lang="ca-ES" sz="2400" dirty="0">
-                <a:latin typeface="Cambria" pitchFamily="18" charset="0"/>
-                <a:ea typeface="+mj-ea"/>
-                <a:cs typeface="+mj-cs"/>
-              </a:rPr>
-              <a:t>Debemos localizar el binario de la aplicación:</a:t>
-            </a:r>
+            <a:endParaRPr lang="ca-ES" sz="2400" dirty="0">
+              <a:latin typeface="Cambria" pitchFamily="18" charset="0"/>
+              <a:ea typeface="+mj-ea"/>
+              <a:cs typeface="+mj-cs"/>
+            </a:endParaRPr>
           </a:p>
           <a:p>
             <a:pPr indent="17463">
@@ -6607,35 +7324,21 @@
               <a:buFont typeface="Arial" pitchFamily="34" charset="0"/>
               <a:buNone/>
             </a:pPr>
-            <a:endParaRPr lang="ca-ES" sz="2400" dirty="0">
-              <a:latin typeface="Cambria" pitchFamily="18" charset="0"/>
-              <a:ea typeface="+mj-ea"/>
-              <a:cs typeface="+mj-cs"/>
-            </a:endParaRPr>
-          </a:p>
-          <a:p>
-            <a:pPr indent="17463">
-              <a:buFont typeface="Arial" pitchFamily="34" charset="0"/>
-              <a:buNone/>
-            </a:pPr>
-            <a:endParaRPr lang="ca-ES" sz="2400" dirty="0">
-              <a:latin typeface="Cambria" pitchFamily="18" charset="0"/>
-              <a:ea typeface="+mj-ea"/>
-              <a:cs typeface="+mj-cs"/>
-            </a:endParaRPr>
-          </a:p>
-          <a:p>
-            <a:pPr indent="17463">
-              <a:buFont typeface="Arial" pitchFamily="34" charset="0"/>
-              <a:buNone/>
-            </a:pPr>
             <a:r>
               <a:rPr lang="ca-ES" sz="2400" dirty="0">
                 <a:latin typeface="Cambria" pitchFamily="18" charset="0"/>
                 <a:ea typeface="+mj-ea"/>
                 <a:cs typeface="+mj-cs"/>
               </a:rPr>
-              <a:t>Mediante class-dump sobre el binario, identificamos el nombre de la clase y el método a interceptar y baypassear</a:t>
+              <a:t>Mediante class-dump sobre el binario, identificamos el nombre de la clase y el método a interceptar y </a:t>
+            </a:r>
+            <a:r>
+              <a:rPr lang="ca-ES" sz="2400" dirty="0" err="1" smtClean="0">
+                <a:latin typeface="Cambria" pitchFamily="18" charset="0"/>
+                <a:ea typeface="+mj-ea"/>
+                <a:cs typeface="+mj-cs"/>
+              </a:rPr>
+              <a:t>bypassear</a:t>
             </a:r>
             <a:endParaRPr lang="ca-ES" sz="1600" dirty="0">
               <a:latin typeface="SimSun" panose="02010600030101010101" pitchFamily="2" charset="-122"/>
@@ -6649,7 +7352,7 @@
           <p:cNvPr id="6" name="Imagen 19">
             <a:extLst>
               <a:ext uri="{FF2B5EF4-FFF2-40B4-BE49-F238E27FC236}">
-                <a16:creationId xmlns:a16="http://schemas.microsoft.com/office/drawing/2014/main" id="{A20FE057-CBAB-4AEC-B1A4-9CA5516EE043}"/>
+                <a16:creationId xmlns:a16="http://schemas.microsoft.com/office/drawing/2014/main" xmlns="" id="{A20FE057-CBAB-4AEC-B1A4-9CA5516EE043}"/>
               </a:ext>
             </a:extLst>
           </p:cNvPr>
@@ -6664,7 +7367,7 @@
         </p:blipFill>
         <p:spPr>
           <a:xfrm>
-            <a:off x="1511617" y="3166675"/>
+            <a:off x="1547664" y="2060848"/>
             <a:ext cx="6120765" cy="694373"/>
           </a:xfrm>
           <a:prstGeom prst="rect">
@@ -6672,10 +7375,870 @@
           </a:prstGeom>
         </p:spPr>
       </p:pic>
+      <p:sp>
+        <p:nvSpPr>
+          <p:cNvPr id="7" name="6 Marcador de número de diapositiva"/>
+          <p:cNvSpPr>
+            <a:spLocks noGrp="1"/>
+          </p:cNvSpPr>
+          <p:nvPr>
+            <p:ph type="sldNum" sz="quarter" idx="12"/>
+          </p:nvPr>
+        </p:nvSpPr>
+        <p:spPr/>
+        <p:txBody>
+          <a:bodyPr/>
+          <a:lstStyle/>
+          <a:p>
+            <a:fld id="{F0DDBFE9-5A50-4899-BFD1-0BE91B0BD11B}" type="slidenum">
+              <a:rPr lang="ca-ES" smtClean="0"/>
+              <a:pPr/>
+              <a:t>17</a:t>
+            </a:fld>
+            <a:endParaRPr lang="ca-ES"/>
+          </a:p>
+        </p:txBody>
+      </p:sp>
     </p:spTree>
     <p:extLst>
       <p:ext uri="{BB962C8B-B14F-4D97-AF65-F5344CB8AC3E}">
-        <p14:creationId xmlns:p14="http://schemas.microsoft.com/office/powerpoint/2010/main" val="3488956472"/>
+        <p14:creationId xmlns:p14="http://schemas.microsoft.com/office/powerpoint/2010/main" xmlns="" val="3488956472"/>
+      </p:ext>
+    </p:extLst>
+  </p:cSld>
+  <p:clrMapOvr>
+    <a:masterClrMapping/>
+  </p:clrMapOvr>
+</p:sld>
+</file>
+
+<file path=ppt/slides/slide18.xml><?xml version="1.0" encoding="utf-8"?>
+<p:sld xmlns:a="http://schemas.openxmlformats.org/drawingml/2006/main" xmlns:r="http://schemas.openxmlformats.org/officeDocument/2006/relationships" xmlns:p="http://schemas.openxmlformats.org/presentationml/2006/main">
+  <p:cSld>
+    <p:spTree>
+      <p:nvGrpSpPr>
+        <p:cNvPr id="1" name=""/>
+        <p:cNvGrpSpPr/>
+        <p:nvPr/>
+      </p:nvGrpSpPr>
+      <p:grpSpPr>
+        <a:xfrm>
+          <a:off x="0" y="0"/>
+          <a:ext cx="0" cy="0"/>
+          <a:chOff x="0" y="0"/>
+          <a:chExt cx="0" cy="0"/>
+        </a:xfrm>
+      </p:grpSpPr>
+      <p:sp>
+        <p:nvSpPr>
+          <p:cNvPr id="4" name="1 Título">
+            <a:extLst>
+              <a:ext uri="{FF2B5EF4-FFF2-40B4-BE49-F238E27FC236}">
+                <a16:creationId xmlns:a16="http://schemas.microsoft.com/office/drawing/2014/main" xmlns="" id="{4222F324-3EDE-43F4-B3F7-D3D34AB53CC7}"/>
+              </a:ext>
+            </a:extLst>
+          </p:cNvPr>
+          <p:cNvSpPr txBox="1">
+            <a:spLocks/>
+          </p:cNvSpPr>
+          <p:nvPr/>
+        </p:nvSpPr>
+        <p:spPr>
+          <a:xfrm>
+            <a:off x="457200" y="620688"/>
+            <a:ext cx="8229600" cy="504056"/>
+          </a:xfrm>
+          <a:prstGeom prst="rect">
+            <a:avLst/>
+          </a:prstGeom>
+        </p:spPr>
+        <p:txBody>
+          <a:bodyPr vert="horz" lIns="91440" tIns="45720" rIns="91440" bIns="45720" rtlCol="0" anchor="ctr">
+            <a:normAutofit fontScale="92500" lnSpcReduction="10000"/>
+          </a:bodyPr>
+          <a:lstStyle>
+            <a:lvl1pPr algn="ctr" defTabSz="914400" rtl="0" eaLnBrk="1" latinLnBrk="0" hangingPunct="1">
+              <a:spcBef>
+                <a:spcPct val="0"/>
+              </a:spcBef>
+              <a:buNone/>
+              <a:defRPr sz="4400" kern="1200">
+                <a:solidFill>
+                  <a:schemeClr val="tx1"/>
+                </a:solidFill>
+                <a:latin typeface="+mj-lt"/>
+                <a:ea typeface="+mj-ea"/>
+                <a:cs typeface="+mj-cs"/>
+              </a:defRPr>
+            </a:lvl1pPr>
+          </a:lstStyle>
+          <a:p>
+            <a:pPr algn="l"/>
+            <a:r>
+              <a:rPr lang="ca-ES" sz="3200" b="1" dirty="0">
+                <a:latin typeface="Cambria" pitchFamily="18" charset="0"/>
+                <a:ea typeface="+mn-ea"/>
+                <a:cs typeface="+mn-cs"/>
+              </a:rPr>
+              <a:t>4 – Realizar un bypass de </a:t>
+            </a:r>
+            <a:r>
+              <a:rPr lang="ca-ES" sz="3200" b="1" dirty="0" err="1" smtClean="0">
+                <a:latin typeface="Cambria" pitchFamily="18" charset="0"/>
+                <a:ea typeface="+mn-ea"/>
+                <a:cs typeface="+mn-cs"/>
+              </a:rPr>
+              <a:t>login</a:t>
+            </a:r>
+            <a:r>
+              <a:rPr lang="ca-ES" sz="3200" b="1" dirty="0" smtClean="0">
+                <a:latin typeface="Cambria" pitchFamily="18" charset="0"/>
+                <a:ea typeface="+mn-ea"/>
+                <a:cs typeface="+mn-cs"/>
+              </a:rPr>
+              <a:t> (II)</a:t>
+            </a:r>
+            <a:endParaRPr lang="ca-ES" sz="3200" b="1" dirty="0">
+              <a:latin typeface="Cambria" pitchFamily="18" charset="0"/>
+              <a:ea typeface="+mn-ea"/>
+              <a:cs typeface="+mn-cs"/>
+            </a:endParaRPr>
+          </a:p>
+        </p:txBody>
+      </p:sp>
+      <p:sp>
+        <p:nvSpPr>
+          <p:cNvPr id="5" name="2 Marcador de contenido">
+            <a:extLst>
+              <a:ext uri="{FF2B5EF4-FFF2-40B4-BE49-F238E27FC236}">
+                <a16:creationId xmlns:a16="http://schemas.microsoft.com/office/drawing/2014/main" xmlns="" id="{EBA710F4-3692-4B14-A182-1085508C8603}"/>
+              </a:ext>
+            </a:extLst>
+          </p:cNvPr>
+          <p:cNvSpPr txBox="1">
+            <a:spLocks/>
+          </p:cNvSpPr>
+          <p:nvPr/>
+        </p:nvSpPr>
+        <p:spPr>
+          <a:xfrm>
+            <a:off x="467544" y="1268760"/>
+            <a:ext cx="8229600" cy="1296144"/>
+          </a:xfrm>
+          <a:prstGeom prst="rect">
+            <a:avLst/>
+          </a:prstGeom>
+        </p:spPr>
+        <p:txBody>
+          <a:bodyPr vert="horz" lIns="91440" tIns="45720" rIns="91440" bIns="45720" rtlCol="0">
+            <a:normAutofit fontScale="92500" lnSpcReduction="20000"/>
+          </a:bodyPr>
+          <a:lstStyle>
+            <a:lvl1pPr marL="342900" indent="-342900" algn="l" defTabSz="914400" rtl="0" eaLnBrk="1" latinLnBrk="0" hangingPunct="1">
+              <a:spcBef>
+                <a:spcPct val="20000"/>
+              </a:spcBef>
+              <a:buFont typeface="Arial" pitchFamily="34" charset="0"/>
+              <a:buChar char="•"/>
+              <a:defRPr sz="3200" kern="1200">
+                <a:solidFill>
+                  <a:schemeClr val="tx1"/>
+                </a:solidFill>
+                <a:latin typeface="+mn-lt"/>
+                <a:ea typeface="+mn-ea"/>
+                <a:cs typeface="+mn-cs"/>
+              </a:defRPr>
+            </a:lvl1pPr>
+            <a:lvl2pPr marL="742950" indent="-285750" algn="l" defTabSz="914400" rtl="0" eaLnBrk="1" latinLnBrk="0" hangingPunct="1">
+              <a:spcBef>
+                <a:spcPct val="20000"/>
+              </a:spcBef>
+              <a:buFont typeface="Arial" pitchFamily="34" charset="0"/>
+              <a:buChar char="–"/>
+              <a:defRPr sz="2800" kern="1200">
+                <a:solidFill>
+                  <a:schemeClr val="tx1"/>
+                </a:solidFill>
+                <a:latin typeface="+mn-lt"/>
+                <a:ea typeface="+mn-ea"/>
+                <a:cs typeface="+mn-cs"/>
+              </a:defRPr>
+            </a:lvl2pPr>
+            <a:lvl3pPr marL="1143000" indent="-228600" algn="l" defTabSz="914400" rtl="0" eaLnBrk="1" latinLnBrk="0" hangingPunct="1">
+              <a:spcBef>
+                <a:spcPct val="20000"/>
+              </a:spcBef>
+              <a:buFont typeface="Arial" pitchFamily="34" charset="0"/>
+              <a:buChar char="•"/>
+              <a:defRPr sz="2400" kern="1200">
+                <a:solidFill>
+                  <a:schemeClr val="tx1"/>
+                </a:solidFill>
+                <a:latin typeface="+mn-lt"/>
+                <a:ea typeface="+mn-ea"/>
+                <a:cs typeface="+mn-cs"/>
+              </a:defRPr>
+            </a:lvl3pPr>
+            <a:lvl4pPr marL="1600200" indent="-228600" algn="l" defTabSz="914400" rtl="0" eaLnBrk="1" latinLnBrk="0" hangingPunct="1">
+              <a:spcBef>
+                <a:spcPct val="20000"/>
+              </a:spcBef>
+              <a:buFont typeface="Arial" pitchFamily="34" charset="0"/>
+              <a:buChar char="–"/>
+              <a:defRPr sz="2000" kern="1200">
+                <a:solidFill>
+                  <a:schemeClr val="tx1"/>
+                </a:solidFill>
+                <a:latin typeface="+mn-lt"/>
+                <a:ea typeface="+mn-ea"/>
+                <a:cs typeface="+mn-cs"/>
+              </a:defRPr>
+            </a:lvl4pPr>
+            <a:lvl5pPr marL="2057400" indent="-228600" algn="l" defTabSz="914400" rtl="0" eaLnBrk="1" latinLnBrk="0" hangingPunct="1">
+              <a:spcBef>
+                <a:spcPct val="20000"/>
+              </a:spcBef>
+              <a:buFont typeface="Arial" pitchFamily="34" charset="0"/>
+              <a:buChar char="»"/>
+              <a:defRPr sz="2000" kern="1200">
+                <a:solidFill>
+                  <a:schemeClr val="tx1"/>
+                </a:solidFill>
+                <a:latin typeface="+mn-lt"/>
+                <a:ea typeface="+mn-ea"/>
+                <a:cs typeface="+mn-cs"/>
+              </a:defRPr>
+            </a:lvl5pPr>
+            <a:lvl6pPr marL="2514600" indent="-228600" algn="l" defTabSz="914400" rtl="0" eaLnBrk="1" latinLnBrk="0" hangingPunct="1">
+              <a:spcBef>
+                <a:spcPct val="20000"/>
+              </a:spcBef>
+              <a:buFont typeface="Arial" pitchFamily="34" charset="0"/>
+              <a:buChar char="•"/>
+              <a:defRPr sz="2000" kern="1200">
+                <a:solidFill>
+                  <a:schemeClr val="tx1"/>
+                </a:solidFill>
+                <a:latin typeface="+mn-lt"/>
+                <a:ea typeface="+mn-ea"/>
+                <a:cs typeface="+mn-cs"/>
+              </a:defRPr>
+            </a:lvl6pPr>
+            <a:lvl7pPr marL="2971800" indent="-228600" algn="l" defTabSz="914400" rtl="0" eaLnBrk="1" latinLnBrk="0" hangingPunct="1">
+              <a:spcBef>
+                <a:spcPct val="20000"/>
+              </a:spcBef>
+              <a:buFont typeface="Arial" pitchFamily="34" charset="0"/>
+              <a:buChar char="•"/>
+              <a:defRPr sz="2000" kern="1200">
+                <a:solidFill>
+                  <a:schemeClr val="tx1"/>
+                </a:solidFill>
+                <a:latin typeface="+mn-lt"/>
+                <a:ea typeface="+mn-ea"/>
+                <a:cs typeface="+mn-cs"/>
+              </a:defRPr>
+            </a:lvl7pPr>
+            <a:lvl8pPr marL="3429000" indent="-228600" algn="l" defTabSz="914400" rtl="0" eaLnBrk="1" latinLnBrk="0" hangingPunct="1">
+              <a:spcBef>
+                <a:spcPct val="20000"/>
+              </a:spcBef>
+              <a:buFont typeface="Arial" pitchFamily="34" charset="0"/>
+              <a:buChar char="•"/>
+              <a:defRPr sz="2000" kern="1200">
+                <a:solidFill>
+                  <a:schemeClr val="tx1"/>
+                </a:solidFill>
+                <a:latin typeface="+mn-lt"/>
+                <a:ea typeface="+mn-ea"/>
+                <a:cs typeface="+mn-cs"/>
+              </a:defRPr>
+            </a:lvl8pPr>
+            <a:lvl9pPr marL="3886200" indent="-228600" algn="l" defTabSz="914400" rtl="0" eaLnBrk="1" latinLnBrk="0" hangingPunct="1">
+              <a:spcBef>
+                <a:spcPct val="20000"/>
+              </a:spcBef>
+              <a:buFont typeface="Arial" pitchFamily="34" charset="0"/>
+              <a:buChar char="•"/>
+              <a:defRPr sz="2000" kern="1200">
+                <a:solidFill>
+                  <a:schemeClr val="tx1"/>
+                </a:solidFill>
+                <a:latin typeface="+mn-lt"/>
+                <a:ea typeface="+mn-ea"/>
+                <a:cs typeface="+mn-cs"/>
+              </a:defRPr>
+            </a:lvl9pPr>
+          </a:lstStyle>
+          <a:p>
+            <a:pPr indent="17463">
+              <a:buFont typeface="Arial" pitchFamily="34" charset="0"/>
+              <a:buNone/>
+            </a:pPr>
+            <a:r>
+              <a:rPr lang="ca-ES" sz="3400" dirty="0" err="1" smtClean="0">
+                <a:latin typeface="Cambria" pitchFamily="18" charset="0"/>
+                <a:ea typeface="+mj-ea"/>
+                <a:cs typeface="+mj-cs"/>
+              </a:rPr>
+              <a:t>Modificamos</a:t>
+            </a:r>
+            <a:r>
+              <a:rPr lang="ca-ES" sz="3400" dirty="0" smtClean="0">
+                <a:latin typeface="Cambria" pitchFamily="18" charset="0"/>
+                <a:ea typeface="+mj-ea"/>
+                <a:cs typeface="+mj-cs"/>
+              </a:rPr>
+              <a:t> el </a:t>
+            </a:r>
+            <a:r>
+              <a:rPr lang="ca-ES" sz="3400" dirty="0" err="1" smtClean="0">
+                <a:latin typeface="Cambria" pitchFamily="18" charset="0"/>
+                <a:ea typeface="+mj-ea"/>
+                <a:cs typeface="+mj-cs"/>
+              </a:rPr>
+              <a:t>fichero</a:t>
+            </a:r>
+            <a:r>
+              <a:rPr lang="ca-ES" sz="3400" dirty="0" smtClean="0">
+                <a:latin typeface="Cambria" pitchFamily="18" charset="0"/>
+                <a:ea typeface="+mj-ea"/>
+                <a:cs typeface="+mj-cs"/>
+              </a:rPr>
+              <a:t> </a:t>
+            </a:r>
+            <a:r>
+              <a:rPr lang="ca-ES" sz="3400" dirty="0" err="1" smtClean="0">
+                <a:latin typeface="Cambria" pitchFamily="18" charset="0"/>
+                <a:ea typeface="+mj-ea"/>
+                <a:cs typeface="+mj-cs"/>
+              </a:rPr>
+              <a:t>login.js</a:t>
+            </a:r>
+            <a:r>
+              <a:rPr lang="ca-ES" sz="3400" dirty="0" smtClean="0">
+                <a:latin typeface="Cambria" pitchFamily="18" charset="0"/>
+                <a:ea typeface="+mj-ea"/>
+                <a:cs typeface="+mj-cs"/>
+              </a:rPr>
+              <a:t> para poder interceptar la </a:t>
+            </a:r>
+            <a:r>
+              <a:rPr lang="ca-ES" sz="3400" dirty="0" err="1" smtClean="0">
+                <a:latin typeface="Cambria" pitchFamily="18" charset="0"/>
+                <a:ea typeface="+mj-ea"/>
+                <a:cs typeface="+mj-cs"/>
+              </a:rPr>
+              <a:t>clas</a:t>
+            </a:r>
+            <a:r>
+              <a:rPr lang="ca-ES" sz="3400" dirty="0" err="1" smtClean="0">
+                <a:latin typeface="Cambria" pitchFamily="18" charset="0"/>
+                <a:ea typeface="+mj-ea"/>
+                <a:cs typeface="+mj-cs"/>
+              </a:rPr>
+              <a:t>e</a:t>
+            </a:r>
+            <a:r>
+              <a:rPr lang="ca-ES" sz="3400" dirty="0" smtClean="0">
+                <a:latin typeface="Cambria" pitchFamily="18" charset="0"/>
+                <a:ea typeface="+mj-ea"/>
+                <a:cs typeface="+mj-cs"/>
+              </a:rPr>
+              <a:t> y el </a:t>
+            </a:r>
+            <a:r>
+              <a:rPr lang="ca-ES" sz="3400" dirty="0" err="1" smtClean="0">
+                <a:latin typeface="Cambria" pitchFamily="18" charset="0"/>
+                <a:ea typeface="+mj-ea"/>
+                <a:cs typeface="+mj-cs"/>
+              </a:rPr>
+              <a:t>método</a:t>
+            </a:r>
+            <a:r>
+              <a:rPr lang="ca-ES" sz="3400" dirty="0" smtClean="0">
+                <a:latin typeface="Cambria" pitchFamily="18" charset="0"/>
+                <a:ea typeface="+mj-ea"/>
+                <a:cs typeface="+mj-cs"/>
+              </a:rPr>
+              <a:t> que nos </a:t>
+            </a:r>
+            <a:r>
+              <a:rPr lang="ca-ES" sz="3400" dirty="0" err="1" smtClean="0">
+                <a:latin typeface="Cambria" pitchFamily="18" charset="0"/>
+                <a:ea typeface="+mj-ea"/>
+                <a:cs typeface="+mj-cs"/>
+              </a:rPr>
+              <a:t>interesa</a:t>
+            </a:r>
+            <a:r>
+              <a:rPr lang="ca-ES" sz="3400" dirty="0" smtClean="0">
+                <a:latin typeface="Cambria" pitchFamily="18" charset="0"/>
+                <a:ea typeface="+mj-ea"/>
+                <a:cs typeface="+mj-cs"/>
+              </a:rPr>
+              <a:t>:</a:t>
+            </a:r>
+          </a:p>
+          <a:p>
+            <a:pPr indent="17463">
+              <a:buFont typeface="Arial" pitchFamily="34" charset="0"/>
+              <a:buNone/>
+            </a:pPr>
+            <a:endParaRPr lang="ca-ES" sz="4400" dirty="0" smtClean="0">
+              <a:latin typeface="Cambria" pitchFamily="18" charset="0"/>
+              <a:ea typeface="+mj-ea"/>
+              <a:cs typeface="+mj-cs"/>
+            </a:endParaRPr>
+          </a:p>
+        </p:txBody>
+      </p:sp>
+      <p:pic>
+        <p:nvPicPr>
+          <p:cNvPr id="3074" name="Picture 2"/>
+          <p:cNvPicPr>
+            <a:picLocks noChangeAspect="1" noChangeArrowheads="1"/>
+          </p:cNvPicPr>
+          <p:nvPr/>
+        </p:nvPicPr>
+        <p:blipFill>
+          <a:blip r:embed="rId2" cstate="print"/>
+          <a:srcRect/>
+          <a:stretch>
+            <a:fillRect/>
+          </a:stretch>
+        </p:blipFill>
+        <p:spPr bwMode="auto">
+          <a:xfrm>
+            <a:off x="1331640" y="2564904"/>
+            <a:ext cx="6457950" cy="3867150"/>
+          </a:xfrm>
+          <a:prstGeom prst="rect">
+            <a:avLst/>
+          </a:prstGeom>
+          <a:noFill/>
+          <a:ln w="9525">
+            <a:noFill/>
+            <a:miter lim="800000"/>
+            <a:headEnd/>
+            <a:tailEnd/>
+          </a:ln>
+        </p:spPr>
+      </p:pic>
+      <p:sp>
+        <p:nvSpPr>
+          <p:cNvPr id="7" name="6 Marcador de número de diapositiva"/>
+          <p:cNvSpPr>
+            <a:spLocks noGrp="1"/>
+          </p:cNvSpPr>
+          <p:nvPr>
+            <p:ph type="sldNum" sz="quarter" idx="12"/>
+          </p:nvPr>
+        </p:nvSpPr>
+        <p:spPr/>
+        <p:txBody>
+          <a:bodyPr/>
+          <a:lstStyle/>
+          <a:p>
+            <a:fld id="{F0DDBFE9-5A50-4899-BFD1-0BE91B0BD11B}" type="slidenum">
+              <a:rPr lang="ca-ES" smtClean="0"/>
+              <a:pPr/>
+              <a:t>18</a:t>
+            </a:fld>
+            <a:endParaRPr lang="ca-ES"/>
+          </a:p>
+        </p:txBody>
+      </p:sp>
+    </p:spTree>
+    <p:extLst>
+      <p:ext uri="{BB962C8B-B14F-4D97-AF65-F5344CB8AC3E}">
+        <p14:creationId xmlns:p14="http://schemas.microsoft.com/office/powerpoint/2010/main" xmlns="" val="3488956472"/>
+      </p:ext>
+    </p:extLst>
+  </p:cSld>
+  <p:clrMapOvr>
+    <a:masterClrMapping/>
+  </p:clrMapOvr>
+</p:sld>
+</file>
+
+<file path=ppt/slides/slide19.xml><?xml version="1.0" encoding="utf-8"?>
+<p:sld xmlns:a="http://schemas.openxmlformats.org/drawingml/2006/main" xmlns:r="http://schemas.openxmlformats.org/officeDocument/2006/relationships" xmlns:p="http://schemas.openxmlformats.org/presentationml/2006/main">
+  <p:cSld>
+    <p:spTree>
+      <p:nvGrpSpPr>
+        <p:cNvPr id="1" name=""/>
+        <p:cNvGrpSpPr/>
+        <p:nvPr/>
+      </p:nvGrpSpPr>
+      <p:grpSpPr>
+        <a:xfrm>
+          <a:off x="0" y="0"/>
+          <a:ext cx="0" cy="0"/>
+          <a:chOff x="0" y="0"/>
+          <a:chExt cx="0" cy="0"/>
+        </a:xfrm>
+      </p:grpSpPr>
+      <p:sp>
+        <p:nvSpPr>
+          <p:cNvPr id="4" name="1 Título">
+            <a:extLst>
+              <a:ext uri="{FF2B5EF4-FFF2-40B4-BE49-F238E27FC236}">
+                <a16:creationId xmlns:a16="http://schemas.microsoft.com/office/drawing/2014/main" xmlns="" id="{4222F324-3EDE-43F4-B3F7-D3D34AB53CC7}"/>
+              </a:ext>
+            </a:extLst>
+          </p:cNvPr>
+          <p:cNvSpPr txBox="1">
+            <a:spLocks/>
+          </p:cNvSpPr>
+          <p:nvPr/>
+        </p:nvSpPr>
+        <p:spPr>
+          <a:xfrm>
+            <a:off x="457200" y="620688"/>
+            <a:ext cx="8229600" cy="504056"/>
+          </a:xfrm>
+          <a:prstGeom prst="rect">
+            <a:avLst/>
+          </a:prstGeom>
+        </p:spPr>
+        <p:txBody>
+          <a:bodyPr vert="horz" lIns="91440" tIns="45720" rIns="91440" bIns="45720" rtlCol="0" anchor="ctr">
+            <a:normAutofit fontScale="92500" lnSpcReduction="10000"/>
+          </a:bodyPr>
+          <a:lstStyle>
+            <a:lvl1pPr algn="ctr" defTabSz="914400" rtl="0" eaLnBrk="1" latinLnBrk="0" hangingPunct="1">
+              <a:spcBef>
+                <a:spcPct val="0"/>
+              </a:spcBef>
+              <a:buNone/>
+              <a:defRPr sz="4400" kern="1200">
+                <a:solidFill>
+                  <a:schemeClr val="tx1"/>
+                </a:solidFill>
+                <a:latin typeface="+mj-lt"/>
+                <a:ea typeface="+mj-ea"/>
+                <a:cs typeface="+mj-cs"/>
+              </a:defRPr>
+            </a:lvl1pPr>
+          </a:lstStyle>
+          <a:p>
+            <a:pPr algn="l"/>
+            <a:r>
+              <a:rPr lang="ca-ES" sz="3200" b="1" dirty="0">
+                <a:latin typeface="Cambria" pitchFamily="18" charset="0"/>
+                <a:ea typeface="+mn-ea"/>
+                <a:cs typeface="+mn-cs"/>
+              </a:rPr>
+              <a:t>4 – Realizar un bypass de </a:t>
+            </a:r>
+            <a:r>
+              <a:rPr lang="ca-ES" sz="3200" b="1" dirty="0" err="1" smtClean="0">
+                <a:latin typeface="Cambria" pitchFamily="18" charset="0"/>
+                <a:ea typeface="+mn-ea"/>
+                <a:cs typeface="+mn-cs"/>
+              </a:rPr>
+              <a:t>login</a:t>
+            </a:r>
+            <a:r>
+              <a:rPr lang="ca-ES" sz="3200" b="1" dirty="0" smtClean="0">
+                <a:latin typeface="Cambria" pitchFamily="18" charset="0"/>
+                <a:ea typeface="+mn-ea"/>
+                <a:cs typeface="+mn-cs"/>
+              </a:rPr>
+              <a:t> (y III)</a:t>
+            </a:r>
+            <a:endParaRPr lang="ca-ES" sz="3200" b="1" dirty="0">
+              <a:latin typeface="Cambria" pitchFamily="18" charset="0"/>
+              <a:ea typeface="+mn-ea"/>
+              <a:cs typeface="+mn-cs"/>
+            </a:endParaRPr>
+          </a:p>
+        </p:txBody>
+      </p:sp>
+      <p:sp>
+        <p:nvSpPr>
+          <p:cNvPr id="5" name="2 Marcador de contenido">
+            <a:extLst>
+              <a:ext uri="{FF2B5EF4-FFF2-40B4-BE49-F238E27FC236}">
+                <a16:creationId xmlns:a16="http://schemas.microsoft.com/office/drawing/2014/main" xmlns="" id="{EBA710F4-3692-4B14-A182-1085508C8603}"/>
+              </a:ext>
+            </a:extLst>
+          </p:cNvPr>
+          <p:cNvSpPr txBox="1">
+            <a:spLocks/>
+          </p:cNvSpPr>
+          <p:nvPr/>
+        </p:nvSpPr>
+        <p:spPr>
+          <a:xfrm>
+            <a:off x="467544" y="1268760"/>
+            <a:ext cx="8229600" cy="1296144"/>
+          </a:xfrm>
+          <a:prstGeom prst="rect">
+            <a:avLst/>
+          </a:prstGeom>
+        </p:spPr>
+        <p:txBody>
+          <a:bodyPr vert="horz" lIns="91440" tIns="45720" rIns="91440" bIns="45720" rtlCol="0">
+            <a:normAutofit/>
+          </a:bodyPr>
+          <a:lstStyle>
+            <a:lvl1pPr marL="342900" indent="-342900" algn="l" defTabSz="914400" rtl="0" eaLnBrk="1" latinLnBrk="0" hangingPunct="1">
+              <a:spcBef>
+                <a:spcPct val="20000"/>
+              </a:spcBef>
+              <a:buFont typeface="Arial" pitchFamily="34" charset="0"/>
+              <a:buChar char="•"/>
+              <a:defRPr sz="3200" kern="1200">
+                <a:solidFill>
+                  <a:schemeClr val="tx1"/>
+                </a:solidFill>
+                <a:latin typeface="+mn-lt"/>
+                <a:ea typeface="+mn-ea"/>
+                <a:cs typeface="+mn-cs"/>
+              </a:defRPr>
+            </a:lvl1pPr>
+            <a:lvl2pPr marL="742950" indent="-285750" algn="l" defTabSz="914400" rtl="0" eaLnBrk="1" latinLnBrk="0" hangingPunct="1">
+              <a:spcBef>
+                <a:spcPct val="20000"/>
+              </a:spcBef>
+              <a:buFont typeface="Arial" pitchFamily="34" charset="0"/>
+              <a:buChar char="–"/>
+              <a:defRPr sz="2800" kern="1200">
+                <a:solidFill>
+                  <a:schemeClr val="tx1"/>
+                </a:solidFill>
+                <a:latin typeface="+mn-lt"/>
+                <a:ea typeface="+mn-ea"/>
+                <a:cs typeface="+mn-cs"/>
+              </a:defRPr>
+            </a:lvl2pPr>
+            <a:lvl3pPr marL="1143000" indent="-228600" algn="l" defTabSz="914400" rtl="0" eaLnBrk="1" latinLnBrk="0" hangingPunct="1">
+              <a:spcBef>
+                <a:spcPct val="20000"/>
+              </a:spcBef>
+              <a:buFont typeface="Arial" pitchFamily="34" charset="0"/>
+              <a:buChar char="•"/>
+              <a:defRPr sz="2400" kern="1200">
+                <a:solidFill>
+                  <a:schemeClr val="tx1"/>
+                </a:solidFill>
+                <a:latin typeface="+mn-lt"/>
+                <a:ea typeface="+mn-ea"/>
+                <a:cs typeface="+mn-cs"/>
+              </a:defRPr>
+            </a:lvl3pPr>
+            <a:lvl4pPr marL="1600200" indent="-228600" algn="l" defTabSz="914400" rtl="0" eaLnBrk="1" latinLnBrk="0" hangingPunct="1">
+              <a:spcBef>
+                <a:spcPct val="20000"/>
+              </a:spcBef>
+              <a:buFont typeface="Arial" pitchFamily="34" charset="0"/>
+              <a:buChar char="–"/>
+              <a:defRPr sz="2000" kern="1200">
+                <a:solidFill>
+                  <a:schemeClr val="tx1"/>
+                </a:solidFill>
+                <a:latin typeface="+mn-lt"/>
+                <a:ea typeface="+mn-ea"/>
+                <a:cs typeface="+mn-cs"/>
+              </a:defRPr>
+            </a:lvl4pPr>
+            <a:lvl5pPr marL="2057400" indent="-228600" algn="l" defTabSz="914400" rtl="0" eaLnBrk="1" latinLnBrk="0" hangingPunct="1">
+              <a:spcBef>
+                <a:spcPct val="20000"/>
+              </a:spcBef>
+              <a:buFont typeface="Arial" pitchFamily="34" charset="0"/>
+              <a:buChar char="»"/>
+              <a:defRPr sz="2000" kern="1200">
+                <a:solidFill>
+                  <a:schemeClr val="tx1"/>
+                </a:solidFill>
+                <a:latin typeface="+mn-lt"/>
+                <a:ea typeface="+mn-ea"/>
+                <a:cs typeface="+mn-cs"/>
+              </a:defRPr>
+            </a:lvl5pPr>
+            <a:lvl6pPr marL="2514600" indent="-228600" algn="l" defTabSz="914400" rtl="0" eaLnBrk="1" latinLnBrk="0" hangingPunct="1">
+              <a:spcBef>
+                <a:spcPct val="20000"/>
+              </a:spcBef>
+              <a:buFont typeface="Arial" pitchFamily="34" charset="0"/>
+              <a:buChar char="•"/>
+              <a:defRPr sz="2000" kern="1200">
+                <a:solidFill>
+                  <a:schemeClr val="tx1"/>
+                </a:solidFill>
+                <a:latin typeface="+mn-lt"/>
+                <a:ea typeface="+mn-ea"/>
+                <a:cs typeface="+mn-cs"/>
+              </a:defRPr>
+            </a:lvl6pPr>
+            <a:lvl7pPr marL="2971800" indent="-228600" algn="l" defTabSz="914400" rtl="0" eaLnBrk="1" latinLnBrk="0" hangingPunct="1">
+              <a:spcBef>
+                <a:spcPct val="20000"/>
+              </a:spcBef>
+              <a:buFont typeface="Arial" pitchFamily="34" charset="0"/>
+              <a:buChar char="•"/>
+              <a:defRPr sz="2000" kern="1200">
+                <a:solidFill>
+                  <a:schemeClr val="tx1"/>
+                </a:solidFill>
+                <a:latin typeface="+mn-lt"/>
+                <a:ea typeface="+mn-ea"/>
+                <a:cs typeface="+mn-cs"/>
+              </a:defRPr>
+            </a:lvl7pPr>
+            <a:lvl8pPr marL="3429000" indent="-228600" algn="l" defTabSz="914400" rtl="0" eaLnBrk="1" latinLnBrk="0" hangingPunct="1">
+              <a:spcBef>
+                <a:spcPct val="20000"/>
+              </a:spcBef>
+              <a:buFont typeface="Arial" pitchFamily="34" charset="0"/>
+              <a:buChar char="•"/>
+              <a:defRPr sz="2000" kern="1200">
+                <a:solidFill>
+                  <a:schemeClr val="tx1"/>
+                </a:solidFill>
+                <a:latin typeface="+mn-lt"/>
+                <a:ea typeface="+mn-ea"/>
+                <a:cs typeface="+mn-cs"/>
+              </a:defRPr>
+            </a:lvl8pPr>
+            <a:lvl9pPr marL="3886200" indent="-228600" algn="l" defTabSz="914400" rtl="0" eaLnBrk="1" latinLnBrk="0" hangingPunct="1">
+              <a:spcBef>
+                <a:spcPct val="20000"/>
+              </a:spcBef>
+              <a:buFont typeface="Arial" pitchFamily="34" charset="0"/>
+              <a:buChar char="•"/>
+              <a:defRPr sz="2000" kern="1200">
+                <a:solidFill>
+                  <a:schemeClr val="tx1"/>
+                </a:solidFill>
+                <a:latin typeface="+mn-lt"/>
+                <a:ea typeface="+mn-ea"/>
+                <a:cs typeface="+mn-cs"/>
+              </a:defRPr>
+            </a:lvl9pPr>
+          </a:lstStyle>
+          <a:p>
+            <a:pPr indent="17463">
+              <a:buFont typeface="Arial" pitchFamily="34" charset="0"/>
+              <a:buNone/>
+            </a:pPr>
+            <a:r>
+              <a:rPr lang="ca-ES" sz="2600" dirty="0" smtClean="0">
+                <a:latin typeface="Cambria" pitchFamily="18" charset="0"/>
+                <a:ea typeface="+mj-ea"/>
+                <a:cs typeface="+mj-cs"/>
+              </a:rPr>
+              <a:t>En la consola del simulador de mòbil </a:t>
+            </a:r>
+            <a:r>
+              <a:rPr lang="ca-ES" sz="2600" dirty="0" err="1" smtClean="0">
+                <a:latin typeface="Cambria" pitchFamily="18" charset="0"/>
+                <a:ea typeface="+mj-ea"/>
+                <a:cs typeface="+mj-cs"/>
+              </a:rPr>
+              <a:t>podemos</a:t>
+            </a:r>
+            <a:r>
+              <a:rPr lang="ca-ES" sz="2600" dirty="0" smtClean="0">
+                <a:latin typeface="Cambria" pitchFamily="18" charset="0"/>
+                <a:ea typeface="+mj-ea"/>
+                <a:cs typeface="+mj-cs"/>
+              </a:rPr>
+              <a:t> ver la evidencia del bypass de </a:t>
+            </a:r>
+            <a:r>
+              <a:rPr lang="ca-ES" sz="2600" dirty="0" err="1" smtClean="0">
+                <a:latin typeface="Cambria" pitchFamily="18" charset="0"/>
+                <a:ea typeface="+mj-ea"/>
+                <a:cs typeface="+mj-cs"/>
+              </a:rPr>
+              <a:t>login</a:t>
+            </a:r>
+            <a:r>
+              <a:rPr lang="ca-ES" sz="2600" dirty="0" smtClean="0">
+                <a:latin typeface="Cambria" pitchFamily="18" charset="0"/>
+                <a:ea typeface="+mj-ea"/>
+                <a:cs typeface="+mj-cs"/>
+              </a:rPr>
+              <a:t>:</a:t>
+            </a:r>
+          </a:p>
+          <a:p>
+            <a:pPr indent="17463">
+              <a:buFont typeface="Arial" pitchFamily="34" charset="0"/>
+              <a:buNone/>
+            </a:pPr>
+            <a:endParaRPr lang="ca-ES" sz="4400" dirty="0" smtClean="0">
+              <a:latin typeface="Cambria" pitchFamily="18" charset="0"/>
+              <a:ea typeface="+mj-ea"/>
+              <a:cs typeface="+mj-cs"/>
+            </a:endParaRPr>
+          </a:p>
+        </p:txBody>
+      </p:sp>
+      <p:pic>
+        <p:nvPicPr>
+          <p:cNvPr id="5122" name="Picture 2"/>
+          <p:cNvPicPr>
+            <a:picLocks noChangeAspect="1" noChangeArrowheads="1"/>
+          </p:cNvPicPr>
+          <p:nvPr/>
+        </p:nvPicPr>
+        <p:blipFill>
+          <a:blip r:embed="rId2" cstate="print"/>
+          <a:srcRect/>
+          <a:stretch>
+            <a:fillRect/>
+          </a:stretch>
+        </p:blipFill>
+        <p:spPr bwMode="auto">
+          <a:xfrm>
+            <a:off x="3059832" y="2205186"/>
+            <a:ext cx="3086100" cy="4248150"/>
+          </a:xfrm>
+          <a:prstGeom prst="rect">
+            <a:avLst/>
+          </a:prstGeom>
+          <a:noFill/>
+          <a:ln w="9525">
+            <a:noFill/>
+            <a:miter lim="800000"/>
+            <a:headEnd/>
+            <a:tailEnd/>
+          </a:ln>
+        </p:spPr>
+      </p:pic>
+      <p:sp>
+        <p:nvSpPr>
+          <p:cNvPr id="6" name="5 Marcador de número de diapositiva"/>
+          <p:cNvSpPr>
+            <a:spLocks noGrp="1"/>
+          </p:cNvSpPr>
+          <p:nvPr>
+            <p:ph type="sldNum" sz="quarter" idx="12"/>
+          </p:nvPr>
+        </p:nvSpPr>
+        <p:spPr/>
+        <p:txBody>
+          <a:bodyPr/>
+          <a:lstStyle/>
+          <a:p>
+            <a:fld id="{F0DDBFE9-5A50-4899-BFD1-0BE91B0BD11B}" type="slidenum">
+              <a:rPr lang="ca-ES" smtClean="0"/>
+              <a:pPr/>
+              <a:t>19</a:t>
+            </a:fld>
+            <a:endParaRPr lang="ca-ES"/>
+          </a:p>
+        </p:txBody>
+      </p:sp>
+    </p:spTree>
+    <p:extLst>
+      <p:ext uri="{BB962C8B-B14F-4D97-AF65-F5344CB8AC3E}">
+        <p14:creationId xmlns:p14="http://schemas.microsoft.com/office/powerpoint/2010/main" xmlns="" val="3488956472"/>
       </p:ext>
     </p:extLst>
   </p:cSld>
@@ -7169,7 +8732,1802 @@
           </a:p>
         </p:txBody>
       </p:sp>
+      <p:sp>
+        <p:nvSpPr>
+          <p:cNvPr id="4" name="3 Marcador de número de diapositiva"/>
+          <p:cNvSpPr>
+            <a:spLocks noGrp="1"/>
+          </p:cNvSpPr>
+          <p:nvPr>
+            <p:ph type="sldNum" sz="quarter" idx="12"/>
+          </p:nvPr>
+        </p:nvSpPr>
+        <p:spPr/>
+        <p:txBody>
+          <a:bodyPr/>
+          <a:lstStyle/>
+          <a:p>
+            <a:fld id="{F0DDBFE9-5A50-4899-BFD1-0BE91B0BD11B}" type="slidenum">
+              <a:rPr lang="ca-ES" smtClean="0"/>
+              <a:pPr/>
+              <a:t>2</a:t>
+            </a:fld>
+            <a:endParaRPr lang="ca-ES"/>
+          </a:p>
+        </p:txBody>
+      </p:sp>
     </p:spTree>
+  </p:cSld>
+  <p:clrMapOvr>
+    <a:masterClrMapping/>
+  </p:clrMapOvr>
+</p:sld>
+</file>
+
+<file path=ppt/slides/slide20.xml><?xml version="1.0" encoding="utf-8"?>
+<p:sld xmlns:a="http://schemas.openxmlformats.org/drawingml/2006/main" xmlns:r="http://schemas.openxmlformats.org/officeDocument/2006/relationships" xmlns:p="http://schemas.openxmlformats.org/presentationml/2006/main">
+  <p:cSld>
+    <p:spTree>
+      <p:nvGrpSpPr>
+        <p:cNvPr id="1" name=""/>
+        <p:cNvGrpSpPr/>
+        <p:nvPr/>
+      </p:nvGrpSpPr>
+      <p:grpSpPr>
+        <a:xfrm>
+          <a:off x="0" y="0"/>
+          <a:ext cx="0" cy="0"/>
+          <a:chOff x="0" y="0"/>
+          <a:chExt cx="0" cy="0"/>
+        </a:xfrm>
+      </p:grpSpPr>
+      <p:sp>
+        <p:nvSpPr>
+          <p:cNvPr id="4" name="1 Título">
+            <a:extLst>
+              <a:ext uri="{FF2B5EF4-FFF2-40B4-BE49-F238E27FC236}">
+                <a16:creationId xmlns:a16="http://schemas.microsoft.com/office/drawing/2014/main" xmlns="" id="{4222F324-3EDE-43F4-B3F7-D3D34AB53CC7}"/>
+              </a:ext>
+            </a:extLst>
+          </p:cNvPr>
+          <p:cNvSpPr txBox="1">
+            <a:spLocks/>
+          </p:cNvSpPr>
+          <p:nvPr/>
+        </p:nvSpPr>
+        <p:spPr>
+          <a:xfrm>
+            <a:off x="457200" y="620688"/>
+            <a:ext cx="8229600" cy="1080120"/>
+          </a:xfrm>
+          <a:prstGeom prst="rect">
+            <a:avLst/>
+          </a:prstGeom>
+        </p:spPr>
+        <p:txBody>
+          <a:bodyPr vert="horz" lIns="91440" tIns="45720" rIns="91440" bIns="45720" rtlCol="0" anchor="ctr">
+            <a:normAutofit fontScale="92500"/>
+          </a:bodyPr>
+          <a:lstStyle>
+            <a:lvl1pPr algn="ctr" defTabSz="914400" rtl="0" eaLnBrk="1" latinLnBrk="0" hangingPunct="1">
+              <a:spcBef>
+                <a:spcPct val="0"/>
+              </a:spcBef>
+              <a:buNone/>
+              <a:defRPr sz="4400" kern="1200">
+                <a:solidFill>
+                  <a:schemeClr val="tx1"/>
+                </a:solidFill>
+                <a:latin typeface="+mj-lt"/>
+                <a:ea typeface="+mj-ea"/>
+                <a:cs typeface="+mj-cs"/>
+              </a:defRPr>
+            </a:lvl1pPr>
+          </a:lstStyle>
+          <a:p>
+            <a:pPr algn="l"/>
+            <a:r>
+              <a:rPr lang="ca-ES" sz="3200" b="1" dirty="0" smtClean="0">
+                <a:latin typeface="Cambria" pitchFamily="18" charset="0"/>
+                <a:ea typeface="+mn-ea"/>
+                <a:cs typeface="+mn-cs"/>
+              </a:rPr>
+              <a:t>5 </a:t>
+            </a:r>
+            <a:r>
+              <a:rPr lang="ca-ES" sz="3200" b="1" dirty="0">
+                <a:latin typeface="Cambria" pitchFamily="18" charset="0"/>
+                <a:ea typeface="+mn-ea"/>
+                <a:cs typeface="+mn-cs"/>
+              </a:rPr>
+              <a:t>– </a:t>
+            </a:r>
+            <a:r>
+              <a:rPr lang="ca-ES" sz="3200" b="1" dirty="0" smtClean="0">
+                <a:latin typeface="Cambria" pitchFamily="18" charset="0"/>
+                <a:ea typeface="+mn-ea"/>
+                <a:cs typeface="+mn-cs"/>
+              </a:rPr>
+              <a:t>Interceptar </a:t>
+            </a:r>
+            <a:r>
+              <a:rPr lang="ca-ES" sz="3200" b="1" dirty="0" err="1" smtClean="0">
+                <a:latin typeface="Cambria" pitchFamily="18" charset="0"/>
+                <a:ea typeface="+mn-ea"/>
+                <a:cs typeface="+mn-cs"/>
+              </a:rPr>
+              <a:t>llamadas</a:t>
+            </a:r>
+            <a:r>
+              <a:rPr lang="ca-ES" sz="3200" b="1" dirty="0" smtClean="0">
+                <a:latin typeface="Cambria" pitchFamily="18" charset="0"/>
+                <a:ea typeface="+mn-ea"/>
+                <a:cs typeface="+mn-cs"/>
+              </a:rPr>
+              <a:t> de forma </a:t>
+            </a:r>
+            <a:r>
+              <a:rPr lang="ca-ES" sz="3200" b="1" dirty="0" err="1" smtClean="0">
+                <a:latin typeface="Cambria" pitchFamily="18" charset="0"/>
+                <a:ea typeface="+mn-ea"/>
+                <a:cs typeface="+mn-cs"/>
+              </a:rPr>
+              <a:t>dinámica</a:t>
+            </a:r>
+            <a:endParaRPr lang="ca-ES" sz="3200" b="1" dirty="0" smtClean="0">
+              <a:latin typeface="Cambria" pitchFamily="18" charset="0"/>
+              <a:ea typeface="+mn-ea"/>
+              <a:cs typeface="+mn-cs"/>
+            </a:endParaRPr>
+          </a:p>
+          <a:p>
+            <a:r>
+              <a:rPr lang="ca-ES" sz="2600" b="1" dirty="0" smtClean="0">
+                <a:latin typeface="Cambria" pitchFamily="18" charset="0"/>
+                <a:ea typeface="+mn-ea"/>
+                <a:cs typeface="+mn-cs"/>
+              </a:rPr>
+              <a:t>A- </a:t>
+            </a:r>
+            <a:r>
+              <a:rPr lang="ca-ES" sz="2600" b="1" dirty="0" err="1" smtClean="0">
+                <a:latin typeface="Cambria" pitchFamily="18" charset="0"/>
+                <a:ea typeface="+mn-ea"/>
+                <a:cs typeface="+mn-cs"/>
+              </a:rPr>
+              <a:t>Obtener</a:t>
+            </a:r>
+            <a:r>
+              <a:rPr lang="ca-ES" sz="2600" b="1" dirty="0" smtClean="0">
+                <a:latin typeface="Cambria" pitchFamily="18" charset="0"/>
+                <a:ea typeface="+mn-ea"/>
+                <a:cs typeface="+mn-cs"/>
+              </a:rPr>
+              <a:t> </a:t>
+            </a:r>
+            <a:r>
+              <a:rPr lang="ca-ES" sz="2600" b="1" dirty="0" err="1" smtClean="0">
+                <a:latin typeface="Cambria" pitchFamily="18" charset="0"/>
+                <a:ea typeface="+mn-ea"/>
+                <a:cs typeface="+mn-cs"/>
+              </a:rPr>
+              <a:t>información</a:t>
+            </a:r>
+            <a:r>
+              <a:rPr lang="ca-ES" sz="2600" b="1" dirty="0" smtClean="0">
+                <a:latin typeface="Cambria" pitchFamily="18" charset="0"/>
+                <a:ea typeface="+mn-ea"/>
+                <a:cs typeface="+mn-cs"/>
+              </a:rPr>
+              <a:t> del </a:t>
+            </a:r>
+            <a:r>
+              <a:rPr lang="ca-ES" sz="2600" b="1" dirty="0" err="1" smtClean="0">
+                <a:latin typeface="Cambria" pitchFamily="18" charset="0"/>
+                <a:ea typeface="+mn-ea"/>
+                <a:cs typeface="+mn-cs"/>
+              </a:rPr>
+              <a:t>Keychain</a:t>
+            </a:r>
+            <a:endParaRPr lang="ca-ES" sz="3200" b="1" dirty="0">
+              <a:latin typeface="Cambria" pitchFamily="18" charset="0"/>
+              <a:ea typeface="+mn-ea"/>
+              <a:cs typeface="+mn-cs"/>
+            </a:endParaRPr>
+          </a:p>
+        </p:txBody>
+      </p:sp>
+      <p:sp>
+        <p:nvSpPr>
+          <p:cNvPr id="5" name="2 Marcador de contenido">
+            <a:extLst>
+              <a:ext uri="{FF2B5EF4-FFF2-40B4-BE49-F238E27FC236}">
+                <a16:creationId xmlns:a16="http://schemas.microsoft.com/office/drawing/2014/main" xmlns="" id="{EBA710F4-3692-4B14-A182-1085508C8603}"/>
+              </a:ext>
+            </a:extLst>
+          </p:cNvPr>
+          <p:cNvSpPr txBox="1">
+            <a:spLocks/>
+          </p:cNvSpPr>
+          <p:nvPr/>
+        </p:nvSpPr>
+        <p:spPr>
+          <a:xfrm>
+            <a:off x="457200" y="1700808"/>
+            <a:ext cx="8229600" cy="4032448"/>
+          </a:xfrm>
+          <a:prstGeom prst="rect">
+            <a:avLst/>
+          </a:prstGeom>
+        </p:spPr>
+        <p:txBody>
+          <a:bodyPr vert="horz" lIns="91440" tIns="45720" rIns="91440" bIns="45720" rtlCol="0">
+            <a:normAutofit/>
+          </a:bodyPr>
+          <a:lstStyle>
+            <a:lvl1pPr marL="342900" indent="-342900" algn="l" defTabSz="914400" rtl="0" eaLnBrk="1" latinLnBrk="0" hangingPunct="1">
+              <a:spcBef>
+                <a:spcPct val="20000"/>
+              </a:spcBef>
+              <a:buFont typeface="Arial" pitchFamily="34" charset="0"/>
+              <a:buChar char="•"/>
+              <a:defRPr sz="3200" kern="1200">
+                <a:solidFill>
+                  <a:schemeClr val="tx1"/>
+                </a:solidFill>
+                <a:latin typeface="+mn-lt"/>
+                <a:ea typeface="+mn-ea"/>
+                <a:cs typeface="+mn-cs"/>
+              </a:defRPr>
+            </a:lvl1pPr>
+            <a:lvl2pPr marL="742950" indent="-285750" algn="l" defTabSz="914400" rtl="0" eaLnBrk="1" latinLnBrk="0" hangingPunct="1">
+              <a:spcBef>
+                <a:spcPct val="20000"/>
+              </a:spcBef>
+              <a:buFont typeface="Arial" pitchFamily="34" charset="0"/>
+              <a:buChar char="–"/>
+              <a:defRPr sz="2800" kern="1200">
+                <a:solidFill>
+                  <a:schemeClr val="tx1"/>
+                </a:solidFill>
+                <a:latin typeface="+mn-lt"/>
+                <a:ea typeface="+mn-ea"/>
+                <a:cs typeface="+mn-cs"/>
+              </a:defRPr>
+            </a:lvl2pPr>
+            <a:lvl3pPr marL="1143000" indent="-228600" algn="l" defTabSz="914400" rtl="0" eaLnBrk="1" latinLnBrk="0" hangingPunct="1">
+              <a:spcBef>
+                <a:spcPct val="20000"/>
+              </a:spcBef>
+              <a:buFont typeface="Arial" pitchFamily="34" charset="0"/>
+              <a:buChar char="•"/>
+              <a:defRPr sz="2400" kern="1200">
+                <a:solidFill>
+                  <a:schemeClr val="tx1"/>
+                </a:solidFill>
+                <a:latin typeface="+mn-lt"/>
+                <a:ea typeface="+mn-ea"/>
+                <a:cs typeface="+mn-cs"/>
+              </a:defRPr>
+            </a:lvl3pPr>
+            <a:lvl4pPr marL="1600200" indent="-228600" algn="l" defTabSz="914400" rtl="0" eaLnBrk="1" latinLnBrk="0" hangingPunct="1">
+              <a:spcBef>
+                <a:spcPct val="20000"/>
+              </a:spcBef>
+              <a:buFont typeface="Arial" pitchFamily="34" charset="0"/>
+              <a:buChar char="–"/>
+              <a:defRPr sz="2000" kern="1200">
+                <a:solidFill>
+                  <a:schemeClr val="tx1"/>
+                </a:solidFill>
+                <a:latin typeface="+mn-lt"/>
+                <a:ea typeface="+mn-ea"/>
+                <a:cs typeface="+mn-cs"/>
+              </a:defRPr>
+            </a:lvl4pPr>
+            <a:lvl5pPr marL="2057400" indent="-228600" algn="l" defTabSz="914400" rtl="0" eaLnBrk="1" latinLnBrk="0" hangingPunct="1">
+              <a:spcBef>
+                <a:spcPct val="20000"/>
+              </a:spcBef>
+              <a:buFont typeface="Arial" pitchFamily="34" charset="0"/>
+              <a:buChar char="»"/>
+              <a:defRPr sz="2000" kern="1200">
+                <a:solidFill>
+                  <a:schemeClr val="tx1"/>
+                </a:solidFill>
+                <a:latin typeface="+mn-lt"/>
+                <a:ea typeface="+mn-ea"/>
+                <a:cs typeface="+mn-cs"/>
+              </a:defRPr>
+            </a:lvl5pPr>
+            <a:lvl6pPr marL="2514600" indent="-228600" algn="l" defTabSz="914400" rtl="0" eaLnBrk="1" latinLnBrk="0" hangingPunct="1">
+              <a:spcBef>
+                <a:spcPct val="20000"/>
+              </a:spcBef>
+              <a:buFont typeface="Arial" pitchFamily="34" charset="0"/>
+              <a:buChar char="•"/>
+              <a:defRPr sz="2000" kern="1200">
+                <a:solidFill>
+                  <a:schemeClr val="tx1"/>
+                </a:solidFill>
+                <a:latin typeface="+mn-lt"/>
+                <a:ea typeface="+mn-ea"/>
+                <a:cs typeface="+mn-cs"/>
+              </a:defRPr>
+            </a:lvl6pPr>
+            <a:lvl7pPr marL="2971800" indent="-228600" algn="l" defTabSz="914400" rtl="0" eaLnBrk="1" latinLnBrk="0" hangingPunct="1">
+              <a:spcBef>
+                <a:spcPct val="20000"/>
+              </a:spcBef>
+              <a:buFont typeface="Arial" pitchFamily="34" charset="0"/>
+              <a:buChar char="•"/>
+              <a:defRPr sz="2000" kern="1200">
+                <a:solidFill>
+                  <a:schemeClr val="tx1"/>
+                </a:solidFill>
+                <a:latin typeface="+mn-lt"/>
+                <a:ea typeface="+mn-ea"/>
+                <a:cs typeface="+mn-cs"/>
+              </a:defRPr>
+            </a:lvl7pPr>
+            <a:lvl8pPr marL="3429000" indent="-228600" algn="l" defTabSz="914400" rtl="0" eaLnBrk="1" latinLnBrk="0" hangingPunct="1">
+              <a:spcBef>
+                <a:spcPct val="20000"/>
+              </a:spcBef>
+              <a:buFont typeface="Arial" pitchFamily="34" charset="0"/>
+              <a:buChar char="•"/>
+              <a:defRPr sz="2000" kern="1200">
+                <a:solidFill>
+                  <a:schemeClr val="tx1"/>
+                </a:solidFill>
+                <a:latin typeface="+mn-lt"/>
+                <a:ea typeface="+mn-ea"/>
+                <a:cs typeface="+mn-cs"/>
+              </a:defRPr>
+            </a:lvl8pPr>
+            <a:lvl9pPr marL="3886200" indent="-228600" algn="l" defTabSz="914400" rtl="0" eaLnBrk="1" latinLnBrk="0" hangingPunct="1">
+              <a:spcBef>
+                <a:spcPct val="20000"/>
+              </a:spcBef>
+              <a:buFont typeface="Arial" pitchFamily="34" charset="0"/>
+              <a:buChar char="•"/>
+              <a:defRPr sz="2000" kern="1200">
+                <a:solidFill>
+                  <a:schemeClr val="tx1"/>
+                </a:solidFill>
+                <a:latin typeface="+mn-lt"/>
+                <a:ea typeface="+mn-ea"/>
+                <a:cs typeface="+mn-cs"/>
+              </a:defRPr>
+            </a:lvl9pPr>
+          </a:lstStyle>
+          <a:p>
+            <a:pPr indent="17463">
+              <a:buFont typeface="Arial" pitchFamily="34" charset="0"/>
+              <a:buNone/>
+            </a:pPr>
+            <a:r>
+              <a:rPr lang="ca-ES" sz="2400" dirty="0" smtClean="0">
+                <a:latin typeface="Cambria" pitchFamily="18" charset="0"/>
+                <a:ea typeface="+mj-ea"/>
+                <a:cs typeface="+mj-cs"/>
+              </a:rPr>
+              <a:t>TTTT</a:t>
+            </a:r>
+            <a:endParaRPr lang="ca-ES" sz="2400" dirty="0">
+              <a:latin typeface="Cambria" pitchFamily="18" charset="0"/>
+              <a:ea typeface="+mj-ea"/>
+              <a:cs typeface="+mj-cs"/>
+            </a:endParaRPr>
+          </a:p>
+          <a:p>
+            <a:pPr indent="17463">
+              <a:buFont typeface="Arial" pitchFamily="34" charset="0"/>
+              <a:buNone/>
+            </a:pPr>
+            <a:endParaRPr lang="ca-ES" sz="2400" dirty="0">
+              <a:latin typeface="Cambria" pitchFamily="18" charset="0"/>
+              <a:ea typeface="+mj-ea"/>
+              <a:cs typeface="+mj-cs"/>
+            </a:endParaRPr>
+          </a:p>
+        </p:txBody>
+      </p:sp>
+      <p:sp>
+        <p:nvSpPr>
+          <p:cNvPr id="7" name="6 Marcador de número de diapositiva"/>
+          <p:cNvSpPr>
+            <a:spLocks noGrp="1"/>
+          </p:cNvSpPr>
+          <p:nvPr>
+            <p:ph type="sldNum" sz="quarter" idx="12"/>
+          </p:nvPr>
+        </p:nvSpPr>
+        <p:spPr/>
+        <p:txBody>
+          <a:bodyPr/>
+          <a:lstStyle/>
+          <a:p>
+            <a:fld id="{F0DDBFE9-5A50-4899-BFD1-0BE91B0BD11B}" type="slidenum">
+              <a:rPr lang="ca-ES" smtClean="0"/>
+              <a:pPr/>
+              <a:t>20</a:t>
+            </a:fld>
+            <a:endParaRPr lang="ca-ES"/>
+          </a:p>
+        </p:txBody>
+      </p:sp>
+    </p:spTree>
+    <p:extLst>
+      <p:ext uri="{BB962C8B-B14F-4D97-AF65-F5344CB8AC3E}">
+        <p14:creationId xmlns:p14="http://schemas.microsoft.com/office/powerpoint/2010/main" xmlns="" val="3488956472"/>
+      </p:ext>
+    </p:extLst>
+  </p:cSld>
+  <p:clrMapOvr>
+    <a:masterClrMapping/>
+  </p:clrMapOvr>
+</p:sld>
+</file>
+
+<file path=ppt/slides/slide21.xml><?xml version="1.0" encoding="utf-8"?>
+<p:sld xmlns:a="http://schemas.openxmlformats.org/drawingml/2006/main" xmlns:r="http://schemas.openxmlformats.org/officeDocument/2006/relationships" xmlns:p="http://schemas.openxmlformats.org/presentationml/2006/main">
+  <p:cSld>
+    <p:spTree>
+      <p:nvGrpSpPr>
+        <p:cNvPr id="1" name=""/>
+        <p:cNvGrpSpPr/>
+        <p:nvPr/>
+      </p:nvGrpSpPr>
+      <p:grpSpPr>
+        <a:xfrm>
+          <a:off x="0" y="0"/>
+          <a:ext cx="0" cy="0"/>
+          <a:chOff x="0" y="0"/>
+          <a:chExt cx="0" cy="0"/>
+        </a:xfrm>
+      </p:grpSpPr>
+      <p:sp>
+        <p:nvSpPr>
+          <p:cNvPr id="4" name="1 Título">
+            <a:extLst>
+              <a:ext uri="{FF2B5EF4-FFF2-40B4-BE49-F238E27FC236}">
+                <a16:creationId xmlns:a16="http://schemas.microsoft.com/office/drawing/2014/main" xmlns="" id="{4222F324-3EDE-43F4-B3F7-D3D34AB53CC7}"/>
+              </a:ext>
+            </a:extLst>
+          </p:cNvPr>
+          <p:cNvSpPr txBox="1">
+            <a:spLocks/>
+          </p:cNvSpPr>
+          <p:nvPr/>
+        </p:nvSpPr>
+        <p:spPr>
+          <a:xfrm>
+            <a:off x="457200" y="620688"/>
+            <a:ext cx="8229600" cy="1080120"/>
+          </a:xfrm>
+          <a:prstGeom prst="rect">
+            <a:avLst/>
+          </a:prstGeom>
+        </p:spPr>
+        <p:txBody>
+          <a:bodyPr vert="horz" lIns="91440" tIns="45720" rIns="91440" bIns="45720" rtlCol="0" anchor="ctr">
+            <a:normAutofit fontScale="92500"/>
+          </a:bodyPr>
+          <a:lstStyle>
+            <a:lvl1pPr algn="ctr" defTabSz="914400" rtl="0" eaLnBrk="1" latinLnBrk="0" hangingPunct="1">
+              <a:spcBef>
+                <a:spcPct val="0"/>
+              </a:spcBef>
+              <a:buNone/>
+              <a:defRPr sz="4400" kern="1200">
+                <a:solidFill>
+                  <a:schemeClr val="tx1"/>
+                </a:solidFill>
+                <a:latin typeface="+mj-lt"/>
+                <a:ea typeface="+mj-ea"/>
+                <a:cs typeface="+mj-cs"/>
+              </a:defRPr>
+            </a:lvl1pPr>
+          </a:lstStyle>
+          <a:p>
+            <a:pPr algn="l"/>
+            <a:r>
+              <a:rPr lang="ca-ES" sz="3200" b="1" dirty="0" smtClean="0">
+                <a:latin typeface="Cambria" pitchFamily="18" charset="0"/>
+                <a:ea typeface="+mn-ea"/>
+                <a:cs typeface="+mn-cs"/>
+              </a:rPr>
+              <a:t>5 </a:t>
+            </a:r>
+            <a:r>
+              <a:rPr lang="ca-ES" sz="3200" b="1" dirty="0">
+                <a:latin typeface="Cambria" pitchFamily="18" charset="0"/>
+                <a:ea typeface="+mn-ea"/>
+                <a:cs typeface="+mn-cs"/>
+              </a:rPr>
+              <a:t>– </a:t>
+            </a:r>
+            <a:r>
+              <a:rPr lang="ca-ES" sz="3200" b="1" dirty="0" smtClean="0">
+                <a:latin typeface="Cambria" pitchFamily="18" charset="0"/>
+                <a:ea typeface="+mn-ea"/>
+                <a:cs typeface="+mn-cs"/>
+              </a:rPr>
+              <a:t>Interceptar </a:t>
+            </a:r>
+            <a:r>
+              <a:rPr lang="ca-ES" sz="3200" b="1" dirty="0" err="1" smtClean="0">
+                <a:latin typeface="Cambria" pitchFamily="18" charset="0"/>
+                <a:ea typeface="+mn-ea"/>
+                <a:cs typeface="+mn-cs"/>
+              </a:rPr>
+              <a:t>llamadas</a:t>
+            </a:r>
+            <a:r>
+              <a:rPr lang="ca-ES" sz="3200" b="1" dirty="0" smtClean="0">
+                <a:latin typeface="Cambria" pitchFamily="18" charset="0"/>
+                <a:ea typeface="+mn-ea"/>
+                <a:cs typeface="+mn-cs"/>
+              </a:rPr>
+              <a:t> de forma </a:t>
+            </a:r>
+            <a:r>
+              <a:rPr lang="ca-ES" sz="3200" b="1" dirty="0" err="1" smtClean="0">
+                <a:latin typeface="Cambria" pitchFamily="18" charset="0"/>
+                <a:ea typeface="+mn-ea"/>
+                <a:cs typeface="+mn-cs"/>
+              </a:rPr>
+              <a:t>dinámica</a:t>
+            </a:r>
+            <a:endParaRPr lang="ca-ES" sz="3200" b="1" dirty="0" smtClean="0">
+              <a:latin typeface="Cambria" pitchFamily="18" charset="0"/>
+              <a:ea typeface="+mn-ea"/>
+              <a:cs typeface="+mn-cs"/>
+            </a:endParaRPr>
+          </a:p>
+          <a:p>
+            <a:r>
+              <a:rPr lang="ca-ES" sz="2600" b="1" dirty="0" smtClean="0">
+                <a:latin typeface="Cambria" pitchFamily="18" charset="0"/>
+              </a:rPr>
+              <a:t>B- </a:t>
+            </a:r>
+            <a:r>
+              <a:rPr lang="ca-ES" sz="2600" b="1" dirty="0" err="1" smtClean="0">
+                <a:latin typeface="Cambria" pitchFamily="18" charset="0"/>
+              </a:rPr>
+              <a:t>Obtener</a:t>
+            </a:r>
+            <a:r>
+              <a:rPr lang="ca-ES" sz="2600" b="1" dirty="0" smtClean="0">
+                <a:latin typeface="Cambria" pitchFamily="18" charset="0"/>
+              </a:rPr>
+              <a:t> </a:t>
+            </a:r>
+            <a:r>
+              <a:rPr lang="ca-ES" sz="2600" b="1" dirty="0" err="1" smtClean="0">
+                <a:latin typeface="Cambria" pitchFamily="18" charset="0"/>
+              </a:rPr>
+              <a:t>información</a:t>
+            </a:r>
+            <a:r>
+              <a:rPr lang="ca-ES" sz="2600" b="1" dirty="0" smtClean="0">
+                <a:latin typeface="Cambria" pitchFamily="18" charset="0"/>
+              </a:rPr>
+              <a:t> de </a:t>
+            </a:r>
+            <a:r>
+              <a:rPr lang="ca-ES" sz="2600" b="1" dirty="0" err="1" smtClean="0">
+                <a:latin typeface="Cambria" pitchFamily="18" charset="0"/>
+              </a:rPr>
+              <a:t>ficheros</a:t>
+            </a:r>
+            <a:r>
+              <a:rPr lang="ca-ES" sz="2600" b="1" dirty="0" smtClean="0">
+                <a:latin typeface="Cambria" pitchFamily="18" charset="0"/>
+              </a:rPr>
+              <a:t> </a:t>
+            </a:r>
+            <a:r>
+              <a:rPr lang="ca-ES" sz="2600" b="1" dirty="0" err="1" smtClean="0">
+                <a:latin typeface="Cambria" pitchFamily="18" charset="0"/>
+              </a:rPr>
+              <a:t>creados</a:t>
+            </a:r>
+            <a:r>
+              <a:rPr lang="ca-ES" sz="2600" b="1" dirty="0" smtClean="0">
+                <a:latin typeface="Cambria" pitchFamily="18" charset="0"/>
+              </a:rPr>
+              <a:t> (I)</a:t>
+            </a:r>
+            <a:endParaRPr lang="ca-ES" sz="3200" b="1" dirty="0">
+              <a:latin typeface="Cambria" pitchFamily="18" charset="0"/>
+            </a:endParaRPr>
+          </a:p>
+        </p:txBody>
+      </p:sp>
+      <p:sp>
+        <p:nvSpPr>
+          <p:cNvPr id="5" name="2 Marcador de contenido">
+            <a:extLst>
+              <a:ext uri="{FF2B5EF4-FFF2-40B4-BE49-F238E27FC236}">
+                <a16:creationId xmlns:a16="http://schemas.microsoft.com/office/drawing/2014/main" xmlns="" id="{EBA710F4-3692-4B14-A182-1085508C8603}"/>
+              </a:ext>
+            </a:extLst>
+          </p:cNvPr>
+          <p:cNvSpPr txBox="1">
+            <a:spLocks/>
+          </p:cNvSpPr>
+          <p:nvPr/>
+        </p:nvSpPr>
+        <p:spPr>
+          <a:xfrm>
+            <a:off x="457200" y="1700808"/>
+            <a:ext cx="8229600" cy="4032448"/>
+          </a:xfrm>
+          <a:prstGeom prst="rect">
+            <a:avLst/>
+          </a:prstGeom>
+        </p:spPr>
+        <p:txBody>
+          <a:bodyPr vert="horz" lIns="91440" tIns="45720" rIns="91440" bIns="45720" rtlCol="0">
+            <a:normAutofit/>
+          </a:bodyPr>
+          <a:lstStyle>
+            <a:lvl1pPr marL="342900" indent="-342900" algn="l" defTabSz="914400" rtl="0" eaLnBrk="1" latinLnBrk="0" hangingPunct="1">
+              <a:spcBef>
+                <a:spcPct val="20000"/>
+              </a:spcBef>
+              <a:buFont typeface="Arial" pitchFamily="34" charset="0"/>
+              <a:buChar char="•"/>
+              <a:defRPr sz="3200" kern="1200">
+                <a:solidFill>
+                  <a:schemeClr val="tx1"/>
+                </a:solidFill>
+                <a:latin typeface="+mn-lt"/>
+                <a:ea typeface="+mn-ea"/>
+                <a:cs typeface="+mn-cs"/>
+              </a:defRPr>
+            </a:lvl1pPr>
+            <a:lvl2pPr marL="742950" indent="-285750" algn="l" defTabSz="914400" rtl="0" eaLnBrk="1" latinLnBrk="0" hangingPunct="1">
+              <a:spcBef>
+                <a:spcPct val="20000"/>
+              </a:spcBef>
+              <a:buFont typeface="Arial" pitchFamily="34" charset="0"/>
+              <a:buChar char="–"/>
+              <a:defRPr sz="2800" kern="1200">
+                <a:solidFill>
+                  <a:schemeClr val="tx1"/>
+                </a:solidFill>
+                <a:latin typeface="+mn-lt"/>
+                <a:ea typeface="+mn-ea"/>
+                <a:cs typeface="+mn-cs"/>
+              </a:defRPr>
+            </a:lvl2pPr>
+            <a:lvl3pPr marL="1143000" indent="-228600" algn="l" defTabSz="914400" rtl="0" eaLnBrk="1" latinLnBrk="0" hangingPunct="1">
+              <a:spcBef>
+                <a:spcPct val="20000"/>
+              </a:spcBef>
+              <a:buFont typeface="Arial" pitchFamily="34" charset="0"/>
+              <a:buChar char="•"/>
+              <a:defRPr sz="2400" kern="1200">
+                <a:solidFill>
+                  <a:schemeClr val="tx1"/>
+                </a:solidFill>
+                <a:latin typeface="+mn-lt"/>
+                <a:ea typeface="+mn-ea"/>
+                <a:cs typeface="+mn-cs"/>
+              </a:defRPr>
+            </a:lvl3pPr>
+            <a:lvl4pPr marL="1600200" indent="-228600" algn="l" defTabSz="914400" rtl="0" eaLnBrk="1" latinLnBrk="0" hangingPunct="1">
+              <a:spcBef>
+                <a:spcPct val="20000"/>
+              </a:spcBef>
+              <a:buFont typeface="Arial" pitchFamily="34" charset="0"/>
+              <a:buChar char="–"/>
+              <a:defRPr sz="2000" kern="1200">
+                <a:solidFill>
+                  <a:schemeClr val="tx1"/>
+                </a:solidFill>
+                <a:latin typeface="+mn-lt"/>
+                <a:ea typeface="+mn-ea"/>
+                <a:cs typeface="+mn-cs"/>
+              </a:defRPr>
+            </a:lvl4pPr>
+            <a:lvl5pPr marL="2057400" indent="-228600" algn="l" defTabSz="914400" rtl="0" eaLnBrk="1" latinLnBrk="0" hangingPunct="1">
+              <a:spcBef>
+                <a:spcPct val="20000"/>
+              </a:spcBef>
+              <a:buFont typeface="Arial" pitchFamily="34" charset="0"/>
+              <a:buChar char="»"/>
+              <a:defRPr sz="2000" kern="1200">
+                <a:solidFill>
+                  <a:schemeClr val="tx1"/>
+                </a:solidFill>
+                <a:latin typeface="+mn-lt"/>
+                <a:ea typeface="+mn-ea"/>
+                <a:cs typeface="+mn-cs"/>
+              </a:defRPr>
+            </a:lvl5pPr>
+            <a:lvl6pPr marL="2514600" indent="-228600" algn="l" defTabSz="914400" rtl="0" eaLnBrk="1" latinLnBrk="0" hangingPunct="1">
+              <a:spcBef>
+                <a:spcPct val="20000"/>
+              </a:spcBef>
+              <a:buFont typeface="Arial" pitchFamily="34" charset="0"/>
+              <a:buChar char="•"/>
+              <a:defRPr sz="2000" kern="1200">
+                <a:solidFill>
+                  <a:schemeClr val="tx1"/>
+                </a:solidFill>
+                <a:latin typeface="+mn-lt"/>
+                <a:ea typeface="+mn-ea"/>
+                <a:cs typeface="+mn-cs"/>
+              </a:defRPr>
+            </a:lvl6pPr>
+            <a:lvl7pPr marL="2971800" indent="-228600" algn="l" defTabSz="914400" rtl="0" eaLnBrk="1" latinLnBrk="0" hangingPunct="1">
+              <a:spcBef>
+                <a:spcPct val="20000"/>
+              </a:spcBef>
+              <a:buFont typeface="Arial" pitchFamily="34" charset="0"/>
+              <a:buChar char="•"/>
+              <a:defRPr sz="2000" kern="1200">
+                <a:solidFill>
+                  <a:schemeClr val="tx1"/>
+                </a:solidFill>
+                <a:latin typeface="+mn-lt"/>
+                <a:ea typeface="+mn-ea"/>
+                <a:cs typeface="+mn-cs"/>
+              </a:defRPr>
+            </a:lvl7pPr>
+            <a:lvl8pPr marL="3429000" indent="-228600" algn="l" defTabSz="914400" rtl="0" eaLnBrk="1" latinLnBrk="0" hangingPunct="1">
+              <a:spcBef>
+                <a:spcPct val="20000"/>
+              </a:spcBef>
+              <a:buFont typeface="Arial" pitchFamily="34" charset="0"/>
+              <a:buChar char="•"/>
+              <a:defRPr sz="2000" kern="1200">
+                <a:solidFill>
+                  <a:schemeClr val="tx1"/>
+                </a:solidFill>
+                <a:latin typeface="+mn-lt"/>
+                <a:ea typeface="+mn-ea"/>
+                <a:cs typeface="+mn-cs"/>
+              </a:defRPr>
+            </a:lvl8pPr>
+            <a:lvl9pPr marL="3886200" indent="-228600" algn="l" defTabSz="914400" rtl="0" eaLnBrk="1" latinLnBrk="0" hangingPunct="1">
+              <a:spcBef>
+                <a:spcPct val="20000"/>
+              </a:spcBef>
+              <a:buFont typeface="Arial" pitchFamily="34" charset="0"/>
+              <a:buChar char="•"/>
+              <a:defRPr sz="2000" kern="1200">
+                <a:solidFill>
+                  <a:schemeClr val="tx1"/>
+                </a:solidFill>
+                <a:latin typeface="+mn-lt"/>
+                <a:ea typeface="+mn-ea"/>
+                <a:cs typeface="+mn-cs"/>
+              </a:defRPr>
+            </a:lvl9pPr>
+          </a:lstStyle>
+          <a:p>
+            <a:pPr indent="17463">
+              <a:buFont typeface="Arial" pitchFamily="34" charset="0"/>
+              <a:buNone/>
+            </a:pPr>
+            <a:r>
+              <a:rPr lang="ca-ES" sz="2400" dirty="0" err="1" smtClean="0">
+                <a:latin typeface="Cambria" pitchFamily="18" charset="0"/>
+                <a:ea typeface="+mj-ea"/>
+                <a:cs typeface="+mj-cs"/>
+              </a:rPr>
+              <a:t>Modificamos</a:t>
+            </a:r>
+            <a:r>
+              <a:rPr lang="ca-ES" sz="2400" dirty="0" smtClean="0">
+                <a:latin typeface="Cambria" pitchFamily="18" charset="0"/>
+                <a:ea typeface="+mj-ea"/>
+                <a:cs typeface="+mj-cs"/>
+              </a:rPr>
+              <a:t> el </a:t>
+            </a:r>
+            <a:r>
+              <a:rPr lang="ca-ES" sz="2400" dirty="0" err="1" smtClean="0">
+                <a:latin typeface="Cambria" pitchFamily="18" charset="0"/>
+                <a:ea typeface="+mj-ea"/>
+                <a:cs typeface="+mj-cs"/>
+              </a:rPr>
+              <a:t>fichero</a:t>
+            </a:r>
+            <a:r>
+              <a:rPr lang="ca-ES" sz="2400" dirty="0" smtClean="0">
+                <a:latin typeface="Cambria" pitchFamily="18" charset="0"/>
+                <a:ea typeface="+mj-ea"/>
+                <a:cs typeface="+mj-cs"/>
+              </a:rPr>
+              <a:t> </a:t>
+            </a:r>
+            <a:r>
+              <a:rPr lang="ca-ES" sz="2400" i="1" dirty="0" err="1" smtClean="0">
+                <a:latin typeface="Cambria" pitchFamily="18" charset="0"/>
+                <a:ea typeface="+mj-ea"/>
+                <a:cs typeface="+mj-cs"/>
+              </a:rPr>
+              <a:t>filemanager.js</a:t>
+            </a:r>
+            <a:endParaRPr lang="ca-ES" sz="2400" dirty="0">
+              <a:latin typeface="Cambria" pitchFamily="18" charset="0"/>
+              <a:ea typeface="+mj-ea"/>
+              <a:cs typeface="+mj-cs"/>
+            </a:endParaRPr>
+          </a:p>
+        </p:txBody>
+      </p:sp>
+      <p:pic>
+        <p:nvPicPr>
+          <p:cNvPr id="4098" name="Picture 2"/>
+          <p:cNvPicPr>
+            <a:picLocks noChangeAspect="1" noChangeArrowheads="1"/>
+          </p:cNvPicPr>
+          <p:nvPr/>
+        </p:nvPicPr>
+        <p:blipFill>
+          <a:blip r:embed="rId2" cstate="print"/>
+          <a:srcRect/>
+          <a:stretch>
+            <a:fillRect/>
+          </a:stretch>
+        </p:blipFill>
+        <p:spPr bwMode="auto">
+          <a:xfrm>
+            <a:off x="1187624" y="2420888"/>
+            <a:ext cx="6797993" cy="3960495"/>
+          </a:xfrm>
+          <a:prstGeom prst="rect">
+            <a:avLst/>
+          </a:prstGeom>
+          <a:noFill/>
+          <a:ln w="9525">
+            <a:noFill/>
+            <a:miter lim="800000"/>
+            <a:headEnd/>
+            <a:tailEnd/>
+          </a:ln>
+        </p:spPr>
+      </p:pic>
+      <p:sp>
+        <p:nvSpPr>
+          <p:cNvPr id="7" name="6 Marcador de número de diapositiva"/>
+          <p:cNvSpPr>
+            <a:spLocks noGrp="1"/>
+          </p:cNvSpPr>
+          <p:nvPr>
+            <p:ph type="sldNum" sz="quarter" idx="12"/>
+          </p:nvPr>
+        </p:nvSpPr>
+        <p:spPr/>
+        <p:txBody>
+          <a:bodyPr/>
+          <a:lstStyle/>
+          <a:p>
+            <a:fld id="{F0DDBFE9-5A50-4899-BFD1-0BE91B0BD11B}" type="slidenum">
+              <a:rPr lang="ca-ES" smtClean="0"/>
+              <a:pPr/>
+              <a:t>21</a:t>
+            </a:fld>
+            <a:endParaRPr lang="ca-ES"/>
+          </a:p>
+        </p:txBody>
+      </p:sp>
+    </p:spTree>
+    <p:extLst>
+      <p:ext uri="{BB962C8B-B14F-4D97-AF65-F5344CB8AC3E}">
+        <p14:creationId xmlns:p14="http://schemas.microsoft.com/office/powerpoint/2010/main" xmlns="" val="3488956472"/>
+      </p:ext>
+    </p:extLst>
+  </p:cSld>
+  <p:clrMapOvr>
+    <a:masterClrMapping/>
+  </p:clrMapOvr>
+</p:sld>
+</file>
+
+<file path=ppt/slides/slide22.xml><?xml version="1.0" encoding="utf-8"?>
+<p:sld xmlns:a="http://schemas.openxmlformats.org/drawingml/2006/main" xmlns:r="http://schemas.openxmlformats.org/officeDocument/2006/relationships" xmlns:p="http://schemas.openxmlformats.org/presentationml/2006/main">
+  <p:cSld>
+    <p:spTree>
+      <p:nvGrpSpPr>
+        <p:cNvPr id="1" name=""/>
+        <p:cNvGrpSpPr/>
+        <p:nvPr/>
+      </p:nvGrpSpPr>
+      <p:grpSpPr>
+        <a:xfrm>
+          <a:off x="0" y="0"/>
+          <a:ext cx="0" cy="0"/>
+          <a:chOff x="0" y="0"/>
+          <a:chExt cx="0" cy="0"/>
+        </a:xfrm>
+      </p:grpSpPr>
+      <p:sp>
+        <p:nvSpPr>
+          <p:cNvPr id="4" name="1 Título">
+            <a:extLst>
+              <a:ext uri="{FF2B5EF4-FFF2-40B4-BE49-F238E27FC236}">
+                <a16:creationId xmlns:a16="http://schemas.microsoft.com/office/drawing/2014/main" xmlns="" id="{4222F324-3EDE-43F4-B3F7-D3D34AB53CC7}"/>
+              </a:ext>
+            </a:extLst>
+          </p:cNvPr>
+          <p:cNvSpPr txBox="1">
+            <a:spLocks/>
+          </p:cNvSpPr>
+          <p:nvPr/>
+        </p:nvSpPr>
+        <p:spPr>
+          <a:xfrm>
+            <a:off x="457200" y="620688"/>
+            <a:ext cx="8229600" cy="1080120"/>
+          </a:xfrm>
+          <a:prstGeom prst="rect">
+            <a:avLst/>
+          </a:prstGeom>
+        </p:spPr>
+        <p:txBody>
+          <a:bodyPr vert="horz" lIns="91440" tIns="45720" rIns="91440" bIns="45720" rtlCol="0" anchor="ctr">
+            <a:normAutofit fontScale="92500"/>
+          </a:bodyPr>
+          <a:lstStyle>
+            <a:lvl1pPr algn="ctr" defTabSz="914400" rtl="0" eaLnBrk="1" latinLnBrk="0" hangingPunct="1">
+              <a:spcBef>
+                <a:spcPct val="0"/>
+              </a:spcBef>
+              <a:buNone/>
+              <a:defRPr sz="4400" kern="1200">
+                <a:solidFill>
+                  <a:schemeClr val="tx1"/>
+                </a:solidFill>
+                <a:latin typeface="+mj-lt"/>
+                <a:ea typeface="+mj-ea"/>
+                <a:cs typeface="+mj-cs"/>
+              </a:defRPr>
+            </a:lvl1pPr>
+          </a:lstStyle>
+          <a:p>
+            <a:pPr algn="l"/>
+            <a:r>
+              <a:rPr lang="ca-ES" sz="3200" b="1" dirty="0" smtClean="0">
+                <a:latin typeface="Cambria" pitchFamily="18" charset="0"/>
+                <a:ea typeface="+mn-ea"/>
+                <a:cs typeface="+mn-cs"/>
+              </a:rPr>
+              <a:t>5 </a:t>
+            </a:r>
+            <a:r>
+              <a:rPr lang="ca-ES" sz="3200" b="1" dirty="0">
+                <a:latin typeface="Cambria" pitchFamily="18" charset="0"/>
+                <a:ea typeface="+mn-ea"/>
+                <a:cs typeface="+mn-cs"/>
+              </a:rPr>
+              <a:t>– </a:t>
+            </a:r>
+            <a:r>
+              <a:rPr lang="ca-ES" sz="3200" b="1" dirty="0" smtClean="0">
+                <a:latin typeface="Cambria" pitchFamily="18" charset="0"/>
+                <a:ea typeface="+mn-ea"/>
+                <a:cs typeface="+mn-cs"/>
+              </a:rPr>
+              <a:t>Interceptar </a:t>
+            </a:r>
+            <a:r>
+              <a:rPr lang="ca-ES" sz="3200" b="1" dirty="0" err="1" smtClean="0">
+                <a:latin typeface="Cambria" pitchFamily="18" charset="0"/>
+                <a:ea typeface="+mn-ea"/>
+                <a:cs typeface="+mn-cs"/>
+              </a:rPr>
+              <a:t>llamadas</a:t>
+            </a:r>
+            <a:r>
+              <a:rPr lang="ca-ES" sz="3200" b="1" dirty="0" smtClean="0">
+                <a:latin typeface="Cambria" pitchFamily="18" charset="0"/>
+                <a:ea typeface="+mn-ea"/>
+                <a:cs typeface="+mn-cs"/>
+              </a:rPr>
+              <a:t> de forma </a:t>
+            </a:r>
+            <a:r>
+              <a:rPr lang="ca-ES" sz="3200" b="1" dirty="0" err="1" smtClean="0">
+                <a:latin typeface="Cambria" pitchFamily="18" charset="0"/>
+                <a:ea typeface="+mn-ea"/>
+                <a:cs typeface="+mn-cs"/>
+              </a:rPr>
+              <a:t>dinámica</a:t>
+            </a:r>
+            <a:endParaRPr lang="ca-ES" sz="3200" b="1" dirty="0" smtClean="0">
+              <a:latin typeface="Cambria" pitchFamily="18" charset="0"/>
+              <a:ea typeface="+mn-ea"/>
+              <a:cs typeface="+mn-cs"/>
+            </a:endParaRPr>
+          </a:p>
+          <a:p>
+            <a:r>
+              <a:rPr lang="ca-ES" sz="2600" b="1" dirty="0" smtClean="0">
+                <a:latin typeface="Cambria" pitchFamily="18" charset="0"/>
+              </a:rPr>
+              <a:t>B- </a:t>
+            </a:r>
+            <a:r>
+              <a:rPr lang="ca-ES" sz="2600" b="1" dirty="0" err="1" smtClean="0">
+                <a:latin typeface="Cambria" pitchFamily="18" charset="0"/>
+              </a:rPr>
+              <a:t>Obtener</a:t>
+            </a:r>
+            <a:r>
+              <a:rPr lang="ca-ES" sz="2600" b="1" dirty="0" smtClean="0">
+                <a:latin typeface="Cambria" pitchFamily="18" charset="0"/>
+              </a:rPr>
+              <a:t> </a:t>
+            </a:r>
+            <a:r>
+              <a:rPr lang="ca-ES" sz="2600" b="1" dirty="0" err="1" smtClean="0">
+                <a:latin typeface="Cambria" pitchFamily="18" charset="0"/>
+              </a:rPr>
+              <a:t>información</a:t>
+            </a:r>
+            <a:r>
+              <a:rPr lang="ca-ES" sz="2600" b="1" dirty="0" smtClean="0">
+                <a:latin typeface="Cambria" pitchFamily="18" charset="0"/>
+              </a:rPr>
+              <a:t> de </a:t>
+            </a:r>
+            <a:r>
+              <a:rPr lang="ca-ES" sz="2600" b="1" dirty="0" err="1" smtClean="0">
+                <a:latin typeface="Cambria" pitchFamily="18" charset="0"/>
+              </a:rPr>
+              <a:t>ficheros</a:t>
+            </a:r>
+            <a:r>
+              <a:rPr lang="ca-ES" sz="2600" b="1" dirty="0" smtClean="0">
+                <a:latin typeface="Cambria" pitchFamily="18" charset="0"/>
+              </a:rPr>
+              <a:t> </a:t>
+            </a:r>
+            <a:r>
+              <a:rPr lang="ca-ES" sz="2600" b="1" dirty="0" err="1" smtClean="0">
+                <a:latin typeface="Cambria" pitchFamily="18" charset="0"/>
+              </a:rPr>
+              <a:t>creados</a:t>
+            </a:r>
+            <a:r>
+              <a:rPr lang="ca-ES" sz="2600" b="1" dirty="0" smtClean="0">
+                <a:latin typeface="Cambria" pitchFamily="18" charset="0"/>
+              </a:rPr>
+              <a:t> (II)</a:t>
+            </a:r>
+            <a:endParaRPr lang="ca-ES" sz="3200" b="1" dirty="0">
+              <a:latin typeface="Cambria" pitchFamily="18" charset="0"/>
+            </a:endParaRPr>
+          </a:p>
+        </p:txBody>
+      </p:sp>
+      <p:sp>
+        <p:nvSpPr>
+          <p:cNvPr id="5" name="2 Marcador de contenido">
+            <a:extLst>
+              <a:ext uri="{FF2B5EF4-FFF2-40B4-BE49-F238E27FC236}">
+                <a16:creationId xmlns:a16="http://schemas.microsoft.com/office/drawing/2014/main" xmlns="" id="{EBA710F4-3692-4B14-A182-1085508C8603}"/>
+              </a:ext>
+            </a:extLst>
+          </p:cNvPr>
+          <p:cNvSpPr txBox="1">
+            <a:spLocks/>
+          </p:cNvSpPr>
+          <p:nvPr/>
+        </p:nvSpPr>
+        <p:spPr>
+          <a:xfrm>
+            <a:off x="457200" y="1700808"/>
+            <a:ext cx="8229600" cy="4032448"/>
+          </a:xfrm>
+          <a:prstGeom prst="rect">
+            <a:avLst/>
+          </a:prstGeom>
+        </p:spPr>
+        <p:txBody>
+          <a:bodyPr vert="horz" lIns="91440" tIns="45720" rIns="91440" bIns="45720" rtlCol="0">
+            <a:normAutofit/>
+          </a:bodyPr>
+          <a:lstStyle>
+            <a:lvl1pPr marL="342900" indent="-342900" algn="l" defTabSz="914400" rtl="0" eaLnBrk="1" latinLnBrk="0" hangingPunct="1">
+              <a:spcBef>
+                <a:spcPct val="20000"/>
+              </a:spcBef>
+              <a:buFont typeface="Arial" pitchFamily="34" charset="0"/>
+              <a:buChar char="•"/>
+              <a:defRPr sz="3200" kern="1200">
+                <a:solidFill>
+                  <a:schemeClr val="tx1"/>
+                </a:solidFill>
+                <a:latin typeface="+mn-lt"/>
+                <a:ea typeface="+mn-ea"/>
+                <a:cs typeface="+mn-cs"/>
+              </a:defRPr>
+            </a:lvl1pPr>
+            <a:lvl2pPr marL="742950" indent="-285750" algn="l" defTabSz="914400" rtl="0" eaLnBrk="1" latinLnBrk="0" hangingPunct="1">
+              <a:spcBef>
+                <a:spcPct val="20000"/>
+              </a:spcBef>
+              <a:buFont typeface="Arial" pitchFamily="34" charset="0"/>
+              <a:buChar char="–"/>
+              <a:defRPr sz="2800" kern="1200">
+                <a:solidFill>
+                  <a:schemeClr val="tx1"/>
+                </a:solidFill>
+                <a:latin typeface="+mn-lt"/>
+                <a:ea typeface="+mn-ea"/>
+                <a:cs typeface="+mn-cs"/>
+              </a:defRPr>
+            </a:lvl2pPr>
+            <a:lvl3pPr marL="1143000" indent="-228600" algn="l" defTabSz="914400" rtl="0" eaLnBrk="1" latinLnBrk="0" hangingPunct="1">
+              <a:spcBef>
+                <a:spcPct val="20000"/>
+              </a:spcBef>
+              <a:buFont typeface="Arial" pitchFamily="34" charset="0"/>
+              <a:buChar char="•"/>
+              <a:defRPr sz="2400" kern="1200">
+                <a:solidFill>
+                  <a:schemeClr val="tx1"/>
+                </a:solidFill>
+                <a:latin typeface="+mn-lt"/>
+                <a:ea typeface="+mn-ea"/>
+                <a:cs typeface="+mn-cs"/>
+              </a:defRPr>
+            </a:lvl3pPr>
+            <a:lvl4pPr marL="1600200" indent="-228600" algn="l" defTabSz="914400" rtl="0" eaLnBrk="1" latinLnBrk="0" hangingPunct="1">
+              <a:spcBef>
+                <a:spcPct val="20000"/>
+              </a:spcBef>
+              <a:buFont typeface="Arial" pitchFamily="34" charset="0"/>
+              <a:buChar char="–"/>
+              <a:defRPr sz="2000" kern="1200">
+                <a:solidFill>
+                  <a:schemeClr val="tx1"/>
+                </a:solidFill>
+                <a:latin typeface="+mn-lt"/>
+                <a:ea typeface="+mn-ea"/>
+                <a:cs typeface="+mn-cs"/>
+              </a:defRPr>
+            </a:lvl4pPr>
+            <a:lvl5pPr marL="2057400" indent="-228600" algn="l" defTabSz="914400" rtl="0" eaLnBrk="1" latinLnBrk="0" hangingPunct="1">
+              <a:spcBef>
+                <a:spcPct val="20000"/>
+              </a:spcBef>
+              <a:buFont typeface="Arial" pitchFamily="34" charset="0"/>
+              <a:buChar char="»"/>
+              <a:defRPr sz="2000" kern="1200">
+                <a:solidFill>
+                  <a:schemeClr val="tx1"/>
+                </a:solidFill>
+                <a:latin typeface="+mn-lt"/>
+                <a:ea typeface="+mn-ea"/>
+                <a:cs typeface="+mn-cs"/>
+              </a:defRPr>
+            </a:lvl5pPr>
+            <a:lvl6pPr marL="2514600" indent="-228600" algn="l" defTabSz="914400" rtl="0" eaLnBrk="1" latinLnBrk="0" hangingPunct="1">
+              <a:spcBef>
+                <a:spcPct val="20000"/>
+              </a:spcBef>
+              <a:buFont typeface="Arial" pitchFamily="34" charset="0"/>
+              <a:buChar char="•"/>
+              <a:defRPr sz="2000" kern="1200">
+                <a:solidFill>
+                  <a:schemeClr val="tx1"/>
+                </a:solidFill>
+                <a:latin typeface="+mn-lt"/>
+                <a:ea typeface="+mn-ea"/>
+                <a:cs typeface="+mn-cs"/>
+              </a:defRPr>
+            </a:lvl6pPr>
+            <a:lvl7pPr marL="2971800" indent="-228600" algn="l" defTabSz="914400" rtl="0" eaLnBrk="1" latinLnBrk="0" hangingPunct="1">
+              <a:spcBef>
+                <a:spcPct val="20000"/>
+              </a:spcBef>
+              <a:buFont typeface="Arial" pitchFamily="34" charset="0"/>
+              <a:buChar char="•"/>
+              <a:defRPr sz="2000" kern="1200">
+                <a:solidFill>
+                  <a:schemeClr val="tx1"/>
+                </a:solidFill>
+                <a:latin typeface="+mn-lt"/>
+                <a:ea typeface="+mn-ea"/>
+                <a:cs typeface="+mn-cs"/>
+              </a:defRPr>
+            </a:lvl7pPr>
+            <a:lvl8pPr marL="3429000" indent="-228600" algn="l" defTabSz="914400" rtl="0" eaLnBrk="1" latinLnBrk="0" hangingPunct="1">
+              <a:spcBef>
+                <a:spcPct val="20000"/>
+              </a:spcBef>
+              <a:buFont typeface="Arial" pitchFamily="34" charset="0"/>
+              <a:buChar char="•"/>
+              <a:defRPr sz="2000" kern="1200">
+                <a:solidFill>
+                  <a:schemeClr val="tx1"/>
+                </a:solidFill>
+                <a:latin typeface="+mn-lt"/>
+                <a:ea typeface="+mn-ea"/>
+                <a:cs typeface="+mn-cs"/>
+              </a:defRPr>
+            </a:lvl8pPr>
+            <a:lvl9pPr marL="3886200" indent="-228600" algn="l" defTabSz="914400" rtl="0" eaLnBrk="1" latinLnBrk="0" hangingPunct="1">
+              <a:spcBef>
+                <a:spcPct val="20000"/>
+              </a:spcBef>
+              <a:buFont typeface="Arial" pitchFamily="34" charset="0"/>
+              <a:buChar char="•"/>
+              <a:defRPr sz="2000" kern="1200">
+                <a:solidFill>
+                  <a:schemeClr val="tx1"/>
+                </a:solidFill>
+                <a:latin typeface="+mn-lt"/>
+                <a:ea typeface="+mn-ea"/>
+                <a:cs typeface="+mn-cs"/>
+              </a:defRPr>
+            </a:lvl9pPr>
+          </a:lstStyle>
+          <a:p>
+            <a:pPr indent="17463">
+              <a:buFont typeface="Arial" pitchFamily="34" charset="0"/>
+              <a:buNone/>
+            </a:pPr>
+            <a:r>
+              <a:rPr lang="ca-ES" sz="2400" dirty="0" err="1" smtClean="0">
+                <a:latin typeface="Cambria" pitchFamily="18" charset="0"/>
+                <a:ea typeface="+mj-ea"/>
+                <a:cs typeface="+mj-cs"/>
+              </a:rPr>
+              <a:t>Dinámica</a:t>
+            </a:r>
+            <a:r>
+              <a:rPr lang="ca-ES" sz="2400" dirty="0" err="1" smtClean="0">
+                <a:latin typeface="Cambria" pitchFamily="18" charset="0"/>
+                <a:ea typeface="+mj-ea"/>
+                <a:cs typeface="+mj-cs"/>
+              </a:rPr>
+              <a:t>mente</a:t>
+            </a:r>
+            <a:r>
+              <a:rPr lang="ca-ES" sz="2400" dirty="0" smtClean="0">
+                <a:latin typeface="Cambria" pitchFamily="18" charset="0"/>
+                <a:ea typeface="+mj-ea"/>
+                <a:cs typeface="+mj-cs"/>
+              </a:rPr>
+              <a:t> </a:t>
+            </a:r>
+            <a:r>
+              <a:rPr lang="ca-ES" sz="2400" dirty="0" err="1" smtClean="0">
+                <a:latin typeface="Cambria" pitchFamily="18" charset="0"/>
+                <a:ea typeface="+mj-ea"/>
+                <a:cs typeface="+mj-cs"/>
+              </a:rPr>
+              <a:t>podemos</a:t>
+            </a:r>
+            <a:r>
+              <a:rPr lang="ca-ES" sz="2400" dirty="0" smtClean="0">
+                <a:latin typeface="Cambria" pitchFamily="18" charset="0"/>
+                <a:ea typeface="+mj-ea"/>
+                <a:cs typeface="+mj-cs"/>
+              </a:rPr>
+              <a:t> ver la </a:t>
+            </a:r>
+            <a:r>
+              <a:rPr lang="ca-ES" sz="2400" dirty="0" err="1" smtClean="0">
+                <a:latin typeface="Cambria" pitchFamily="18" charset="0"/>
+                <a:ea typeface="+mj-ea"/>
+                <a:cs typeface="+mj-cs"/>
+              </a:rPr>
+              <a:t>respuesta</a:t>
+            </a:r>
+            <a:r>
+              <a:rPr lang="ca-ES" sz="2400" dirty="0" smtClean="0">
+                <a:latin typeface="Cambria" pitchFamily="18" charset="0"/>
+                <a:ea typeface="+mj-ea"/>
+                <a:cs typeface="+mj-cs"/>
+              </a:rPr>
+              <a:t> de la </a:t>
+            </a:r>
+            <a:r>
+              <a:rPr lang="ca-ES" sz="2400" dirty="0" err="1" smtClean="0">
+                <a:latin typeface="Cambria" pitchFamily="18" charset="0"/>
+                <a:ea typeface="+mj-ea"/>
+                <a:cs typeface="+mj-cs"/>
+              </a:rPr>
+              <a:t>aplicación</a:t>
+            </a:r>
+            <a:endParaRPr lang="ca-ES" sz="2400" dirty="0">
+              <a:latin typeface="Cambria" pitchFamily="18" charset="0"/>
+              <a:ea typeface="+mj-ea"/>
+              <a:cs typeface="+mj-cs"/>
+            </a:endParaRPr>
+          </a:p>
+          <a:p>
+            <a:pPr indent="17463">
+              <a:buFont typeface="Arial" pitchFamily="34" charset="0"/>
+              <a:buNone/>
+            </a:pPr>
+            <a:endParaRPr lang="ca-ES" sz="2400" dirty="0">
+              <a:latin typeface="Cambria" pitchFamily="18" charset="0"/>
+              <a:ea typeface="+mj-ea"/>
+              <a:cs typeface="+mj-cs"/>
+            </a:endParaRPr>
+          </a:p>
+        </p:txBody>
+      </p:sp>
+      <p:pic>
+        <p:nvPicPr>
+          <p:cNvPr id="6" name="Picture 2"/>
+          <p:cNvPicPr>
+            <a:picLocks noChangeAspect="1" noChangeArrowheads="1"/>
+          </p:cNvPicPr>
+          <p:nvPr/>
+        </p:nvPicPr>
+        <p:blipFill>
+          <a:blip r:embed="rId2" cstate="print"/>
+          <a:srcRect/>
+          <a:stretch>
+            <a:fillRect/>
+          </a:stretch>
+        </p:blipFill>
+        <p:spPr bwMode="auto">
+          <a:xfrm>
+            <a:off x="683568" y="2276872"/>
+            <a:ext cx="7829550" cy="2962275"/>
+          </a:xfrm>
+          <a:prstGeom prst="rect">
+            <a:avLst/>
+          </a:prstGeom>
+          <a:noFill/>
+          <a:ln w="9525">
+            <a:noFill/>
+            <a:miter lim="800000"/>
+            <a:headEnd/>
+            <a:tailEnd/>
+          </a:ln>
+        </p:spPr>
+      </p:pic>
+      <p:sp>
+        <p:nvSpPr>
+          <p:cNvPr id="7" name="6 Marcador de número de diapositiva"/>
+          <p:cNvSpPr>
+            <a:spLocks noGrp="1"/>
+          </p:cNvSpPr>
+          <p:nvPr>
+            <p:ph type="sldNum" sz="quarter" idx="12"/>
+          </p:nvPr>
+        </p:nvSpPr>
+        <p:spPr/>
+        <p:txBody>
+          <a:bodyPr/>
+          <a:lstStyle/>
+          <a:p>
+            <a:fld id="{F0DDBFE9-5A50-4899-BFD1-0BE91B0BD11B}" type="slidenum">
+              <a:rPr lang="ca-ES" smtClean="0"/>
+              <a:pPr/>
+              <a:t>22</a:t>
+            </a:fld>
+            <a:endParaRPr lang="ca-ES"/>
+          </a:p>
+        </p:txBody>
+      </p:sp>
+    </p:spTree>
+    <p:extLst>
+      <p:ext uri="{BB962C8B-B14F-4D97-AF65-F5344CB8AC3E}">
+        <p14:creationId xmlns:p14="http://schemas.microsoft.com/office/powerpoint/2010/main" xmlns="" val="3488956472"/>
+      </p:ext>
+    </p:extLst>
+  </p:cSld>
+  <p:clrMapOvr>
+    <a:masterClrMapping/>
+  </p:clrMapOvr>
+</p:sld>
+</file>
+
+<file path=ppt/slides/slide23.xml><?xml version="1.0" encoding="utf-8"?>
+<p:sld xmlns:a="http://schemas.openxmlformats.org/drawingml/2006/main" xmlns:r="http://schemas.openxmlformats.org/officeDocument/2006/relationships" xmlns:p="http://schemas.openxmlformats.org/presentationml/2006/main">
+  <p:cSld>
+    <p:spTree>
+      <p:nvGrpSpPr>
+        <p:cNvPr id="1" name=""/>
+        <p:cNvGrpSpPr/>
+        <p:nvPr/>
+      </p:nvGrpSpPr>
+      <p:grpSpPr>
+        <a:xfrm>
+          <a:off x="0" y="0"/>
+          <a:ext cx="0" cy="0"/>
+          <a:chOff x="0" y="0"/>
+          <a:chExt cx="0" cy="0"/>
+        </a:xfrm>
+      </p:grpSpPr>
+      <p:sp>
+        <p:nvSpPr>
+          <p:cNvPr id="4" name="1 Título">
+            <a:extLst>
+              <a:ext uri="{FF2B5EF4-FFF2-40B4-BE49-F238E27FC236}">
+                <a16:creationId xmlns:a16="http://schemas.microsoft.com/office/drawing/2014/main" xmlns="" id="{4222F324-3EDE-43F4-B3F7-D3D34AB53CC7}"/>
+              </a:ext>
+            </a:extLst>
+          </p:cNvPr>
+          <p:cNvSpPr txBox="1">
+            <a:spLocks/>
+          </p:cNvSpPr>
+          <p:nvPr/>
+        </p:nvSpPr>
+        <p:spPr>
+          <a:xfrm>
+            <a:off x="457200" y="620688"/>
+            <a:ext cx="8229600" cy="1080120"/>
+          </a:xfrm>
+          <a:prstGeom prst="rect">
+            <a:avLst/>
+          </a:prstGeom>
+        </p:spPr>
+        <p:txBody>
+          <a:bodyPr vert="horz" lIns="91440" tIns="45720" rIns="91440" bIns="45720" rtlCol="0" anchor="ctr">
+            <a:normAutofit fontScale="92500"/>
+          </a:bodyPr>
+          <a:lstStyle>
+            <a:lvl1pPr algn="ctr" defTabSz="914400" rtl="0" eaLnBrk="1" latinLnBrk="0" hangingPunct="1">
+              <a:spcBef>
+                <a:spcPct val="0"/>
+              </a:spcBef>
+              <a:buNone/>
+              <a:defRPr sz="4400" kern="1200">
+                <a:solidFill>
+                  <a:schemeClr val="tx1"/>
+                </a:solidFill>
+                <a:latin typeface="+mj-lt"/>
+                <a:ea typeface="+mj-ea"/>
+                <a:cs typeface="+mj-cs"/>
+              </a:defRPr>
+            </a:lvl1pPr>
+          </a:lstStyle>
+          <a:p>
+            <a:pPr algn="l"/>
+            <a:r>
+              <a:rPr lang="ca-ES" sz="3200" b="1" dirty="0" smtClean="0">
+                <a:latin typeface="Cambria" pitchFamily="18" charset="0"/>
+                <a:ea typeface="+mn-ea"/>
+                <a:cs typeface="+mn-cs"/>
+              </a:rPr>
+              <a:t>5 </a:t>
+            </a:r>
+            <a:r>
+              <a:rPr lang="ca-ES" sz="3200" b="1" dirty="0">
+                <a:latin typeface="Cambria" pitchFamily="18" charset="0"/>
+                <a:ea typeface="+mn-ea"/>
+                <a:cs typeface="+mn-cs"/>
+              </a:rPr>
+              <a:t>– </a:t>
+            </a:r>
+            <a:r>
+              <a:rPr lang="ca-ES" sz="3200" b="1" dirty="0" smtClean="0">
+                <a:latin typeface="Cambria" pitchFamily="18" charset="0"/>
+                <a:ea typeface="+mn-ea"/>
+                <a:cs typeface="+mn-cs"/>
+              </a:rPr>
+              <a:t>Interceptar </a:t>
+            </a:r>
+            <a:r>
+              <a:rPr lang="ca-ES" sz="3200" b="1" dirty="0" err="1" smtClean="0">
+                <a:latin typeface="Cambria" pitchFamily="18" charset="0"/>
+                <a:ea typeface="+mn-ea"/>
+                <a:cs typeface="+mn-cs"/>
+              </a:rPr>
+              <a:t>llamadas</a:t>
+            </a:r>
+            <a:r>
+              <a:rPr lang="ca-ES" sz="3200" b="1" dirty="0" smtClean="0">
+                <a:latin typeface="Cambria" pitchFamily="18" charset="0"/>
+                <a:ea typeface="+mn-ea"/>
+                <a:cs typeface="+mn-cs"/>
+              </a:rPr>
+              <a:t> de forma </a:t>
+            </a:r>
+            <a:r>
+              <a:rPr lang="ca-ES" sz="3200" b="1" dirty="0" err="1" smtClean="0">
+                <a:latin typeface="Cambria" pitchFamily="18" charset="0"/>
+                <a:ea typeface="+mn-ea"/>
+                <a:cs typeface="+mn-cs"/>
+              </a:rPr>
+              <a:t>dinámica</a:t>
+            </a:r>
+            <a:endParaRPr lang="ca-ES" sz="3200" b="1" dirty="0" smtClean="0">
+              <a:latin typeface="Cambria" pitchFamily="18" charset="0"/>
+              <a:ea typeface="+mn-ea"/>
+              <a:cs typeface="+mn-cs"/>
+            </a:endParaRPr>
+          </a:p>
+          <a:p>
+            <a:r>
+              <a:rPr lang="ca-ES" sz="2600" b="1" dirty="0" smtClean="0">
+                <a:latin typeface="Cambria" pitchFamily="18" charset="0"/>
+              </a:rPr>
+              <a:t>C- </a:t>
+            </a:r>
+            <a:r>
+              <a:rPr lang="ca-ES" sz="2600" b="1" dirty="0" err="1" smtClean="0">
+                <a:latin typeface="Cambria" pitchFamily="18" charset="0"/>
+              </a:rPr>
+              <a:t>Obtener</a:t>
+            </a:r>
+            <a:r>
+              <a:rPr lang="ca-ES" sz="2600" b="1" dirty="0" smtClean="0">
+                <a:latin typeface="Cambria" pitchFamily="18" charset="0"/>
+              </a:rPr>
+              <a:t> </a:t>
+            </a:r>
+            <a:r>
+              <a:rPr lang="ca-ES" sz="2600" b="1" dirty="0" err="1" smtClean="0">
+                <a:latin typeface="Cambria" pitchFamily="18" charset="0"/>
+              </a:rPr>
+              <a:t>información</a:t>
+            </a:r>
+            <a:r>
+              <a:rPr lang="ca-ES" sz="2600" b="1" dirty="0" smtClean="0">
+                <a:latin typeface="Cambria" pitchFamily="18" charset="0"/>
+              </a:rPr>
+              <a:t> de una </a:t>
+            </a:r>
+            <a:r>
+              <a:rPr lang="ca-ES" sz="2600" b="1" dirty="0" err="1" smtClean="0">
+                <a:latin typeface="Cambria" pitchFamily="18" charset="0"/>
+              </a:rPr>
+              <a:t>conexión</a:t>
+            </a:r>
+            <a:r>
+              <a:rPr lang="ca-ES" sz="2600" b="1" dirty="0" smtClean="0">
+                <a:latin typeface="Cambria" pitchFamily="18" charset="0"/>
+              </a:rPr>
+              <a:t> </a:t>
+            </a:r>
+            <a:r>
+              <a:rPr lang="ca-ES" sz="2600" b="1" dirty="0" err="1" smtClean="0">
+                <a:latin typeface="Cambria" pitchFamily="18" charset="0"/>
+              </a:rPr>
+              <a:t>realizada</a:t>
+            </a:r>
+            <a:endParaRPr lang="ca-ES" sz="3200" b="1" dirty="0">
+              <a:latin typeface="Cambria" pitchFamily="18" charset="0"/>
+            </a:endParaRPr>
+          </a:p>
+        </p:txBody>
+      </p:sp>
+      <p:sp>
+        <p:nvSpPr>
+          <p:cNvPr id="5" name="2 Marcador de contenido">
+            <a:extLst>
+              <a:ext uri="{FF2B5EF4-FFF2-40B4-BE49-F238E27FC236}">
+                <a16:creationId xmlns:a16="http://schemas.microsoft.com/office/drawing/2014/main" xmlns="" id="{EBA710F4-3692-4B14-A182-1085508C8603}"/>
+              </a:ext>
+            </a:extLst>
+          </p:cNvPr>
+          <p:cNvSpPr txBox="1">
+            <a:spLocks/>
+          </p:cNvSpPr>
+          <p:nvPr/>
+        </p:nvSpPr>
+        <p:spPr>
+          <a:xfrm>
+            <a:off x="457200" y="1700808"/>
+            <a:ext cx="8229600" cy="4032448"/>
+          </a:xfrm>
+          <a:prstGeom prst="rect">
+            <a:avLst/>
+          </a:prstGeom>
+        </p:spPr>
+        <p:txBody>
+          <a:bodyPr vert="horz" lIns="91440" tIns="45720" rIns="91440" bIns="45720" rtlCol="0">
+            <a:normAutofit/>
+          </a:bodyPr>
+          <a:lstStyle>
+            <a:lvl1pPr marL="342900" indent="-342900" algn="l" defTabSz="914400" rtl="0" eaLnBrk="1" latinLnBrk="0" hangingPunct="1">
+              <a:spcBef>
+                <a:spcPct val="20000"/>
+              </a:spcBef>
+              <a:buFont typeface="Arial" pitchFamily="34" charset="0"/>
+              <a:buChar char="•"/>
+              <a:defRPr sz="3200" kern="1200">
+                <a:solidFill>
+                  <a:schemeClr val="tx1"/>
+                </a:solidFill>
+                <a:latin typeface="+mn-lt"/>
+                <a:ea typeface="+mn-ea"/>
+                <a:cs typeface="+mn-cs"/>
+              </a:defRPr>
+            </a:lvl1pPr>
+            <a:lvl2pPr marL="742950" indent="-285750" algn="l" defTabSz="914400" rtl="0" eaLnBrk="1" latinLnBrk="0" hangingPunct="1">
+              <a:spcBef>
+                <a:spcPct val="20000"/>
+              </a:spcBef>
+              <a:buFont typeface="Arial" pitchFamily="34" charset="0"/>
+              <a:buChar char="–"/>
+              <a:defRPr sz="2800" kern="1200">
+                <a:solidFill>
+                  <a:schemeClr val="tx1"/>
+                </a:solidFill>
+                <a:latin typeface="+mn-lt"/>
+                <a:ea typeface="+mn-ea"/>
+                <a:cs typeface="+mn-cs"/>
+              </a:defRPr>
+            </a:lvl2pPr>
+            <a:lvl3pPr marL="1143000" indent="-228600" algn="l" defTabSz="914400" rtl="0" eaLnBrk="1" latinLnBrk="0" hangingPunct="1">
+              <a:spcBef>
+                <a:spcPct val="20000"/>
+              </a:spcBef>
+              <a:buFont typeface="Arial" pitchFamily="34" charset="0"/>
+              <a:buChar char="•"/>
+              <a:defRPr sz="2400" kern="1200">
+                <a:solidFill>
+                  <a:schemeClr val="tx1"/>
+                </a:solidFill>
+                <a:latin typeface="+mn-lt"/>
+                <a:ea typeface="+mn-ea"/>
+                <a:cs typeface="+mn-cs"/>
+              </a:defRPr>
+            </a:lvl3pPr>
+            <a:lvl4pPr marL="1600200" indent="-228600" algn="l" defTabSz="914400" rtl="0" eaLnBrk="1" latinLnBrk="0" hangingPunct="1">
+              <a:spcBef>
+                <a:spcPct val="20000"/>
+              </a:spcBef>
+              <a:buFont typeface="Arial" pitchFamily="34" charset="0"/>
+              <a:buChar char="–"/>
+              <a:defRPr sz="2000" kern="1200">
+                <a:solidFill>
+                  <a:schemeClr val="tx1"/>
+                </a:solidFill>
+                <a:latin typeface="+mn-lt"/>
+                <a:ea typeface="+mn-ea"/>
+                <a:cs typeface="+mn-cs"/>
+              </a:defRPr>
+            </a:lvl4pPr>
+            <a:lvl5pPr marL="2057400" indent="-228600" algn="l" defTabSz="914400" rtl="0" eaLnBrk="1" latinLnBrk="0" hangingPunct="1">
+              <a:spcBef>
+                <a:spcPct val="20000"/>
+              </a:spcBef>
+              <a:buFont typeface="Arial" pitchFamily="34" charset="0"/>
+              <a:buChar char="»"/>
+              <a:defRPr sz="2000" kern="1200">
+                <a:solidFill>
+                  <a:schemeClr val="tx1"/>
+                </a:solidFill>
+                <a:latin typeface="+mn-lt"/>
+                <a:ea typeface="+mn-ea"/>
+                <a:cs typeface="+mn-cs"/>
+              </a:defRPr>
+            </a:lvl5pPr>
+            <a:lvl6pPr marL="2514600" indent="-228600" algn="l" defTabSz="914400" rtl="0" eaLnBrk="1" latinLnBrk="0" hangingPunct="1">
+              <a:spcBef>
+                <a:spcPct val="20000"/>
+              </a:spcBef>
+              <a:buFont typeface="Arial" pitchFamily="34" charset="0"/>
+              <a:buChar char="•"/>
+              <a:defRPr sz="2000" kern="1200">
+                <a:solidFill>
+                  <a:schemeClr val="tx1"/>
+                </a:solidFill>
+                <a:latin typeface="+mn-lt"/>
+                <a:ea typeface="+mn-ea"/>
+                <a:cs typeface="+mn-cs"/>
+              </a:defRPr>
+            </a:lvl6pPr>
+            <a:lvl7pPr marL="2971800" indent="-228600" algn="l" defTabSz="914400" rtl="0" eaLnBrk="1" latinLnBrk="0" hangingPunct="1">
+              <a:spcBef>
+                <a:spcPct val="20000"/>
+              </a:spcBef>
+              <a:buFont typeface="Arial" pitchFamily="34" charset="0"/>
+              <a:buChar char="•"/>
+              <a:defRPr sz="2000" kern="1200">
+                <a:solidFill>
+                  <a:schemeClr val="tx1"/>
+                </a:solidFill>
+                <a:latin typeface="+mn-lt"/>
+                <a:ea typeface="+mn-ea"/>
+                <a:cs typeface="+mn-cs"/>
+              </a:defRPr>
+            </a:lvl7pPr>
+            <a:lvl8pPr marL="3429000" indent="-228600" algn="l" defTabSz="914400" rtl="0" eaLnBrk="1" latinLnBrk="0" hangingPunct="1">
+              <a:spcBef>
+                <a:spcPct val="20000"/>
+              </a:spcBef>
+              <a:buFont typeface="Arial" pitchFamily="34" charset="0"/>
+              <a:buChar char="•"/>
+              <a:defRPr sz="2000" kern="1200">
+                <a:solidFill>
+                  <a:schemeClr val="tx1"/>
+                </a:solidFill>
+                <a:latin typeface="+mn-lt"/>
+                <a:ea typeface="+mn-ea"/>
+                <a:cs typeface="+mn-cs"/>
+              </a:defRPr>
+            </a:lvl8pPr>
+            <a:lvl9pPr marL="3886200" indent="-228600" algn="l" defTabSz="914400" rtl="0" eaLnBrk="1" latinLnBrk="0" hangingPunct="1">
+              <a:spcBef>
+                <a:spcPct val="20000"/>
+              </a:spcBef>
+              <a:buFont typeface="Arial" pitchFamily="34" charset="0"/>
+              <a:buChar char="•"/>
+              <a:defRPr sz="2000" kern="1200">
+                <a:solidFill>
+                  <a:schemeClr val="tx1"/>
+                </a:solidFill>
+                <a:latin typeface="+mn-lt"/>
+                <a:ea typeface="+mn-ea"/>
+                <a:cs typeface="+mn-cs"/>
+              </a:defRPr>
+            </a:lvl9pPr>
+          </a:lstStyle>
+          <a:p>
+            <a:pPr indent="17463">
+              <a:buFont typeface="Arial" pitchFamily="34" charset="0"/>
+              <a:buNone/>
+            </a:pPr>
+            <a:r>
+              <a:rPr lang="ca-ES" sz="2400" dirty="0" smtClean="0">
+                <a:latin typeface="Cambria" pitchFamily="18" charset="0"/>
+                <a:ea typeface="+mj-ea"/>
+                <a:cs typeface="+mj-cs"/>
+              </a:rPr>
+              <a:t>TTT</a:t>
+            </a:r>
+            <a:endParaRPr lang="ca-ES" sz="2400" dirty="0">
+              <a:latin typeface="Cambria" pitchFamily="18" charset="0"/>
+              <a:ea typeface="+mj-ea"/>
+              <a:cs typeface="+mj-cs"/>
+            </a:endParaRPr>
+          </a:p>
+          <a:p>
+            <a:pPr indent="17463">
+              <a:buFont typeface="Arial" pitchFamily="34" charset="0"/>
+              <a:buNone/>
+            </a:pPr>
+            <a:endParaRPr lang="ca-ES" sz="2400" dirty="0">
+              <a:latin typeface="Cambria" pitchFamily="18" charset="0"/>
+              <a:ea typeface="+mj-ea"/>
+              <a:cs typeface="+mj-cs"/>
+            </a:endParaRPr>
+          </a:p>
+        </p:txBody>
+      </p:sp>
+      <p:sp>
+        <p:nvSpPr>
+          <p:cNvPr id="7" name="6 Marcador de número de diapositiva"/>
+          <p:cNvSpPr>
+            <a:spLocks noGrp="1"/>
+          </p:cNvSpPr>
+          <p:nvPr>
+            <p:ph type="sldNum" sz="quarter" idx="12"/>
+          </p:nvPr>
+        </p:nvSpPr>
+        <p:spPr/>
+        <p:txBody>
+          <a:bodyPr/>
+          <a:lstStyle/>
+          <a:p>
+            <a:fld id="{F0DDBFE9-5A50-4899-BFD1-0BE91B0BD11B}" type="slidenum">
+              <a:rPr lang="ca-ES" smtClean="0"/>
+              <a:pPr/>
+              <a:t>23</a:t>
+            </a:fld>
+            <a:endParaRPr lang="ca-ES"/>
+          </a:p>
+        </p:txBody>
+      </p:sp>
+    </p:spTree>
+    <p:extLst>
+      <p:ext uri="{BB962C8B-B14F-4D97-AF65-F5344CB8AC3E}">
+        <p14:creationId xmlns:p14="http://schemas.microsoft.com/office/powerpoint/2010/main" xmlns="" val="3488956472"/>
+      </p:ext>
+    </p:extLst>
   </p:cSld>
   <p:clrMapOvr>
     <a:masterClrMapping/>
@@ -7593,6 +10951,30 @@
             <a:endParaRPr lang="ca-ES" sz="2800" dirty="0">
               <a:latin typeface="Cambria" pitchFamily="18" charset="0"/>
             </a:endParaRPr>
+          </a:p>
+        </p:txBody>
+      </p:sp>
+      <p:sp>
+        <p:nvSpPr>
+          <p:cNvPr id="4" name="3 Marcador de número de diapositiva"/>
+          <p:cNvSpPr>
+            <a:spLocks noGrp="1"/>
+          </p:cNvSpPr>
+          <p:nvPr>
+            <p:ph type="sldNum" sz="quarter" idx="12"/>
+          </p:nvPr>
+        </p:nvSpPr>
+        <p:spPr/>
+        <p:txBody>
+          <a:bodyPr/>
+          <a:lstStyle/>
+          <a:p>
+            <a:fld id="{F0DDBFE9-5A50-4899-BFD1-0BE91B0BD11B}" type="slidenum">
+              <a:rPr lang="ca-ES" smtClean="0"/>
+              <a:pPr/>
+              <a:t>3</a:t>
+            </a:fld>
+            <a:endParaRPr lang="ca-ES"/>
           </a:p>
         </p:txBody>
       </p:sp>
@@ -7699,7 +11081,63 @@
                 <a:ea typeface="+mj-ea"/>
                 <a:cs typeface="+mj-cs"/>
               </a:rPr>
-              <a:t>Dentro del simulador de iOS arrancamos la aplicación en un terminal mediante el comando:</a:t>
+              <a:t>Dentro del simulador de </a:t>
+            </a:r>
+            <a:r>
+              <a:rPr lang="ca-ES" sz="2400" dirty="0" err="1">
+                <a:latin typeface="Cambria" pitchFamily="18" charset="0"/>
+                <a:ea typeface="+mj-ea"/>
+                <a:cs typeface="+mj-cs"/>
+              </a:rPr>
+              <a:t>iOS</a:t>
+            </a:r>
+            <a:r>
+              <a:rPr lang="ca-ES" sz="2400" dirty="0">
+                <a:latin typeface="Cambria" pitchFamily="18" charset="0"/>
+                <a:ea typeface="+mj-ea"/>
+                <a:cs typeface="+mj-cs"/>
+              </a:rPr>
+              <a:t> </a:t>
+            </a:r>
+            <a:r>
+              <a:rPr lang="ca-ES" sz="2400" dirty="0" err="1" smtClean="0">
+                <a:latin typeface="Cambria" pitchFamily="18" charset="0"/>
+                <a:ea typeface="+mj-ea"/>
+                <a:cs typeface="+mj-cs"/>
+              </a:rPr>
+              <a:t>attacheamos</a:t>
+            </a:r>
+            <a:r>
+              <a:rPr lang="ca-ES" sz="2400" dirty="0" smtClean="0">
+                <a:latin typeface="Cambria" pitchFamily="18" charset="0"/>
+                <a:ea typeface="+mj-ea"/>
+                <a:cs typeface="+mj-cs"/>
+              </a:rPr>
+              <a:t> </a:t>
+            </a:r>
+            <a:r>
+              <a:rPr lang="ca-ES" sz="2400" dirty="0" err="1" smtClean="0">
+                <a:latin typeface="Cambria" pitchFamily="18" charset="0"/>
+                <a:ea typeface="+mj-ea"/>
+                <a:cs typeface="+mj-cs"/>
+              </a:rPr>
+              <a:t>Frida</a:t>
+            </a:r>
+            <a:r>
+              <a:rPr lang="ca-ES" sz="2400" dirty="0" smtClean="0">
+                <a:latin typeface="Cambria" pitchFamily="18" charset="0"/>
+                <a:ea typeface="+mj-ea"/>
+                <a:cs typeface="+mj-cs"/>
+              </a:rPr>
+              <a:t> a la </a:t>
+            </a:r>
+            <a:r>
+              <a:rPr lang="ca-ES" sz="2400" dirty="0">
+                <a:latin typeface="Cambria" pitchFamily="18" charset="0"/>
+                <a:ea typeface="+mj-ea"/>
+                <a:cs typeface="+mj-cs"/>
+              </a:rPr>
+              <a:t>aplicación en un terminal mediante el comando:</a:t>
             </a:r>
           </a:p>
           <a:p>
@@ -7746,6 +11184,30 @@
               </a:rPr>
               <a:t>Debemos dejar este terminal abierto para que la aplicación se mantenga en ejecución.</a:t>
             </a:r>
+          </a:p>
+        </p:txBody>
+      </p:sp>
+      <p:sp>
+        <p:nvSpPr>
+          <p:cNvPr id="4" name="3 Marcador de número de diapositiva"/>
+          <p:cNvSpPr>
+            <a:spLocks noGrp="1"/>
+          </p:cNvSpPr>
+          <p:nvPr>
+            <p:ph type="sldNum" sz="quarter" idx="12"/>
+          </p:nvPr>
+        </p:nvSpPr>
+        <p:spPr/>
+        <p:txBody>
+          <a:bodyPr/>
+          <a:lstStyle/>
+          <a:p>
+            <a:fld id="{F0DDBFE9-5A50-4899-BFD1-0BE91B0BD11B}" type="slidenum">
+              <a:rPr lang="ca-ES" smtClean="0"/>
+              <a:pPr/>
+              <a:t>4</a:t>
+            </a:fld>
+            <a:endParaRPr lang="ca-ES"/>
           </a:p>
         </p:txBody>
       </p:sp>
@@ -7779,7 +11241,7 @@
           <p:cNvPr id="4" name="1 Título">
             <a:extLst>
               <a:ext uri="{FF2B5EF4-FFF2-40B4-BE49-F238E27FC236}">
-                <a16:creationId xmlns:a16="http://schemas.microsoft.com/office/drawing/2014/main" id="{4222F324-3EDE-43F4-B3F7-D3D34AB53CC7}"/>
+                <a16:creationId xmlns:a16="http://schemas.microsoft.com/office/drawing/2014/main" xmlns="" id="{4222F324-3EDE-43F4-B3F7-D3D34AB53CC7}"/>
               </a:ext>
             </a:extLst>
           </p:cNvPr>
@@ -7851,7 +11313,7 @@
           <p:cNvPr id="5" name="2 Marcador de contenido">
             <a:extLst>
               <a:ext uri="{FF2B5EF4-FFF2-40B4-BE49-F238E27FC236}">
-                <a16:creationId xmlns:a16="http://schemas.microsoft.com/office/drawing/2014/main" id="{EBA710F4-3692-4B14-A182-1085508C8603}"/>
+                <a16:creationId xmlns:a16="http://schemas.microsoft.com/office/drawing/2014/main" xmlns="" id="{EBA710F4-3692-4B14-A182-1085508C8603}"/>
               </a:ext>
             </a:extLst>
           </p:cNvPr>
@@ -8093,7 +11555,7 @@
           <p:cNvPr id="10" name="2 Marcador de contenido">
             <a:extLst>
               <a:ext uri="{FF2B5EF4-FFF2-40B4-BE49-F238E27FC236}">
-                <a16:creationId xmlns:a16="http://schemas.microsoft.com/office/drawing/2014/main" id="{C5C2AC00-2E50-4004-BDB0-B8189DC45ABA}"/>
+                <a16:creationId xmlns:a16="http://schemas.microsoft.com/office/drawing/2014/main" xmlns="" id="{C5C2AC00-2E50-4004-BDB0-B8189DC45ABA}"/>
               </a:ext>
             </a:extLst>
           </p:cNvPr>
@@ -8258,40 +11720,99 @@
               <a:buNone/>
             </a:pPr>
             <a:r>
-              <a:rPr lang="es-ES_tradnl" sz="2400" dirty="0">
-                <a:latin typeface="Cambria" pitchFamily="18" charset="0"/>
-                <a:ea typeface="+mj-ea"/>
-                <a:cs typeface="+mj-cs"/>
-              </a:rPr>
-              <a:t>Habitualmente, un </a:t>
-            </a:r>
-            <a:r>
-              <a:rPr lang="es-ES_tradnl" sz="2400" dirty="0" err="1">
-                <a:latin typeface="Cambria" pitchFamily="18" charset="0"/>
-                <a:ea typeface="+mj-ea"/>
-                <a:cs typeface="+mj-cs"/>
-              </a:rPr>
-              <a:t>jailbreak</a:t>
-            </a:r>
-            <a:r>
-              <a:rPr lang="es-ES_tradnl" sz="2400" dirty="0">
-                <a:latin typeface="Cambria" pitchFamily="18" charset="0"/>
-                <a:ea typeface="+mj-ea"/>
-                <a:cs typeface="+mj-cs"/>
-              </a:rPr>
-              <a:t> deja rastro de los ficheros utilizados. La idea es buscar uno de estos ficheros para averiguar los métodos que son llamados por la aplicación.</a:t>
-            </a:r>
+              <a:rPr lang="es-ES_tradnl" sz="2400" dirty="0" smtClean="0">
+                <a:latin typeface="Cambria" pitchFamily="18" charset="0"/>
+                <a:ea typeface="+mj-ea"/>
+                <a:cs typeface="+mj-cs"/>
+              </a:rPr>
+              <a:t>Nos generará un fichero en la carpeta </a:t>
+            </a:r>
+            <a:r>
+              <a:rPr lang="es-ES_tradnl" sz="2400" i="1" dirty="0" smtClean="0">
+                <a:latin typeface="Cambria" pitchFamily="18" charset="0"/>
+                <a:ea typeface="+mj-ea"/>
+                <a:cs typeface="+mj-cs"/>
+              </a:rPr>
+              <a:t>__</a:t>
+            </a:r>
+            <a:r>
+              <a:rPr lang="es-ES_tradnl" sz="2400" i="1" dirty="0" err="1" smtClean="0">
+                <a:latin typeface="Cambria" pitchFamily="18" charset="0"/>
+                <a:ea typeface="+mj-ea"/>
+                <a:cs typeface="+mj-cs"/>
+              </a:rPr>
+              <a:t>handlers</a:t>
+            </a:r>
+            <a:r>
+              <a:rPr lang="es-ES_tradnl" sz="2400" i="1" dirty="0" smtClean="0">
+                <a:latin typeface="Cambria" pitchFamily="18" charset="0"/>
+                <a:ea typeface="+mj-ea"/>
+                <a:cs typeface="+mj-cs"/>
+              </a:rPr>
+              <a:t>__, </a:t>
+            </a:r>
+            <a:r>
+              <a:rPr lang="es-ES_tradnl" sz="2400" dirty="0" smtClean="0">
+                <a:latin typeface="Cambria" pitchFamily="18" charset="0"/>
+                <a:ea typeface="+mj-ea"/>
+                <a:cs typeface="+mj-cs"/>
+              </a:rPr>
+              <a:t>en el que podremos comprobar los ficheros que usa la aplicación para la detección del </a:t>
+            </a:r>
+            <a:r>
+              <a:rPr lang="es-ES_tradnl" sz="2400" dirty="0" err="1" smtClean="0">
+                <a:latin typeface="Cambria" pitchFamily="18" charset="0"/>
+                <a:ea typeface="+mj-ea"/>
+                <a:cs typeface="+mj-cs"/>
+              </a:rPr>
+              <a:t>Jailbreak</a:t>
+            </a:r>
+            <a:endParaRPr lang="es-ES_tradnl" sz="2400" dirty="0" smtClean="0">
+              <a:latin typeface="Cambria" pitchFamily="18" charset="0"/>
+              <a:ea typeface="+mj-ea"/>
+              <a:cs typeface="+mj-cs"/>
+            </a:endParaRPr>
+          </a:p>
+          <a:p>
+            <a:pPr indent="17463">
+              <a:buFont typeface="Arial" pitchFamily="34" charset="0"/>
+              <a:buNone/>
+            </a:pPr>
             <a:endParaRPr lang="ca-ES" sz="1600" dirty="0">
               <a:latin typeface="SimSun" panose="02010600030101010101" pitchFamily="2" charset="-122"/>
               <a:ea typeface="SimSun" panose="02010600030101010101" pitchFamily="2" charset="-122"/>
             </a:endParaRPr>
+          </a:p>
+        </p:txBody>
+      </p:sp>
+      <p:sp>
+        <p:nvSpPr>
+          <p:cNvPr id="6" name="5 Marcador de número de diapositiva"/>
+          <p:cNvSpPr>
+            <a:spLocks noGrp="1"/>
+          </p:cNvSpPr>
+          <p:nvPr>
+            <p:ph type="sldNum" sz="quarter" idx="12"/>
+          </p:nvPr>
+        </p:nvSpPr>
+        <p:spPr/>
+        <p:txBody>
+          <a:bodyPr/>
+          <a:lstStyle/>
+          <a:p>
+            <a:fld id="{F0DDBFE9-5A50-4899-BFD1-0BE91B0BD11B}" type="slidenum">
+              <a:rPr lang="ca-ES" smtClean="0"/>
+              <a:pPr/>
+              <a:t>5</a:t>
+            </a:fld>
+            <a:endParaRPr lang="ca-ES"/>
           </a:p>
         </p:txBody>
       </p:sp>
     </p:spTree>
     <p:extLst>
       <p:ext uri="{BB962C8B-B14F-4D97-AF65-F5344CB8AC3E}">
-        <p14:creationId xmlns:p14="http://schemas.microsoft.com/office/powerpoint/2010/main" val="855083321"/>
+        <p14:creationId xmlns:p14="http://schemas.microsoft.com/office/powerpoint/2010/main" xmlns="" val="855083321"/>
       </p:ext>
     </p:extLst>
   </p:cSld>
@@ -8323,7 +11844,7 @@
           <p:cNvPr id="4" name="1 Título">
             <a:extLst>
               <a:ext uri="{FF2B5EF4-FFF2-40B4-BE49-F238E27FC236}">
-                <a16:creationId xmlns:a16="http://schemas.microsoft.com/office/drawing/2014/main" id="{4222F324-3EDE-43F4-B3F7-D3D34AB53CC7}"/>
+                <a16:creationId xmlns:a16="http://schemas.microsoft.com/office/drawing/2014/main" xmlns="" id="{4222F324-3EDE-43F4-B3F7-D3D34AB53CC7}"/>
               </a:ext>
             </a:extLst>
           </p:cNvPr>
@@ -8385,7 +11906,39 @@
                 <a:ea typeface="+mn-ea"/>
                 <a:cs typeface="+mn-cs"/>
               </a:rPr>
-              <a:t> de la detección de Jailbreak (I)</a:t>
+              <a:t> de la detección de </a:t>
+            </a:r>
+            <a:r>
+              <a:rPr lang="ca-ES" sz="3200" b="1" dirty="0" err="1">
+                <a:latin typeface="Cambria" pitchFamily="18" charset="0"/>
+                <a:ea typeface="+mn-ea"/>
+                <a:cs typeface="+mn-cs"/>
+              </a:rPr>
+              <a:t>Jailbreak</a:t>
+            </a:r>
+            <a:r>
+              <a:rPr lang="ca-ES" sz="3200" b="1" dirty="0">
+                <a:latin typeface="Cambria" pitchFamily="18" charset="0"/>
+                <a:ea typeface="+mn-ea"/>
+                <a:cs typeface="+mn-cs"/>
+              </a:rPr>
+              <a:t> </a:t>
+            </a:r>
+            <a:r>
+              <a:rPr lang="ca-ES" sz="3200" b="1" dirty="0" smtClean="0">
+                <a:latin typeface="Cambria" pitchFamily="18" charset="0"/>
+                <a:ea typeface="+mn-ea"/>
+                <a:cs typeface="+mn-cs"/>
+              </a:rPr>
+              <a:t>(y II</a:t>
+            </a:r>
+            <a:r>
+              <a:rPr lang="ca-ES" sz="3200" b="1" dirty="0">
+                <a:latin typeface="Cambria" pitchFamily="18" charset="0"/>
+                <a:ea typeface="+mn-ea"/>
+                <a:cs typeface="+mn-cs"/>
+              </a:rPr>
+              <a:t>)</a:t>
             </a:r>
           </a:p>
         </p:txBody>
@@ -8395,7 +11948,7 @@
           <p:cNvPr id="5" name="2 Marcador de contenido">
             <a:extLst>
               <a:ext uri="{FF2B5EF4-FFF2-40B4-BE49-F238E27FC236}">
-                <a16:creationId xmlns:a16="http://schemas.microsoft.com/office/drawing/2014/main" id="{EBA710F4-3692-4B14-A182-1085508C8603}"/>
+                <a16:creationId xmlns:a16="http://schemas.microsoft.com/office/drawing/2014/main" xmlns="" id="{EBA710F4-3692-4B14-A182-1085508C8603}"/>
               </a:ext>
             </a:extLst>
           </p:cNvPr>
@@ -8407,7 +11960,7 @@
         <p:spPr>
           <a:xfrm>
             <a:off x="457200" y="1268760"/>
-            <a:ext cx="8229600" cy="2592288"/>
+            <a:ext cx="8229600" cy="5040560"/>
           </a:xfrm>
           <a:prstGeom prst="rect">
             <a:avLst/>
@@ -8560,24 +12113,358 @@
               <a:buNone/>
             </a:pPr>
             <a:r>
-              <a:rPr lang="ca-ES" sz="2400" dirty="0">
-                <a:latin typeface="Cambria" pitchFamily="18" charset="0"/>
-                <a:ea typeface="+mj-ea"/>
-                <a:cs typeface="+mj-cs"/>
-              </a:rPr>
-              <a:t>XXXXXX</a:t>
-            </a:r>
-            <a:endParaRPr lang="ca-ES" sz="1600" dirty="0">
+              <a:rPr lang="ca-ES" sz="2400" dirty="0" smtClean="0">
+                <a:latin typeface="Cambria" pitchFamily="18" charset="0"/>
+                <a:ea typeface="+mj-ea"/>
+                <a:cs typeface="+mj-cs"/>
+              </a:rPr>
+              <a:t>En la carpeta </a:t>
+            </a:r>
+            <a:r>
+              <a:rPr lang="ca-ES" sz="2400" i="1" dirty="0" smtClean="0">
+                <a:latin typeface="Cambria" pitchFamily="18" charset="0"/>
+                <a:ea typeface="+mj-ea"/>
+                <a:cs typeface="+mj-cs"/>
+              </a:rPr>
+              <a:t>__</a:t>
+            </a:r>
+            <a:r>
+              <a:rPr lang="ca-ES" sz="2400" i="1" dirty="0" err="1" smtClean="0">
+                <a:latin typeface="Cambria" pitchFamily="18" charset="0"/>
+                <a:ea typeface="+mj-ea"/>
+                <a:cs typeface="+mj-cs"/>
+              </a:rPr>
+              <a:t>handlers</a:t>
+            </a:r>
+            <a:r>
+              <a:rPr lang="ca-ES" sz="2400" i="1" dirty="0" smtClean="0">
+                <a:latin typeface="Cambria" pitchFamily="18" charset="0"/>
+                <a:ea typeface="+mj-ea"/>
+                <a:cs typeface="+mj-cs"/>
+              </a:rPr>
+              <a:t>__ </a:t>
+            </a:r>
+            <a:r>
+              <a:rPr lang="ca-ES" sz="2400" dirty="0" err="1" smtClean="0">
+                <a:latin typeface="Cambria" pitchFamily="18" charset="0"/>
+                <a:ea typeface="+mj-ea"/>
+                <a:cs typeface="+mj-cs"/>
+              </a:rPr>
+              <a:t>tenemos</a:t>
+            </a:r>
+            <a:r>
+              <a:rPr lang="ca-ES" sz="2400" dirty="0" smtClean="0">
+                <a:latin typeface="Cambria" pitchFamily="18" charset="0"/>
+                <a:ea typeface="+mj-ea"/>
+                <a:cs typeface="+mj-cs"/>
+              </a:rPr>
+              <a:t> el </a:t>
+            </a:r>
+            <a:r>
+              <a:rPr lang="ca-ES" sz="2400" dirty="0" err="1" smtClean="0">
+                <a:latin typeface="Cambria" pitchFamily="18" charset="0"/>
+                <a:ea typeface="+mj-ea"/>
+                <a:cs typeface="+mj-cs"/>
+              </a:rPr>
+              <a:t>siguiente</a:t>
+            </a:r>
+            <a:r>
+              <a:rPr lang="ca-ES" sz="2400" dirty="0" smtClean="0">
+                <a:latin typeface="Cambria" pitchFamily="18" charset="0"/>
+                <a:ea typeface="+mj-ea"/>
+                <a:cs typeface="+mj-cs"/>
+              </a:rPr>
+              <a:t> </a:t>
+            </a:r>
+            <a:r>
+              <a:rPr lang="ca-ES" sz="2400" dirty="0" err="1" smtClean="0">
+                <a:latin typeface="Cambria" pitchFamily="18" charset="0"/>
+                <a:ea typeface="+mj-ea"/>
+                <a:cs typeface="+mj-cs"/>
+              </a:rPr>
+              <a:t>fichero</a:t>
+            </a:r>
+            <a:r>
+              <a:rPr lang="ca-ES" sz="2400" dirty="0" smtClean="0">
+                <a:latin typeface="Cambria" pitchFamily="18" charset="0"/>
+                <a:ea typeface="+mj-ea"/>
+                <a:cs typeface="+mj-cs"/>
+              </a:rPr>
+              <a:t>:</a:t>
+            </a:r>
+          </a:p>
+          <a:p>
+            <a:pPr marL="342900" lvl="1" indent="17463" algn="ctr">
+              <a:buNone/>
+            </a:pPr>
+            <a:r>
+              <a:rPr lang="ca-ES" sz="1600" dirty="0" smtClean="0">
+                <a:latin typeface="SimSun" panose="02010600030101010101" pitchFamily="2" charset="-122"/>
+                <a:ea typeface="SimSun" panose="02010600030101010101" pitchFamily="2" charset="-122"/>
+              </a:rPr>
+              <a:t>__</a:t>
+            </a:r>
+            <a:r>
+              <a:rPr lang="ca-ES" sz="1600" dirty="0" err="1" smtClean="0">
+                <a:latin typeface="SimSun" panose="02010600030101010101" pitchFamily="2" charset="-122"/>
+                <a:ea typeface="SimSun" panose="02010600030101010101" pitchFamily="2" charset="-122"/>
+              </a:rPr>
+              <a:t>NSFileManager</a:t>
+            </a:r>
+            <a:r>
+              <a:rPr lang="ca-ES" sz="1600" dirty="0" smtClean="0">
+                <a:latin typeface="SimSun" panose="02010600030101010101" pitchFamily="2" charset="-122"/>
+                <a:ea typeface="SimSun" panose="02010600030101010101" pitchFamily="2" charset="-122"/>
+              </a:rPr>
+              <a:t>_</a:t>
+            </a:r>
+            <a:r>
+              <a:rPr lang="ca-ES" sz="1600" dirty="0" err="1" smtClean="0">
+                <a:latin typeface="SimSun" panose="02010600030101010101" pitchFamily="2" charset="-122"/>
+                <a:ea typeface="SimSun" panose="02010600030101010101" pitchFamily="2" charset="-122"/>
+              </a:rPr>
+              <a:t>fileExistsAtPath</a:t>
+            </a:r>
+            <a:r>
+              <a:rPr lang="ca-ES" sz="1600" dirty="0" smtClean="0">
+                <a:latin typeface="SimSun" panose="02010600030101010101" pitchFamily="2" charset="-122"/>
+                <a:ea typeface="SimSun" panose="02010600030101010101" pitchFamily="2" charset="-122"/>
+              </a:rPr>
+              <a:t>__.</a:t>
+            </a:r>
+            <a:r>
+              <a:rPr lang="ca-ES" sz="1600" dirty="0" err="1" smtClean="0">
+                <a:latin typeface="SimSun" panose="02010600030101010101" pitchFamily="2" charset="-122"/>
+                <a:ea typeface="SimSun" panose="02010600030101010101" pitchFamily="2" charset="-122"/>
+              </a:rPr>
+              <a:t>js</a:t>
+            </a:r>
+            <a:endParaRPr lang="ca-ES" sz="1600" dirty="0" smtClean="0">
               <a:latin typeface="SimSun" panose="02010600030101010101" pitchFamily="2" charset="-122"/>
               <a:ea typeface="SimSun" panose="02010600030101010101" pitchFamily="2" charset="-122"/>
             </a:endParaRPr>
+          </a:p>
+          <a:p>
+            <a:pPr marL="342900" lvl="1" indent="17463" algn="ctr">
+              <a:buNone/>
+            </a:pPr>
+            <a:endParaRPr lang="ca-ES" sz="1600" dirty="0" smtClean="0">
+              <a:latin typeface="SimSun" panose="02010600030101010101" pitchFamily="2" charset="-122"/>
+              <a:ea typeface="SimSun" panose="02010600030101010101" pitchFamily="2" charset="-122"/>
+            </a:endParaRPr>
+          </a:p>
+          <a:p>
+            <a:pPr marL="342900" lvl="1" indent="17463">
+              <a:buNone/>
+            </a:pPr>
+            <a:r>
+              <a:rPr lang="ca-ES" sz="2400" dirty="0" smtClean="0">
+                <a:latin typeface="Cambria" pitchFamily="18" charset="0"/>
+                <a:ea typeface="+mj-ea"/>
+                <a:cs typeface="+mj-cs"/>
+              </a:rPr>
+              <a:t>Y lo </a:t>
+            </a:r>
+            <a:r>
+              <a:rPr lang="ca-ES" sz="2400" dirty="0" err="1" smtClean="0">
+                <a:latin typeface="Cambria" pitchFamily="18" charset="0"/>
+                <a:ea typeface="+mj-ea"/>
+                <a:cs typeface="+mj-cs"/>
+              </a:rPr>
+              <a:t>modificaremos</a:t>
+            </a:r>
+            <a:r>
+              <a:rPr lang="ca-ES" sz="2400" dirty="0" smtClean="0">
+                <a:latin typeface="Cambria" pitchFamily="18" charset="0"/>
+                <a:ea typeface="+mj-ea"/>
+                <a:cs typeface="+mj-cs"/>
+              </a:rPr>
+              <a:t> para que </a:t>
+            </a:r>
+            <a:r>
+              <a:rPr lang="ca-ES" sz="2400" dirty="0" err="1" smtClean="0">
+                <a:latin typeface="Cambria" pitchFamily="18" charset="0"/>
+                <a:ea typeface="+mj-ea"/>
+                <a:cs typeface="+mj-cs"/>
+              </a:rPr>
+              <a:t>cambie</a:t>
+            </a:r>
+            <a:r>
+              <a:rPr lang="ca-ES" sz="2400" dirty="0" smtClean="0">
+                <a:latin typeface="Cambria" pitchFamily="18" charset="0"/>
+                <a:ea typeface="+mj-ea"/>
+                <a:cs typeface="+mj-cs"/>
+              </a:rPr>
+              <a:t> </a:t>
+            </a:r>
+            <a:r>
+              <a:rPr lang="ca-ES" sz="2400" dirty="0" err="1" smtClean="0">
+                <a:latin typeface="Cambria" pitchFamily="18" charset="0"/>
+                <a:ea typeface="+mj-ea"/>
+                <a:cs typeface="+mj-cs"/>
+              </a:rPr>
+              <a:t>su</a:t>
+            </a:r>
+            <a:r>
+              <a:rPr lang="ca-ES" sz="2400" dirty="0" smtClean="0">
+                <a:latin typeface="Cambria" pitchFamily="18" charset="0"/>
+                <a:ea typeface="+mj-ea"/>
+                <a:cs typeface="+mj-cs"/>
+              </a:rPr>
+              <a:t> </a:t>
+            </a:r>
+            <a:r>
+              <a:rPr lang="ca-ES" sz="2400" dirty="0" err="1" smtClean="0">
+                <a:latin typeface="Cambria" pitchFamily="18" charset="0"/>
+                <a:ea typeface="+mj-ea"/>
+                <a:cs typeface="+mj-cs"/>
+              </a:rPr>
+              <a:t>comportamiento</a:t>
+            </a:r>
+            <a:r>
+              <a:rPr lang="ca-ES" sz="2400" dirty="0" smtClean="0">
+                <a:latin typeface="Cambria" pitchFamily="18" charset="0"/>
+                <a:ea typeface="+mj-ea"/>
+                <a:cs typeface="+mj-cs"/>
+              </a:rPr>
+              <a:t> e </a:t>
+            </a:r>
+            <a:r>
+              <a:rPr lang="ca-ES" sz="2400" dirty="0" err="1" smtClean="0">
+                <a:latin typeface="Cambria" pitchFamily="18" charset="0"/>
+                <a:ea typeface="+mj-ea"/>
+                <a:cs typeface="+mj-cs"/>
+              </a:rPr>
+              <a:t>invalide</a:t>
+            </a:r>
+            <a:r>
+              <a:rPr lang="ca-ES" sz="2400" dirty="0" smtClean="0">
+                <a:latin typeface="Cambria" pitchFamily="18" charset="0"/>
+                <a:ea typeface="+mj-ea"/>
+                <a:cs typeface="+mj-cs"/>
+              </a:rPr>
+              <a:t> las </a:t>
+            </a:r>
+            <a:r>
+              <a:rPr lang="ca-ES" sz="2400" dirty="0" err="1" smtClean="0">
+                <a:latin typeface="Cambria" pitchFamily="18" charset="0"/>
+                <a:ea typeface="+mj-ea"/>
+                <a:cs typeface="+mj-cs"/>
+              </a:rPr>
+              <a:t>comprobaciones</a:t>
+            </a:r>
+            <a:r>
+              <a:rPr lang="ca-ES" sz="2400" dirty="0" smtClean="0">
+                <a:latin typeface="Cambria" pitchFamily="18" charset="0"/>
+                <a:ea typeface="+mj-ea"/>
+                <a:cs typeface="+mj-cs"/>
+              </a:rPr>
+              <a:t> </a:t>
+            </a:r>
+            <a:r>
+              <a:rPr lang="ca-ES" sz="2400" dirty="0" err="1" smtClean="0">
+                <a:latin typeface="Cambria" pitchFamily="18" charset="0"/>
+                <a:ea typeface="+mj-ea"/>
+                <a:cs typeface="+mj-cs"/>
+              </a:rPr>
+              <a:t>realizadas</a:t>
+            </a:r>
+            <a:r>
+              <a:rPr lang="ca-ES" sz="2400" dirty="0" smtClean="0">
+                <a:latin typeface="Cambria" pitchFamily="18" charset="0"/>
+                <a:ea typeface="+mj-ea"/>
+                <a:cs typeface="+mj-cs"/>
+              </a:rPr>
+              <a:t> por </a:t>
+            </a:r>
+            <a:r>
+              <a:rPr lang="ca-ES" sz="2400" dirty="0" err="1" smtClean="0">
+                <a:latin typeface="Cambria" pitchFamily="18" charset="0"/>
+                <a:ea typeface="+mj-ea"/>
+                <a:cs typeface="+mj-cs"/>
+              </a:rPr>
+              <a:t>defecto</a:t>
+            </a:r>
+            <a:r>
+              <a:rPr lang="ca-ES" sz="2400" dirty="0" smtClean="0">
+                <a:latin typeface="Cambria" pitchFamily="18" charset="0"/>
+                <a:ea typeface="+mj-ea"/>
+                <a:cs typeface="+mj-cs"/>
+              </a:rPr>
+              <a:t>:</a:t>
+            </a:r>
+          </a:p>
+          <a:p>
+            <a:pPr marL="342900" lvl="1" indent="17463" algn="ctr">
+              <a:buNone/>
+            </a:pPr>
+            <a:endParaRPr lang="ca-ES" sz="1600" dirty="0" smtClean="0">
+              <a:latin typeface="SimSun" panose="02010600030101010101" pitchFamily="2" charset="-122"/>
+              <a:ea typeface="SimSun" panose="02010600030101010101" pitchFamily="2" charset="-122"/>
+            </a:endParaRPr>
+          </a:p>
+        </p:txBody>
+      </p:sp>
+      <p:pic>
+        <p:nvPicPr>
+          <p:cNvPr id="2050" name="Picture 2"/>
+          <p:cNvPicPr>
+            <a:picLocks noChangeAspect="1" noChangeArrowheads="1"/>
+          </p:cNvPicPr>
+          <p:nvPr/>
+        </p:nvPicPr>
+        <p:blipFill>
+          <a:blip r:embed="rId2" cstate="print"/>
+          <a:srcRect/>
+          <a:stretch>
+            <a:fillRect/>
+          </a:stretch>
+        </p:blipFill>
+        <p:spPr bwMode="auto">
+          <a:xfrm>
+            <a:off x="1979712" y="3140968"/>
+            <a:ext cx="5372100" cy="3486150"/>
+          </a:xfrm>
+          <a:prstGeom prst="rect">
+            <a:avLst/>
+          </a:prstGeom>
+          <a:noFill/>
+          <a:ln w="9525">
+            <a:noFill/>
+            <a:miter lim="800000"/>
+            <a:headEnd/>
+            <a:tailEnd/>
+          </a:ln>
+        </p:spPr>
+      </p:pic>
+      <p:sp>
+        <p:nvSpPr>
+          <p:cNvPr id="6" name="5 Marcador de número de diapositiva"/>
+          <p:cNvSpPr>
+            <a:spLocks noGrp="1"/>
+          </p:cNvSpPr>
+          <p:nvPr>
+            <p:ph type="sldNum" sz="quarter" idx="12"/>
+          </p:nvPr>
+        </p:nvSpPr>
+        <p:spPr/>
+        <p:txBody>
+          <a:bodyPr/>
+          <a:lstStyle/>
+          <a:p>
+            <a:fld id="{F0DDBFE9-5A50-4899-BFD1-0BE91B0BD11B}" type="slidenum">
+              <a:rPr lang="ca-ES" smtClean="0"/>
+              <a:pPr/>
+              <a:t>6</a:t>
+            </a:fld>
+            <a:endParaRPr lang="ca-ES"/>
           </a:p>
         </p:txBody>
       </p:sp>
     </p:spTree>
     <p:extLst>
       <p:ext uri="{BB962C8B-B14F-4D97-AF65-F5344CB8AC3E}">
-        <p14:creationId xmlns:p14="http://schemas.microsoft.com/office/powerpoint/2010/main" val="3893865605"/>
+        <p14:creationId xmlns:p14="http://schemas.microsoft.com/office/powerpoint/2010/main" xmlns="" val="3893865605"/>
       </p:ext>
     </p:extLst>
   </p:cSld>
@@ -8609,7 +12496,7 @@
           <p:cNvPr id="4" name="1 Título">
             <a:extLst>
               <a:ext uri="{FF2B5EF4-FFF2-40B4-BE49-F238E27FC236}">
-                <a16:creationId xmlns:a16="http://schemas.microsoft.com/office/drawing/2014/main" id="{4222F324-3EDE-43F4-B3F7-D3D34AB53CC7}"/>
+                <a16:creationId xmlns:a16="http://schemas.microsoft.com/office/drawing/2014/main" xmlns="" id="{4222F324-3EDE-43F4-B3F7-D3D34AB53CC7}"/>
               </a:ext>
             </a:extLst>
           </p:cNvPr>
@@ -8681,7 +12568,7 @@
           <p:cNvPr id="5" name="2 Marcador de contenido">
             <a:extLst>
               <a:ext uri="{FF2B5EF4-FFF2-40B4-BE49-F238E27FC236}">
-                <a16:creationId xmlns:a16="http://schemas.microsoft.com/office/drawing/2014/main" id="{EBA710F4-3692-4B14-A182-1085508C8603}"/>
+                <a16:creationId xmlns:a16="http://schemas.microsoft.com/office/drawing/2014/main" xmlns="" id="{EBA710F4-3692-4B14-A182-1085508C8603}"/>
               </a:ext>
             </a:extLst>
           </p:cNvPr>
@@ -8931,10 +12818,34 @@
           </a:p>
         </p:txBody>
       </p:sp>
+      <p:sp>
+        <p:nvSpPr>
+          <p:cNvPr id="6" name="5 Marcador de número de diapositiva"/>
+          <p:cNvSpPr>
+            <a:spLocks noGrp="1"/>
+          </p:cNvSpPr>
+          <p:nvPr>
+            <p:ph type="sldNum" sz="quarter" idx="12"/>
+          </p:nvPr>
+        </p:nvSpPr>
+        <p:spPr/>
+        <p:txBody>
+          <a:bodyPr/>
+          <a:lstStyle/>
+          <a:p>
+            <a:fld id="{F0DDBFE9-5A50-4899-BFD1-0BE91B0BD11B}" type="slidenum">
+              <a:rPr lang="ca-ES" smtClean="0"/>
+              <a:pPr/>
+              <a:t>7</a:t>
+            </a:fld>
+            <a:endParaRPr lang="ca-ES"/>
+          </a:p>
+        </p:txBody>
+      </p:sp>
     </p:spTree>
     <p:extLst>
       <p:ext uri="{BB962C8B-B14F-4D97-AF65-F5344CB8AC3E}">
-        <p14:creationId xmlns:p14="http://schemas.microsoft.com/office/powerpoint/2010/main" val="3361549163"/>
+        <p14:creationId xmlns:p14="http://schemas.microsoft.com/office/powerpoint/2010/main" xmlns="" val="3361549163"/>
       </p:ext>
     </p:extLst>
   </p:cSld>
@@ -8966,7 +12877,7 @@
           <p:cNvPr id="4" name="1 Título">
             <a:extLst>
               <a:ext uri="{FF2B5EF4-FFF2-40B4-BE49-F238E27FC236}">
-                <a16:creationId xmlns:a16="http://schemas.microsoft.com/office/drawing/2014/main" id="{4222F324-3EDE-43F4-B3F7-D3D34AB53CC7}"/>
+                <a16:creationId xmlns:a16="http://schemas.microsoft.com/office/drawing/2014/main" xmlns="" id="{4222F324-3EDE-43F4-B3F7-D3D34AB53CC7}"/>
               </a:ext>
             </a:extLst>
           </p:cNvPr>
@@ -9032,7 +12943,7 @@
           <p:cNvPr id="5" name="2 Marcador de contenido">
             <a:extLst>
               <a:ext uri="{FF2B5EF4-FFF2-40B4-BE49-F238E27FC236}">
-                <a16:creationId xmlns:a16="http://schemas.microsoft.com/office/drawing/2014/main" id="{EBA710F4-3692-4B14-A182-1085508C8603}"/>
+                <a16:creationId xmlns:a16="http://schemas.microsoft.com/office/drawing/2014/main" xmlns="" id="{EBA710F4-3692-4B14-A182-1085508C8603}"/>
               </a:ext>
             </a:extLst>
           </p:cNvPr>
@@ -9398,7 +13309,7 @@
           <p:cNvPr id="6" name="Imagen 3">
             <a:extLst>
               <a:ext uri="{FF2B5EF4-FFF2-40B4-BE49-F238E27FC236}">
-                <a16:creationId xmlns:a16="http://schemas.microsoft.com/office/drawing/2014/main" id="{8D61A401-4145-4873-9C30-F7B38DA935BA}"/>
+                <a16:creationId xmlns:a16="http://schemas.microsoft.com/office/drawing/2014/main" xmlns="" id="{8D61A401-4145-4873-9C30-F7B38DA935BA}"/>
               </a:ext>
             </a:extLst>
           </p:cNvPr>
@@ -9423,10 +13334,34 @@
           </a:prstGeom>
         </p:spPr>
       </p:pic>
+      <p:sp>
+        <p:nvSpPr>
+          <p:cNvPr id="7" name="6 Marcador de número de diapositiva"/>
+          <p:cNvSpPr>
+            <a:spLocks noGrp="1"/>
+          </p:cNvSpPr>
+          <p:nvPr>
+            <p:ph type="sldNum" sz="quarter" idx="12"/>
+          </p:nvPr>
+        </p:nvSpPr>
+        <p:spPr/>
+        <p:txBody>
+          <a:bodyPr/>
+          <a:lstStyle/>
+          <a:p>
+            <a:fld id="{F0DDBFE9-5A50-4899-BFD1-0BE91B0BD11B}" type="slidenum">
+              <a:rPr lang="ca-ES" smtClean="0"/>
+              <a:pPr/>
+              <a:t>8</a:t>
+            </a:fld>
+            <a:endParaRPr lang="ca-ES"/>
+          </a:p>
+        </p:txBody>
+      </p:sp>
     </p:spTree>
     <p:extLst>
       <p:ext uri="{BB962C8B-B14F-4D97-AF65-F5344CB8AC3E}">
-        <p14:creationId xmlns:p14="http://schemas.microsoft.com/office/powerpoint/2010/main" val="3451875698"/>
+        <p14:creationId xmlns:p14="http://schemas.microsoft.com/office/powerpoint/2010/main" xmlns="" val="3451875698"/>
       </p:ext>
     </p:extLst>
   </p:cSld>
@@ -9458,7 +13393,7 @@
           <p:cNvPr id="4" name="1 Título">
             <a:extLst>
               <a:ext uri="{FF2B5EF4-FFF2-40B4-BE49-F238E27FC236}">
-                <a16:creationId xmlns:a16="http://schemas.microsoft.com/office/drawing/2014/main" id="{4222F324-3EDE-43F4-B3F7-D3D34AB53CC7}"/>
+                <a16:creationId xmlns:a16="http://schemas.microsoft.com/office/drawing/2014/main" xmlns="" id="{4222F324-3EDE-43F4-B3F7-D3D34AB53CC7}"/>
               </a:ext>
             </a:extLst>
           </p:cNvPr>
@@ -9524,7 +13459,7 @@
           <p:cNvPr id="5" name="2 Marcador de contenido">
             <a:extLst>
               <a:ext uri="{FF2B5EF4-FFF2-40B4-BE49-F238E27FC236}">
-                <a16:creationId xmlns:a16="http://schemas.microsoft.com/office/drawing/2014/main" id="{EBA710F4-3692-4B14-A182-1085508C8603}"/>
+                <a16:creationId xmlns:a16="http://schemas.microsoft.com/office/drawing/2014/main" xmlns="" id="{EBA710F4-3692-4B14-A182-1085508C8603}"/>
               </a:ext>
             </a:extLst>
           </p:cNvPr>
@@ -9842,7 +13777,7 @@
           <p:cNvPr id="7" name="Imagen 2">
             <a:extLst>
               <a:ext uri="{FF2B5EF4-FFF2-40B4-BE49-F238E27FC236}">
-                <a16:creationId xmlns:a16="http://schemas.microsoft.com/office/drawing/2014/main" id="{C847EC41-3592-4F26-8386-58C3D1E97B20}"/>
+                <a16:creationId xmlns:a16="http://schemas.microsoft.com/office/drawing/2014/main" xmlns="" id="{C847EC41-3592-4F26-8386-58C3D1E97B20}"/>
               </a:ext>
             </a:extLst>
           </p:cNvPr>
@@ -9870,7 +13805,7 @@
           <p:cNvPr id="9" name="Imagen 4">
             <a:extLst>
               <a:ext uri="{FF2B5EF4-FFF2-40B4-BE49-F238E27FC236}">
-                <a16:creationId xmlns:a16="http://schemas.microsoft.com/office/drawing/2014/main" id="{7A6AB466-FEB2-4095-A3FF-AB7A445EE40B}"/>
+                <a16:creationId xmlns:a16="http://schemas.microsoft.com/office/drawing/2014/main" xmlns="" id="{7A6AB466-FEB2-4095-A3FF-AB7A445EE40B}"/>
               </a:ext>
             </a:extLst>
           </p:cNvPr>
@@ -9893,10 +13828,34 @@
           </a:prstGeom>
         </p:spPr>
       </p:pic>
+      <p:sp>
+        <p:nvSpPr>
+          <p:cNvPr id="6" name="5 Marcador de número de diapositiva"/>
+          <p:cNvSpPr>
+            <a:spLocks noGrp="1"/>
+          </p:cNvSpPr>
+          <p:nvPr>
+            <p:ph type="sldNum" sz="quarter" idx="12"/>
+          </p:nvPr>
+        </p:nvSpPr>
+        <p:spPr/>
+        <p:txBody>
+          <a:bodyPr/>
+          <a:lstStyle/>
+          <a:p>
+            <a:fld id="{F0DDBFE9-5A50-4899-BFD1-0BE91B0BD11B}" type="slidenum">
+              <a:rPr lang="ca-ES" smtClean="0"/>
+              <a:pPr/>
+              <a:t>9</a:t>
+            </a:fld>
+            <a:endParaRPr lang="ca-ES"/>
+          </a:p>
+        </p:txBody>
+      </p:sp>
     </p:spTree>
     <p:extLst>
       <p:ext uri="{BB962C8B-B14F-4D97-AF65-F5344CB8AC3E}">
-        <p14:creationId xmlns:p14="http://schemas.microsoft.com/office/powerpoint/2010/main" val="4038277416"/>
+        <p14:creationId xmlns:p14="http://schemas.microsoft.com/office/powerpoint/2010/main" xmlns="" val="4038277416"/>
       </p:ext>
     </p:extLst>
   </p:cSld>
@@ -10187,4 +14146,287 @@
   <a:objectDefaults/>
   <a:extraClrSchemeLst/>
 </a:theme>
+</file>
+
+<file path=ppt/theme/theme2.xml><?xml version="1.0" encoding="utf-8"?>
+<a:theme xmlns:a="http://schemas.openxmlformats.org/drawingml/2006/main" name="Tema de Office">
+  <a:themeElements>
+    <a:clrScheme name="Office">
+      <a:dk1>
+        <a:sysClr val="windowText" lastClr="000000"/>
+      </a:dk1>
+      <a:lt1>
+        <a:sysClr val="window" lastClr="FFFFFF"/>
+      </a:lt1>
+      <a:dk2>
+        <a:srgbClr val="1F497D"/>
+      </a:dk2>
+      <a:lt2>
+        <a:srgbClr val="EEECE1"/>
+      </a:lt2>
+      <a:accent1>
+        <a:srgbClr val="4F81BD"/>
+      </a:accent1>
+      <a:accent2>
+        <a:srgbClr val="C0504D"/>
+      </a:accent2>
+      <a:accent3>
+        <a:srgbClr val="9BBB59"/>
+      </a:accent3>
+      <a:accent4>
+        <a:srgbClr val="8064A2"/>
+      </a:accent4>
+      <a:accent5>
+        <a:srgbClr val="4BACC6"/>
+      </a:accent5>
+      <a:accent6>
+        <a:srgbClr val="F79646"/>
+      </a:accent6>
+      <a:hlink>
+        <a:srgbClr val="0000FF"/>
+      </a:hlink>
+      <a:folHlink>
+        <a:srgbClr val="800080"/>
+      </a:folHlink>
+    </a:clrScheme>
+    <a:fontScheme name="Office">
+      <a:majorFont>
+        <a:latin typeface="Calibri"/>
+        <a:ea typeface=""/>
+        <a:cs typeface=""/>
+        <a:font script="Jpan" typeface="ＭＳ Ｐゴシック"/>
+        <a:font script="Hang" typeface="맑은 고딕"/>
+        <a:font script="Hans" typeface="宋体"/>
+        <a:font script="Hant" typeface="新細明體"/>
+        <a:font script="Arab" typeface="Times New Roman"/>
+        <a:font script="Hebr" typeface="Times New Roman"/>
+        <a:font script="Thai" typeface="Angsana New"/>
+        <a:font script="Ethi" typeface="Nyala"/>
+        <a:font script="Beng" typeface="Vrinda"/>
+        <a:font script="Gujr" typeface="Shruti"/>
+        <a:font script="Khmr" typeface="MoolBoran"/>
+        <a:font script="Knda" typeface="Tunga"/>
+        <a:font script="Guru" typeface="Raavi"/>
+        <a:font script="Cans" typeface="Euphemia"/>
+        <a:font script="Cher" typeface="Plantagenet Cherokee"/>
+        <a:font script="Yiii" typeface="Microsoft Yi Baiti"/>
+        <a:font script="Tibt" typeface="Microsoft Himalaya"/>
+        <a:font script="Thaa" typeface="MV Boli"/>
+        <a:font script="Deva" typeface="Mangal"/>
+        <a:font script="Telu" typeface="Gautami"/>
+        <a:font script="Taml" typeface="Latha"/>
+        <a:font script="Syrc" typeface="Estrangelo Edessa"/>
+        <a:font script="Orya" typeface="Kalinga"/>
+        <a:font script="Mlym" typeface="Kartika"/>
+        <a:font script="Laoo" typeface="DokChampa"/>
+        <a:font script="Sinh" typeface="Iskoola Pota"/>
+        <a:font script="Mong" typeface="Mongolian Baiti"/>
+        <a:font script="Viet" typeface="Times New Roman"/>
+        <a:font script="Uigh" typeface="Microsoft Uighur"/>
+      </a:majorFont>
+      <a:minorFont>
+        <a:latin typeface="Calibri"/>
+        <a:ea typeface=""/>
+        <a:cs typeface=""/>
+        <a:font script="Jpan" typeface="ＭＳ Ｐゴシック"/>
+        <a:font script="Hang" typeface="맑은 고딕"/>
+        <a:font script="Hans" typeface="宋体"/>
+        <a:font script="Hant" typeface="新細明體"/>
+        <a:font script="Arab" typeface="Arial"/>
+        <a:font script="Hebr" typeface="Arial"/>
+        <a:font script="Thai" typeface="Cordia New"/>
+        <a:font script="Ethi" typeface="Nyala"/>
+        <a:font script="Beng" typeface="Vrinda"/>
+        <a:font script="Gujr" typeface="Shruti"/>
+        <a:font script="Khmr" typeface="DaunPenh"/>
+        <a:font script="Knda" typeface="Tunga"/>
+        <a:font script="Guru" typeface="Raavi"/>
+        <a:font script="Cans" typeface="Euphemia"/>
+        <a:font script="Cher" typeface="Plantagenet Cherokee"/>
+        <a:font script="Yiii" typeface="Microsoft Yi Baiti"/>
+        <a:font script="Tibt" typeface="Microsoft Himalaya"/>
+        <a:font script="Thaa" typeface="MV Boli"/>
+        <a:font script="Deva" typeface="Mangal"/>
+        <a:font script="Telu" typeface="Gautami"/>
+        <a:font script="Taml" typeface="Latha"/>
+        <a:font script="Syrc" typeface="Estrangelo Edessa"/>
+        <a:font script="Orya" typeface="Kalinga"/>
+        <a:font script="Mlym" typeface="Kartika"/>
+        <a:font script="Laoo" typeface="DokChampa"/>
+        <a:font script="Sinh" typeface="Iskoola Pota"/>
+        <a:font script="Mong" typeface="Mongolian Baiti"/>
+        <a:font script="Viet" typeface="Arial"/>
+        <a:font script="Uigh" typeface="Microsoft Uighur"/>
+      </a:minorFont>
+    </a:fontScheme>
+    <a:fmtScheme name="Office">
+      <a:fillStyleLst>
+        <a:solidFill>
+          <a:schemeClr val="phClr"/>
+        </a:solidFill>
+        <a:gradFill rotWithShape="1">
+          <a:gsLst>
+            <a:gs pos="0">
+              <a:schemeClr val="phClr">
+                <a:tint val="50000"/>
+                <a:satMod val="300000"/>
+              </a:schemeClr>
+            </a:gs>
+            <a:gs pos="35000">
+              <a:schemeClr val="phClr">
+                <a:tint val="37000"/>
+                <a:satMod val="300000"/>
+              </a:schemeClr>
+            </a:gs>
+            <a:gs pos="100000">
+              <a:schemeClr val="phClr">
+                <a:tint val="15000"/>
+                <a:satMod val="350000"/>
+              </a:schemeClr>
+            </a:gs>
+          </a:gsLst>
+          <a:lin ang="16200000" scaled="1"/>
+        </a:gradFill>
+        <a:gradFill rotWithShape="1">
+          <a:gsLst>
+            <a:gs pos="0">
+              <a:schemeClr val="phClr">
+                <a:shade val="51000"/>
+                <a:satMod val="130000"/>
+              </a:schemeClr>
+            </a:gs>
+            <a:gs pos="80000">
+              <a:schemeClr val="phClr">
+                <a:shade val="93000"/>
+                <a:satMod val="130000"/>
+              </a:schemeClr>
+            </a:gs>
+            <a:gs pos="100000">
+              <a:schemeClr val="phClr">
+                <a:shade val="94000"/>
+                <a:satMod val="135000"/>
+              </a:schemeClr>
+            </a:gs>
+          </a:gsLst>
+          <a:lin ang="16200000" scaled="0"/>
+        </a:gradFill>
+      </a:fillStyleLst>
+      <a:lnStyleLst>
+        <a:ln w="9525" cap="flat" cmpd="sng" algn="ctr">
+          <a:solidFill>
+            <a:schemeClr val="phClr">
+              <a:shade val="95000"/>
+              <a:satMod val="105000"/>
+            </a:schemeClr>
+          </a:solidFill>
+          <a:prstDash val="solid"/>
+        </a:ln>
+        <a:ln w="25400" cap="flat" cmpd="sng" algn="ctr">
+          <a:solidFill>
+            <a:schemeClr val="phClr"/>
+          </a:solidFill>
+          <a:prstDash val="solid"/>
+        </a:ln>
+        <a:ln w="38100" cap="flat" cmpd="sng" algn="ctr">
+          <a:solidFill>
+            <a:schemeClr val="phClr"/>
+          </a:solidFill>
+          <a:prstDash val="solid"/>
+        </a:ln>
+      </a:lnStyleLst>
+      <a:effectStyleLst>
+        <a:effectStyle>
+          <a:effectLst>
+            <a:outerShdw blurRad="40000" dist="20000" dir="5400000" rotWithShape="0">
+              <a:srgbClr val="000000">
+                <a:alpha val="38000"/>
+              </a:srgbClr>
+            </a:outerShdw>
+          </a:effectLst>
+        </a:effectStyle>
+        <a:effectStyle>
+          <a:effectLst>
+            <a:outerShdw blurRad="40000" dist="23000" dir="5400000" rotWithShape="0">
+              <a:srgbClr val="000000">
+                <a:alpha val="35000"/>
+              </a:srgbClr>
+            </a:outerShdw>
+          </a:effectLst>
+        </a:effectStyle>
+        <a:effectStyle>
+          <a:effectLst>
+            <a:outerShdw blurRad="40000" dist="23000" dir="5400000" rotWithShape="0">
+              <a:srgbClr val="000000">
+                <a:alpha val="35000"/>
+              </a:srgbClr>
+            </a:outerShdw>
+          </a:effectLst>
+          <a:scene3d>
+            <a:camera prst="orthographicFront">
+              <a:rot lat="0" lon="0" rev="0"/>
+            </a:camera>
+            <a:lightRig rig="threePt" dir="t">
+              <a:rot lat="0" lon="0" rev="1200000"/>
+            </a:lightRig>
+          </a:scene3d>
+          <a:sp3d>
+            <a:bevelT w="63500" h="25400"/>
+          </a:sp3d>
+        </a:effectStyle>
+      </a:effectStyleLst>
+      <a:bgFillStyleLst>
+        <a:solidFill>
+          <a:schemeClr val="phClr"/>
+        </a:solidFill>
+        <a:gradFill rotWithShape="1">
+          <a:gsLst>
+            <a:gs pos="0">
+              <a:schemeClr val="phClr">
+                <a:tint val="40000"/>
+                <a:satMod val="350000"/>
+              </a:schemeClr>
+            </a:gs>
+            <a:gs pos="40000">
+              <a:schemeClr val="phClr">
+                <a:tint val="45000"/>
+                <a:shade val="99000"/>
+                <a:satMod val="350000"/>
+              </a:schemeClr>
+            </a:gs>
+            <a:gs pos="100000">
+              <a:schemeClr val="phClr">
+                <a:shade val="20000"/>
+                <a:satMod val="255000"/>
+              </a:schemeClr>
+            </a:gs>
+          </a:gsLst>
+          <a:path path="circle">
+            <a:fillToRect l="50000" t="-80000" r="50000" b="180000"/>
+          </a:path>
+        </a:gradFill>
+        <a:gradFill rotWithShape="1">
+          <a:gsLst>
+            <a:gs pos="0">
+              <a:schemeClr val="phClr">
+                <a:tint val="80000"/>
+                <a:satMod val="300000"/>
+              </a:schemeClr>
+            </a:gs>
+            <a:gs pos="100000">
+              <a:schemeClr val="phClr">
+                <a:shade val="30000"/>
+                <a:satMod val="200000"/>
+              </a:schemeClr>
+            </a:gs>
+          </a:gsLst>
+          <a:path path="circle">
+            <a:fillToRect l="50000" t="50000" r="50000" b="50000"/>
+          </a:path>
+        </a:gradFill>
+      </a:bgFillStyleLst>
+    </a:fmtScheme>
+  </a:themeElements>
+  <a:objectDefaults/>
+  <a:extraClrSchemeLst/>
+</a:theme>
 </file>